--- a/misc/Rules/Ripple_Effect.pptx
+++ b/misc/Rules/Ripple_Effect.pptx
@@ -1,39 +1,39 @@
 
 <file path=ppt/presentation.xml><?xml version="1.0" encoding="utf-8"?>
-<p:presentation xmlns:a="http://schemas.openxmlformats.org/drawingml/2006/main" xmlns:r="http://schemas.openxmlformats.org/officeDocument/2006/relationships" xmlns:mc="http://schemas.openxmlformats.org/markup-compatibility/2006" xmlns:mv="urn:schemas-microsoft-com:mac:vml" xmlns:p="http://schemas.openxmlformats.org/presentationml/2006/main" xmlns:c="http://schemas.openxmlformats.org/drawingml/2006/chart" xmlns:dgm="http://schemas.openxmlformats.org/drawingml/2006/diagram" xmlns:o="urn:schemas-microsoft-com:office:office" xmlns:v="urn:schemas-microsoft-com:vml" xmlns:pvml="urn:schemas-microsoft-com:office:powerpoint" xmlns:com="http://schemas.openxmlformats.org/drawingml/2006/compatibility" xmlns:p14="http://schemas.microsoft.com/office/powerpoint/2010/main" saveSubsetFonts="1" autoCompressPictures="0" strictFirstAndLastChars="0" showSpecialPlsOnTitleSld="0" firstSlideNum="0">
+<p:presentation xmlns:a="http://schemas.openxmlformats.org/drawingml/2006/main" xmlns:r="http://schemas.openxmlformats.org/officeDocument/2006/relationships" xmlns:p="http://schemas.openxmlformats.org/presentationml/2006/main" firstSlideNum="0" showSpecialPlsOnTitleSld="0" strictFirstAndLastChars="0" saveSubsetFonts="1" autoCompressPictures="0">
   <p:sldMasterIdLst>
-    <p:sldMasterId id="2147483654" r:id="rId4"/>
+    <p:sldMasterId id="2147483654" r:id="rId1"/>
   </p:sldMasterIdLst>
   <p:notesMasterIdLst>
-    <p:notesMasterId r:id="rId5"/>
+    <p:notesMasterId r:id="rId23"/>
   </p:notesMasterIdLst>
   <p:sldIdLst>
-    <p:sldId id="256" r:id="rId6"/>
-    <p:sldId id="257" r:id="rId7"/>
-    <p:sldId id="258" r:id="rId8"/>
-    <p:sldId id="259" r:id="rId9"/>
-    <p:sldId id="260" r:id="rId10"/>
-    <p:sldId id="261" r:id="rId11"/>
-    <p:sldId id="262" r:id="rId12"/>
-    <p:sldId id="263" r:id="rId13"/>
-    <p:sldId id="264" r:id="rId14"/>
-    <p:sldId id="265" r:id="rId15"/>
-    <p:sldId id="266" r:id="rId16"/>
-    <p:sldId id="267" r:id="rId17"/>
-    <p:sldId id="268" r:id="rId18"/>
-    <p:sldId id="269" r:id="rId19"/>
-    <p:sldId id="270" r:id="rId20"/>
-    <p:sldId id="271" r:id="rId21"/>
-    <p:sldId id="272" r:id="rId22"/>
-    <p:sldId id="273" r:id="rId23"/>
-    <p:sldId id="274" r:id="rId24"/>
-    <p:sldId id="275" r:id="rId25"/>
-    <p:sldId id="276" r:id="rId26"/>
+    <p:sldId id="256" r:id="rId2"/>
+    <p:sldId id="257" r:id="rId3"/>
+    <p:sldId id="258" r:id="rId4"/>
+    <p:sldId id="259" r:id="rId5"/>
+    <p:sldId id="260" r:id="rId6"/>
+    <p:sldId id="261" r:id="rId7"/>
+    <p:sldId id="262" r:id="rId8"/>
+    <p:sldId id="263" r:id="rId9"/>
+    <p:sldId id="264" r:id="rId10"/>
+    <p:sldId id="265" r:id="rId11"/>
+    <p:sldId id="266" r:id="rId12"/>
+    <p:sldId id="267" r:id="rId13"/>
+    <p:sldId id="268" r:id="rId14"/>
+    <p:sldId id="269" r:id="rId15"/>
+    <p:sldId id="270" r:id="rId16"/>
+    <p:sldId id="271" r:id="rId17"/>
+    <p:sldId id="272" r:id="rId18"/>
+    <p:sldId id="273" r:id="rId19"/>
+    <p:sldId id="274" r:id="rId20"/>
+    <p:sldId id="275" r:id="rId21"/>
+    <p:sldId id="276" r:id="rId22"/>
   </p:sldIdLst>
-  <p:sldSz cy="5143500" cx="9144000"/>
-  <p:notesSz cy="9144000" cx="6858000"/>
+  <p:sldSz cx="9144000" cy="5143500" type="screen16x9"/>
+  <p:notesSz cx="6858000" cy="9144000"/>
   <p:defaultTextStyle>
-    <a:defPPr algn="l" rtl="0" marR="0">
+    <a:defPPr marR="0" algn="l" rtl="0">
       <a:lnSpc>
         <a:spcPct val="100000"/>
       </a:lnSpc>
@@ -44,7 +44,7 @@
         <a:spcPts val="0"/>
       </a:spcAft>
     </a:defPPr>
-    <a:lvl1pPr algn="l" rtl="0" marR="0">
+    <a:lvl1pPr marR="0" algn="l" rtl="0">
       <a:lnSpc>
         <a:spcPct val="100000"/>
       </a:lnSpc>
@@ -55,7 +55,7 @@
         <a:spcPts val="0"/>
       </a:spcAft>
       <a:buNone/>
-      <a:defRPr strike="noStrike" u="none" b="0" cap="none" baseline="0" sz="1400" i="0">
+      <a:defRPr sz="1400" b="0" i="0" u="none" strike="noStrike" cap="none" baseline="0">
         <a:solidFill>
           <a:srgbClr val="000000"/>
         </a:solidFill>
@@ -66,7 +66,7 @@
         <a:rtl val="0"/>
       </a:defRPr>
     </a:lvl1pPr>
-    <a:lvl2pPr algn="l" rtl="0" marR="0">
+    <a:lvl2pPr marR="0" algn="l" rtl="0">
       <a:lnSpc>
         <a:spcPct val="100000"/>
       </a:lnSpc>
@@ -77,7 +77,7 @@
         <a:spcPts val="0"/>
       </a:spcAft>
       <a:buNone/>
-      <a:defRPr strike="noStrike" u="none" b="0" cap="none" baseline="0" sz="1400" i="0">
+      <a:defRPr sz="1400" b="0" i="0" u="none" strike="noStrike" cap="none" baseline="0">
         <a:solidFill>
           <a:srgbClr val="000000"/>
         </a:solidFill>
@@ -88,7 +88,7 @@
         <a:rtl val="0"/>
       </a:defRPr>
     </a:lvl2pPr>
-    <a:lvl3pPr algn="l" rtl="0" marR="0">
+    <a:lvl3pPr marR="0" algn="l" rtl="0">
       <a:lnSpc>
         <a:spcPct val="100000"/>
       </a:lnSpc>
@@ -99,7 +99,7 @@
         <a:spcPts val="0"/>
       </a:spcAft>
       <a:buNone/>
-      <a:defRPr strike="noStrike" u="none" b="0" cap="none" baseline="0" sz="1400" i="0">
+      <a:defRPr sz="1400" b="0" i="0" u="none" strike="noStrike" cap="none" baseline="0">
         <a:solidFill>
           <a:srgbClr val="000000"/>
         </a:solidFill>
@@ -110,7 +110,7 @@
         <a:rtl val="0"/>
       </a:defRPr>
     </a:lvl3pPr>
-    <a:lvl4pPr algn="l" rtl="0" marR="0">
+    <a:lvl4pPr marR="0" algn="l" rtl="0">
       <a:lnSpc>
         <a:spcPct val="100000"/>
       </a:lnSpc>
@@ -121,7 +121,7 @@
         <a:spcPts val="0"/>
       </a:spcAft>
       <a:buNone/>
-      <a:defRPr strike="noStrike" u="none" b="0" cap="none" baseline="0" sz="1400" i="0">
+      <a:defRPr sz="1400" b="0" i="0" u="none" strike="noStrike" cap="none" baseline="0">
         <a:solidFill>
           <a:srgbClr val="000000"/>
         </a:solidFill>
@@ -132,7 +132,7 @@
         <a:rtl val="0"/>
       </a:defRPr>
     </a:lvl4pPr>
-    <a:lvl5pPr algn="l" rtl="0" marR="0">
+    <a:lvl5pPr marR="0" algn="l" rtl="0">
       <a:lnSpc>
         <a:spcPct val="100000"/>
       </a:lnSpc>
@@ -143,7 +143,7 @@
         <a:spcPts val="0"/>
       </a:spcAft>
       <a:buNone/>
-      <a:defRPr strike="noStrike" u="none" b="0" cap="none" baseline="0" sz="1400" i="0">
+      <a:defRPr sz="1400" b="0" i="0" u="none" strike="noStrike" cap="none" baseline="0">
         <a:solidFill>
           <a:srgbClr val="000000"/>
         </a:solidFill>
@@ -154,7 +154,7 @@
         <a:rtl val="0"/>
       </a:defRPr>
     </a:lvl5pPr>
-    <a:lvl6pPr algn="l" rtl="0" marR="0">
+    <a:lvl6pPr marR="0" algn="l" rtl="0">
       <a:lnSpc>
         <a:spcPct val="100000"/>
       </a:lnSpc>
@@ -165,7 +165,7 @@
         <a:spcPts val="0"/>
       </a:spcAft>
       <a:buNone/>
-      <a:defRPr strike="noStrike" u="none" b="0" cap="none" baseline="0" sz="1400" i="0">
+      <a:defRPr sz="1400" b="0" i="0" u="none" strike="noStrike" cap="none" baseline="0">
         <a:solidFill>
           <a:srgbClr val="000000"/>
         </a:solidFill>
@@ -176,7 +176,7 @@
         <a:rtl val="0"/>
       </a:defRPr>
     </a:lvl6pPr>
-    <a:lvl7pPr algn="l" rtl="0" marR="0">
+    <a:lvl7pPr marR="0" algn="l" rtl="0">
       <a:lnSpc>
         <a:spcPct val="100000"/>
       </a:lnSpc>
@@ -187,7 +187,7 @@
         <a:spcPts val="0"/>
       </a:spcAft>
       <a:buNone/>
-      <a:defRPr strike="noStrike" u="none" b="0" cap="none" baseline="0" sz="1400" i="0">
+      <a:defRPr sz="1400" b="0" i="0" u="none" strike="noStrike" cap="none" baseline="0">
         <a:solidFill>
           <a:srgbClr val="000000"/>
         </a:solidFill>
@@ -198,7 +198,7 @@
         <a:rtl val="0"/>
       </a:defRPr>
     </a:lvl7pPr>
-    <a:lvl8pPr algn="l" rtl="0" marR="0">
+    <a:lvl8pPr marR="0" algn="l" rtl="0">
       <a:lnSpc>
         <a:spcPct val="100000"/>
       </a:lnSpc>
@@ -209,7 +209,7 @@
         <a:spcPts val="0"/>
       </a:spcAft>
       <a:buNone/>
-      <a:defRPr strike="noStrike" u="none" b="0" cap="none" baseline="0" sz="1400" i="0">
+      <a:defRPr sz="1400" b="0" i="0" u="none" strike="noStrike" cap="none" baseline="0">
         <a:solidFill>
           <a:srgbClr val="000000"/>
         </a:solidFill>
@@ -220,7 +220,7 @@
         <a:rtl val="0"/>
       </a:defRPr>
     </a:lvl8pPr>
-    <a:lvl9pPr algn="l" rtl="0" marR="0">
+    <a:lvl9pPr marR="0" algn="l" rtl="0">
       <a:lnSpc>
         <a:spcPct val="100000"/>
       </a:lnSpc>
@@ -231,7 +231,7 @@
         <a:spcPts val="0"/>
       </a:spcAft>
       <a:buNone/>
-      <a:defRPr strike="noStrike" u="none" b="0" cap="none" baseline="0" sz="1400" i="0">
+      <a:defRPr sz="1400" b="0" i="0" u="none" strike="noStrike" cap="none" baseline="0">
         <a:solidFill>
           <a:srgbClr val="000000"/>
         </a:solidFill>
@@ -247,8 +247,13 @@
 </file>
 
 <file path=ppt/notesMasters/notesMaster1.xml><?xml version="1.0" encoding="utf-8"?>
-<p:notesMaster xmlns:a="http://schemas.openxmlformats.org/drawingml/2006/main" xmlns:r="http://schemas.openxmlformats.org/officeDocument/2006/relationships" xmlns:mc="http://schemas.openxmlformats.org/markup-compatibility/2006" xmlns:mv="urn:schemas-microsoft-com:mac:vml" xmlns:p="http://schemas.openxmlformats.org/presentationml/2006/main" xmlns:c="http://schemas.openxmlformats.org/drawingml/2006/chart" xmlns:dgm="http://schemas.openxmlformats.org/drawingml/2006/diagram" xmlns:o="urn:schemas-microsoft-com:office:office" xmlns:v="urn:schemas-microsoft-com:vml" xmlns:pvml="urn:schemas-microsoft-com:office:powerpoint" xmlns:com="http://schemas.openxmlformats.org/drawingml/2006/compatibility" xmlns:p14="http://schemas.microsoft.com/office/powerpoint/2010/main">
+<p:notesMaster xmlns:a="http://schemas.openxmlformats.org/drawingml/2006/main" xmlns:r="http://schemas.openxmlformats.org/officeDocument/2006/relationships" xmlns:p="http://schemas.openxmlformats.org/presentationml/2006/main">
   <p:cSld>
+    <p:bg>
+      <p:bgRef idx="1001">
+        <a:schemeClr val="bg1"/>
+      </p:bgRef>
+    </p:bg>
     <p:spTree>
       <p:nvGrpSpPr>
         <p:cNvPr id="1" name="Shape 1"/>
@@ -257,39 +262,46 @@
       </p:nvGrpSpPr>
       <p:grpSpPr>
         <a:xfrm>
-          <a:off y="0" x="0"/>
-          <a:ext cy="0" cx="0"/>
-          <a:chOff y="0" x="0"/>
-          <a:chExt cy="0" cx="0"/>
+          <a:off x="0" y="0"/>
+          <a:ext cx="0" cy="0"/>
+          <a:chOff x="0" y="0"/>
+          <a:chExt cx="0" cy="0"/>
         </a:xfrm>
       </p:grpSpPr>
       <p:sp>
         <p:nvSpPr>
           <p:cNvPr id="2" name="Shape 2"/>
-          <p:cNvSpPr/>
+          <p:cNvSpPr>
+            <a:spLocks noGrp="1" noRot="1" noChangeAspect="1"/>
+          </p:cNvSpPr>
           <p:nvPr>
-            <p:ph idx="2" type="sldImg"/>
+            <p:ph type="sldImg" idx="2"/>
           </p:nvPr>
         </p:nvSpPr>
         <p:spPr>
           <a:xfrm>
-            <a:off y="685800" x="381187"/>
-            <a:ext cy="3429000" cx="6096299"/>
+            <a:off x="381187" y="685800"/>
+            <a:ext cx="6096299" cy="3429000"/>
           </a:xfrm>
           <a:custGeom>
+            <a:avLst/>
+            <a:gdLst/>
+            <a:ahLst/>
+            <a:cxnLst/>
+            <a:rect l="0" t="0" r="0" b="0"/>
             <a:pathLst>
-              <a:path w="120000" extrusionOk="0" h="120000">
+              <a:path w="120000" h="120000" extrusionOk="0">
                 <a:moveTo>
-                  <a:pt y="0" x="0"/>
+                  <a:pt x="0" y="0"/>
                 </a:moveTo>
                 <a:lnTo>
-                  <a:pt y="0" x="120000"/>
+                  <a:pt x="120000" y="0"/>
                 </a:lnTo>
                 <a:lnTo>
-                  <a:pt y="120000" x="120000"/>
+                  <a:pt x="120000" y="120000"/>
                 </a:lnTo>
                 <a:lnTo>
-                  <a:pt y="120000" x="0"/>
+                  <a:pt x="0" y="120000"/>
                 </a:lnTo>
                 <a:close/>
               </a:path>
@@ -302,23 +314,25 @@
             </a:solidFill>
             <a:prstDash val="solid"/>
             <a:round/>
-            <a:headEnd w="med" len="med" type="none"/>
-            <a:tailEnd w="med" len="med" type="none"/>
+            <a:headEnd type="none" w="med" len="med"/>
+            <a:tailEnd type="none" w="med" len="med"/>
           </a:ln>
         </p:spPr>
       </p:sp>
       <p:sp>
         <p:nvSpPr>
           <p:cNvPr id="3" name="Shape 3"/>
-          <p:cNvSpPr txBox="1"/>
+          <p:cNvSpPr txBox="1">
+            <a:spLocks noGrp="1"/>
+          </p:cNvSpPr>
           <p:nvPr>
-            <p:ph idx="1" type="body"/>
+            <p:ph type="body" idx="1"/>
           </p:nvPr>
         </p:nvSpPr>
         <p:spPr>
           <a:xfrm>
-            <a:off y="4343400" x="685800"/>
-            <a:ext cy="4114800" cx="5486399"/>
+            <a:off x="685800" y="4343400"/>
+            <a:ext cx="5486399" cy="4114800"/>
           </a:xfrm>
           <a:prstGeom prst="rect">
             <a:avLst/>
@@ -329,7 +343,7 @@
           </a:ln>
         </p:spPr>
         <p:txBody>
-          <a:bodyPr bIns="91425" rIns="91425" lIns="91425" tIns="91425" anchor="t" anchorCtr="0"/>
+          <a:bodyPr lIns="91425" tIns="91425" rIns="91425" bIns="91425" anchor="t" anchorCtr="0"/>
           <a:lstStyle>
             <a:lvl1pPr>
               <a:spcBef>
@@ -386,59 +400,165 @@
               <a:defRPr sz="1100"/>
             </a:lvl9pPr>
           </a:lstStyle>
-          <a:p/>
+          <a:p>
+            <a:endParaRPr/>
+          </a:p>
         </p:txBody>
       </p:sp>
     </p:spTree>
+    <p:extLst>
+      <p:ext uri="{BB962C8B-B14F-4D97-AF65-F5344CB8AC3E}">
+        <p14:creationId xmlns:p14="http://schemas.microsoft.com/office/powerpoint/2010/main" val="1510120872"/>
+      </p:ext>
+    </p:extLst>
   </p:cSld>
-  <p:clrMap accent2="accent2" accent3="accent3" accent4="accent4" accent5="accent5" accent6="accent6" hlink="hlink" tx2="lt2" tx1="dk1" bg2="dk2" bg1="lt1" folHlink="folHlink" accent1="accent1"/>
+  <p:clrMap bg1="lt1" tx1="dk1" bg2="dk2" tx2="lt2" accent1="accent1" accent2="accent2" accent3="accent3" accent4="accent4" accent5="accent5" accent6="accent6" hlink="hlink" folHlink="folHlink"/>
+  <p:notesStyle>
+    <a:lvl1pPr marL="0" algn="l" defTabSz="914400" rtl="0" eaLnBrk="1" latinLnBrk="0" hangingPunct="1">
+      <a:defRPr sz="1200" kern="1200">
+        <a:solidFill>
+          <a:schemeClr val="tx1"/>
+        </a:solidFill>
+        <a:latin typeface="+mn-lt"/>
+        <a:ea typeface="+mn-ea"/>
+        <a:cs typeface="+mn-cs"/>
+      </a:defRPr>
+    </a:lvl1pPr>
+    <a:lvl2pPr marL="457200" algn="l" defTabSz="914400" rtl="0" eaLnBrk="1" latinLnBrk="0" hangingPunct="1">
+      <a:defRPr sz="1200" kern="1200">
+        <a:solidFill>
+          <a:schemeClr val="tx1"/>
+        </a:solidFill>
+        <a:latin typeface="+mn-lt"/>
+        <a:ea typeface="+mn-ea"/>
+        <a:cs typeface="+mn-cs"/>
+      </a:defRPr>
+    </a:lvl2pPr>
+    <a:lvl3pPr marL="914400" algn="l" defTabSz="914400" rtl="0" eaLnBrk="1" latinLnBrk="0" hangingPunct="1">
+      <a:defRPr sz="1200" kern="1200">
+        <a:solidFill>
+          <a:schemeClr val="tx1"/>
+        </a:solidFill>
+        <a:latin typeface="+mn-lt"/>
+        <a:ea typeface="+mn-ea"/>
+        <a:cs typeface="+mn-cs"/>
+      </a:defRPr>
+    </a:lvl3pPr>
+    <a:lvl4pPr marL="1371600" algn="l" defTabSz="914400" rtl="0" eaLnBrk="1" latinLnBrk="0" hangingPunct="1">
+      <a:defRPr sz="1200" kern="1200">
+        <a:solidFill>
+          <a:schemeClr val="tx1"/>
+        </a:solidFill>
+        <a:latin typeface="+mn-lt"/>
+        <a:ea typeface="+mn-ea"/>
+        <a:cs typeface="+mn-cs"/>
+      </a:defRPr>
+    </a:lvl4pPr>
+    <a:lvl5pPr marL="1828800" algn="l" defTabSz="914400" rtl="0" eaLnBrk="1" latinLnBrk="0" hangingPunct="1">
+      <a:defRPr sz="1200" kern="1200">
+        <a:solidFill>
+          <a:schemeClr val="tx1"/>
+        </a:solidFill>
+        <a:latin typeface="+mn-lt"/>
+        <a:ea typeface="+mn-ea"/>
+        <a:cs typeface="+mn-cs"/>
+      </a:defRPr>
+    </a:lvl5pPr>
+    <a:lvl6pPr marL="2286000" algn="l" defTabSz="914400" rtl="0" eaLnBrk="1" latinLnBrk="0" hangingPunct="1">
+      <a:defRPr sz="1200" kern="1200">
+        <a:solidFill>
+          <a:schemeClr val="tx1"/>
+        </a:solidFill>
+        <a:latin typeface="+mn-lt"/>
+        <a:ea typeface="+mn-ea"/>
+        <a:cs typeface="+mn-cs"/>
+      </a:defRPr>
+    </a:lvl6pPr>
+    <a:lvl7pPr marL="2743200" algn="l" defTabSz="914400" rtl="0" eaLnBrk="1" latinLnBrk="0" hangingPunct="1">
+      <a:defRPr sz="1200" kern="1200">
+        <a:solidFill>
+          <a:schemeClr val="tx1"/>
+        </a:solidFill>
+        <a:latin typeface="+mn-lt"/>
+        <a:ea typeface="+mn-ea"/>
+        <a:cs typeface="+mn-cs"/>
+      </a:defRPr>
+    </a:lvl7pPr>
+    <a:lvl8pPr marL="3200400" algn="l" defTabSz="914400" rtl="0" eaLnBrk="1" latinLnBrk="0" hangingPunct="1">
+      <a:defRPr sz="1200" kern="1200">
+        <a:solidFill>
+          <a:schemeClr val="tx1"/>
+        </a:solidFill>
+        <a:latin typeface="+mn-lt"/>
+        <a:ea typeface="+mn-ea"/>
+        <a:cs typeface="+mn-cs"/>
+      </a:defRPr>
+    </a:lvl8pPr>
+    <a:lvl9pPr marL="3657600" algn="l" defTabSz="914400" rtl="0" eaLnBrk="1" latinLnBrk="0" hangingPunct="1">
+      <a:defRPr sz="1200" kern="1200">
+        <a:solidFill>
+          <a:schemeClr val="tx1"/>
+        </a:solidFill>
+        <a:latin typeface="+mn-lt"/>
+        <a:ea typeface="+mn-ea"/>
+        <a:cs typeface="+mn-cs"/>
+      </a:defRPr>
+    </a:lvl9pPr>
+  </p:notesStyle>
 </p:notesMaster>
 </file>
 
 <file path=ppt/notesSlides/notesSlide1.xml><?xml version="1.0" encoding="utf-8"?>
-<p:notes xmlns:a="http://schemas.openxmlformats.org/drawingml/2006/main" xmlns:r="http://schemas.openxmlformats.org/officeDocument/2006/relationships" xmlns:mc="http://schemas.openxmlformats.org/markup-compatibility/2006" xmlns:mv="urn:schemas-microsoft-com:mac:vml" xmlns:p="http://schemas.openxmlformats.org/presentationml/2006/main" xmlns:c="http://schemas.openxmlformats.org/drawingml/2006/chart" xmlns:dgm="http://schemas.openxmlformats.org/drawingml/2006/diagram" xmlns:o="urn:schemas-microsoft-com:office:office" xmlns:v="urn:schemas-microsoft-com:vml" xmlns:pvml="urn:schemas-microsoft-com:office:powerpoint" xmlns:com="http://schemas.openxmlformats.org/drawingml/2006/compatibility" xmlns:p14="http://schemas.microsoft.com/office/powerpoint/2010/main" showMasterSp="0" showMasterPhAnim="0">
+<p:notes xmlns:a="http://schemas.openxmlformats.org/drawingml/2006/main" xmlns:r="http://schemas.openxmlformats.org/officeDocument/2006/relationships" xmlns:p="http://schemas.openxmlformats.org/presentationml/2006/main" showMasterSp="0" showMasterPhAnim="0">
   <p:cSld>
     <p:spTree>
       <p:nvGrpSpPr>
-        <p:cNvPr id="25" name="Shape 25"/>
+        <p:cNvPr id="1" name="Shape 25"/>
         <p:cNvGrpSpPr/>
         <p:nvPr/>
       </p:nvGrpSpPr>
       <p:grpSpPr>
         <a:xfrm>
-          <a:off y="0" x="0"/>
-          <a:ext cy="0" cx="0"/>
-          <a:chOff y="0" x="0"/>
-          <a:chExt cy="0" cx="0"/>
+          <a:off x="0" y="0"/>
+          <a:ext cx="0" cy="0"/>
+          <a:chOff x="0" y="0"/>
+          <a:chExt cx="0" cy="0"/>
         </a:xfrm>
       </p:grpSpPr>
       <p:sp>
         <p:nvSpPr>
           <p:cNvPr id="26" name="Shape 26"/>
-          <p:cNvSpPr/>
+          <p:cNvSpPr>
+            <a:spLocks noGrp="1" noRot="1" noChangeAspect="1"/>
+          </p:cNvSpPr>
           <p:nvPr>
-            <p:ph idx="2" type="sldImg"/>
+            <p:ph type="sldImg" idx="2"/>
           </p:nvPr>
         </p:nvSpPr>
         <p:spPr>
           <a:xfrm>
-            <a:off y="685800" x="381187"/>
-            <a:ext cy="3429000" cx="6096299"/>
+            <a:off x="381187" y="685800"/>
+            <a:ext cx="6096299" cy="3429000"/>
           </a:xfrm>
           <a:custGeom>
+            <a:avLst/>
+            <a:gdLst/>
+            <a:ahLst/>
+            <a:cxnLst/>
+            <a:rect l="0" t="0" r="0" b="0"/>
             <a:pathLst>
-              <a:path w="120000" extrusionOk="0" h="120000">
+              <a:path w="120000" h="120000" extrusionOk="0">
                 <a:moveTo>
-                  <a:pt y="0" x="0"/>
+                  <a:pt x="0" y="0"/>
                 </a:moveTo>
                 <a:lnTo>
-                  <a:pt y="0" x="120000"/>
+                  <a:pt x="120000" y="0"/>
                 </a:lnTo>
                 <a:lnTo>
-                  <a:pt y="120000" x="120000"/>
+                  <a:pt x="120000" y="120000"/>
                 </a:lnTo>
                 <a:lnTo>
-                  <a:pt y="120000" x="0"/>
+                  <a:pt x="0" y="120000"/>
                 </a:lnTo>
                 <a:close/>
               </a:path>
@@ -451,30 +571,32 @@
             </a:solidFill>
             <a:prstDash val="solid"/>
             <a:round/>
-            <a:headEnd w="med" len="med" type="none"/>
-            <a:tailEnd w="med" len="med" type="none"/>
+            <a:headEnd type="none" w="med" len="med"/>
+            <a:tailEnd type="none" w="med" len="med"/>
           </a:ln>
         </p:spPr>
       </p:sp>
       <p:sp>
         <p:nvSpPr>
           <p:cNvPr id="27" name="Shape 27"/>
-          <p:cNvSpPr txBox="1"/>
+          <p:cNvSpPr txBox="1">
+            <a:spLocks noGrp="1"/>
+          </p:cNvSpPr>
           <p:nvPr>
-            <p:ph idx="1" type="body"/>
+            <p:ph type="body" idx="1"/>
           </p:nvPr>
         </p:nvSpPr>
         <p:spPr>
           <a:xfrm>
-            <a:off y="4343400" x="685800"/>
-            <a:ext cy="4114800" cx="5486399"/>
+            <a:off x="685800" y="4343400"/>
+            <a:ext cx="5486399" cy="4114800"/>
           </a:xfrm>
           <a:prstGeom prst="rect">
             <a:avLst/>
           </a:prstGeom>
         </p:spPr>
         <p:txBody>
-          <a:bodyPr bIns="91425" rIns="91425" lIns="91425" tIns="91425" anchor="t" anchorCtr="0">
+          <a:bodyPr lIns="91425" tIns="91425" rIns="91425" bIns="91425" anchor="t" anchorCtr="0">
             <a:noAutofit/>
           </a:bodyPr>
           <a:lstStyle/>
@@ -485,9 +607,6 @@
               </a:spcBef>
               <a:buNone/>
             </a:pPr>
-            <a:r>
-              <a:t/>
-            </a:r>
             <a:endParaRPr/>
           </a:p>
         </p:txBody>
@@ -501,49 +620,56 @@
 </file>
 
 <file path=ppt/notesSlides/notesSlide10.xml><?xml version="1.0" encoding="utf-8"?>
-<p:notes xmlns:a="http://schemas.openxmlformats.org/drawingml/2006/main" xmlns:r="http://schemas.openxmlformats.org/officeDocument/2006/relationships" xmlns:mc="http://schemas.openxmlformats.org/markup-compatibility/2006" xmlns:mv="urn:schemas-microsoft-com:mac:vml" xmlns:p="http://schemas.openxmlformats.org/presentationml/2006/main" xmlns:c="http://schemas.openxmlformats.org/drawingml/2006/chart" xmlns:dgm="http://schemas.openxmlformats.org/drawingml/2006/diagram" xmlns:o="urn:schemas-microsoft-com:office:office" xmlns:v="urn:schemas-microsoft-com:vml" xmlns:pvml="urn:schemas-microsoft-com:office:powerpoint" xmlns:com="http://schemas.openxmlformats.org/drawingml/2006/compatibility" xmlns:p14="http://schemas.microsoft.com/office/powerpoint/2010/main" showMasterSp="0" showMasterPhAnim="0">
+<p:notes xmlns:a="http://schemas.openxmlformats.org/drawingml/2006/main" xmlns:r="http://schemas.openxmlformats.org/officeDocument/2006/relationships" xmlns:p="http://schemas.openxmlformats.org/presentationml/2006/main" showMasterSp="0" showMasterPhAnim="0">
   <p:cSld>
     <p:spTree>
       <p:nvGrpSpPr>
-        <p:cNvPr id="93" name="Shape 93"/>
+        <p:cNvPr id="1" name="Shape 93"/>
         <p:cNvGrpSpPr/>
         <p:nvPr/>
       </p:nvGrpSpPr>
       <p:grpSpPr>
         <a:xfrm>
-          <a:off y="0" x="0"/>
-          <a:ext cy="0" cx="0"/>
-          <a:chOff y="0" x="0"/>
-          <a:chExt cy="0" cx="0"/>
+          <a:off x="0" y="0"/>
+          <a:ext cx="0" cy="0"/>
+          <a:chOff x="0" y="0"/>
+          <a:chExt cx="0" cy="0"/>
         </a:xfrm>
       </p:grpSpPr>
       <p:sp>
         <p:nvSpPr>
           <p:cNvPr id="94" name="Shape 94"/>
-          <p:cNvSpPr/>
+          <p:cNvSpPr>
+            <a:spLocks noGrp="1" noRot="1" noChangeAspect="1"/>
+          </p:cNvSpPr>
           <p:nvPr>
-            <p:ph idx="2" type="sldImg"/>
+            <p:ph type="sldImg" idx="2"/>
           </p:nvPr>
         </p:nvSpPr>
         <p:spPr>
           <a:xfrm>
-            <a:off y="685800" x="381187"/>
-            <a:ext cy="3429000" cx="6096299"/>
+            <a:off x="381187" y="685800"/>
+            <a:ext cx="6096299" cy="3429000"/>
           </a:xfrm>
           <a:custGeom>
+            <a:avLst/>
+            <a:gdLst/>
+            <a:ahLst/>
+            <a:cxnLst/>
+            <a:rect l="0" t="0" r="0" b="0"/>
             <a:pathLst>
-              <a:path w="120000" extrusionOk="0" h="120000">
+              <a:path w="120000" h="120000" extrusionOk="0">
                 <a:moveTo>
-                  <a:pt y="0" x="0"/>
+                  <a:pt x="0" y="0"/>
                 </a:moveTo>
                 <a:lnTo>
-                  <a:pt y="0" x="120000"/>
+                  <a:pt x="120000" y="0"/>
                 </a:lnTo>
                 <a:lnTo>
-                  <a:pt y="120000" x="120000"/>
+                  <a:pt x="120000" y="120000"/>
                 </a:lnTo>
                 <a:lnTo>
-                  <a:pt y="120000" x="0"/>
+                  <a:pt x="0" y="120000"/>
                 </a:lnTo>
                 <a:close/>
               </a:path>
@@ -556,30 +682,32 @@
             </a:solidFill>
             <a:prstDash val="solid"/>
             <a:round/>
-            <a:headEnd w="med" len="med" type="none"/>
-            <a:tailEnd w="med" len="med" type="none"/>
+            <a:headEnd type="none" w="med" len="med"/>
+            <a:tailEnd type="none" w="med" len="med"/>
           </a:ln>
         </p:spPr>
       </p:sp>
       <p:sp>
         <p:nvSpPr>
           <p:cNvPr id="95" name="Shape 95"/>
-          <p:cNvSpPr txBox="1"/>
+          <p:cNvSpPr txBox="1">
+            <a:spLocks noGrp="1"/>
+          </p:cNvSpPr>
           <p:nvPr>
-            <p:ph idx="1" type="body"/>
+            <p:ph type="body" idx="1"/>
           </p:nvPr>
         </p:nvSpPr>
         <p:spPr>
           <a:xfrm>
-            <a:off y="4343400" x="685800"/>
-            <a:ext cy="4114800" cx="5486399"/>
+            <a:off x="685800" y="4343400"/>
+            <a:ext cx="5486399" cy="4114800"/>
           </a:xfrm>
           <a:prstGeom prst="rect">
             <a:avLst/>
           </a:prstGeom>
         </p:spPr>
         <p:txBody>
-          <a:bodyPr bIns="91425" rIns="91425" lIns="91425" tIns="91425" anchor="t" anchorCtr="0">
+          <a:bodyPr lIns="91425" tIns="91425" rIns="91425" bIns="91425" anchor="t" anchorCtr="0">
             <a:noAutofit/>
           </a:bodyPr>
           <a:lstStyle/>
@@ -590,9 +718,6 @@
               </a:spcBef>
               <a:buNone/>
             </a:pPr>
-            <a:r>
-              <a:t/>
-            </a:r>
             <a:endParaRPr/>
           </a:p>
         </p:txBody>
@@ -606,49 +731,56 @@
 </file>
 
 <file path=ppt/notesSlides/notesSlide11.xml><?xml version="1.0" encoding="utf-8"?>
-<p:notes xmlns:a="http://schemas.openxmlformats.org/drawingml/2006/main" xmlns:r="http://schemas.openxmlformats.org/officeDocument/2006/relationships" xmlns:mc="http://schemas.openxmlformats.org/markup-compatibility/2006" xmlns:mv="urn:schemas-microsoft-com:mac:vml" xmlns:p="http://schemas.openxmlformats.org/presentationml/2006/main" xmlns:c="http://schemas.openxmlformats.org/drawingml/2006/chart" xmlns:dgm="http://schemas.openxmlformats.org/drawingml/2006/diagram" xmlns:o="urn:schemas-microsoft-com:office:office" xmlns:v="urn:schemas-microsoft-com:vml" xmlns:pvml="urn:schemas-microsoft-com:office:powerpoint" xmlns:com="http://schemas.openxmlformats.org/drawingml/2006/compatibility" xmlns:p14="http://schemas.microsoft.com/office/powerpoint/2010/main" showMasterSp="0" showMasterPhAnim="0">
+<p:notes xmlns:a="http://schemas.openxmlformats.org/drawingml/2006/main" xmlns:r="http://schemas.openxmlformats.org/officeDocument/2006/relationships" xmlns:p="http://schemas.openxmlformats.org/presentationml/2006/main" showMasterSp="0" showMasterPhAnim="0">
   <p:cSld>
     <p:spTree>
       <p:nvGrpSpPr>
-        <p:cNvPr id="104" name="Shape 104"/>
+        <p:cNvPr id="1" name="Shape 104"/>
         <p:cNvGrpSpPr/>
         <p:nvPr/>
       </p:nvGrpSpPr>
       <p:grpSpPr>
         <a:xfrm>
-          <a:off y="0" x="0"/>
-          <a:ext cy="0" cx="0"/>
-          <a:chOff y="0" x="0"/>
-          <a:chExt cy="0" cx="0"/>
+          <a:off x="0" y="0"/>
+          <a:ext cx="0" cy="0"/>
+          <a:chOff x="0" y="0"/>
+          <a:chExt cx="0" cy="0"/>
         </a:xfrm>
       </p:grpSpPr>
       <p:sp>
         <p:nvSpPr>
           <p:cNvPr id="105" name="Shape 105"/>
-          <p:cNvSpPr/>
+          <p:cNvSpPr>
+            <a:spLocks noGrp="1" noRot="1" noChangeAspect="1"/>
+          </p:cNvSpPr>
           <p:nvPr>
-            <p:ph idx="2" type="sldImg"/>
+            <p:ph type="sldImg" idx="2"/>
           </p:nvPr>
         </p:nvSpPr>
         <p:spPr>
           <a:xfrm>
-            <a:off y="685800" x="381187"/>
-            <a:ext cy="3429000" cx="6096299"/>
+            <a:off x="381187" y="685800"/>
+            <a:ext cx="6096299" cy="3429000"/>
           </a:xfrm>
           <a:custGeom>
+            <a:avLst/>
+            <a:gdLst/>
+            <a:ahLst/>
+            <a:cxnLst/>
+            <a:rect l="0" t="0" r="0" b="0"/>
             <a:pathLst>
-              <a:path w="120000" extrusionOk="0" h="120000">
+              <a:path w="120000" h="120000" extrusionOk="0">
                 <a:moveTo>
-                  <a:pt y="0" x="0"/>
+                  <a:pt x="0" y="0"/>
                 </a:moveTo>
                 <a:lnTo>
-                  <a:pt y="0" x="120000"/>
+                  <a:pt x="120000" y="0"/>
                 </a:lnTo>
                 <a:lnTo>
-                  <a:pt y="120000" x="120000"/>
+                  <a:pt x="120000" y="120000"/>
                 </a:lnTo>
                 <a:lnTo>
-                  <a:pt y="120000" x="0"/>
+                  <a:pt x="0" y="120000"/>
                 </a:lnTo>
                 <a:close/>
               </a:path>
@@ -661,30 +793,32 @@
             </a:solidFill>
             <a:prstDash val="solid"/>
             <a:round/>
-            <a:headEnd w="med" len="med" type="none"/>
-            <a:tailEnd w="med" len="med" type="none"/>
+            <a:headEnd type="none" w="med" len="med"/>
+            <a:tailEnd type="none" w="med" len="med"/>
           </a:ln>
         </p:spPr>
       </p:sp>
       <p:sp>
         <p:nvSpPr>
           <p:cNvPr id="106" name="Shape 106"/>
-          <p:cNvSpPr txBox="1"/>
+          <p:cNvSpPr txBox="1">
+            <a:spLocks noGrp="1"/>
+          </p:cNvSpPr>
           <p:nvPr>
-            <p:ph idx="1" type="body"/>
+            <p:ph type="body" idx="1"/>
           </p:nvPr>
         </p:nvSpPr>
         <p:spPr>
           <a:xfrm>
-            <a:off y="4343400" x="685800"/>
-            <a:ext cy="4114800" cx="5486399"/>
+            <a:off x="685800" y="4343400"/>
+            <a:ext cx="5486399" cy="4114800"/>
           </a:xfrm>
           <a:prstGeom prst="rect">
             <a:avLst/>
           </a:prstGeom>
         </p:spPr>
         <p:txBody>
-          <a:bodyPr bIns="91425" rIns="91425" lIns="91425" tIns="91425" anchor="t" anchorCtr="0">
+          <a:bodyPr lIns="91425" tIns="91425" rIns="91425" bIns="91425" anchor="t" anchorCtr="0">
             <a:noAutofit/>
           </a:bodyPr>
           <a:lstStyle/>
@@ -695,9 +829,6 @@
               </a:spcBef>
               <a:buNone/>
             </a:pPr>
-            <a:r>
-              <a:t/>
-            </a:r>
             <a:endParaRPr/>
           </a:p>
         </p:txBody>
@@ -711,49 +842,56 @@
 </file>
 
 <file path=ppt/notesSlides/notesSlide12.xml><?xml version="1.0" encoding="utf-8"?>
-<p:notes xmlns:a="http://schemas.openxmlformats.org/drawingml/2006/main" xmlns:r="http://schemas.openxmlformats.org/officeDocument/2006/relationships" xmlns:mc="http://schemas.openxmlformats.org/markup-compatibility/2006" xmlns:mv="urn:schemas-microsoft-com:mac:vml" xmlns:p="http://schemas.openxmlformats.org/presentationml/2006/main" xmlns:c="http://schemas.openxmlformats.org/drawingml/2006/chart" xmlns:dgm="http://schemas.openxmlformats.org/drawingml/2006/diagram" xmlns:o="urn:schemas-microsoft-com:office:office" xmlns:v="urn:schemas-microsoft-com:vml" xmlns:pvml="urn:schemas-microsoft-com:office:powerpoint" xmlns:com="http://schemas.openxmlformats.org/drawingml/2006/compatibility" xmlns:p14="http://schemas.microsoft.com/office/powerpoint/2010/main" showMasterSp="0" showMasterPhAnim="0">
+<p:notes xmlns:a="http://schemas.openxmlformats.org/drawingml/2006/main" xmlns:r="http://schemas.openxmlformats.org/officeDocument/2006/relationships" xmlns:p="http://schemas.openxmlformats.org/presentationml/2006/main" showMasterSp="0" showMasterPhAnim="0">
   <p:cSld>
     <p:spTree>
       <p:nvGrpSpPr>
-        <p:cNvPr id="116" name="Shape 116"/>
+        <p:cNvPr id="1" name="Shape 116"/>
         <p:cNvGrpSpPr/>
         <p:nvPr/>
       </p:nvGrpSpPr>
       <p:grpSpPr>
         <a:xfrm>
-          <a:off y="0" x="0"/>
-          <a:ext cy="0" cx="0"/>
-          <a:chOff y="0" x="0"/>
-          <a:chExt cy="0" cx="0"/>
+          <a:off x="0" y="0"/>
+          <a:ext cx="0" cy="0"/>
+          <a:chOff x="0" y="0"/>
+          <a:chExt cx="0" cy="0"/>
         </a:xfrm>
       </p:grpSpPr>
       <p:sp>
         <p:nvSpPr>
           <p:cNvPr id="117" name="Shape 117"/>
-          <p:cNvSpPr/>
+          <p:cNvSpPr>
+            <a:spLocks noGrp="1" noRot="1" noChangeAspect="1"/>
+          </p:cNvSpPr>
           <p:nvPr>
-            <p:ph idx="2" type="sldImg"/>
+            <p:ph type="sldImg" idx="2"/>
           </p:nvPr>
         </p:nvSpPr>
         <p:spPr>
           <a:xfrm>
-            <a:off y="685800" x="381187"/>
-            <a:ext cy="3429000" cx="6096299"/>
+            <a:off x="381000" y="685800"/>
+            <a:ext cx="6096000" cy="3429000"/>
           </a:xfrm>
           <a:custGeom>
+            <a:avLst/>
+            <a:gdLst/>
+            <a:ahLst/>
+            <a:cxnLst/>
+            <a:rect l="0" t="0" r="0" b="0"/>
             <a:pathLst>
-              <a:path w="120000" extrusionOk="0" h="120000">
+              <a:path w="120000" h="120000" extrusionOk="0">
                 <a:moveTo>
-                  <a:pt y="0" x="0"/>
+                  <a:pt x="0" y="0"/>
                 </a:moveTo>
                 <a:lnTo>
-                  <a:pt y="0" x="120000"/>
+                  <a:pt x="120000" y="0"/>
                 </a:lnTo>
                 <a:lnTo>
-                  <a:pt y="120000" x="120000"/>
+                  <a:pt x="120000" y="120000"/>
                 </a:lnTo>
                 <a:lnTo>
-                  <a:pt y="120000" x="0"/>
+                  <a:pt x="0" y="120000"/>
                 </a:lnTo>
                 <a:close/>
               </a:path>
@@ -766,30 +904,32 @@
             </a:solidFill>
             <a:prstDash val="solid"/>
             <a:round/>
-            <a:headEnd w="med" len="med" type="none"/>
-            <a:tailEnd w="med" len="med" type="none"/>
+            <a:headEnd type="none" w="med" len="med"/>
+            <a:tailEnd type="none" w="med" len="med"/>
           </a:ln>
         </p:spPr>
       </p:sp>
       <p:sp>
         <p:nvSpPr>
           <p:cNvPr id="118" name="Shape 118"/>
-          <p:cNvSpPr txBox="1"/>
+          <p:cNvSpPr txBox="1">
+            <a:spLocks noGrp="1"/>
+          </p:cNvSpPr>
           <p:nvPr>
-            <p:ph idx="1" type="body"/>
+            <p:ph type="body" idx="1"/>
           </p:nvPr>
         </p:nvSpPr>
         <p:spPr>
           <a:xfrm>
-            <a:off y="4343400" x="685800"/>
-            <a:ext cy="4114800" cx="5486399"/>
+            <a:off x="685800" y="4343400"/>
+            <a:ext cx="5486399" cy="4114800"/>
           </a:xfrm>
           <a:prstGeom prst="rect">
             <a:avLst/>
           </a:prstGeom>
         </p:spPr>
         <p:txBody>
-          <a:bodyPr bIns="91425" rIns="91425" lIns="91425" tIns="91425" anchor="t" anchorCtr="0">
+          <a:bodyPr lIns="91425" tIns="91425" rIns="91425" bIns="91425" anchor="t" anchorCtr="0">
             <a:noAutofit/>
           </a:bodyPr>
           <a:lstStyle/>
@@ -800,9 +940,6 @@
               </a:spcBef>
               <a:buNone/>
             </a:pPr>
-            <a:r>
-              <a:t/>
-            </a:r>
             <a:endParaRPr/>
           </a:p>
         </p:txBody>
@@ -816,49 +953,56 @@
 </file>
 
 <file path=ppt/notesSlides/notesSlide13.xml><?xml version="1.0" encoding="utf-8"?>
-<p:notes xmlns:a="http://schemas.openxmlformats.org/drawingml/2006/main" xmlns:r="http://schemas.openxmlformats.org/officeDocument/2006/relationships" xmlns:mc="http://schemas.openxmlformats.org/markup-compatibility/2006" xmlns:mv="urn:schemas-microsoft-com:mac:vml" xmlns:p="http://schemas.openxmlformats.org/presentationml/2006/main" xmlns:c="http://schemas.openxmlformats.org/drawingml/2006/chart" xmlns:dgm="http://schemas.openxmlformats.org/drawingml/2006/diagram" xmlns:o="urn:schemas-microsoft-com:office:office" xmlns:v="urn:schemas-microsoft-com:vml" xmlns:pvml="urn:schemas-microsoft-com:office:powerpoint" xmlns:com="http://schemas.openxmlformats.org/drawingml/2006/compatibility" xmlns:p14="http://schemas.microsoft.com/office/powerpoint/2010/main" showMasterSp="0" showMasterPhAnim="0">
+<p:notes xmlns:a="http://schemas.openxmlformats.org/drawingml/2006/main" xmlns:r="http://schemas.openxmlformats.org/officeDocument/2006/relationships" xmlns:p="http://schemas.openxmlformats.org/presentationml/2006/main" showMasterSp="0" showMasterPhAnim="0">
   <p:cSld>
     <p:spTree>
       <p:nvGrpSpPr>
-        <p:cNvPr id="124" name="Shape 124"/>
+        <p:cNvPr id="1" name="Shape 124"/>
         <p:cNvGrpSpPr/>
         <p:nvPr/>
       </p:nvGrpSpPr>
       <p:grpSpPr>
         <a:xfrm>
-          <a:off y="0" x="0"/>
-          <a:ext cy="0" cx="0"/>
-          <a:chOff y="0" x="0"/>
-          <a:chExt cy="0" cx="0"/>
+          <a:off x="0" y="0"/>
+          <a:ext cx="0" cy="0"/>
+          <a:chOff x="0" y="0"/>
+          <a:chExt cx="0" cy="0"/>
         </a:xfrm>
       </p:grpSpPr>
       <p:sp>
         <p:nvSpPr>
           <p:cNvPr id="125" name="Shape 125"/>
-          <p:cNvSpPr/>
+          <p:cNvSpPr>
+            <a:spLocks noGrp="1" noRot="1" noChangeAspect="1"/>
+          </p:cNvSpPr>
           <p:nvPr>
-            <p:ph idx="2" type="sldImg"/>
+            <p:ph type="sldImg" idx="2"/>
           </p:nvPr>
         </p:nvSpPr>
         <p:spPr>
           <a:xfrm>
-            <a:off y="685800" x="381187"/>
-            <a:ext cy="3429000" cx="6096299"/>
+            <a:off x="381187" y="685800"/>
+            <a:ext cx="6096299" cy="3429000"/>
           </a:xfrm>
           <a:custGeom>
+            <a:avLst/>
+            <a:gdLst/>
+            <a:ahLst/>
+            <a:cxnLst/>
+            <a:rect l="0" t="0" r="0" b="0"/>
             <a:pathLst>
-              <a:path w="120000" extrusionOk="0" h="120000">
+              <a:path w="120000" h="120000" extrusionOk="0">
                 <a:moveTo>
-                  <a:pt y="0" x="0"/>
+                  <a:pt x="0" y="0"/>
                 </a:moveTo>
                 <a:lnTo>
-                  <a:pt y="0" x="120000"/>
+                  <a:pt x="120000" y="0"/>
                 </a:lnTo>
                 <a:lnTo>
-                  <a:pt y="120000" x="120000"/>
+                  <a:pt x="120000" y="120000"/>
                 </a:lnTo>
                 <a:lnTo>
-                  <a:pt y="120000" x="0"/>
+                  <a:pt x="0" y="120000"/>
                 </a:lnTo>
                 <a:close/>
               </a:path>
@@ -871,30 +1015,32 @@
             </a:solidFill>
             <a:prstDash val="solid"/>
             <a:round/>
-            <a:headEnd w="med" len="med" type="none"/>
-            <a:tailEnd w="med" len="med" type="none"/>
+            <a:headEnd type="none" w="med" len="med"/>
+            <a:tailEnd type="none" w="med" len="med"/>
           </a:ln>
         </p:spPr>
       </p:sp>
       <p:sp>
         <p:nvSpPr>
           <p:cNvPr id="126" name="Shape 126"/>
-          <p:cNvSpPr txBox="1"/>
+          <p:cNvSpPr txBox="1">
+            <a:spLocks noGrp="1"/>
+          </p:cNvSpPr>
           <p:nvPr>
-            <p:ph idx="1" type="body"/>
+            <p:ph type="body" idx="1"/>
           </p:nvPr>
         </p:nvSpPr>
         <p:spPr>
           <a:xfrm>
-            <a:off y="4343400" x="685800"/>
-            <a:ext cy="4114800" cx="5486399"/>
+            <a:off x="685800" y="4343400"/>
+            <a:ext cx="5486399" cy="4114800"/>
           </a:xfrm>
           <a:prstGeom prst="rect">
             <a:avLst/>
           </a:prstGeom>
         </p:spPr>
         <p:txBody>
-          <a:bodyPr bIns="91425" rIns="91425" lIns="91425" tIns="91425" anchor="t" anchorCtr="0">
+          <a:bodyPr lIns="91425" tIns="91425" rIns="91425" bIns="91425" anchor="t" anchorCtr="0">
             <a:noAutofit/>
           </a:bodyPr>
           <a:lstStyle/>
@@ -905,9 +1051,6 @@
               </a:spcBef>
               <a:buNone/>
             </a:pPr>
-            <a:r>
-              <a:t/>
-            </a:r>
             <a:endParaRPr/>
           </a:p>
         </p:txBody>
@@ -921,49 +1064,56 @@
 </file>
 
 <file path=ppt/notesSlides/notesSlide14.xml><?xml version="1.0" encoding="utf-8"?>
-<p:notes xmlns:a="http://schemas.openxmlformats.org/drawingml/2006/main" xmlns:r="http://schemas.openxmlformats.org/officeDocument/2006/relationships" xmlns:mc="http://schemas.openxmlformats.org/markup-compatibility/2006" xmlns:mv="urn:schemas-microsoft-com:mac:vml" xmlns:p="http://schemas.openxmlformats.org/presentationml/2006/main" xmlns:c="http://schemas.openxmlformats.org/drawingml/2006/chart" xmlns:dgm="http://schemas.openxmlformats.org/drawingml/2006/diagram" xmlns:o="urn:schemas-microsoft-com:office:office" xmlns:v="urn:schemas-microsoft-com:vml" xmlns:pvml="urn:schemas-microsoft-com:office:powerpoint" xmlns:com="http://schemas.openxmlformats.org/drawingml/2006/compatibility" xmlns:p14="http://schemas.microsoft.com/office/powerpoint/2010/main" showMasterSp="0" showMasterPhAnim="0">
+<p:notes xmlns:a="http://schemas.openxmlformats.org/drawingml/2006/main" xmlns:r="http://schemas.openxmlformats.org/officeDocument/2006/relationships" xmlns:p="http://schemas.openxmlformats.org/presentationml/2006/main" showMasterSp="0" showMasterPhAnim="0">
   <p:cSld>
     <p:spTree>
       <p:nvGrpSpPr>
-        <p:cNvPr id="136" name="Shape 136"/>
+        <p:cNvPr id="1" name="Shape 136"/>
         <p:cNvGrpSpPr/>
         <p:nvPr/>
       </p:nvGrpSpPr>
       <p:grpSpPr>
         <a:xfrm>
-          <a:off y="0" x="0"/>
-          <a:ext cy="0" cx="0"/>
-          <a:chOff y="0" x="0"/>
-          <a:chExt cy="0" cx="0"/>
+          <a:off x="0" y="0"/>
+          <a:ext cx="0" cy="0"/>
+          <a:chOff x="0" y="0"/>
+          <a:chExt cx="0" cy="0"/>
         </a:xfrm>
       </p:grpSpPr>
       <p:sp>
         <p:nvSpPr>
           <p:cNvPr id="137" name="Shape 137"/>
-          <p:cNvSpPr/>
+          <p:cNvSpPr>
+            <a:spLocks noGrp="1" noRot="1" noChangeAspect="1"/>
+          </p:cNvSpPr>
           <p:nvPr>
-            <p:ph idx="2" type="sldImg"/>
+            <p:ph type="sldImg" idx="2"/>
           </p:nvPr>
         </p:nvSpPr>
         <p:spPr>
           <a:xfrm>
-            <a:off y="685800" x="381187"/>
-            <a:ext cy="3429000" cx="6096299"/>
+            <a:off x="381187" y="685800"/>
+            <a:ext cx="6096299" cy="3429000"/>
           </a:xfrm>
           <a:custGeom>
+            <a:avLst/>
+            <a:gdLst/>
+            <a:ahLst/>
+            <a:cxnLst/>
+            <a:rect l="0" t="0" r="0" b="0"/>
             <a:pathLst>
-              <a:path w="120000" extrusionOk="0" h="120000">
+              <a:path w="120000" h="120000" extrusionOk="0">
                 <a:moveTo>
-                  <a:pt y="0" x="0"/>
+                  <a:pt x="0" y="0"/>
                 </a:moveTo>
                 <a:lnTo>
-                  <a:pt y="0" x="120000"/>
+                  <a:pt x="120000" y="0"/>
                 </a:lnTo>
                 <a:lnTo>
-                  <a:pt y="120000" x="120000"/>
+                  <a:pt x="120000" y="120000"/>
                 </a:lnTo>
                 <a:lnTo>
-                  <a:pt y="120000" x="0"/>
+                  <a:pt x="0" y="120000"/>
                 </a:lnTo>
                 <a:close/>
               </a:path>
@@ -976,30 +1126,32 @@
             </a:solidFill>
             <a:prstDash val="solid"/>
             <a:round/>
-            <a:headEnd w="med" len="med" type="none"/>
-            <a:tailEnd w="med" len="med" type="none"/>
+            <a:headEnd type="none" w="med" len="med"/>
+            <a:tailEnd type="none" w="med" len="med"/>
           </a:ln>
         </p:spPr>
       </p:sp>
       <p:sp>
         <p:nvSpPr>
           <p:cNvPr id="138" name="Shape 138"/>
-          <p:cNvSpPr txBox="1"/>
+          <p:cNvSpPr txBox="1">
+            <a:spLocks noGrp="1"/>
+          </p:cNvSpPr>
           <p:nvPr>
-            <p:ph idx="1" type="body"/>
+            <p:ph type="body" idx="1"/>
           </p:nvPr>
         </p:nvSpPr>
         <p:spPr>
           <a:xfrm>
-            <a:off y="4343400" x="685800"/>
-            <a:ext cy="4114800" cx="5486399"/>
+            <a:off x="685800" y="4343400"/>
+            <a:ext cx="5486399" cy="4114800"/>
           </a:xfrm>
           <a:prstGeom prst="rect">
             <a:avLst/>
           </a:prstGeom>
         </p:spPr>
         <p:txBody>
-          <a:bodyPr bIns="91425" rIns="91425" lIns="91425" tIns="91425" anchor="t" anchorCtr="0">
+          <a:bodyPr lIns="91425" tIns="91425" rIns="91425" bIns="91425" anchor="t" anchorCtr="0">
             <a:noAutofit/>
           </a:bodyPr>
           <a:lstStyle/>
@@ -1010,9 +1162,6 @@
               </a:spcBef>
               <a:buNone/>
             </a:pPr>
-            <a:r>
-              <a:t/>
-            </a:r>
             <a:endParaRPr/>
           </a:p>
         </p:txBody>
@@ -1026,49 +1175,56 @@
 </file>
 
 <file path=ppt/notesSlides/notesSlide15.xml><?xml version="1.0" encoding="utf-8"?>
-<p:notes xmlns:a="http://schemas.openxmlformats.org/drawingml/2006/main" xmlns:r="http://schemas.openxmlformats.org/officeDocument/2006/relationships" xmlns:mc="http://schemas.openxmlformats.org/markup-compatibility/2006" xmlns:mv="urn:schemas-microsoft-com:mac:vml" xmlns:p="http://schemas.openxmlformats.org/presentationml/2006/main" xmlns:c="http://schemas.openxmlformats.org/drawingml/2006/chart" xmlns:dgm="http://schemas.openxmlformats.org/drawingml/2006/diagram" xmlns:o="urn:schemas-microsoft-com:office:office" xmlns:v="urn:schemas-microsoft-com:vml" xmlns:pvml="urn:schemas-microsoft-com:office:powerpoint" xmlns:com="http://schemas.openxmlformats.org/drawingml/2006/compatibility" xmlns:p14="http://schemas.microsoft.com/office/powerpoint/2010/main" showMasterSp="0" showMasterPhAnim="0">
+<p:notes xmlns:a="http://schemas.openxmlformats.org/drawingml/2006/main" xmlns:r="http://schemas.openxmlformats.org/officeDocument/2006/relationships" xmlns:p="http://schemas.openxmlformats.org/presentationml/2006/main" showMasterSp="0" showMasterPhAnim="0">
   <p:cSld>
     <p:spTree>
       <p:nvGrpSpPr>
-        <p:cNvPr id="141" name="Shape 141"/>
+        <p:cNvPr id="1" name="Shape 141"/>
         <p:cNvGrpSpPr/>
         <p:nvPr/>
       </p:nvGrpSpPr>
       <p:grpSpPr>
         <a:xfrm>
-          <a:off y="0" x="0"/>
-          <a:ext cy="0" cx="0"/>
-          <a:chOff y="0" x="0"/>
-          <a:chExt cy="0" cx="0"/>
+          <a:off x="0" y="0"/>
+          <a:ext cx="0" cy="0"/>
+          <a:chOff x="0" y="0"/>
+          <a:chExt cx="0" cy="0"/>
         </a:xfrm>
       </p:grpSpPr>
       <p:sp>
         <p:nvSpPr>
           <p:cNvPr id="142" name="Shape 142"/>
-          <p:cNvSpPr/>
+          <p:cNvSpPr>
+            <a:spLocks noGrp="1" noRot="1" noChangeAspect="1"/>
+          </p:cNvSpPr>
           <p:nvPr>
-            <p:ph idx="2" type="sldImg"/>
+            <p:ph type="sldImg" idx="2"/>
           </p:nvPr>
         </p:nvSpPr>
         <p:spPr>
           <a:xfrm>
-            <a:off y="685800" x="381187"/>
-            <a:ext cy="3429000" cx="6096299"/>
+            <a:off x="381187" y="685800"/>
+            <a:ext cx="6096299" cy="3429000"/>
           </a:xfrm>
           <a:custGeom>
+            <a:avLst/>
+            <a:gdLst/>
+            <a:ahLst/>
+            <a:cxnLst/>
+            <a:rect l="0" t="0" r="0" b="0"/>
             <a:pathLst>
-              <a:path w="120000" extrusionOk="0" h="120000">
+              <a:path w="120000" h="120000" extrusionOk="0">
                 <a:moveTo>
-                  <a:pt y="0" x="0"/>
+                  <a:pt x="0" y="0"/>
                 </a:moveTo>
                 <a:lnTo>
-                  <a:pt y="0" x="120000"/>
+                  <a:pt x="120000" y="0"/>
                 </a:lnTo>
                 <a:lnTo>
-                  <a:pt y="120000" x="120000"/>
+                  <a:pt x="120000" y="120000"/>
                 </a:lnTo>
                 <a:lnTo>
-                  <a:pt y="120000" x="0"/>
+                  <a:pt x="0" y="120000"/>
                 </a:lnTo>
                 <a:close/>
               </a:path>
@@ -1081,30 +1237,32 @@
             </a:solidFill>
             <a:prstDash val="solid"/>
             <a:round/>
-            <a:headEnd w="med" len="med" type="none"/>
-            <a:tailEnd w="med" len="med" type="none"/>
+            <a:headEnd type="none" w="med" len="med"/>
+            <a:tailEnd type="none" w="med" len="med"/>
           </a:ln>
         </p:spPr>
       </p:sp>
       <p:sp>
         <p:nvSpPr>
           <p:cNvPr id="143" name="Shape 143"/>
-          <p:cNvSpPr txBox="1"/>
+          <p:cNvSpPr txBox="1">
+            <a:spLocks noGrp="1"/>
+          </p:cNvSpPr>
           <p:nvPr>
-            <p:ph idx="1" type="body"/>
+            <p:ph type="body" idx="1"/>
           </p:nvPr>
         </p:nvSpPr>
         <p:spPr>
           <a:xfrm>
-            <a:off y="4343400" x="685800"/>
-            <a:ext cy="4114800" cx="5486399"/>
+            <a:off x="685800" y="4343400"/>
+            <a:ext cx="5486399" cy="4114800"/>
           </a:xfrm>
           <a:prstGeom prst="rect">
             <a:avLst/>
           </a:prstGeom>
         </p:spPr>
         <p:txBody>
-          <a:bodyPr bIns="91425" rIns="91425" lIns="91425" tIns="91425" anchor="t" anchorCtr="0">
+          <a:bodyPr lIns="91425" tIns="91425" rIns="91425" bIns="91425" anchor="t" anchorCtr="0">
             <a:noAutofit/>
           </a:bodyPr>
           <a:lstStyle/>
@@ -1115,9 +1273,6 @@
               </a:spcBef>
               <a:buNone/>
             </a:pPr>
-            <a:r>
-              <a:t/>
-            </a:r>
             <a:endParaRPr/>
           </a:p>
         </p:txBody>
@@ -1131,49 +1286,56 @@
 </file>
 
 <file path=ppt/notesSlides/notesSlide16.xml><?xml version="1.0" encoding="utf-8"?>
-<p:notes xmlns:a="http://schemas.openxmlformats.org/drawingml/2006/main" xmlns:r="http://schemas.openxmlformats.org/officeDocument/2006/relationships" xmlns:mc="http://schemas.openxmlformats.org/markup-compatibility/2006" xmlns:mv="urn:schemas-microsoft-com:mac:vml" xmlns:p="http://schemas.openxmlformats.org/presentationml/2006/main" xmlns:c="http://schemas.openxmlformats.org/drawingml/2006/chart" xmlns:dgm="http://schemas.openxmlformats.org/drawingml/2006/diagram" xmlns:o="urn:schemas-microsoft-com:office:office" xmlns:v="urn:schemas-microsoft-com:vml" xmlns:pvml="urn:schemas-microsoft-com:office:powerpoint" xmlns:com="http://schemas.openxmlformats.org/drawingml/2006/compatibility" xmlns:p14="http://schemas.microsoft.com/office/powerpoint/2010/main" showMasterSp="0" showMasterPhAnim="0">
+<p:notes xmlns:a="http://schemas.openxmlformats.org/drawingml/2006/main" xmlns:r="http://schemas.openxmlformats.org/officeDocument/2006/relationships" xmlns:p="http://schemas.openxmlformats.org/presentationml/2006/main" showMasterSp="0" showMasterPhAnim="0">
   <p:cSld>
     <p:spTree>
       <p:nvGrpSpPr>
-        <p:cNvPr id="150" name="Shape 150"/>
+        <p:cNvPr id="1" name="Shape 150"/>
         <p:cNvGrpSpPr/>
         <p:nvPr/>
       </p:nvGrpSpPr>
       <p:grpSpPr>
         <a:xfrm>
-          <a:off y="0" x="0"/>
-          <a:ext cy="0" cx="0"/>
-          <a:chOff y="0" x="0"/>
-          <a:chExt cy="0" cx="0"/>
+          <a:off x="0" y="0"/>
+          <a:ext cx="0" cy="0"/>
+          <a:chOff x="0" y="0"/>
+          <a:chExt cx="0" cy="0"/>
         </a:xfrm>
       </p:grpSpPr>
       <p:sp>
         <p:nvSpPr>
           <p:cNvPr id="151" name="Shape 151"/>
-          <p:cNvSpPr/>
+          <p:cNvSpPr>
+            <a:spLocks noGrp="1" noRot="1" noChangeAspect="1"/>
+          </p:cNvSpPr>
           <p:nvPr>
-            <p:ph idx="2" type="sldImg"/>
+            <p:ph type="sldImg" idx="2"/>
           </p:nvPr>
         </p:nvSpPr>
         <p:spPr>
           <a:xfrm>
-            <a:off y="685800" x="381187"/>
-            <a:ext cy="3429000" cx="6096299"/>
+            <a:off x="381000" y="685800"/>
+            <a:ext cx="6096000" cy="3429000"/>
           </a:xfrm>
           <a:custGeom>
+            <a:avLst/>
+            <a:gdLst/>
+            <a:ahLst/>
+            <a:cxnLst/>
+            <a:rect l="0" t="0" r="0" b="0"/>
             <a:pathLst>
-              <a:path w="120000" extrusionOk="0" h="120000">
+              <a:path w="120000" h="120000" extrusionOk="0">
                 <a:moveTo>
-                  <a:pt y="0" x="0"/>
+                  <a:pt x="0" y="0"/>
                 </a:moveTo>
                 <a:lnTo>
-                  <a:pt y="0" x="120000"/>
+                  <a:pt x="120000" y="0"/>
                 </a:lnTo>
                 <a:lnTo>
-                  <a:pt y="120000" x="120000"/>
+                  <a:pt x="120000" y="120000"/>
                 </a:lnTo>
                 <a:lnTo>
-                  <a:pt y="120000" x="0"/>
+                  <a:pt x="0" y="120000"/>
                 </a:lnTo>
                 <a:close/>
               </a:path>
@@ -1186,30 +1348,32 @@
             </a:solidFill>
             <a:prstDash val="solid"/>
             <a:round/>
-            <a:headEnd w="med" len="med" type="none"/>
-            <a:tailEnd w="med" len="med" type="none"/>
+            <a:headEnd type="none" w="med" len="med"/>
+            <a:tailEnd type="none" w="med" len="med"/>
           </a:ln>
         </p:spPr>
       </p:sp>
       <p:sp>
         <p:nvSpPr>
           <p:cNvPr id="152" name="Shape 152"/>
-          <p:cNvSpPr txBox="1"/>
+          <p:cNvSpPr txBox="1">
+            <a:spLocks noGrp="1"/>
+          </p:cNvSpPr>
           <p:nvPr>
-            <p:ph idx="1" type="body"/>
+            <p:ph type="body" idx="1"/>
           </p:nvPr>
         </p:nvSpPr>
         <p:spPr>
           <a:xfrm>
-            <a:off y="4343400" x="685800"/>
-            <a:ext cy="4114800" cx="5486399"/>
+            <a:off x="685800" y="4343400"/>
+            <a:ext cx="5486399" cy="4114800"/>
           </a:xfrm>
           <a:prstGeom prst="rect">
             <a:avLst/>
           </a:prstGeom>
         </p:spPr>
         <p:txBody>
-          <a:bodyPr bIns="91425" rIns="91425" lIns="91425" tIns="91425" anchor="t" anchorCtr="0">
+          <a:bodyPr lIns="91425" tIns="91425" rIns="91425" bIns="91425" anchor="t" anchorCtr="0">
             <a:noAutofit/>
           </a:bodyPr>
           <a:lstStyle/>
@@ -1220,9 +1384,6 @@
               </a:spcBef>
               <a:buNone/>
             </a:pPr>
-            <a:r>
-              <a:t/>
-            </a:r>
             <a:endParaRPr/>
           </a:p>
         </p:txBody>
@@ -1236,49 +1397,56 @@
 </file>
 
 <file path=ppt/notesSlides/notesSlide17.xml><?xml version="1.0" encoding="utf-8"?>
-<p:notes xmlns:a="http://schemas.openxmlformats.org/drawingml/2006/main" xmlns:r="http://schemas.openxmlformats.org/officeDocument/2006/relationships" xmlns:mc="http://schemas.openxmlformats.org/markup-compatibility/2006" xmlns:mv="urn:schemas-microsoft-com:mac:vml" xmlns:p="http://schemas.openxmlformats.org/presentationml/2006/main" xmlns:c="http://schemas.openxmlformats.org/drawingml/2006/chart" xmlns:dgm="http://schemas.openxmlformats.org/drawingml/2006/diagram" xmlns:o="urn:schemas-microsoft-com:office:office" xmlns:v="urn:schemas-microsoft-com:vml" xmlns:pvml="urn:schemas-microsoft-com:office:powerpoint" xmlns:com="http://schemas.openxmlformats.org/drawingml/2006/compatibility" xmlns:p14="http://schemas.microsoft.com/office/powerpoint/2010/main" showMasterSp="0" showMasterPhAnim="0">
+<p:notes xmlns:a="http://schemas.openxmlformats.org/drawingml/2006/main" xmlns:r="http://schemas.openxmlformats.org/officeDocument/2006/relationships" xmlns:p="http://schemas.openxmlformats.org/presentationml/2006/main" showMasterSp="0" showMasterPhAnim="0">
   <p:cSld>
     <p:spTree>
       <p:nvGrpSpPr>
-        <p:cNvPr id="158" name="Shape 158"/>
+        <p:cNvPr id="1" name="Shape 158"/>
         <p:cNvGrpSpPr/>
         <p:nvPr/>
       </p:nvGrpSpPr>
       <p:grpSpPr>
         <a:xfrm>
-          <a:off y="0" x="0"/>
-          <a:ext cy="0" cx="0"/>
-          <a:chOff y="0" x="0"/>
-          <a:chExt cy="0" cx="0"/>
+          <a:off x="0" y="0"/>
+          <a:ext cx="0" cy="0"/>
+          <a:chOff x="0" y="0"/>
+          <a:chExt cx="0" cy="0"/>
         </a:xfrm>
       </p:grpSpPr>
       <p:sp>
         <p:nvSpPr>
           <p:cNvPr id="159" name="Shape 159"/>
-          <p:cNvSpPr/>
+          <p:cNvSpPr>
+            <a:spLocks noGrp="1" noRot="1" noChangeAspect="1"/>
+          </p:cNvSpPr>
           <p:nvPr>
-            <p:ph idx="2" type="sldImg"/>
+            <p:ph type="sldImg" idx="2"/>
           </p:nvPr>
         </p:nvSpPr>
         <p:spPr>
           <a:xfrm>
-            <a:off y="685800" x="381187"/>
-            <a:ext cy="3429000" cx="6096299"/>
+            <a:off x="381000" y="685800"/>
+            <a:ext cx="6096000" cy="3429000"/>
           </a:xfrm>
           <a:custGeom>
+            <a:avLst/>
+            <a:gdLst/>
+            <a:ahLst/>
+            <a:cxnLst/>
+            <a:rect l="0" t="0" r="0" b="0"/>
             <a:pathLst>
-              <a:path w="120000" extrusionOk="0" h="120000">
+              <a:path w="120000" h="120000" extrusionOk="0">
                 <a:moveTo>
-                  <a:pt y="0" x="0"/>
+                  <a:pt x="0" y="0"/>
                 </a:moveTo>
                 <a:lnTo>
-                  <a:pt y="0" x="120000"/>
+                  <a:pt x="120000" y="0"/>
                 </a:lnTo>
                 <a:lnTo>
-                  <a:pt y="120000" x="120000"/>
+                  <a:pt x="120000" y="120000"/>
                 </a:lnTo>
                 <a:lnTo>
-                  <a:pt y="120000" x="0"/>
+                  <a:pt x="0" y="120000"/>
                 </a:lnTo>
                 <a:close/>
               </a:path>
@@ -1291,30 +1459,32 @@
             </a:solidFill>
             <a:prstDash val="solid"/>
             <a:round/>
-            <a:headEnd w="med" len="med" type="none"/>
-            <a:tailEnd w="med" len="med" type="none"/>
+            <a:headEnd type="none" w="med" len="med"/>
+            <a:tailEnd type="none" w="med" len="med"/>
           </a:ln>
         </p:spPr>
       </p:sp>
       <p:sp>
         <p:nvSpPr>
           <p:cNvPr id="160" name="Shape 160"/>
-          <p:cNvSpPr txBox="1"/>
+          <p:cNvSpPr txBox="1">
+            <a:spLocks noGrp="1"/>
+          </p:cNvSpPr>
           <p:nvPr>
-            <p:ph idx="1" type="body"/>
+            <p:ph type="body" idx="1"/>
           </p:nvPr>
         </p:nvSpPr>
         <p:spPr>
           <a:xfrm>
-            <a:off y="4343400" x="685800"/>
-            <a:ext cy="4114800" cx="5486399"/>
+            <a:off x="685800" y="4343400"/>
+            <a:ext cx="5486399" cy="4114800"/>
           </a:xfrm>
           <a:prstGeom prst="rect">
             <a:avLst/>
           </a:prstGeom>
         </p:spPr>
         <p:txBody>
-          <a:bodyPr bIns="91425" rIns="91425" lIns="91425" tIns="91425" anchor="t" anchorCtr="0">
+          <a:bodyPr lIns="91425" tIns="91425" rIns="91425" bIns="91425" anchor="t" anchorCtr="0">
             <a:noAutofit/>
           </a:bodyPr>
           <a:lstStyle/>
@@ -1325,9 +1495,6 @@
               </a:spcBef>
               <a:buNone/>
             </a:pPr>
-            <a:r>
-              <a:t/>
-            </a:r>
             <a:endParaRPr/>
           </a:p>
         </p:txBody>
@@ -1341,49 +1508,56 @@
 </file>
 
 <file path=ppt/notesSlides/notesSlide18.xml><?xml version="1.0" encoding="utf-8"?>
-<p:notes xmlns:a="http://schemas.openxmlformats.org/drawingml/2006/main" xmlns:r="http://schemas.openxmlformats.org/officeDocument/2006/relationships" xmlns:mc="http://schemas.openxmlformats.org/markup-compatibility/2006" xmlns:mv="urn:schemas-microsoft-com:mac:vml" xmlns:p="http://schemas.openxmlformats.org/presentationml/2006/main" xmlns:c="http://schemas.openxmlformats.org/drawingml/2006/chart" xmlns:dgm="http://schemas.openxmlformats.org/drawingml/2006/diagram" xmlns:o="urn:schemas-microsoft-com:office:office" xmlns:v="urn:schemas-microsoft-com:vml" xmlns:pvml="urn:schemas-microsoft-com:office:powerpoint" xmlns:com="http://schemas.openxmlformats.org/drawingml/2006/compatibility" xmlns:p14="http://schemas.microsoft.com/office/powerpoint/2010/main" showMasterSp="0" showMasterPhAnim="0">
+<p:notes xmlns:a="http://schemas.openxmlformats.org/drawingml/2006/main" xmlns:r="http://schemas.openxmlformats.org/officeDocument/2006/relationships" xmlns:p="http://schemas.openxmlformats.org/presentationml/2006/main" showMasterSp="0" showMasterPhAnim="0">
   <p:cSld>
     <p:spTree>
       <p:nvGrpSpPr>
-        <p:cNvPr id="167" name="Shape 167"/>
+        <p:cNvPr id="1" name="Shape 167"/>
         <p:cNvGrpSpPr/>
         <p:nvPr/>
       </p:nvGrpSpPr>
       <p:grpSpPr>
         <a:xfrm>
-          <a:off y="0" x="0"/>
-          <a:ext cy="0" cx="0"/>
-          <a:chOff y="0" x="0"/>
-          <a:chExt cy="0" cx="0"/>
+          <a:off x="0" y="0"/>
+          <a:ext cx="0" cy="0"/>
+          <a:chOff x="0" y="0"/>
+          <a:chExt cx="0" cy="0"/>
         </a:xfrm>
       </p:grpSpPr>
       <p:sp>
         <p:nvSpPr>
           <p:cNvPr id="168" name="Shape 168"/>
-          <p:cNvSpPr/>
+          <p:cNvSpPr>
+            <a:spLocks noGrp="1" noRot="1" noChangeAspect="1"/>
+          </p:cNvSpPr>
           <p:nvPr>
-            <p:ph idx="2" type="sldImg"/>
+            <p:ph type="sldImg" idx="2"/>
           </p:nvPr>
         </p:nvSpPr>
         <p:spPr>
           <a:xfrm>
-            <a:off y="685800" x="381187"/>
-            <a:ext cy="3429000" cx="6096299"/>
+            <a:off x="381187" y="685800"/>
+            <a:ext cx="6096299" cy="3429000"/>
           </a:xfrm>
           <a:custGeom>
+            <a:avLst/>
+            <a:gdLst/>
+            <a:ahLst/>
+            <a:cxnLst/>
+            <a:rect l="0" t="0" r="0" b="0"/>
             <a:pathLst>
-              <a:path w="120000" extrusionOk="0" h="120000">
+              <a:path w="120000" h="120000" extrusionOk="0">
                 <a:moveTo>
-                  <a:pt y="0" x="0"/>
+                  <a:pt x="0" y="0"/>
                 </a:moveTo>
                 <a:lnTo>
-                  <a:pt y="0" x="120000"/>
+                  <a:pt x="120000" y="0"/>
                 </a:lnTo>
                 <a:lnTo>
-                  <a:pt y="120000" x="120000"/>
+                  <a:pt x="120000" y="120000"/>
                 </a:lnTo>
                 <a:lnTo>
-                  <a:pt y="120000" x="0"/>
+                  <a:pt x="0" y="120000"/>
                 </a:lnTo>
                 <a:close/>
               </a:path>
@@ -1396,30 +1570,32 @@
             </a:solidFill>
             <a:prstDash val="solid"/>
             <a:round/>
-            <a:headEnd w="med" len="med" type="none"/>
-            <a:tailEnd w="med" len="med" type="none"/>
+            <a:headEnd type="none" w="med" len="med"/>
+            <a:tailEnd type="none" w="med" len="med"/>
           </a:ln>
         </p:spPr>
       </p:sp>
       <p:sp>
         <p:nvSpPr>
           <p:cNvPr id="169" name="Shape 169"/>
-          <p:cNvSpPr txBox="1"/>
+          <p:cNvSpPr txBox="1">
+            <a:spLocks noGrp="1"/>
+          </p:cNvSpPr>
           <p:nvPr>
-            <p:ph idx="1" type="body"/>
+            <p:ph type="body" idx="1"/>
           </p:nvPr>
         </p:nvSpPr>
         <p:spPr>
           <a:xfrm>
-            <a:off y="4343400" x="685800"/>
-            <a:ext cy="4114800" cx="5486399"/>
+            <a:off x="685800" y="4343400"/>
+            <a:ext cx="5486399" cy="4114800"/>
           </a:xfrm>
           <a:prstGeom prst="rect">
             <a:avLst/>
           </a:prstGeom>
         </p:spPr>
         <p:txBody>
-          <a:bodyPr bIns="91425" rIns="91425" lIns="91425" tIns="91425" anchor="t" anchorCtr="0">
+          <a:bodyPr lIns="91425" tIns="91425" rIns="91425" bIns="91425" anchor="t" anchorCtr="0">
             <a:noAutofit/>
           </a:bodyPr>
           <a:lstStyle/>
@@ -1446,49 +1622,56 @@
 </file>
 
 <file path=ppt/notesSlides/notesSlide19.xml><?xml version="1.0" encoding="utf-8"?>
-<p:notes xmlns:a="http://schemas.openxmlformats.org/drawingml/2006/main" xmlns:r="http://schemas.openxmlformats.org/officeDocument/2006/relationships" xmlns:mc="http://schemas.openxmlformats.org/markup-compatibility/2006" xmlns:mv="urn:schemas-microsoft-com:mac:vml" xmlns:p="http://schemas.openxmlformats.org/presentationml/2006/main" xmlns:c="http://schemas.openxmlformats.org/drawingml/2006/chart" xmlns:dgm="http://schemas.openxmlformats.org/drawingml/2006/diagram" xmlns:o="urn:schemas-microsoft-com:office:office" xmlns:v="urn:schemas-microsoft-com:vml" xmlns:pvml="urn:schemas-microsoft-com:office:powerpoint" xmlns:com="http://schemas.openxmlformats.org/drawingml/2006/compatibility" xmlns:p14="http://schemas.microsoft.com/office/powerpoint/2010/main" showMasterSp="0" showMasterPhAnim="0">
+<p:notes xmlns:a="http://schemas.openxmlformats.org/drawingml/2006/main" xmlns:r="http://schemas.openxmlformats.org/officeDocument/2006/relationships" xmlns:p="http://schemas.openxmlformats.org/presentationml/2006/main" showMasterSp="0" showMasterPhAnim="0">
   <p:cSld>
     <p:spTree>
       <p:nvGrpSpPr>
-        <p:cNvPr id="173" name="Shape 173"/>
+        <p:cNvPr id="1" name="Shape 173"/>
         <p:cNvGrpSpPr/>
         <p:nvPr/>
       </p:nvGrpSpPr>
       <p:grpSpPr>
         <a:xfrm>
-          <a:off y="0" x="0"/>
-          <a:ext cy="0" cx="0"/>
-          <a:chOff y="0" x="0"/>
-          <a:chExt cy="0" cx="0"/>
+          <a:off x="0" y="0"/>
+          <a:ext cx="0" cy="0"/>
+          <a:chOff x="0" y="0"/>
+          <a:chExt cx="0" cy="0"/>
         </a:xfrm>
       </p:grpSpPr>
       <p:sp>
         <p:nvSpPr>
           <p:cNvPr id="174" name="Shape 174"/>
-          <p:cNvSpPr/>
+          <p:cNvSpPr>
+            <a:spLocks noGrp="1" noRot="1" noChangeAspect="1"/>
+          </p:cNvSpPr>
           <p:nvPr>
-            <p:ph idx="2" type="sldImg"/>
+            <p:ph type="sldImg" idx="2"/>
           </p:nvPr>
         </p:nvSpPr>
         <p:spPr>
           <a:xfrm>
-            <a:off y="685800" x="381187"/>
-            <a:ext cy="3429000" cx="6096299"/>
+            <a:off x="381187" y="685800"/>
+            <a:ext cx="6096299" cy="3429000"/>
           </a:xfrm>
           <a:custGeom>
+            <a:avLst/>
+            <a:gdLst/>
+            <a:ahLst/>
+            <a:cxnLst/>
+            <a:rect l="0" t="0" r="0" b="0"/>
             <a:pathLst>
-              <a:path w="120000" extrusionOk="0" h="120000">
+              <a:path w="120000" h="120000" extrusionOk="0">
                 <a:moveTo>
-                  <a:pt y="0" x="0"/>
+                  <a:pt x="0" y="0"/>
                 </a:moveTo>
                 <a:lnTo>
-                  <a:pt y="0" x="120000"/>
+                  <a:pt x="120000" y="0"/>
                 </a:lnTo>
                 <a:lnTo>
-                  <a:pt y="120000" x="120000"/>
+                  <a:pt x="120000" y="120000"/>
                 </a:lnTo>
                 <a:lnTo>
-                  <a:pt y="120000" x="0"/>
+                  <a:pt x="0" y="120000"/>
                 </a:lnTo>
                 <a:close/>
               </a:path>
@@ -1501,30 +1684,32 @@
             </a:solidFill>
             <a:prstDash val="solid"/>
             <a:round/>
-            <a:headEnd w="med" len="med" type="none"/>
-            <a:tailEnd w="med" len="med" type="none"/>
+            <a:headEnd type="none" w="med" len="med"/>
+            <a:tailEnd type="none" w="med" len="med"/>
           </a:ln>
         </p:spPr>
       </p:sp>
       <p:sp>
         <p:nvSpPr>
           <p:cNvPr id="175" name="Shape 175"/>
-          <p:cNvSpPr txBox="1"/>
+          <p:cNvSpPr txBox="1">
+            <a:spLocks noGrp="1"/>
+          </p:cNvSpPr>
           <p:nvPr>
-            <p:ph idx="1" type="body"/>
+            <p:ph type="body" idx="1"/>
           </p:nvPr>
         </p:nvSpPr>
         <p:spPr>
           <a:xfrm>
-            <a:off y="4343400" x="685800"/>
-            <a:ext cy="4114800" cx="5486399"/>
+            <a:off x="685800" y="4343400"/>
+            <a:ext cx="5486399" cy="4114800"/>
           </a:xfrm>
           <a:prstGeom prst="rect">
             <a:avLst/>
           </a:prstGeom>
         </p:spPr>
         <p:txBody>
-          <a:bodyPr bIns="91425" rIns="91425" lIns="91425" tIns="91425" anchor="t" anchorCtr="0">
+          <a:bodyPr lIns="91425" tIns="91425" rIns="91425" bIns="91425" anchor="t" anchorCtr="0">
             <a:noAutofit/>
           </a:bodyPr>
           <a:lstStyle/>
@@ -1535,9 +1720,6 @@
               </a:spcBef>
               <a:buNone/>
             </a:pPr>
-            <a:r>
-              <a:t/>
-            </a:r>
             <a:endParaRPr/>
           </a:p>
         </p:txBody>
@@ -1551,49 +1733,56 @@
 </file>
 
 <file path=ppt/notesSlides/notesSlide2.xml><?xml version="1.0" encoding="utf-8"?>
-<p:notes xmlns:a="http://schemas.openxmlformats.org/drawingml/2006/main" xmlns:r="http://schemas.openxmlformats.org/officeDocument/2006/relationships" xmlns:mc="http://schemas.openxmlformats.org/markup-compatibility/2006" xmlns:mv="urn:schemas-microsoft-com:mac:vml" xmlns:p="http://schemas.openxmlformats.org/presentationml/2006/main" xmlns:c="http://schemas.openxmlformats.org/drawingml/2006/chart" xmlns:dgm="http://schemas.openxmlformats.org/drawingml/2006/diagram" xmlns:o="urn:schemas-microsoft-com:office:office" xmlns:v="urn:schemas-microsoft-com:vml" xmlns:pvml="urn:schemas-microsoft-com:office:powerpoint" xmlns:com="http://schemas.openxmlformats.org/drawingml/2006/compatibility" xmlns:p14="http://schemas.microsoft.com/office/powerpoint/2010/main" showMasterSp="0" showMasterPhAnim="0">
+<p:notes xmlns:a="http://schemas.openxmlformats.org/drawingml/2006/main" xmlns:r="http://schemas.openxmlformats.org/officeDocument/2006/relationships" xmlns:p="http://schemas.openxmlformats.org/presentationml/2006/main" showMasterSp="0" showMasterPhAnim="0">
   <p:cSld>
     <p:spTree>
       <p:nvGrpSpPr>
-        <p:cNvPr id="30" name="Shape 30"/>
+        <p:cNvPr id="1" name="Shape 30"/>
         <p:cNvGrpSpPr/>
         <p:nvPr/>
       </p:nvGrpSpPr>
       <p:grpSpPr>
         <a:xfrm>
-          <a:off y="0" x="0"/>
-          <a:ext cy="0" cx="0"/>
-          <a:chOff y="0" x="0"/>
-          <a:chExt cy="0" cx="0"/>
+          <a:off x="0" y="0"/>
+          <a:ext cx="0" cy="0"/>
+          <a:chOff x="0" y="0"/>
+          <a:chExt cx="0" cy="0"/>
         </a:xfrm>
       </p:grpSpPr>
       <p:sp>
         <p:nvSpPr>
           <p:cNvPr id="31" name="Shape 31"/>
-          <p:cNvSpPr/>
+          <p:cNvSpPr>
+            <a:spLocks noGrp="1" noRot="1" noChangeAspect="1"/>
+          </p:cNvSpPr>
           <p:nvPr>
-            <p:ph idx="2" type="sldImg"/>
+            <p:ph type="sldImg" idx="2"/>
           </p:nvPr>
         </p:nvSpPr>
         <p:spPr>
           <a:xfrm>
-            <a:off y="685800" x="381187"/>
-            <a:ext cy="3429000" cx="6096299"/>
+            <a:off x="381187" y="685800"/>
+            <a:ext cx="6096299" cy="3429000"/>
           </a:xfrm>
           <a:custGeom>
+            <a:avLst/>
+            <a:gdLst/>
+            <a:ahLst/>
+            <a:cxnLst/>
+            <a:rect l="0" t="0" r="0" b="0"/>
             <a:pathLst>
-              <a:path w="120000" extrusionOk="0" h="120000">
+              <a:path w="120000" h="120000" extrusionOk="0">
                 <a:moveTo>
-                  <a:pt y="0" x="0"/>
+                  <a:pt x="0" y="0"/>
                 </a:moveTo>
                 <a:lnTo>
-                  <a:pt y="0" x="120000"/>
+                  <a:pt x="120000" y="0"/>
                 </a:lnTo>
                 <a:lnTo>
-                  <a:pt y="120000" x="120000"/>
+                  <a:pt x="120000" y="120000"/>
                 </a:lnTo>
                 <a:lnTo>
-                  <a:pt y="120000" x="0"/>
+                  <a:pt x="0" y="120000"/>
                 </a:lnTo>
                 <a:close/>
               </a:path>
@@ -1606,30 +1795,32 @@
             </a:solidFill>
             <a:prstDash val="solid"/>
             <a:round/>
-            <a:headEnd w="med" len="med" type="none"/>
-            <a:tailEnd w="med" len="med" type="none"/>
+            <a:headEnd type="none" w="med" len="med"/>
+            <a:tailEnd type="none" w="med" len="med"/>
           </a:ln>
         </p:spPr>
       </p:sp>
       <p:sp>
         <p:nvSpPr>
           <p:cNvPr id="32" name="Shape 32"/>
-          <p:cNvSpPr txBox="1"/>
+          <p:cNvSpPr txBox="1">
+            <a:spLocks noGrp="1"/>
+          </p:cNvSpPr>
           <p:nvPr>
-            <p:ph idx="1" type="body"/>
+            <p:ph type="body" idx="1"/>
           </p:nvPr>
         </p:nvSpPr>
         <p:spPr>
           <a:xfrm>
-            <a:off y="4343400" x="685800"/>
-            <a:ext cy="4114800" cx="5486399"/>
+            <a:off x="685800" y="4343400"/>
+            <a:ext cx="5486399" cy="4114800"/>
           </a:xfrm>
           <a:prstGeom prst="rect">
             <a:avLst/>
           </a:prstGeom>
         </p:spPr>
         <p:txBody>
-          <a:bodyPr bIns="91425" rIns="91425" lIns="91425" tIns="91425" anchor="t" anchorCtr="0">
+          <a:bodyPr lIns="91425" tIns="91425" rIns="91425" bIns="91425" anchor="t" anchorCtr="0">
             <a:noAutofit/>
           </a:bodyPr>
           <a:lstStyle/>
@@ -1640,9 +1831,6 @@
               </a:spcBef>
               <a:buNone/>
             </a:pPr>
-            <a:r>
-              <a:t/>
-            </a:r>
             <a:endParaRPr/>
           </a:p>
         </p:txBody>
@@ -1656,49 +1844,56 @@
 </file>
 
 <file path=ppt/notesSlides/notesSlide20.xml><?xml version="1.0" encoding="utf-8"?>
-<p:notes xmlns:a="http://schemas.openxmlformats.org/drawingml/2006/main" xmlns:r="http://schemas.openxmlformats.org/officeDocument/2006/relationships" xmlns:mc="http://schemas.openxmlformats.org/markup-compatibility/2006" xmlns:mv="urn:schemas-microsoft-com:mac:vml" xmlns:p="http://schemas.openxmlformats.org/presentationml/2006/main" xmlns:c="http://schemas.openxmlformats.org/drawingml/2006/chart" xmlns:dgm="http://schemas.openxmlformats.org/drawingml/2006/diagram" xmlns:o="urn:schemas-microsoft-com:office:office" xmlns:v="urn:schemas-microsoft-com:vml" xmlns:pvml="urn:schemas-microsoft-com:office:powerpoint" xmlns:com="http://schemas.openxmlformats.org/drawingml/2006/compatibility" xmlns:p14="http://schemas.microsoft.com/office/powerpoint/2010/main" showMasterSp="0" showMasterPhAnim="0">
+<p:notes xmlns:a="http://schemas.openxmlformats.org/drawingml/2006/main" xmlns:r="http://schemas.openxmlformats.org/officeDocument/2006/relationships" xmlns:p="http://schemas.openxmlformats.org/presentationml/2006/main" showMasterSp="0" showMasterPhAnim="0">
   <p:cSld>
     <p:spTree>
       <p:nvGrpSpPr>
-        <p:cNvPr id="180" name="Shape 180"/>
+        <p:cNvPr id="1" name="Shape 180"/>
         <p:cNvGrpSpPr/>
         <p:nvPr/>
       </p:nvGrpSpPr>
       <p:grpSpPr>
         <a:xfrm>
-          <a:off y="0" x="0"/>
-          <a:ext cy="0" cx="0"/>
-          <a:chOff y="0" x="0"/>
-          <a:chExt cy="0" cx="0"/>
+          <a:off x="0" y="0"/>
+          <a:ext cx="0" cy="0"/>
+          <a:chOff x="0" y="0"/>
+          <a:chExt cx="0" cy="0"/>
         </a:xfrm>
       </p:grpSpPr>
       <p:sp>
         <p:nvSpPr>
           <p:cNvPr id="181" name="Shape 181"/>
-          <p:cNvSpPr/>
+          <p:cNvSpPr>
+            <a:spLocks noGrp="1" noRot="1" noChangeAspect="1"/>
+          </p:cNvSpPr>
           <p:nvPr>
-            <p:ph idx="2" type="sldImg"/>
+            <p:ph type="sldImg" idx="2"/>
           </p:nvPr>
         </p:nvSpPr>
         <p:spPr>
           <a:xfrm>
-            <a:off y="685800" x="381187"/>
-            <a:ext cy="3429000" cx="6096299"/>
+            <a:off x="381187" y="685800"/>
+            <a:ext cx="6096299" cy="3429000"/>
           </a:xfrm>
           <a:custGeom>
+            <a:avLst/>
+            <a:gdLst/>
+            <a:ahLst/>
+            <a:cxnLst/>
+            <a:rect l="0" t="0" r="0" b="0"/>
             <a:pathLst>
-              <a:path w="120000" extrusionOk="0" h="120000">
+              <a:path w="120000" h="120000" extrusionOk="0">
                 <a:moveTo>
-                  <a:pt y="0" x="0"/>
+                  <a:pt x="0" y="0"/>
                 </a:moveTo>
                 <a:lnTo>
-                  <a:pt y="0" x="120000"/>
+                  <a:pt x="120000" y="0"/>
                 </a:lnTo>
                 <a:lnTo>
-                  <a:pt y="120000" x="120000"/>
+                  <a:pt x="120000" y="120000"/>
                 </a:lnTo>
                 <a:lnTo>
-                  <a:pt y="120000" x="0"/>
+                  <a:pt x="0" y="120000"/>
                 </a:lnTo>
                 <a:close/>
               </a:path>
@@ -1711,30 +1906,32 @@
             </a:solidFill>
             <a:prstDash val="solid"/>
             <a:round/>
-            <a:headEnd w="med" len="med" type="none"/>
-            <a:tailEnd w="med" len="med" type="none"/>
+            <a:headEnd type="none" w="med" len="med"/>
+            <a:tailEnd type="none" w="med" len="med"/>
           </a:ln>
         </p:spPr>
       </p:sp>
       <p:sp>
         <p:nvSpPr>
           <p:cNvPr id="182" name="Shape 182"/>
-          <p:cNvSpPr txBox="1"/>
+          <p:cNvSpPr txBox="1">
+            <a:spLocks noGrp="1"/>
+          </p:cNvSpPr>
           <p:nvPr>
-            <p:ph idx="1" type="body"/>
+            <p:ph type="body" idx="1"/>
           </p:nvPr>
         </p:nvSpPr>
         <p:spPr>
           <a:xfrm>
-            <a:off y="4343400" x="685800"/>
-            <a:ext cy="4114800" cx="5486399"/>
+            <a:off x="685800" y="4343400"/>
+            <a:ext cx="5486399" cy="4114800"/>
           </a:xfrm>
           <a:prstGeom prst="rect">
             <a:avLst/>
           </a:prstGeom>
         </p:spPr>
         <p:txBody>
-          <a:bodyPr bIns="91425" rIns="91425" lIns="91425" tIns="91425" anchor="t" anchorCtr="0">
+          <a:bodyPr lIns="91425" tIns="91425" rIns="91425" bIns="91425" anchor="t" anchorCtr="0">
             <a:noAutofit/>
           </a:bodyPr>
           <a:lstStyle/>
@@ -1745,9 +1942,6 @@
               </a:spcBef>
               <a:buNone/>
             </a:pPr>
-            <a:r>
-              <a:t/>
-            </a:r>
             <a:endParaRPr/>
           </a:p>
         </p:txBody>
@@ -1761,49 +1955,56 @@
 </file>
 
 <file path=ppt/notesSlides/notesSlide21.xml><?xml version="1.0" encoding="utf-8"?>
-<p:notes xmlns:a="http://schemas.openxmlformats.org/drawingml/2006/main" xmlns:r="http://schemas.openxmlformats.org/officeDocument/2006/relationships" xmlns:mc="http://schemas.openxmlformats.org/markup-compatibility/2006" xmlns:mv="urn:schemas-microsoft-com:mac:vml" xmlns:p="http://schemas.openxmlformats.org/presentationml/2006/main" xmlns:c="http://schemas.openxmlformats.org/drawingml/2006/chart" xmlns:dgm="http://schemas.openxmlformats.org/drawingml/2006/diagram" xmlns:o="urn:schemas-microsoft-com:office:office" xmlns:v="urn:schemas-microsoft-com:vml" xmlns:pvml="urn:schemas-microsoft-com:office:powerpoint" xmlns:com="http://schemas.openxmlformats.org/drawingml/2006/compatibility" xmlns:p14="http://schemas.microsoft.com/office/powerpoint/2010/main" showMasterSp="0" showMasterPhAnim="0">
+<p:notes xmlns:a="http://schemas.openxmlformats.org/drawingml/2006/main" xmlns:r="http://schemas.openxmlformats.org/officeDocument/2006/relationships" xmlns:p="http://schemas.openxmlformats.org/presentationml/2006/main" showMasterSp="0" showMasterPhAnim="0">
   <p:cSld>
     <p:spTree>
       <p:nvGrpSpPr>
-        <p:cNvPr id="185" name="Shape 185"/>
+        <p:cNvPr id="1" name="Shape 185"/>
         <p:cNvGrpSpPr/>
         <p:nvPr/>
       </p:nvGrpSpPr>
       <p:grpSpPr>
         <a:xfrm>
-          <a:off y="0" x="0"/>
-          <a:ext cy="0" cx="0"/>
-          <a:chOff y="0" x="0"/>
-          <a:chExt cy="0" cx="0"/>
+          <a:off x="0" y="0"/>
+          <a:ext cx="0" cy="0"/>
+          <a:chOff x="0" y="0"/>
+          <a:chExt cx="0" cy="0"/>
         </a:xfrm>
       </p:grpSpPr>
       <p:sp>
         <p:nvSpPr>
           <p:cNvPr id="186" name="Shape 186"/>
-          <p:cNvSpPr/>
+          <p:cNvSpPr>
+            <a:spLocks noGrp="1" noRot="1" noChangeAspect="1"/>
+          </p:cNvSpPr>
           <p:nvPr>
-            <p:ph idx="2" type="sldImg"/>
+            <p:ph type="sldImg" idx="2"/>
           </p:nvPr>
         </p:nvSpPr>
         <p:spPr>
           <a:xfrm>
-            <a:off y="685800" x="381187"/>
-            <a:ext cy="3429000" cx="6096299"/>
+            <a:off x="381187" y="685800"/>
+            <a:ext cx="6096299" cy="3429000"/>
           </a:xfrm>
           <a:custGeom>
+            <a:avLst/>
+            <a:gdLst/>
+            <a:ahLst/>
+            <a:cxnLst/>
+            <a:rect l="0" t="0" r="0" b="0"/>
             <a:pathLst>
-              <a:path w="120000" extrusionOk="0" h="120000">
+              <a:path w="120000" h="120000" extrusionOk="0">
                 <a:moveTo>
-                  <a:pt y="0" x="0"/>
+                  <a:pt x="0" y="0"/>
                 </a:moveTo>
                 <a:lnTo>
-                  <a:pt y="0" x="120000"/>
+                  <a:pt x="120000" y="0"/>
                 </a:lnTo>
                 <a:lnTo>
-                  <a:pt y="120000" x="120000"/>
+                  <a:pt x="120000" y="120000"/>
                 </a:lnTo>
                 <a:lnTo>
-                  <a:pt y="120000" x="0"/>
+                  <a:pt x="0" y="120000"/>
                 </a:lnTo>
                 <a:close/>
               </a:path>
@@ -1816,30 +2017,32 @@
             </a:solidFill>
             <a:prstDash val="solid"/>
             <a:round/>
-            <a:headEnd w="med" len="med" type="none"/>
-            <a:tailEnd w="med" len="med" type="none"/>
+            <a:headEnd type="none" w="med" len="med"/>
+            <a:tailEnd type="none" w="med" len="med"/>
           </a:ln>
         </p:spPr>
       </p:sp>
       <p:sp>
         <p:nvSpPr>
           <p:cNvPr id="187" name="Shape 187"/>
-          <p:cNvSpPr txBox="1"/>
+          <p:cNvSpPr txBox="1">
+            <a:spLocks noGrp="1"/>
+          </p:cNvSpPr>
           <p:nvPr>
-            <p:ph idx="1" type="body"/>
+            <p:ph type="body" idx="1"/>
           </p:nvPr>
         </p:nvSpPr>
         <p:spPr>
           <a:xfrm>
-            <a:off y="4343400" x="685800"/>
-            <a:ext cy="4114800" cx="5486399"/>
+            <a:off x="685800" y="4343400"/>
+            <a:ext cx="5486399" cy="4114800"/>
           </a:xfrm>
           <a:prstGeom prst="rect">
             <a:avLst/>
           </a:prstGeom>
         </p:spPr>
         <p:txBody>
-          <a:bodyPr bIns="91425" rIns="91425" lIns="91425" tIns="91425" anchor="t" anchorCtr="0">
+          <a:bodyPr lIns="91425" tIns="91425" rIns="91425" bIns="91425" anchor="t" anchorCtr="0">
             <a:noAutofit/>
           </a:bodyPr>
           <a:lstStyle/>
@@ -1850,9 +2053,6 @@
               </a:spcBef>
               <a:buNone/>
             </a:pPr>
-            <a:r>
-              <a:t/>
-            </a:r>
             <a:endParaRPr/>
           </a:p>
         </p:txBody>
@@ -1866,49 +2066,56 @@
 </file>
 
 <file path=ppt/notesSlides/notesSlide3.xml><?xml version="1.0" encoding="utf-8"?>
-<p:notes xmlns:a="http://schemas.openxmlformats.org/drawingml/2006/main" xmlns:r="http://schemas.openxmlformats.org/officeDocument/2006/relationships" xmlns:mc="http://schemas.openxmlformats.org/markup-compatibility/2006" xmlns:mv="urn:schemas-microsoft-com:mac:vml" xmlns:p="http://schemas.openxmlformats.org/presentationml/2006/main" xmlns:c="http://schemas.openxmlformats.org/drawingml/2006/chart" xmlns:dgm="http://schemas.openxmlformats.org/drawingml/2006/diagram" xmlns:o="urn:schemas-microsoft-com:office:office" xmlns:v="urn:schemas-microsoft-com:vml" xmlns:pvml="urn:schemas-microsoft-com:office:powerpoint" xmlns:com="http://schemas.openxmlformats.org/drawingml/2006/compatibility" xmlns:p14="http://schemas.microsoft.com/office/powerpoint/2010/main" showMasterSp="0" showMasterPhAnim="0">
+<p:notes xmlns:a="http://schemas.openxmlformats.org/drawingml/2006/main" xmlns:r="http://schemas.openxmlformats.org/officeDocument/2006/relationships" xmlns:p="http://schemas.openxmlformats.org/presentationml/2006/main" showMasterSp="0" showMasterPhAnim="0">
   <p:cSld>
     <p:spTree>
       <p:nvGrpSpPr>
-        <p:cNvPr id="35" name="Shape 35"/>
+        <p:cNvPr id="1" name="Shape 35"/>
         <p:cNvGrpSpPr/>
         <p:nvPr/>
       </p:nvGrpSpPr>
       <p:grpSpPr>
         <a:xfrm>
-          <a:off y="0" x="0"/>
-          <a:ext cy="0" cx="0"/>
-          <a:chOff y="0" x="0"/>
-          <a:chExt cy="0" cx="0"/>
+          <a:off x="0" y="0"/>
+          <a:ext cx="0" cy="0"/>
+          <a:chOff x="0" y="0"/>
+          <a:chExt cx="0" cy="0"/>
         </a:xfrm>
       </p:grpSpPr>
       <p:sp>
         <p:nvSpPr>
           <p:cNvPr id="36" name="Shape 36"/>
-          <p:cNvSpPr/>
+          <p:cNvSpPr>
+            <a:spLocks noGrp="1" noRot="1" noChangeAspect="1"/>
+          </p:cNvSpPr>
           <p:nvPr>
-            <p:ph idx="2" type="sldImg"/>
+            <p:ph type="sldImg" idx="2"/>
           </p:nvPr>
         </p:nvSpPr>
         <p:spPr>
           <a:xfrm>
-            <a:off y="685800" x="381187"/>
-            <a:ext cy="3429000" cx="6096299"/>
+            <a:off x="381187" y="685800"/>
+            <a:ext cx="6096299" cy="3429000"/>
           </a:xfrm>
           <a:custGeom>
+            <a:avLst/>
+            <a:gdLst/>
+            <a:ahLst/>
+            <a:cxnLst/>
+            <a:rect l="0" t="0" r="0" b="0"/>
             <a:pathLst>
-              <a:path w="120000" extrusionOk="0" h="120000">
+              <a:path w="120000" h="120000" extrusionOk="0">
                 <a:moveTo>
-                  <a:pt y="0" x="0"/>
+                  <a:pt x="0" y="0"/>
                 </a:moveTo>
                 <a:lnTo>
-                  <a:pt y="0" x="120000"/>
+                  <a:pt x="120000" y="0"/>
                 </a:lnTo>
                 <a:lnTo>
-                  <a:pt y="120000" x="120000"/>
+                  <a:pt x="120000" y="120000"/>
                 </a:lnTo>
                 <a:lnTo>
-                  <a:pt y="120000" x="0"/>
+                  <a:pt x="0" y="120000"/>
                 </a:lnTo>
                 <a:close/>
               </a:path>
@@ -1921,30 +2128,32 @@
             </a:solidFill>
             <a:prstDash val="solid"/>
             <a:round/>
-            <a:headEnd w="med" len="med" type="none"/>
-            <a:tailEnd w="med" len="med" type="none"/>
+            <a:headEnd type="none" w="med" len="med"/>
+            <a:tailEnd type="none" w="med" len="med"/>
           </a:ln>
         </p:spPr>
       </p:sp>
       <p:sp>
         <p:nvSpPr>
           <p:cNvPr id="37" name="Shape 37"/>
-          <p:cNvSpPr txBox="1"/>
+          <p:cNvSpPr txBox="1">
+            <a:spLocks noGrp="1"/>
+          </p:cNvSpPr>
           <p:nvPr>
-            <p:ph idx="1" type="body"/>
+            <p:ph type="body" idx="1"/>
           </p:nvPr>
         </p:nvSpPr>
         <p:spPr>
           <a:xfrm>
-            <a:off y="4343400" x="685800"/>
-            <a:ext cy="4114800" cx="5486399"/>
+            <a:off x="685800" y="4343400"/>
+            <a:ext cx="5486399" cy="4114800"/>
           </a:xfrm>
           <a:prstGeom prst="rect">
             <a:avLst/>
           </a:prstGeom>
         </p:spPr>
         <p:txBody>
-          <a:bodyPr bIns="91425" rIns="91425" lIns="91425" tIns="91425" anchor="t" anchorCtr="0">
+          <a:bodyPr lIns="91425" tIns="91425" rIns="91425" bIns="91425" anchor="t" anchorCtr="0">
             <a:noAutofit/>
           </a:bodyPr>
           <a:lstStyle/>
@@ -1955,9 +2164,6 @@
               </a:spcBef>
               <a:buNone/>
             </a:pPr>
-            <a:r>
-              <a:t/>
-            </a:r>
             <a:endParaRPr/>
           </a:p>
         </p:txBody>
@@ -1971,49 +2177,56 @@
 </file>
 
 <file path=ppt/notesSlides/notesSlide4.xml><?xml version="1.0" encoding="utf-8"?>
-<p:notes xmlns:a="http://schemas.openxmlformats.org/drawingml/2006/main" xmlns:r="http://schemas.openxmlformats.org/officeDocument/2006/relationships" xmlns:mc="http://schemas.openxmlformats.org/markup-compatibility/2006" xmlns:mv="urn:schemas-microsoft-com:mac:vml" xmlns:p="http://schemas.openxmlformats.org/presentationml/2006/main" xmlns:c="http://schemas.openxmlformats.org/drawingml/2006/chart" xmlns:dgm="http://schemas.openxmlformats.org/drawingml/2006/diagram" xmlns:o="urn:schemas-microsoft-com:office:office" xmlns:v="urn:schemas-microsoft-com:vml" xmlns:pvml="urn:schemas-microsoft-com:office:powerpoint" xmlns:com="http://schemas.openxmlformats.org/drawingml/2006/compatibility" xmlns:p14="http://schemas.microsoft.com/office/powerpoint/2010/main" showMasterSp="0" showMasterPhAnim="0">
+<p:notes xmlns:a="http://schemas.openxmlformats.org/drawingml/2006/main" xmlns:r="http://schemas.openxmlformats.org/officeDocument/2006/relationships" xmlns:p="http://schemas.openxmlformats.org/presentationml/2006/main" showMasterSp="0" showMasterPhAnim="0">
   <p:cSld>
     <p:spTree>
       <p:nvGrpSpPr>
-        <p:cNvPr id="41" name="Shape 41"/>
+        <p:cNvPr id="1" name="Shape 41"/>
         <p:cNvGrpSpPr/>
         <p:nvPr/>
       </p:nvGrpSpPr>
       <p:grpSpPr>
         <a:xfrm>
-          <a:off y="0" x="0"/>
-          <a:ext cy="0" cx="0"/>
-          <a:chOff y="0" x="0"/>
-          <a:chExt cy="0" cx="0"/>
+          <a:off x="0" y="0"/>
+          <a:ext cx="0" cy="0"/>
+          <a:chOff x="0" y="0"/>
+          <a:chExt cx="0" cy="0"/>
         </a:xfrm>
       </p:grpSpPr>
       <p:sp>
         <p:nvSpPr>
           <p:cNvPr id="42" name="Shape 42"/>
-          <p:cNvSpPr/>
+          <p:cNvSpPr>
+            <a:spLocks noGrp="1" noRot="1" noChangeAspect="1"/>
+          </p:cNvSpPr>
           <p:nvPr>
-            <p:ph idx="2" type="sldImg"/>
+            <p:ph type="sldImg" idx="2"/>
           </p:nvPr>
         </p:nvSpPr>
         <p:spPr>
           <a:xfrm>
-            <a:off y="685800" x="381187"/>
-            <a:ext cy="3429000" cx="6096299"/>
+            <a:off x="381187" y="685800"/>
+            <a:ext cx="6096299" cy="3429000"/>
           </a:xfrm>
           <a:custGeom>
+            <a:avLst/>
+            <a:gdLst/>
+            <a:ahLst/>
+            <a:cxnLst/>
+            <a:rect l="0" t="0" r="0" b="0"/>
             <a:pathLst>
-              <a:path w="120000" extrusionOk="0" h="120000">
+              <a:path w="120000" h="120000" extrusionOk="0">
                 <a:moveTo>
-                  <a:pt y="0" x="0"/>
+                  <a:pt x="0" y="0"/>
                 </a:moveTo>
                 <a:lnTo>
-                  <a:pt y="0" x="120000"/>
+                  <a:pt x="120000" y="0"/>
                 </a:lnTo>
                 <a:lnTo>
-                  <a:pt y="120000" x="120000"/>
+                  <a:pt x="120000" y="120000"/>
                 </a:lnTo>
                 <a:lnTo>
-                  <a:pt y="120000" x="0"/>
+                  <a:pt x="0" y="120000"/>
                 </a:lnTo>
                 <a:close/>
               </a:path>
@@ -2026,30 +2239,32 @@
             </a:solidFill>
             <a:prstDash val="solid"/>
             <a:round/>
-            <a:headEnd w="med" len="med" type="none"/>
-            <a:tailEnd w="med" len="med" type="none"/>
+            <a:headEnd type="none" w="med" len="med"/>
+            <a:tailEnd type="none" w="med" len="med"/>
           </a:ln>
         </p:spPr>
       </p:sp>
       <p:sp>
         <p:nvSpPr>
           <p:cNvPr id="43" name="Shape 43"/>
-          <p:cNvSpPr txBox="1"/>
+          <p:cNvSpPr txBox="1">
+            <a:spLocks noGrp="1"/>
+          </p:cNvSpPr>
           <p:nvPr>
-            <p:ph idx="1" type="body"/>
+            <p:ph type="body" idx="1"/>
           </p:nvPr>
         </p:nvSpPr>
         <p:spPr>
           <a:xfrm>
-            <a:off y="4343400" x="685800"/>
-            <a:ext cy="4114800" cx="5486399"/>
+            <a:off x="685800" y="4343400"/>
+            <a:ext cx="5486399" cy="4114800"/>
           </a:xfrm>
           <a:prstGeom prst="rect">
             <a:avLst/>
           </a:prstGeom>
         </p:spPr>
         <p:txBody>
-          <a:bodyPr bIns="91425" rIns="91425" lIns="91425" tIns="91425" anchor="t" anchorCtr="0">
+          <a:bodyPr lIns="91425" tIns="91425" rIns="91425" bIns="91425" anchor="t" anchorCtr="0">
             <a:noAutofit/>
           </a:bodyPr>
           <a:lstStyle/>
@@ -2060,9 +2275,6 @@
               </a:spcBef>
               <a:buNone/>
             </a:pPr>
-            <a:r>
-              <a:t/>
-            </a:r>
             <a:endParaRPr/>
           </a:p>
         </p:txBody>
@@ -2076,49 +2288,56 @@
 </file>
 
 <file path=ppt/notesSlides/notesSlide5.xml><?xml version="1.0" encoding="utf-8"?>
-<p:notes xmlns:a="http://schemas.openxmlformats.org/drawingml/2006/main" xmlns:r="http://schemas.openxmlformats.org/officeDocument/2006/relationships" xmlns:mc="http://schemas.openxmlformats.org/markup-compatibility/2006" xmlns:mv="urn:schemas-microsoft-com:mac:vml" xmlns:p="http://schemas.openxmlformats.org/presentationml/2006/main" xmlns:c="http://schemas.openxmlformats.org/drawingml/2006/chart" xmlns:dgm="http://schemas.openxmlformats.org/drawingml/2006/diagram" xmlns:o="urn:schemas-microsoft-com:office:office" xmlns:v="urn:schemas-microsoft-com:vml" xmlns:pvml="urn:schemas-microsoft-com:office:powerpoint" xmlns:com="http://schemas.openxmlformats.org/drawingml/2006/compatibility" xmlns:p14="http://schemas.microsoft.com/office/powerpoint/2010/main" showMasterSp="0" showMasterPhAnim="0">
+<p:notes xmlns:a="http://schemas.openxmlformats.org/drawingml/2006/main" xmlns:r="http://schemas.openxmlformats.org/officeDocument/2006/relationships" xmlns:p="http://schemas.openxmlformats.org/presentationml/2006/main" showMasterSp="0" showMasterPhAnim="0">
   <p:cSld>
     <p:spTree>
       <p:nvGrpSpPr>
-        <p:cNvPr id="48" name="Shape 48"/>
+        <p:cNvPr id="1" name="Shape 48"/>
         <p:cNvGrpSpPr/>
         <p:nvPr/>
       </p:nvGrpSpPr>
       <p:grpSpPr>
         <a:xfrm>
-          <a:off y="0" x="0"/>
-          <a:ext cy="0" cx="0"/>
-          <a:chOff y="0" x="0"/>
-          <a:chExt cy="0" cx="0"/>
+          <a:off x="0" y="0"/>
+          <a:ext cx="0" cy="0"/>
+          <a:chOff x="0" y="0"/>
+          <a:chExt cx="0" cy="0"/>
         </a:xfrm>
       </p:grpSpPr>
       <p:sp>
         <p:nvSpPr>
           <p:cNvPr id="49" name="Shape 49"/>
-          <p:cNvSpPr/>
+          <p:cNvSpPr>
+            <a:spLocks noGrp="1" noRot="1" noChangeAspect="1"/>
+          </p:cNvSpPr>
           <p:nvPr>
-            <p:ph idx="2" type="sldImg"/>
+            <p:ph type="sldImg" idx="2"/>
           </p:nvPr>
         </p:nvSpPr>
         <p:spPr>
           <a:xfrm>
-            <a:off y="685800" x="381187"/>
-            <a:ext cy="3429000" cx="6096299"/>
+            <a:off x="381187" y="685800"/>
+            <a:ext cx="6096299" cy="3429000"/>
           </a:xfrm>
           <a:custGeom>
+            <a:avLst/>
+            <a:gdLst/>
+            <a:ahLst/>
+            <a:cxnLst/>
+            <a:rect l="0" t="0" r="0" b="0"/>
             <a:pathLst>
-              <a:path w="120000" extrusionOk="0" h="120000">
+              <a:path w="120000" h="120000" extrusionOk="0">
                 <a:moveTo>
-                  <a:pt y="0" x="0"/>
+                  <a:pt x="0" y="0"/>
                 </a:moveTo>
                 <a:lnTo>
-                  <a:pt y="0" x="120000"/>
+                  <a:pt x="120000" y="0"/>
                 </a:lnTo>
                 <a:lnTo>
-                  <a:pt y="120000" x="120000"/>
+                  <a:pt x="120000" y="120000"/>
                 </a:lnTo>
                 <a:lnTo>
-                  <a:pt y="120000" x="0"/>
+                  <a:pt x="0" y="120000"/>
                 </a:lnTo>
                 <a:close/>
               </a:path>
@@ -2131,30 +2350,32 @@
             </a:solidFill>
             <a:prstDash val="solid"/>
             <a:round/>
-            <a:headEnd w="med" len="med" type="none"/>
-            <a:tailEnd w="med" len="med" type="none"/>
+            <a:headEnd type="none" w="med" len="med"/>
+            <a:tailEnd type="none" w="med" len="med"/>
           </a:ln>
         </p:spPr>
       </p:sp>
       <p:sp>
         <p:nvSpPr>
           <p:cNvPr id="50" name="Shape 50"/>
-          <p:cNvSpPr txBox="1"/>
+          <p:cNvSpPr txBox="1">
+            <a:spLocks noGrp="1"/>
+          </p:cNvSpPr>
           <p:nvPr>
-            <p:ph idx="1" type="body"/>
+            <p:ph type="body" idx="1"/>
           </p:nvPr>
         </p:nvSpPr>
         <p:spPr>
           <a:xfrm>
-            <a:off y="4343400" x="685800"/>
-            <a:ext cy="4114800" cx="5486399"/>
+            <a:off x="685800" y="4343400"/>
+            <a:ext cx="5486399" cy="4114800"/>
           </a:xfrm>
           <a:prstGeom prst="rect">
             <a:avLst/>
           </a:prstGeom>
         </p:spPr>
         <p:txBody>
-          <a:bodyPr bIns="91425" rIns="91425" lIns="91425" tIns="91425" anchor="t" anchorCtr="0">
+          <a:bodyPr lIns="91425" tIns="91425" rIns="91425" bIns="91425" anchor="t" anchorCtr="0">
             <a:noAutofit/>
           </a:bodyPr>
           <a:lstStyle/>
@@ -2165,9 +2386,6 @@
               </a:spcBef>
               <a:buNone/>
             </a:pPr>
-            <a:r>
-              <a:t/>
-            </a:r>
             <a:endParaRPr/>
           </a:p>
         </p:txBody>
@@ -2181,49 +2399,56 @@
 </file>
 
 <file path=ppt/notesSlides/notesSlide6.xml><?xml version="1.0" encoding="utf-8"?>
-<p:notes xmlns:a="http://schemas.openxmlformats.org/drawingml/2006/main" xmlns:r="http://schemas.openxmlformats.org/officeDocument/2006/relationships" xmlns:mc="http://schemas.openxmlformats.org/markup-compatibility/2006" xmlns:mv="urn:schemas-microsoft-com:mac:vml" xmlns:p="http://schemas.openxmlformats.org/presentationml/2006/main" xmlns:c="http://schemas.openxmlformats.org/drawingml/2006/chart" xmlns:dgm="http://schemas.openxmlformats.org/drawingml/2006/diagram" xmlns:o="urn:schemas-microsoft-com:office:office" xmlns:v="urn:schemas-microsoft-com:vml" xmlns:pvml="urn:schemas-microsoft-com:office:powerpoint" xmlns:com="http://schemas.openxmlformats.org/drawingml/2006/compatibility" xmlns:p14="http://schemas.microsoft.com/office/powerpoint/2010/main" showMasterSp="0" showMasterPhAnim="0">
+<p:notes xmlns:a="http://schemas.openxmlformats.org/drawingml/2006/main" xmlns:r="http://schemas.openxmlformats.org/officeDocument/2006/relationships" xmlns:p="http://schemas.openxmlformats.org/presentationml/2006/main" showMasterSp="0" showMasterPhAnim="0">
   <p:cSld>
     <p:spTree>
       <p:nvGrpSpPr>
-        <p:cNvPr id="53" name="Shape 53"/>
+        <p:cNvPr id="1" name="Shape 53"/>
         <p:cNvGrpSpPr/>
         <p:nvPr/>
       </p:nvGrpSpPr>
       <p:grpSpPr>
         <a:xfrm>
-          <a:off y="0" x="0"/>
-          <a:ext cy="0" cx="0"/>
-          <a:chOff y="0" x="0"/>
-          <a:chExt cy="0" cx="0"/>
+          <a:off x="0" y="0"/>
+          <a:ext cx="0" cy="0"/>
+          <a:chOff x="0" y="0"/>
+          <a:chExt cx="0" cy="0"/>
         </a:xfrm>
       </p:grpSpPr>
       <p:sp>
         <p:nvSpPr>
           <p:cNvPr id="54" name="Shape 54"/>
-          <p:cNvSpPr/>
+          <p:cNvSpPr>
+            <a:spLocks noGrp="1" noRot="1" noChangeAspect="1"/>
+          </p:cNvSpPr>
           <p:nvPr>
-            <p:ph idx="2" type="sldImg"/>
+            <p:ph type="sldImg" idx="2"/>
           </p:nvPr>
         </p:nvSpPr>
         <p:spPr>
           <a:xfrm>
-            <a:off y="685800" x="381187"/>
-            <a:ext cy="3429000" cx="6096299"/>
+            <a:off x="381187" y="685800"/>
+            <a:ext cx="6096299" cy="3429000"/>
           </a:xfrm>
           <a:custGeom>
+            <a:avLst/>
+            <a:gdLst/>
+            <a:ahLst/>
+            <a:cxnLst/>
+            <a:rect l="0" t="0" r="0" b="0"/>
             <a:pathLst>
-              <a:path w="120000" extrusionOk="0" h="120000">
+              <a:path w="120000" h="120000" extrusionOk="0">
                 <a:moveTo>
-                  <a:pt y="0" x="0"/>
+                  <a:pt x="0" y="0"/>
                 </a:moveTo>
                 <a:lnTo>
-                  <a:pt y="0" x="120000"/>
+                  <a:pt x="120000" y="0"/>
                 </a:lnTo>
                 <a:lnTo>
-                  <a:pt y="120000" x="120000"/>
+                  <a:pt x="120000" y="120000"/>
                 </a:lnTo>
                 <a:lnTo>
-                  <a:pt y="120000" x="0"/>
+                  <a:pt x="0" y="120000"/>
                 </a:lnTo>
                 <a:close/>
               </a:path>
@@ -2236,30 +2461,32 @@
             </a:solidFill>
             <a:prstDash val="solid"/>
             <a:round/>
-            <a:headEnd w="med" len="med" type="none"/>
-            <a:tailEnd w="med" len="med" type="none"/>
+            <a:headEnd type="none" w="med" len="med"/>
+            <a:tailEnd type="none" w="med" len="med"/>
           </a:ln>
         </p:spPr>
       </p:sp>
       <p:sp>
         <p:nvSpPr>
           <p:cNvPr id="55" name="Shape 55"/>
-          <p:cNvSpPr txBox="1"/>
+          <p:cNvSpPr txBox="1">
+            <a:spLocks noGrp="1"/>
+          </p:cNvSpPr>
           <p:nvPr>
-            <p:ph idx="1" type="body"/>
+            <p:ph type="body" idx="1"/>
           </p:nvPr>
         </p:nvSpPr>
         <p:spPr>
           <a:xfrm>
-            <a:off y="4343400" x="685800"/>
-            <a:ext cy="4114800" cx="5486399"/>
+            <a:off x="685800" y="4343400"/>
+            <a:ext cx="5486399" cy="4114800"/>
           </a:xfrm>
           <a:prstGeom prst="rect">
             <a:avLst/>
           </a:prstGeom>
         </p:spPr>
         <p:txBody>
-          <a:bodyPr bIns="91425" rIns="91425" lIns="91425" tIns="91425" anchor="t" anchorCtr="0">
+          <a:bodyPr lIns="91425" tIns="91425" rIns="91425" bIns="91425" anchor="t" anchorCtr="0">
             <a:noAutofit/>
           </a:bodyPr>
           <a:lstStyle/>
@@ -2270,9 +2497,6 @@
               </a:spcBef>
               <a:buNone/>
             </a:pPr>
-            <a:r>
-              <a:t/>
-            </a:r>
             <a:endParaRPr/>
           </a:p>
         </p:txBody>
@@ -2286,49 +2510,56 @@
 </file>
 
 <file path=ppt/notesSlides/notesSlide7.xml><?xml version="1.0" encoding="utf-8"?>
-<p:notes xmlns:a="http://schemas.openxmlformats.org/drawingml/2006/main" xmlns:r="http://schemas.openxmlformats.org/officeDocument/2006/relationships" xmlns:mc="http://schemas.openxmlformats.org/markup-compatibility/2006" xmlns:mv="urn:schemas-microsoft-com:mac:vml" xmlns:p="http://schemas.openxmlformats.org/presentationml/2006/main" xmlns:c="http://schemas.openxmlformats.org/drawingml/2006/chart" xmlns:dgm="http://schemas.openxmlformats.org/drawingml/2006/diagram" xmlns:o="urn:schemas-microsoft-com:office:office" xmlns:v="urn:schemas-microsoft-com:vml" xmlns:pvml="urn:schemas-microsoft-com:office:powerpoint" xmlns:com="http://schemas.openxmlformats.org/drawingml/2006/compatibility" xmlns:p14="http://schemas.microsoft.com/office/powerpoint/2010/main" showMasterSp="0" showMasterPhAnim="0">
+<p:notes xmlns:a="http://schemas.openxmlformats.org/drawingml/2006/main" xmlns:r="http://schemas.openxmlformats.org/officeDocument/2006/relationships" xmlns:p="http://schemas.openxmlformats.org/presentationml/2006/main" showMasterSp="0" showMasterPhAnim="0">
   <p:cSld>
     <p:spTree>
       <p:nvGrpSpPr>
-        <p:cNvPr id="58" name="Shape 58"/>
+        <p:cNvPr id="1" name="Shape 58"/>
         <p:cNvGrpSpPr/>
         <p:nvPr/>
       </p:nvGrpSpPr>
       <p:grpSpPr>
         <a:xfrm>
-          <a:off y="0" x="0"/>
-          <a:ext cy="0" cx="0"/>
-          <a:chOff y="0" x="0"/>
-          <a:chExt cy="0" cx="0"/>
+          <a:off x="0" y="0"/>
+          <a:ext cx="0" cy="0"/>
+          <a:chOff x="0" y="0"/>
+          <a:chExt cx="0" cy="0"/>
         </a:xfrm>
       </p:grpSpPr>
       <p:sp>
         <p:nvSpPr>
           <p:cNvPr id="59" name="Shape 59"/>
-          <p:cNvSpPr/>
+          <p:cNvSpPr>
+            <a:spLocks noGrp="1" noRot="1" noChangeAspect="1"/>
+          </p:cNvSpPr>
           <p:nvPr>
-            <p:ph idx="2" type="sldImg"/>
+            <p:ph type="sldImg" idx="2"/>
           </p:nvPr>
         </p:nvSpPr>
         <p:spPr>
           <a:xfrm>
-            <a:off y="685800" x="381187"/>
-            <a:ext cy="3429000" cx="6096299"/>
+            <a:off x="381187" y="685800"/>
+            <a:ext cx="6096299" cy="3429000"/>
           </a:xfrm>
           <a:custGeom>
+            <a:avLst/>
+            <a:gdLst/>
+            <a:ahLst/>
+            <a:cxnLst/>
+            <a:rect l="0" t="0" r="0" b="0"/>
             <a:pathLst>
-              <a:path w="120000" extrusionOk="0" h="120000">
+              <a:path w="120000" h="120000" extrusionOk="0">
                 <a:moveTo>
-                  <a:pt y="0" x="0"/>
+                  <a:pt x="0" y="0"/>
                 </a:moveTo>
                 <a:lnTo>
-                  <a:pt y="0" x="120000"/>
+                  <a:pt x="120000" y="0"/>
                 </a:lnTo>
                 <a:lnTo>
-                  <a:pt y="120000" x="120000"/>
+                  <a:pt x="120000" y="120000"/>
                 </a:lnTo>
                 <a:lnTo>
-                  <a:pt y="120000" x="0"/>
+                  <a:pt x="0" y="120000"/>
                 </a:lnTo>
                 <a:close/>
               </a:path>
@@ -2341,30 +2572,32 @@
             </a:solidFill>
             <a:prstDash val="solid"/>
             <a:round/>
-            <a:headEnd w="med" len="med" type="none"/>
-            <a:tailEnd w="med" len="med" type="none"/>
+            <a:headEnd type="none" w="med" len="med"/>
+            <a:tailEnd type="none" w="med" len="med"/>
           </a:ln>
         </p:spPr>
       </p:sp>
       <p:sp>
         <p:nvSpPr>
           <p:cNvPr id="60" name="Shape 60"/>
-          <p:cNvSpPr txBox="1"/>
+          <p:cNvSpPr txBox="1">
+            <a:spLocks noGrp="1"/>
+          </p:cNvSpPr>
           <p:nvPr>
-            <p:ph idx="1" type="body"/>
+            <p:ph type="body" idx="1"/>
           </p:nvPr>
         </p:nvSpPr>
         <p:spPr>
           <a:xfrm>
-            <a:off y="4343400" x="685800"/>
-            <a:ext cy="4114800" cx="5486399"/>
+            <a:off x="685800" y="4343400"/>
+            <a:ext cx="5486399" cy="4114800"/>
           </a:xfrm>
           <a:prstGeom prst="rect">
             <a:avLst/>
           </a:prstGeom>
         </p:spPr>
         <p:txBody>
-          <a:bodyPr bIns="91425" rIns="91425" lIns="91425" tIns="91425" anchor="t" anchorCtr="0">
+          <a:bodyPr lIns="91425" tIns="91425" rIns="91425" bIns="91425" anchor="t" anchorCtr="0">
             <a:noAutofit/>
           </a:bodyPr>
           <a:lstStyle/>
@@ -2375,9 +2608,6 @@
               </a:spcBef>
               <a:buNone/>
             </a:pPr>
-            <a:r>
-              <a:t/>
-            </a:r>
             <a:endParaRPr/>
           </a:p>
         </p:txBody>
@@ -2391,49 +2621,56 @@
 </file>
 
 <file path=ppt/notesSlides/notesSlide8.xml><?xml version="1.0" encoding="utf-8"?>
-<p:notes xmlns:a="http://schemas.openxmlformats.org/drawingml/2006/main" xmlns:r="http://schemas.openxmlformats.org/officeDocument/2006/relationships" xmlns:mc="http://schemas.openxmlformats.org/markup-compatibility/2006" xmlns:mv="urn:schemas-microsoft-com:mac:vml" xmlns:p="http://schemas.openxmlformats.org/presentationml/2006/main" xmlns:c="http://schemas.openxmlformats.org/drawingml/2006/chart" xmlns:dgm="http://schemas.openxmlformats.org/drawingml/2006/diagram" xmlns:o="urn:schemas-microsoft-com:office:office" xmlns:v="urn:schemas-microsoft-com:vml" xmlns:pvml="urn:schemas-microsoft-com:office:powerpoint" xmlns:com="http://schemas.openxmlformats.org/drawingml/2006/compatibility" xmlns:p14="http://schemas.microsoft.com/office/powerpoint/2010/main" showMasterSp="0" showMasterPhAnim="0">
+<p:notes xmlns:a="http://schemas.openxmlformats.org/drawingml/2006/main" xmlns:r="http://schemas.openxmlformats.org/officeDocument/2006/relationships" xmlns:p="http://schemas.openxmlformats.org/presentationml/2006/main" showMasterSp="0" showMasterPhAnim="0">
   <p:cSld>
     <p:spTree>
       <p:nvGrpSpPr>
-        <p:cNvPr id="72" name="Shape 72"/>
+        <p:cNvPr id="1" name="Shape 72"/>
         <p:cNvGrpSpPr/>
         <p:nvPr/>
       </p:nvGrpSpPr>
       <p:grpSpPr>
         <a:xfrm>
-          <a:off y="0" x="0"/>
-          <a:ext cy="0" cx="0"/>
-          <a:chOff y="0" x="0"/>
-          <a:chExt cy="0" cx="0"/>
+          <a:off x="0" y="0"/>
+          <a:ext cx="0" cy="0"/>
+          <a:chOff x="0" y="0"/>
+          <a:chExt cx="0" cy="0"/>
         </a:xfrm>
       </p:grpSpPr>
       <p:sp>
         <p:nvSpPr>
           <p:cNvPr id="73" name="Shape 73"/>
-          <p:cNvSpPr/>
+          <p:cNvSpPr>
+            <a:spLocks noGrp="1" noRot="1" noChangeAspect="1"/>
+          </p:cNvSpPr>
           <p:nvPr>
-            <p:ph idx="2" type="sldImg"/>
+            <p:ph type="sldImg" idx="2"/>
           </p:nvPr>
         </p:nvSpPr>
         <p:spPr>
           <a:xfrm>
-            <a:off y="685800" x="381187"/>
-            <a:ext cy="3429000" cx="6096299"/>
+            <a:off x="381187" y="685800"/>
+            <a:ext cx="6096299" cy="3429000"/>
           </a:xfrm>
           <a:custGeom>
+            <a:avLst/>
+            <a:gdLst/>
+            <a:ahLst/>
+            <a:cxnLst/>
+            <a:rect l="0" t="0" r="0" b="0"/>
             <a:pathLst>
-              <a:path w="120000" extrusionOk="0" h="120000">
+              <a:path w="120000" h="120000" extrusionOk="0">
                 <a:moveTo>
-                  <a:pt y="0" x="0"/>
+                  <a:pt x="0" y="0"/>
                 </a:moveTo>
                 <a:lnTo>
-                  <a:pt y="0" x="120000"/>
+                  <a:pt x="120000" y="0"/>
                 </a:lnTo>
                 <a:lnTo>
-                  <a:pt y="120000" x="120000"/>
+                  <a:pt x="120000" y="120000"/>
                 </a:lnTo>
                 <a:lnTo>
-                  <a:pt y="120000" x="0"/>
+                  <a:pt x="0" y="120000"/>
                 </a:lnTo>
                 <a:close/>
               </a:path>
@@ -2446,30 +2683,32 @@
             </a:solidFill>
             <a:prstDash val="solid"/>
             <a:round/>
-            <a:headEnd w="med" len="med" type="none"/>
-            <a:tailEnd w="med" len="med" type="none"/>
+            <a:headEnd type="none" w="med" len="med"/>
+            <a:tailEnd type="none" w="med" len="med"/>
           </a:ln>
         </p:spPr>
       </p:sp>
       <p:sp>
         <p:nvSpPr>
           <p:cNvPr id="74" name="Shape 74"/>
-          <p:cNvSpPr txBox="1"/>
+          <p:cNvSpPr txBox="1">
+            <a:spLocks noGrp="1"/>
+          </p:cNvSpPr>
           <p:nvPr>
-            <p:ph idx="1" type="body"/>
+            <p:ph type="body" idx="1"/>
           </p:nvPr>
         </p:nvSpPr>
         <p:spPr>
           <a:xfrm>
-            <a:off y="4343400" x="685800"/>
-            <a:ext cy="4114800" cx="5486399"/>
+            <a:off x="685800" y="4343400"/>
+            <a:ext cx="5486399" cy="4114800"/>
           </a:xfrm>
           <a:prstGeom prst="rect">
             <a:avLst/>
           </a:prstGeom>
         </p:spPr>
         <p:txBody>
-          <a:bodyPr bIns="91425" rIns="91425" lIns="91425" tIns="91425" anchor="t" anchorCtr="0">
+          <a:bodyPr lIns="91425" tIns="91425" rIns="91425" bIns="91425" anchor="t" anchorCtr="0">
             <a:noAutofit/>
           </a:bodyPr>
           <a:lstStyle/>
@@ -2480,9 +2719,6 @@
               </a:spcBef>
               <a:buNone/>
             </a:pPr>
-            <a:r>
-              <a:t/>
-            </a:r>
             <a:endParaRPr/>
           </a:p>
         </p:txBody>
@@ -2496,49 +2732,56 @@
 </file>
 
 <file path=ppt/notesSlides/notesSlide9.xml><?xml version="1.0" encoding="utf-8"?>
-<p:notes xmlns:a="http://schemas.openxmlformats.org/drawingml/2006/main" xmlns:r="http://schemas.openxmlformats.org/officeDocument/2006/relationships" xmlns:mc="http://schemas.openxmlformats.org/markup-compatibility/2006" xmlns:mv="urn:schemas-microsoft-com:mac:vml" xmlns:p="http://schemas.openxmlformats.org/presentationml/2006/main" xmlns:c="http://schemas.openxmlformats.org/drawingml/2006/chart" xmlns:dgm="http://schemas.openxmlformats.org/drawingml/2006/diagram" xmlns:o="urn:schemas-microsoft-com:office:office" xmlns:v="urn:schemas-microsoft-com:vml" xmlns:pvml="urn:schemas-microsoft-com:office:powerpoint" xmlns:com="http://schemas.openxmlformats.org/drawingml/2006/compatibility" xmlns:p14="http://schemas.microsoft.com/office/powerpoint/2010/main" showMasterSp="0" showMasterPhAnim="0">
+<p:notes xmlns:a="http://schemas.openxmlformats.org/drawingml/2006/main" xmlns:r="http://schemas.openxmlformats.org/officeDocument/2006/relationships" xmlns:p="http://schemas.openxmlformats.org/presentationml/2006/main" showMasterSp="0" showMasterPhAnim="0">
   <p:cSld>
     <p:spTree>
       <p:nvGrpSpPr>
-        <p:cNvPr id="88" name="Shape 88"/>
+        <p:cNvPr id="1" name="Shape 88"/>
         <p:cNvGrpSpPr/>
         <p:nvPr/>
       </p:nvGrpSpPr>
       <p:grpSpPr>
         <a:xfrm>
-          <a:off y="0" x="0"/>
-          <a:ext cy="0" cx="0"/>
-          <a:chOff y="0" x="0"/>
-          <a:chExt cy="0" cx="0"/>
+          <a:off x="0" y="0"/>
+          <a:ext cx="0" cy="0"/>
+          <a:chOff x="0" y="0"/>
+          <a:chExt cx="0" cy="0"/>
         </a:xfrm>
       </p:grpSpPr>
       <p:sp>
         <p:nvSpPr>
           <p:cNvPr id="89" name="Shape 89"/>
-          <p:cNvSpPr/>
+          <p:cNvSpPr>
+            <a:spLocks noGrp="1" noRot="1" noChangeAspect="1"/>
+          </p:cNvSpPr>
           <p:nvPr>
-            <p:ph idx="2" type="sldImg"/>
+            <p:ph type="sldImg" idx="2"/>
           </p:nvPr>
         </p:nvSpPr>
         <p:spPr>
           <a:xfrm>
-            <a:off y="685800" x="381187"/>
-            <a:ext cy="3429000" cx="6096299"/>
+            <a:off x="381187" y="685800"/>
+            <a:ext cx="6096299" cy="3429000"/>
           </a:xfrm>
           <a:custGeom>
+            <a:avLst/>
+            <a:gdLst/>
+            <a:ahLst/>
+            <a:cxnLst/>
+            <a:rect l="0" t="0" r="0" b="0"/>
             <a:pathLst>
-              <a:path w="120000" extrusionOk="0" h="120000">
+              <a:path w="120000" h="120000" extrusionOk="0">
                 <a:moveTo>
-                  <a:pt y="0" x="0"/>
+                  <a:pt x="0" y="0"/>
                 </a:moveTo>
                 <a:lnTo>
-                  <a:pt y="0" x="120000"/>
+                  <a:pt x="120000" y="0"/>
                 </a:lnTo>
                 <a:lnTo>
-                  <a:pt y="120000" x="120000"/>
+                  <a:pt x="120000" y="120000"/>
                 </a:lnTo>
                 <a:lnTo>
-                  <a:pt y="120000" x="0"/>
+                  <a:pt x="0" y="120000"/>
                 </a:lnTo>
                 <a:close/>
               </a:path>
@@ -2551,30 +2794,32 @@
             </a:solidFill>
             <a:prstDash val="solid"/>
             <a:round/>
-            <a:headEnd w="med" len="med" type="none"/>
-            <a:tailEnd w="med" len="med" type="none"/>
+            <a:headEnd type="none" w="med" len="med"/>
+            <a:tailEnd type="none" w="med" len="med"/>
           </a:ln>
         </p:spPr>
       </p:sp>
       <p:sp>
         <p:nvSpPr>
           <p:cNvPr id="90" name="Shape 90"/>
-          <p:cNvSpPr txBox="1"/>
+          <p:cNvSpPr txBox="1">
+            <a:spLocks noGrp="1"/>
+          </p:cNvSpPr>
           <p:nvPr>
-            <p:ph idx="1" type="body"/>
+            <p:ph type="body" idx="1"/>
           </p:nvPr>
         </p:nvSpPr>
         <p:spPr>
           <a:xfrm>
-            <a:off y="4343400" x="685800"/>
-            <a:ext cy="4114800" cx="5486399"/>
+            <a:off x="685800" y="4343400"/>
+            <a:ext cx="5486399" cy="4114800"/>
           </a:xfrm>
           <a:prstGeom prst="rect">
             <a:avLst/>
           </a:prstGeom>
         </p:spPr>
         <p:txBody>
-          <a:bodyPr bIns="91425" rIns="91425" lIns="91425" tIns="91425" anchor="t" anchorCtr="0">
+          <a:bodyPr lIns="91425" tIns="91425" rIns="91425" bIns="91425" anchor="t" anchorCtr="0">
             <a:noAutofit/>
           </a:bodyPr>
           <a:lstStyle/>
@@ -2585,9 +2830,6 @@
               </a:spcBef>
               <a:buNone/>
             </a:pPr>
-            <a:r>
-              <a:t/>
-            </a:r>
             <a:endParaRPr/>
           </a:p>
         </p:txBody>
@@ -2601,41 +2843,43 @@
 </file>
 
 <file path=ppt/slideLayouts/slideLayout1.xml><?xml version="1.0" encoding="utf-8"?>
-<p:sldLayout xmlns:a="http://schemas.openxmlformats.org/drawingml/2006/main" xmlns:r="http://schemas.openxmlformats.org/officeDocument/2006/relationships" xmlns:mc="http://schemas.openxmlformats.org/markup-compatibility/2006" xmlns:mv="urn:schemas-microsoft-com:mac:vml" xmlns:p="http://schemas.openxmlformats.org/presentationml/2006/main" xmlns:c="http://schemas.openxmlformats.org/drawingml/2006/chart" xmlns:dgm="http://schemas.openxmlformats.org/drawingml/2006/diagram" xmlns:o="urn:schemas-microsoft-com:office:office" xmlns:v="urn:schemas-microsoft-com:vml" xmlns:pvml="urn:schemas-microsoft-com:office:powerpoint" xmlns:com="http://schemas.openxmlformats.org/drawingml/2006/compatibility" xmlns:p14="http://schemas.microsoft.com/office/powerpoint/2010/main" type="title">
+<p:sldLayout xmlns:a="http://schemas.openxmlformats.org/drawingml/2006/main" xmlns:r="http://schemas.openxmlformats.org/officeDocument/2006/relationships" xmlns:p="http://schemas.openxmlformats.org/presentationml/2006/main" type="title">
   <p:cSld name="Title Slide">
     <p:spTree>
       <p:nvGrpSpPr>
-        <p:cNvPr id="7" name="Shape 7"/>
+        <p:cNvPr id="1" name="Shape 7"/>
         <p:cNvGrpSpPr/>
         <p:nvPr/>
       </p:nvGrpSpPr>
       <p:grpSpPr>
         <a:xfrm>
-          <a:off y="0" x="0"/>
-          <a:ext cy="0" cx="0"/>
-          <a:chOff y="0" x="0"/>
-          <a:chExt cy="0" cx="0"/>
+          <a:off x="0" y="0"/>
+          <a:ext cx="0" cy="0"/>
+          <a:chOff x="0" y="0"/>
+          <a:chExt cx="0" cy="0"/>
         </a:xfrm>
       </p:grpSpPr>
       <p:sp>
         <p:nvSpPr>
           <p:cNvPr id="8" name="Shape 8"/>
-          <p:cNvSpPr txBox="1"/>
+          <p:cNvSpPr txBox="1">
+            <a:spLocks noGrp="1"/>
+          </p:cNvSpPr>
           <p:nvPr>
             <p:ph type="ctrTitle"/>
           </p:nvPr>
         </p:nvSpPr>
         <p:spPr>
           <a:xfrm>
-            <a:off y="1583342" x="685800"/>
-            <a:ext cy="1159856" cx="7772400"/>
+            <a:off x="685800" y="1583342"/>
+            <a:ext cx="7772400" cy="1159856"/>
           </a:xfrm>
           <a:prstGeom prst="rect">
             <a:avLst/>
           </a:prstGeom>
         </p:spPr>
         <p:txBody>
-          <a:bodyPr bIns="91425" rIns="91425" lIns="91425" tIns="91425" anchor="b" anchorCtr="0"/>
+          <a:bodyPr lIns="91425" tIns="91425" rIns="91425" bIns="91425" anchor="b" anchorCtr="0"/>
           <a:lstStyle>
             <a:lvl1pPr algn="ctr">
               <a:spcBef>
@@ -2701,28 +2945,32 @@
               <a:defRPr sz="4800"/>
             </a:lvl9pPr>
           </a:lstStyle>
-          <a:p/>
+          <a:p>
+            <a:endParaRPr/>
+          </a:p>
         </p:txBody>
       </p:sp>
       <p:sp>
         <p:nvSpPr>
           <p:cNvPr id="9" name="Shape 9"/>
-          <p:cNvSpPr txBox="1"/>
+          <p:cNvSpPr txBox="1">
+            <a:spLocks noGrp="1"/>
+          </p:cNvSpPr>
           <p:nvPr>
-            <p:ph idx="1" type="subTitle"/>
+            <p:ph type="subTitle" idx="1"/>
           </p:nvPr>
         </p:nvSpPr>
         <p:spPr>
           <a:xfrm>
-            <a:off y="2840053" x="685800"/>
-            <a:ext cy="784737" cx="7772400"/>
+            <a:off x="685800" y="2840053"/>
+            <a:ext cx="7772400" cy="784737"/>
           </a:xfrm>
           <a:prstGeom prst="rect">
             <a:avLst/>
           </a:prstGeom>
         </p:spPr>
         <p:txBody>
-          <a:bodyPr bIns="91425" rIns="91425" lIns="91425" tIns="91425" anchor="t" anchorCtr="0"/>
+          <a:bodyPr lIns="91425" tIns="91425" rIns="91425" bIns="91425" anchor="t" anchorCtr="0"/>
           <a:lstStyle>
             <a:lvl1pPr algn="ctr">
               <a:spcBef>
@@ -2859,7 +3107,9 @@
               </a:defRPr>
             </a:lvl9pPr>
           </a:lstStyle>
-          <a:p/>
+          <a:p>
+            <a:endParaRPr/>
+          </a:p>
         </p:txBody>
       </p:sp>
     </p:spTree>
@@ -2871,41 +3121,43 @@
 </file>
 
 <file path=ppt/slideLayouts/slideLayout2.xml><?xml version="1.0" encoding="utf-8"?>
-<p:sldLayout xmlns:a="http://schemas.openxmlformats.org/drawingml/2006/main" xmlns:r="http://schemas.openxmlformats.org/officeDocument/2006/relationships" xmlns:mc="http://schemas.openxmlformats.org/markup-compatibility/2006" xmlns:mv="urn:schemas-microsoft-com:mac:vml" xmlns:p="http://schemas.openxmlformats.org/presentationml/2006/main" xmlns:c="http://schemas.openxmlformats.org/drawingml/2006/chart" xmlns:dgm="http://schemas.openxmlformats.org/drawingml/2006/diagram" xmlns:o="urn:schemas-microsoft-com:office:office" xmlns:v="urn:schemas-microsoft-com:vml" xmlns:pvml="urn:schemas-microsoft-com:office:powerpoint" xmlns:com="http://schemas.openxmlformats.org/drawingml/2006/compatibility" xmlns:p14="http://schemas.microsoft.com/office/powerpoint/2010/main" type="tx">
+<p:sldLayout xmlns:a="http://schemas.openxmlformats.org/drawingml/2006/main" xmlns:r="http://schemas.openxmlformats.org/officeDocument/2006/relationships" xmlns:p="http://schemas.openxmlformats.org/presentationml/2006/main" type="tx">
   <p:cSld name="Title and Body">
     <p:spTree>
       <p:nvGrpSpPr>
-        <p:cNvPr id="10" name="Shape 10"/>
+        <p:cNvPr id="1" name="Shape 10"/>
         <p:cNvGrpSpPr/>
         <p:nvPr/>
       </p:nvGrpSpPr>
       <p:grpSpPr>
         <a:xfrm>
-          <a:off y="0" x="0"/>
-          <a:ext cy="0" cx="0"/>
-          <a:chOff y="0" x="0"/>
-          <a:chExt cy="0" cx="0"/>
+          <a:off x="0" y="0"/>
+          <a:ext cx="0" cy="0"/>
+          <a:chOff x="0" y="0"/>
+          <a:chExt cx="0" cy="0"/>
         </a:xfrm>
       </p:grpSpPr>
       <p:sp>
         <p:nvSpPr>
           <p:cNvPr id="11" name="Shape 11"/>
-          <p:cNvSpPr txBox="1"/>
+          <p:cNvSpPr txBox="1">
+            <a:spLocks noGrp="1"/>
+          </p:cNvSpPr>
           <p:nvPr>
             <p:ph type="title"/>
           </p:nvPr>
         </p:nvSpPr>
         <p:spPr>
           <a:xfrm>
-            <a:off y="205978" x="457200"/>
-            <a:ext cy="857250" cx="8229600"/>
+            <a:off x="457200" y="205978"/>
+            <a:ext cx="8229600" cy="857250"/>
           </a:xfrm>
           <a:prstGeom prst="rect">
             <a:avLst/>
           </a:prstGeom>
         </p:spPr>
         <p:txBody>
-          <a:bodyPr bIns="91425" rIns="91425" lIns="91425" tIns="91425" anchor="b" anchorCtr="0"/>
+          <a:bodyPr lIns="91425" tIns="91425" rIns="91425" bIns="91425" anchor="b" anchorCtr="0"/>
           <a:lstStyle>
             <a:lvl1pPr>
               <a:spcBef>
@@ -2962,28 +3214,32 @@
               <a:defRPr/>
             </a:lvl9pPr>
           </a:lstStyle>
-          <a:p/>
+          <a:p>
+            <a:endParaRPr/>
+          </a:p>
         </p:txBody>
       </p:sp>
       <p:sp>
         <p:nvSpPr>
           <p:cNvPr id="12" name="Shape 12"/>
-          <p:cNvSpPr txBox="1"/>
+          <p:cNvSpPr txBox="1">
+            <a:spLocks noGrp="1"/>
+          </p:cNvSpPr>
           <p:nvPr>
-            <p:ph idx="1" type="body"/>
+            <p:ph type="body" idx="1"/>
           </p:nvPr>
         </p:nvSpPr>
         <p:spPr>
           <a:xfrm>
-            <a:off y="1200150" x="457200"/>
-            <a:ext cy="3725680" cx="8229600"/>
+            <a:off x="457200" y="1200150"/>
+            <a:ext cx="8229600" cy="3725680"/>
           </a:xfrm>
           <a:prstGeom prst="rect">
             <a:avLst/>
           </a:prstGeom>
         </p:spPr>
         <p:txBody>
-          <a:bodyPr bIns="91425" rIns="91425" lIns="91425" tIns="91425" anchor="t" anchorCtr="0"/>
+          <a:bodyPr lIns="91425" tIns="91425" rIns="91425" bIns="91425" anchor="t" anchorCtr="0"/>
           <a:lstStyle>
             <a:lvl1pPr>
               <a:spcBef>
@@ -3040,7 +3296,9 @@
               <a:defRPr/>
             </a:lvl9pPr>
           </a:lstStyle>
-          <a:p/>
+          <a:p>
+            <a:endParaRPr/>
+          </a:p>
         </p:txBody>
       </p:sp>
     </p:spTree>
@@ -3052,41 +3310,43 @@
 </file>
 
 <file path=ppt/slideLayouts/slideLayout3.xml><?xml version="1.0" encoding="utf-8"?>
-<p:sldLayout xmlns:a="http://schemas.openxmlformats.org/drawingml/2006/main" xmlns:r="http://schemas.openxmlformats.org/officeDocument/2006/relationships" xmlns:mc="http://schemas.openxmlformats.org/markup-compatibility/2006" xmlns:mv="urn:schemas-microsoft-com:mac:vml" xmlns:p="http://schemas.openxmlformats.org/presentationml/2006/main" xmlns:c="http://schemas.openxmlformats.org/drawingml/2006/chart" xmlns:dgm="http://schemas.openxmlformats.org/drawingml/2006/diagram" xmlns:o="urn:schemas-microsoft-com:office:office" xmlns:v="urn:schemas-microsoft-com:vml" xmlns:pvml="urn:schemas-microsoft-com:office:powerpoint" xmlns:com="http://schemas.openxmlformats.org/drawingml/2006/compatibility" xmlns:p14="http://schemas.microsoft.com/office/powerpoint/2010/main" type="twoColTx">
+<p:sldLayout xmlns:a="http://schemas.openxmlformats.org/drawingml/2006/main" xmlns:r="http://schemas.openxmlformats.org/officeDocument/2006/relationships" xmlns:p="http://schemas.openxmlformats.org/presentationml/2006/main" type="twoColTx">
   <p:cSld name="Title and Two Columns">
     <p:spTree>
       <p:nvGrpSpPr>
-        <p:cNvPr id="13" name="Shape 13"/>
+        <p:cNvPr id="1" name="Shape 13"/>
         <p:cNvGrpSpPr/>
         <p:nvPr/>
       </p:nvGrpSpPr>
       <p:grpSpPr>
         <a:xfrm>
-          <a:off y="0" x="0"/>
-          <a:ext cy="0" cx="0"/>
-          <a:chOff y="0" x="0"/>
-          <a:chExt cy="0" cx="0"/>
+          <a:off x="0" y="0"/>
+          <a:ext cx="0" cy="0"/>
+          <a:chOff x="0" y="0"/>
+          <a:chExt cx="0" cy="0"/>
         </a:xfrm>
       </p:grpSpPr>
       <p:sp>
         <p:nvSpPr>
           <p:cNvPr id="14" name="Shape 14"/>
-          <p:cNvSpPr txBox="1"/>
+          <p:cNvSpPr txBox="1">
+            <a:spLocks noGrp="1"/>
+          </p:cNvSpPr>
           <p:nvPr>
             <p:ph type="title"/>
           </p:nvPr>
         </p:nvSpPr>
         <p:spPr>
           <a:xfrm>
-            <a:off y="205978" x="457200"/>
-            <a:ext cy="857250" cx="8229600"/>
+            <a:off x="457200" y="205978"/>
+            <a:ext cx="8229600" cy="857250"/>
           </a:xfrm>
           <a:prstGeom prst="rect">
             <a:avLst/>
           </a:prstGeom>
         </p:spPr>
         <p:txBody>
-          <a:bodyPr bIns="91425" rIns="91425" lIns="91425" tIns="91425" anchor="b" anchorCtr="0"/>
+          <a:bodyPr lIns="91425" tIns="91425" rIns="91425" bIns="91425" anchor="b" anchorCtr="0"/>
           <a:lstStyle>
             <a:lvl1pPr>
               <a:spcBef>
@@ -3143,28 +3403,32 @@
               <a:defRPr/>
             </a:lvl9pPr>
           </a:lstStyle>
-          <a:p/>
+          <a:p>
+            <a:endParaRPr/>
+          </a:p>
         </p:txBody>
       </p:sp>
       <p:sp>
         <p:nvSpPr>
           <p:cNvPr id="15" name="Shape 15"/>
-          <p:cNvSpPr txBox="1"/>
+          <p:cNvSpPr txBox="1">
+            <a:spLocks noGrp="1"/>
+          </p:cNvSpPr>
           <p:nvPr>
-            <p:ph idx="1" type="body"/>
+            <p:ph type="body" idx="1"/>
           </p:nvPr>
         </p:nvSpPr>
         <p:spPr>
           <a:xfrm>
-            <a:off y="1200150" x="457200"/>
-            <a:ext cy="3725680" cx="3994525"/>
+            <a:off x="457200" y="1200150"/>
+            <a:ext cx="3994525" cy="3725680"/>
           </a:xfrm>
           <a:prstGeom prst="rect">
             <a:avLst/>
           </a:prstGeom>
         </p:spPr>
         <p:txBody>
-          <a:bodyPr bIns="91425" rIns="91425" lIns="91425" tIns="91425" anchor="t" anchorCtr="0"/>
+          <a:bodyPr lIns="91425" tIns="91425" rIns="91425" bIns="91425" anchor="t" anchorCtr="0"/>
           <a:lstStyle>
             <a:lvl1pPr>
               <a:spcBef>
@@ -3221,28 +3485,32 @@
               <a:defRPr/>
             </a:lvl9pPr>
           </a:lstStyle>
-          <a:p/>
+          <a:p>
+            <a:endParaRPr/>
+          </a:p>
         </p:txBody>
       </p:sp>
       <p:sp>
         <p:nvSpPr>
           <p:cNvPr id="16" name="Shape 16"/>
-          <p:cNvSpPr txBox="1"/>
+          <p:cNvSpPr txBox="1">
+            <a:spLocks noGrp="1"/>
+          </p:cNvSpPr>
           <p:nvPr>
-            <p:ph idx="2" type="body"/>
+            <p:ph type="body" idx="2"/>
           </p:nvPr>
         </p:nvSpPr>
         <p:spPr>
           <a:xfrm>
-            <a:off y="1200150" x="4692273"/>
-            <a:ext cy="3725680" cx="3994525"/>
+            <a:off x="4692273" y="1200150"/>
+            <a:ext cx="3994525" cy="3725680"/>
           </a:xfrm>
           <a:prstGeom prst="rect">
             <a:avLst/>
           </a:prstGeom>
         </p:spPr>
         <p:txBody>
-          <a:bodyPr bIns="91425" rIns="91425" lIns="91425" tIns="91425" anchor="t" anchorCtr="0"/>
+          <a:bodyPr lIns="91425" tIns="91425" rIns="91425" bIns="91425" anchor="t" anchorCtr="0"/>
           <a:lstStyle>
             <a:lvl1pPr>
               <a:spcBef>
@@ -3299,7 +3567,9 @@
               <a:defRPr/>
             </a:lvl9pPr>
           </a:lstStyle>
-          <a:p/>
+          <a:p>
+            <a:endParaRPr/>
+          </a:p>
         </p:txBody>
       </p:sp>
     </p:spTree>
@@ -3311,41 +3581,43 @@
 </file>
 
 <file path=ppt/slideLayouts/slideLayout4.xml><?xml version="1.0" encoding="utf-8"?>
-<p:sldLayout xmlns:a="http://schemas.openxmlformats.org/drawingml/2006/main" xmlns:r="http://schemas.openxmlformats.org/officeDocument/2006/relationships" xmlns:mc="http://schemas.openxmlformats.org/markup-compatibility/2006" xmlns:mv="urn:schemas-microsoft-com:mac:vml" xmlns:p="http://schemas.openxmlformats.org/presentationml/2006/main" xmlns:c="http://schemas.openxmlformats.org/drawingml/2006/chart" xmlns:dgm="http://schemas.openxmlformats.org/drawingml/2006/diagram" xmlns:o="urn:schemas-microsoft-com:office:office" xmlns:v="urn:schemas-microsoft-com:vml" xmlns:pvml="urn:schemas-microsoft-com:office:powerpoint" xmlns:com="http://schemas.openxmlformats.org/drawingml/2006/compatibility" xmlns:p14="http://schemas.microsoft.com/office/powerpoint/2010/main" type="titleOnly">
+<p:sldLayout xmlns:a="http://schemas.openxmlformats.org/drawingml/2006/main" xmlns:r="http://schemas.openxmlformats.org/officeDocument/2006/relationships" xmlns:p="http://schemas.openxmlformats.org/presentationml/2006/main" type="titleOnly">
   <p:cSld name="Title Only">
     <p:spTree>
       <p:nvGrpSpPr>
-        <p:cNvPr id="17" name="Shape 17"/>
+        <p:cNvPr id="1" name="Shape 17"/>
         <p:cNvGrpSpPr/>
         <p:nvPr/>
       </p:nvGrpSpPr>
       <p:grpSpPr>
         <a:xfrm>
-          <a:off y="0" x="0"/>
-          <a:ext cy="0" cx="0"/>
-          <a:chOff y="0" x="0"/>
-          <a:chExt cy="0" cx="0"/>
+          <a:off x="0" y="0"/>
+          <a:ext cx="0" cy="0"/>
+          <a:chOff x="0" y="0"/>
+          <a:chExt cx="0" cy="0"/>
         </a:xfrm>
       </p:grpSpPr>
       <p:sp>
         <p:nvSpPr>
           <p:cNvPr id="18" name="Shape 18"/>
-          <p:cNvSpPr txBox="1"/>
+          <p:cNvSpPr txBox="1">
+            <a:spLocks noGrp="1"/>
+          </p:cNvSpPr>
           <p:nvPr>
             <p:ph type="title"/>
           </p:nvPr>
         </p:nvSpPr>
         <p:spPr>
           <a:xfrm>
-            <a:off y="205978" x="457200"/>
-            <a:ext cy="857250" cx="8229600"/>
+            <a:off x="457200" y="205978"/>
+            <a:ext cx="8229600" cy="857250"/>
           </a:xfrm>
           <a:prstGeom prst="rect">
             <a:avLst/>
           </a:prstGeom>
         </p:spPr>
         <p:txBody>
-          <a:bodyPr bIns="91425" rIns="91425" lIns="91425" tIns="91425" anchor="b" anchorCtr="0"/>
+          <a:bodyPr lIns="91425" tIns="91425" rIns="91425" bIns="91425" anchor="b" anchorCtr="0"/>
           <a:lstStyle>
             <a:lvl1pPr>
               <a:spcBef>
@@ -3402,7 +3674,9 @@
               <a:defRPr/>
             </a:lvl9pPr>
           </a:lstStyle>
-          <a:p/>
+          <a:p>
+            <a:endParaRPr/>
+          </a:p>
         </p:txBody>
       </p:sp>
     </p:spTree>
@@ -3414,41 +3688,43 @@
 </file>
 
 <file path=ppt/slideLayouts/slideLayout5.xml><?xml version="1.0" encoding="utf-8"?>
-<p:sldLayout xmlns:a="http://schemas.openxmlformats.org/drawingml/2006/main" xmlns:r="http://schemas.openxmlformats.org/officeDocument/2006/relationships" xmlns:mc="http://schemas.openxmlformats.org/markup-compatibility/2006" xmlns:mv="urn:schemas-microsoft-com:mac:vml" xmlns:p="http://schemas.openxmlformats.org/presentationml/2006/main" xmlns:c="http://schemas.openxmlformats.org/drawingml/2006/chart" xmlns:dgm="http://schemas.openxmlformats.org/drawingml/2006/diagram" xmlns:o="urn:schemas-microsoft-com:office:office" xmlns:v="urn:schemas-microsoft-com:vml" xmlns:pvml="urn:schemas-microsoft-com:office:powerpoint" xmlns:com="http://schemas.openxmlformats.org/drawingml/2006/compatibility" xmlns:p14="http://schemas.microsoft.com/office/powerpoint/2010/main">
+<p:sldLayout xmlns:a="http://schemas.openxmlformats.org/drawingml/2006/main" xmlns:r="http://schemas.openxmlformats.org/officeDocument/2006/relationships" xmlns:p="http://schemas.openxmlformats.org/presentationml/2006/main">
   <p:cSld name="Caption">
     <p:spTree>
       <p:nvGrpSpPr>
-        <p:cNvPr id="19" name="Shape 19"/>
+        <p:cNvPr id="1" name="Shape 19"/>
         <p:cNvGrpSpPr/>
         <p:nvPr/>
       </p:nvGrpSpPr>
       <p:grpSpPr>
         <a:xfrm>
-          <a:off y="0" x="0"/>
-          <a:ext cy="0" cx="0"/>
-          <a:chOff y="0" x="0"/>
-          <a:chExt cy="0" cx="0"/>
+          <a:off x="0" y="0"/>
+          <a:ext cx="0" cy="0"/>
+          <a:chOff x="0" y="0"/>
+          <a:chExt cx="0" cy="0"/>
         </a:xfrm>
       </p:grpSpPr>
       <p:sp>
         <p:nvSpPr>
           <p:cNvPr id="20" name="Shape 20"/>
-          <p:cNvSpPr txBox="1"/>
+          <p:cNvSpPr txBox="1">
+            <a:spLocks noGrp="1"/>
+          </p:cNvSpPr>
           <p:nvPr>
-            <p:ph idx="1" type="body"/>
+            <p:ph type="body" idx="1"/>
           </p:nvPr>
         </p:nvSpPr>
         <p:spPr>
           <a:xfrm>
-            <a:off y="4406309" x="457200"/>
-            <a:ext cy="519520" cx="8229600"/>
+            <a:off x="457200" y="4406309"/>
+            <a:ext cx="8229600" cy="519520"/>
           </a:xfrm>
           <a:prstGeom prst="rect">
             <a:avLst/>
           </a:prstGeom>
         </p:spPr>
         <p:txBody>
-          <a:bodyPr bIns="91425" rIns="91425" lIns="91425" tIns="91425" anchor="t" anchorCtr="0"/>
+          <a:bodyPr lIns="91425" tIns="91425" rIns="91425" bIns="91425" anchor="t" anchorCtr="0"/>
           <a:lstStyle>
             <a:lvl1pPr algn="ctr">
               <a:spcBef>
@@ -3459,7 +3735,9 @@
               <a:defRPr sz="1800"/>
             </a:lvl1pPr>
           </a:lstStyle>
-          <a:p/>
+          <a:p>
+            <a:endParaRPr/>
+          </a:p>
         </p:txBody>
       </p:sp>
     </p:spTree>
@@ -3471,20 +3749,20 @@
 </file>
 
 <file path=ppt/slideLayouts/slideLayout6.xml><?xml version="1.0" encoding="utf-8"?>
-<p:sldLayout xmlns:a="http://schemas.openxmlformats.org/drawingml/2006/main" xmlns:r="http://schemas.openxmlformats.org/officeDocument/2006/relationships" xmlns:mc="http://schemas.openxmlformats.org/markup-compatibility/2006" xmlns:mv="urn:schemas-microsoft-com:mac:vml" xmlns:p="http://schemas.openxmlformats.org/presentationml/2006/main" xmlns:c="http://schemas.openxmlformats.org/drawingml/2006/chart" xmlns:dgm="http://schemas.openxmlformats.org/drawingml/2006/diagram" xmlns:o="urn:schemas-microsoft-com:office:office" xmlns:v="urn:schemas-microsoft-com:vml" xmlns:pvml="urn:schemas-microsoft-com:office:powerpoint" xmlns:com="http://schemas.openxmlformats.org/drawingml/2006/compatibility" xmlns:p14="http://schemas.microsoft.com/office/powerpoint/2010/main" type="blank">
+<p:sldLayout xmlns:a="http://schemas.openxmlformats.org/drawingml/2006/main" xmlns:r="http://schemas.openxmlformats.org/officeDocument/2006/relationships" xmlns:p="http://schemas.openxmlformats.org/presentationml/2006/main" type="blank">
   <p:cSld name="Blank">
     <p:spTree>
       <p:nvGrpSpPr>
-        <p:cNvPr id="21" name="Shape 21"/>
+        <p:cNvPr id="1" name="Shape 21"/>
         <p:cNvGrpSpPr/>
         <p:nvPr/>
       </p:nvGrpSpPr>
       <p:grpSpPr>
         <a:xfrm>
-          <a:off y="0" x="0"/>
-          <a:ext cy="0" cx="0"/>
-          <a:chOff y="0" x="0"/>
-          <a:chExt cy="0" cx="0"/>
+          <a:off x="0" y="0"/>
+          <a:ext cx="0" cy="0"/>
+          <a:chOff x="0" y="0"/>
+          <a:chExt cx="0" cy="0"/>
         </a:xfrm>
       </p:grpSpPr>
     </p:spTree>
@@ -3496,41 +3774,44 @@
 </file>
 
 <file path=ppt/slideMasters/slideMaster1.xml><?xml version="1.0" encoding="utf-8"?>
-<p:sldMaster xmlns:a="http://schemas.openxmlformats.org/drawingml/2006/main" xmlns:r="http://schemas.openxmlformats.org/officeDocument/2006/relationships" xmlns:mc="http://schemas.openxmlformats.org/markup-compatibility/2006" xmlns:mv="urn:schemas-microsoft-com:mac:vml" xmlns:p="http://schemas.openxmlformats.org/presentationml/2006/main" xmlns:c="http://schemas.openxmlformats.org/drawingml/2006/chart" xmlns:dgm="http://schemas.openxmlformats.org/drawingml/2006/diagram" xmlns:o="urn:schemas-microsoft-com:office:office" xmlns:v="urn:schemas-microsoft-com:vml" xmlns:pvml="urn:schemas-microsoft-com:office:powerpoint" xmlns:com="http://schemas.openxmlformats.org/drawingml/2006/compatibility" xmlns:p14="http://schemas.microsoft.com/office/powerpoint/2010/main">
+<p:sldMaster xmlns:a="http://schemas.openxmlformats.org/drawingml/2006/main" xmlns:r="http://schemas.openxmlformats.org/officeDocument/2006/relationships" xmlns:p="http://schemas.openxmlformats.org/presentationml/2006/main">
   <p:cSld>
     <p:bg>
       <p:bgPr>
         <a:solidFill>
           <a:schemeClr val="lt1"/>
         </a:solidFill>
+        <a:effectLst/>
       </p:bgPr>
     </p:bg>
     <p:spTree>
       <p:nvGrpSpPr>
-        <p:cNvPr id="4" name="Shape 4"/>
+        <p:cNvPr id="1" name="Shape 4"/>
         <p:cNvGrpSpPr/>
         <p:nvPr/>
       </p:nvGrpSpPr>
       <p:grpSpPr>
         <a:xfrm>
-          <a:off y="0" x="0"/>
-          <a:ext cy="0" cx="0"/>
-          <a:chOff y="0" x="0"/>
-          <a:chExt cy="0" cx="0"/>
+          <a:off x="0" y="0"/>
+          <a:ext cx="0" cy="0"/>
+          <a:chOff x="0" y="0"/>
+          <a:chExt cx="0" cy="0"/>
         </a:xfrm>
       </p:grpSpPr>
       <p:sp>
         <p:nvSpPr>
           <p:cNvPr id="5" name="Shape 5"/>
-          <p:cNvSpPr txBox="1"/>
+          <p:cNvSpPr txBox="1">
+            <a:spLocks noGrp="1"/>
+          </p:cNvSpPr>
           <p:nvPr>
             <p:ph type="title"/>
           </p:nvPr>
         </p:nvSpPr>
         <p:spPr>
           <a:xfrm>
-            <a:off y="205978" x="457200"/>
-            <a:ext cy="857250" cx="8229600"/>
+            <a:off x="457200" y="205978"/>
+            <a:ext cx="8229600" cy="857250"/>
           </a:xfrm>
           <a:prstGeom prst="rect">
             <a:avLst/>
@@ -3541,7 +3822,7 @@
           </a:ln>
         </p:spPr>
         <p:txBody>
-          <a:bodyPr bIns="91425" rIns="91425" lIns="91425" tIns="91425" anchor="b" anchorCtr="0"/>
+          <a:bodyPr lIns="91425" tIns="91425" rIns="91425" bIns="91425" anchor="b" anchorCtr="0"/>
           <a:lstStyle>
             <a:lvl1pPr>
               <a:spcBef>
@@ -3552,7 +3833,7 @@
               </a:buClr>
               <a:buSzPct val="100000"/>
               <a:buNone/>
-              <a:defRPr b="1" sz="3600">
+              <a:defRPr sz="3600" b="1">
                 <a:solidFill>
                   <a:schemeClr val="dk1"/>
                 </a:solidFill>
@@ -3567,7 +3848,7 @@
               </a:buClr>
               <a:buSzPct val="100000"/>
               <a:buNone/>
-              <a:defRPr b="1" sz="3600">
+              <a:defRPr sz="3600" b="1">
                 <a:solidFill>
                   <a:schemeClr val="dk1"/>
                 </a:solidFill>
@@ -3582,7 +3863,7 @@
               </a:buClr>
               <a:buSzPct val="100000"/>
               <a:buNone/>
-              <a:defRPr b="1" sz="3600">
+              <a:defRPr sz="3600" b="1">
                 <a:solidFill>
                   <a:schemeClr val="dk1"/>
                 </a:solidFill>
@@ -3597,7 +3878,7 @@
               </a:buClr>
               <a:buSzPct val="100000"/>
               <a:buNone/>
-              <a:defRPr b="1" sz="3600">
+              <a:defRPr sz="3600" b="1">
                 <a:solidFill>
                   <a:schemeClr val="dk1"/>
                 </a:solidFill>
@@ -3612,7 +3893,7 @@
               </a:buClr>
               <a:buSzPct val="100000"/>
               <a:buNone/>
-              <a:defRPr b="1" sz="3600">
+              <a:defRPr sz="3600" b="1">
                 <a:solidFill>
                   <a:schemeClr val="dk1"/>
                 </a:solidFill>
@@ -3627,7 +3908,7 @@
               </a:buClr>
               <a:buSzPct val="100000"/>
               <a:buNone/>
-              <a:defRPr b="1" sz="3600">
+              <a:defRPr sz="3600" b="1">
                 <a:solidFill>
                   <a:schemeClr val="dk1"/>
                 </a:solidFill>
@@ -3642,7 +3923,7 @@
               </a:buClr>
               <a:buSzPct val="100000"/>
               <a:buNone/>
-              <a:defRPr b="1" sz="3600">
+              <a:defRPr sz="3600" b="1">
                 <a:solidFill>
                   <a:schemeClr val="dk1"/>
                 </a:solidFill>
@@ -3657,7 +3938,7 @@
               </a:buClr>
               <a:buSzPct val="100000"/>
               <a:buNone/>
-              <a:defRPr b="1" sz="3600">
+              <a:defRPr sz="3600" b="1">
                 <a:solidFill>
                   <a:schemeClr val="dk1"/>
                 </a:solidFill>
@@ -3672,28 +3953,32 @@
               </a:buClr>
               <a:buSzPct val="100000"/>
               <a:buNone/>
-              <a:defRPr b="1" sz="3600">
+              <a:defRPr sz="3600" b="1">
                 <a:solidFill>
                   <a:schemeClr val="dk1"/>
                 </a:solidFill>
               </a:defRPr>
             </a:lvl9pPr>
           </a:lstStyle>
-          <a:p/>
+          <a:p>
+            <a:endParaRPr/>
+          </a:p>
         </p:txBody>
       </p:sp>
       <p:sp>
         <p:nvSpPr>
           <p:cNvPr id="6" name="Shape 6"/>
-          <p:cNvSpPr txBox="1"/>
+          <p:cNvSpPr txBox="1">
+            <a:spLocks noGrp="1"/>
+          </p:cNvSpPr>
           <p:nvPr>
-            <p:ph idx="1" type="body"/>
+            <p:ph type="body" idx="1"/>
           </p:nvPr>
         </p:nvSpPr>
         <p:spPr>
           <a:xfrm>
-            <a:off y="1200150" x="457200"/>
-            <a:ext cy="3725680" cx="8229600"/>
+            <a:off x="457200" y="1200150"/>
+            <a:ext cx="8229600" cy="3725680"/>
           </a:xfrm>
           <a:prstGeom prst="rect">
             <a:avLst/>
@@ -3704,7 +3989,7 @@
           </a:ln>
         </p:spPr>
         <p:txBody>
-          <a:bodyPr bIns="91425" rIns="91425" lIns="91425" tIns="91425" anchor="t" anchorCtr="0"/>
+          <a:bodyPr lIns="91425" tIns="91425" rIns="91425" bIns="91425" anchor="t" anchorCtr="0"/>
           <a:lstStyle>
             <a:lvl1pPr>
               <a:spcBef>
@@ -3833,12 +4118,14 @@
               </a:defRPr>
             </a:lvl9pPr>
           </a:lstStyle>
-          <a:p/>
+          <a:p>
+            <a:endParaRPr/>
+          </a:p>
         </p:txBody>
       </p:sp>
     </p:spTree>
   </p:cSld>
-  <p:clrMap accent2="accent2" accent3="accent3" accent4="accent4" accent5="accent5" accent6="accent6" hlink="hlink" tx2="lt2" tx1="dk1" bg2="dk2" bg1="lt1" folHlink="folHlink" accent1="accent1"/>
+  <p:clrMap bg1="lt1" tx1="dk1" bg2="dk2" tx2="lt2" accent1="accent1" accent2="accent2" accent3="accent3" accent4="accent4" accent5="accent5" accent6="accent6" hlink="hlink" folHlink="folHlink"/>
   <p:sldLayoutIdLst>
     <p:sldLayoutId id="2147483648" r:id="rId1"/>
     <p:sldLayoutId id="2147483649" r:id="rId2"/>
@@ -3849,7 +4136,7 @@
   </p:sldLayoutIdLst>
   <p:txStyles>
     <p:titleStyle>
-      <a:defPPr algn="l" rtl="0" marR="0">
+      <a:defPPr marR="0" algn="l" rtl="0">
         <a:lnSpc>
           <a:spcPct val="100000"/>
         </a:lnSpc>
@@ -3860,7 +4147,7 @@
           <a:spcPts val="0"/>
         </a:spcAft>
       </a:defPPr>
-      <a:lvl1pPr algn="l" rtl="0" marR="0">
+      <a:lvl1pPr marR="0" algn="l" rtl="0">
         <a:lnSpc>
           <a:spcPct val="100000"/>
         </a:lnSpc>
@@ -3871,7 +4158,7 @@
           <a:spcPts val="0"/>
         </a:spcAft>
         <a:buNone/>
-        <a:defRPr strike="noStrike" u="none" b="0" cap="none" baseline="0" sz="1400" i="0">
+        <a:defRPr sz="1400" b="0" i="0" u="none" strike="noStrike" cap="none" baseline="0">
           <a:solidFill>
             <a:srgbClr val="000000"/>
           </a:solidFill>
@@ -3882,7 +4169,7 @@
           <a:rtl val="0"/>
         </a:defRPr>
       </a:lvl1pPr>
-      <a:lvl2pPr algn="l" rtl="0" marR="0">
+      <a:lvl2pPr marR="0" algn="l" rtl="0">
         <a:lnSpc>
           <a:spcPct val="100000"/>
         </a:lnSpc>
@@ -3893,7 +4180,7 @@
           <a:spcPts val="0"/>
         </a:spcAft>
         <a:buNone/>
-        <a:defRPr strike="noStrike" u="none" b="0" cap="none" baseline="0" sz="1400" i="0">
+        <a:defRPr sz="1400" b="0" i="0" u="none" strike="noStrike" cap="none" baseline="0">
           <a:solidFill>
             <a:srgbClr val="000000"/>
           </a:solidFill>
@@ -3906,7 +4193,7 @@
       </a:lvl2pPr>
     </p:titleStyle>
     <p:bodyStyle>
-      <a:defPPr algn="l" rtl="0" marR="0">
+      <a:defPPr marR="0" algn="l" rtl="0">
         <a:lnSpc>
           <a:spcPct val="100000"/>
         </a:lnSpc>
@@ -3917,7 +4204,7 @@
           <a:spcPts val="0"/>
         </a:spcAft>
       </a:defPPr>
-      <a:lvl1pPr algn="l" rtl="0" marR="0">
+      <a:lvl1pPr marR="0" algn="l" rtl="0">
         <a:lnSpc>
           <a:spcPct val="100000"/>
         </a:lnSpc>
@@ -3928,7 +4215,7 @@
           <a:spcPts val="0"/>
         </a:spcAft>
         <a:buNone/>
-        <a:defRPr strike="noStrike" u="none" b="0" cap="none" baseline="0" sz="1400" i="0">
+        <a:defRPr sz="1400" b="0" i="0" u="none" strike="noStrike" cap="none" baseline="0">
           <a:solidFill>
             <a:srgbClr val="000000"/>
           </a:solidFill>
@@ -3939,7 +4226,7 @@
           <a:rtl val="0"/>
         </a:defRPr>
       </a:lvl1pPr>
-      <a:lvl2pPr algn="l" rtl="0" marR="0">
+      <a:lvl2pPr marR="0" algn="l" rtl="0">
         <a:lnSpc>
           <a:spcPct val="100000"/>
         </a:lnSpc>
@@ -3950,7 +4237,7 @@
           <a:spcPts val="0"/>
         </a:spcAft>
         <a:buNone/>
-        <a:defRPr strike="noStrike" u="none" b="0" cap="none" baseline="0" sz="1400" i="0">
+        <a:defRPr sz="1400" b="0" i="0" u="none" strike="noStrike" cap="none" baseline="0">
           <a:solidFill>
             <a:srgbClr val="000000"/>
           </a:solidFill>
@@ -3961,7 +4248,7 @@
           <a:rtl val="0"/>
         </a:defRPr>
       </a:lvl2pPr>
-      <a:lvl3pPr algn="l" rtl="0" marR="0">
+      <a:lvl3pPr marR="0" algn="l" rtl="0">
         <a:lnSpc>
           <a:spcPct val="100000"/>
         </a:lnSpc>
@@ -3972,7 +4259,7 @@
           <a:spcPts val="0"/>
         </a:spcAft>
         <a:buNone/>
-        <a:defRPr strike="noStrike" u="none" b="0" cap="none" baseline="0" sz="1400" i="0">
+        <a:defRPr sz="1400" b="0" i="0" u="none" strike="noStrike" cap="none" baseline="0">
           <a:solidFill>
             <a:srgbClr val="000000"/>
           </a:solidFill>
@@ -3983,7 +4270,7 @@
           <a:rtl val="0"/>
         </a:defRPr>
       </a:lvl3pPr>
-      <a:lvl4pPr algn="l" rtl="0" marR="0">
+      <a:lvl4pPr marR="0" algn="l" rtl="0">
         <a:lnSpc>
           <a:spcPct val="100000"/>
         </a:lnSpc>
@@ -3994,7 +4281,7 @@
           <a:spcPts val="0"/>
         </a:spcAft>
         <a:buNone/>
-        <a:defRPr strike="noStrike" u="none" b="0" cap="none" baseline="0" sz="1400" i="0">
+        <a:defRPr sz="1400" b="0" i="0" u="none" strike="noStrike" cap="none" baseline="0">
           <a:solidFill>
             <a:srgbClr val="000000"/>
           </a:solidFill>
@@ -4005,7 +4292,7 @@
           <a:rtl val="0"/>
         </a:defRPr>
       </a:lvl4pPr>
-      <a:lvl5pPr algn="l" rtl="0" marR="0">
+      <a:lvl5pPr marR="0" algn="l" rtl="0">
         <a:lnSpc>
           <a:spcPct val="100000"/>
         </a:lnSpc>
@@ -4016,7 +4303,7 @@
           <a:spcPts val="0"/>
         </a:spcAft>
         <a:buNone/>
-        <a:defRPr strike="noStrike" u="none" b="0" cap="none" baseline="0" sz="1400" i="0">
+        <a:defRPr sz="1400" b="0" i="0" u="none" strike="noStrike" cap="none" baseline="0">
           <a:solidFill>
             <a:srgbClr val="000000"/>
           </a:solidFill>
@@ -4027,7 +4314,7 @@
           <a:rtl val="0"/>
         </a:defRPr>
       </a:lvl5pPr>
-      <a:lvl6pPr algn="l" rtl="0" marR="0">
+      <a:lvl6pPr marR="0" algn="l" rtl="0">
         <a:lnSpc>
           <a:spcPct val="100000"/>
         </a:lnSpc>
@@ -4038,7 +4325,7 @@
           <a:spcPts val="0"/>
         </a:spcAft>
         <a:buNone/>
-        <a:defRPr strike="noStrike" u="none" b="0" cap="none" baseline="0" sz="1400" i="0">
+        <a:defRPr sz="1400" b="0" i="0" u="none" strike="noStrike" cap="none" baseline="0">
           <a:solidFill>
             <a:srgbClr val="000000"/>
           </a:solidFill>
@@ -4049,7 +4336,7 @@
           <a:rtl val="0"/>
         </a:defRPr>
       </a:lvl6pPr>
-      <a:lvl7pPr algn="l" rtl="0" marR="0">
+      <a:lvl7pPr marR="0" algn="l" rtl="0">
         <a:lnSpc>
           <a:spcPct val="100000"/>
         </a:lnSpc>
@@ -4060,7 +4347,7 @@
           <a:spcPts val="0"/>
         </a:spcAft>
         <a:buNone/>
-        <a:defRPr strike="noStrike" u="none" b="0" cap="none" baseline="0" sz="1400" i="0">
+        <a:defRPr sz="1400" b="0" i="0" u="none" strike="noStrike" cap="none" baseline="0">
           <a:solidFill>
             <a:srgbClr val="000000"/>
           </a:solidFill>
@@ -4071,7 +4358,7 @@
           <a:rtl val="0"/>
         </a:defRPr>
       </a:lvl7pPr>
-      <a:lvl8pPr algn="l" rtl="0" marR="0">
+      <a:lvl8pPr marR="0" algn="l" rtl="0">
         <a:lnSpc>
           <a:spcPct val="100000"/>
         </a:lnSpc>
@@ -4082,7 +4369,7 @@
           <a:spcPts val="0"/>
         </a:spcAft>
         <a:buNone/>
-        <a:defRPr strike="noStrike" u="none" b="0" cap="none" baseline="0" sz="1400" i="0">
+        <a:defRPr sz="1400" b="0" i="0" u="none" strike="noStrike" cap="none" baseline="0">
           <a:solidFill>
             <a:srgbClr val="000000"/>
           </a:solidFill>
@@ -4093,7 +4380,7 @@
           <a:rtl val="0"/>
         </a:defRPr>
       </a:lvl8pPr>
-      <a:lvl9pPr algn="l" rtl="0" marR="0">
+      <a:lvl9pPr marR="0" algn="l" rtl="0">
         <a:lnSpc>
           <a:spcPct val="100000"/>
         </a:lnSpc>
@@ -4104,7 +4391,7 @@
           <a:spcPts val="0"/>
         </a:spcAft>
         <a:buNone/>
-        <a:defRPr strike="noStrike" u="none" b="0" cap="none" baseline="0" sz="1400" i="0">
+        <a:defRPr sz="1400" b="0" i="0" u="none" strike="noStrike" cap="none" baseline="0">
           <a:solidFill>
             <a:srgbClr val="000000"/>
           </a:solidFill>
@@ -4117,7 +4404,7 @@
       </a:lvl9pPr>
     </p:bodyStyle>
     <p:otherStyle>
-      <a:defPPr algn="l" rtl="0" marR="0">
+      <a:defPPr marR="0" algn="l" rtl="0">
         <a:lnSpc>
           <a:spcPct val="100000"/>
         </a:lnSpc>
@@ -4128,7 +4415,7 @@
           <a:spcPts val="0"/>
         </a:spcAft>
       </a:defPPr>
-      <a:lvl1pPr algn="l" rtl="0" marR="0">
+      <a:lvl1pPr marR="0" algn="l" rtl="0">
         <a:lnSpc>
           <a:spcPct val="100000"/>
         </a:lnSpc>
@@ -4139,7 +4426,7 @@
           <a:spcPts val="0"/>
         </a:spcAft>
         <a:buNone/>
-        <a:defRPr strike="noStrike" u="none" b="0" cap="none" baseline="0" sz="1400" i="0">
+        <a:defRPr sz="1400" b="0" i="0" u="none" strike="noStrike" cap="none" baseline="0">
           <a:solidFill>
             <a:srgbClr val="000000"/>
           </a:solidFill>
@@ -4150,7 +4437,7 @@
           <a:rtl val="0"/>
         </a:defRPr>
       </a:lvl1pPr>
-      <a:lvl2pPr algn="l" rtl="0" marR="0">
+      <a:lvl2pPr marR="0" algn="l" rtl="0">
         <a:lnSpc>
           <a:spcPct val="100000"/>
         </a:lnSpc>
@@ -4161,7 +4448,7 @@
           <a:spcPts val="0"/>
         </a:spcAft>
         <a:buNone/>
-        <a:defRPr strike="noStrike" u="none" b="0" cap="none" baseline="0" sz="1400" i="0">
+        <a:defRPr sz="1400" b="0" i="0" u="none" strike="noStrike" cap="none" baseline="0">
           <a:solidFill>
             <a:srgbClr val="000000"/>
           </a:solidFill>
@@ -4172,7 +4459,7 @@
           <a:rtl val="0"/>
         </a:defRPr>
       </a:lvl2pPr>
-      <a:lvl3pPr algn="l" rtl="0" marR="0">
+      <a:lvl3pPr marR="0" algn="l" rtl="0">
         <a:lnSpc>
           <a:spcPct val="100000"/>
         </a:lnSpc>
@@ -4183,7 +4470,7 @@
           <a:spcPts val="0"/>
         </a:spcAft>
         <a:buNone/>
-        <a:defRPr strike="noStrike" u="none" b="0" cap="none" baseline="0" sz="1400" i="0">
+        <a:defRPr sz="1400" b="0" i="0" u="none" strike="noStrike" cap="none" baseline="0">
           <a:solidFill>
             <a:srgbClr val="000000"/>
           </a:solidFill>
@@ -4194,7 +4481,7 @@
           <a:rtl val="0"/>
         </a:defRPr>
       </a:lvl3pPr>
-      <a:lvl4pPr algn="l" rtl="0" marR="0">
+      <a:lvl4pPr marR="0" algn="l" rtl="0">
         <a:lnSpc>
           <a:spcPct val="100000"/>
         </a:lnSpc>
@@ -4205,7 +4492,7 @@
           <a:spcPts val="0"/>
         </a:spcAft>
         <a:buNone/>
-        <a:defRPr strike="noStrike" u="none" b="0" cap="none" baseline="0" sz="1400" i="0">
+        <a:defRPr sz="1400" b="0" i="0" u="none" strike="noStrike" cap="none" baseline="0">
           <a:solidFill>
             <a:srgbClr val="000000"/>
           </a:solidFill>
@@ -4216,7 +4503,7 @@
           <a:rtl val="0"/>
         </a:defRPr>
       </a:lvl4pPr>
-      <a:lvl5pPr algn="l" rtl="0" marR="0">
+      <a:lvl5pPr marR="0" algn="l" rtl="0">
         <a:lnSpc>
           <a:spcPct val="100000"/>
         </a:lnSpc>
@@ -4227,7 +4514,7 @@
           <a:spcPts val="0"/>
         </a:spcAft>
         <a:buNone/>
-        <a:defRPr strike="noStrike" u="none" b="0" cap="none" baseline="0" sz="1400" i="0">
+        <a:defRPr sz="1400" b="0" i="0" u="none" strike="noStrike" cap="none" baseline="0">
           <a:solidFill>
             <a:srgbClr val="000000"/>
           </a:solidFill>
@@ -4238,7 +4525,7 @@
           <a:rtl val="0"/>
         </a:defRPr>
       </a:lvl5pPr>
-      <a:lvl6pPr algn="l" rtl="0" marR="0">
+      <a:lvl6pPr marR="0" algn="l" rtl="0">
         <a:lnSpc>
           <a:spcPct val="100000"/>
         </a:lnSpc>
@@ -4249,7 +4536,7 @@
           <a:spcPts val="0"/>
         </a:spcAft>
         <a:buNone/>
-        <a:defRPr strike="noStrike" u="none" b="0" cap="none" baseline="0" sz="1400" i="0">
+        <a:defRPr sz="1400" b="0" i="0" u="none" strike="noStrike" cap="none" baseline="0">
           <a:solidFill>
             <a:srgbClr val="000000"/>
           </a:solidFill>
@@ -4260,7 +4547,7 @@
           <a:rtl val="0"/>
         </a:defRPr>
       </a:lvl6pPr>
-      <a:lvl7pPr algn="l" rtl="0" marR="0">
+      <a:lvl7pPr marR="0" algn="l" rtl="0">
         <a:lnSpc>
           <a:spcPct val="100000"/>
         </a:lnSpc>
@@ -4271,7 +4558,7 @@
           <a:spcPts val="0"/>
         </a:spcAft>
         <a:buNone/>
-        <a:defRPr strike="noStrike" u="none" b="0" cap="none" baseline="0" sz="1400" i="0">
+        <a:defRPr sz="1400" b="0" i="0" u="none" strike="noStrike" cap="none" baseline="0">
           <a:solidFill>
             <a:srgbClr val="000000"/>
           </a:solidFill>
@@ -4282,7 +4569,7 @@
           <a:rtl val="0"/>
         </a:defRPr>
       </a:lvl7pPr>
-      <a:lvl8pPr algn="l" rtl="0" marR="0">
+      <a:lvl8pPr marR="0" algn="l" rtl="0">
         <a:lnSpc>
           <a:spcPct val="100000"/>
         </a:lnSpc>
@@ -4293,7 +4580,7 @@
           <a:spcPts val="0"/>
         </a:spcAft>
         <a:buNone/>
-        <a:defRPr strike="noStrike" u="none" b="0" cap="none" baseline="0" sz="1400" i="0">
+        <a:defRPr sz="1400" b="0" i="0" u="none" strike="noStrike" cap="none" baseline="0">
           <a:solidFill>
             <a:srgbClr val="000000"/>
           </a:solidFill>
@@ -4304,7 +4591,7 @@
           <a:rtl val="0"/>
         </a:defRPr>
       </a:lvl8pPr>
-      <a:lvl9pPr algn="l" rtl="0" marR="0">
+      <a:lvl9pPr marR="0" algn="l" rtl="0">
         <a:lnSpc>
           <a:spcPct val="100000"/>
         </a:lnSpc>
@@ -4315,7 +4602,7 @@
           <a:spcPts val="0"/>
         </a:spcAft>
         <a:buNone/>
-        <a:defRPr strike="noStrike" u="none" b="0" cap="none" baseline="0" sz="1400" i="0">
+        <a:defRPr sz="1400" b="0" i="0" u="none" strike="noStrike" cap="none" baseline="0">
           <a:solidFill>
             <a:srgbClr val="000000"/>
           </a:solidFill>
@@ -4332,41 +4619,43 @@
 </file>
 
 <file path=ppt/slides/slide1.xml><?xml version="1.0" encoding="utf-8"?>
-<p:sld xmlns:a="http://schemas.openxmlformats.org/drawingml/2006/main" xmlns:r="http://schemas.openxmlformats.org/officeDocument/2006/relationships" xmlns:mc="http://schemas.openxmlformats.org/markup-compatibility/2006" xmlns:mv="urn:schemas-microsoft-com:mac:vml" xmlns:p="http://schemas.openxmlformats.org/presentationml/2006/main" xmlns:c="http://schemas.openxmlformats.org/drawingml/2006/chart" xmlns:dgm="http://schemas.openxmlformats.org/drawingml/2006/diagram" xmlns:o="urn:schemas-microsoft-com:office:office" xmlns:v="urn:schemas-microsoft-com:vml" xmlns:pvml="urn:schemas-microsoft-com:office:powerpoint" xmlns:com="http://schemas.openxmlformats.org/drawingml/2006/compatibility" xmlns:p14="http://schemas.microsoft.com/office/powerpoint/2010/main">
+<p:sld xmlns:a="http://schemas.openxmlformats.org/drawingml/2006/main" xmlns:r="http://schemas.openxmlformats.org/officeDocument/2006/relationships" xmlns:p="http://schemas.openxmlformats.org/presentationml/2006/main">
   <p:cSld>
     <p:spTree>
       <p:nvGrpSpPr>
-        <p:cNvPr id="22" name="Shape 22"/>
+        <p:cNvPr id="1" name="Shape 22"/>
         <p:cNvGrpSpPr/>
         <p:nvPr/>
       </p:nvGrpSpPr>
       <p:grpSpPr>
         <a:xfrm>
-          <a:off y="0" x="0"/>
-          <a:ext cy="0" cx="0"/>
-          <a:chOff y="0" x="0"/>
-          <a:chExt cy="0" cx="0"/>
+          <a:off x="0" y="0"/>
+          <a:ext cx="0" cy="0"/>
+          <a:chOff x="0" y="0"/>
+          <a:chExt cx="0" cy="0"/>
         </a:xfrm>
       </p:grpSpPr>
       <p:sp>
         <p:nvSpPr>
           <p:cNvPr id="23" name="Shape 23"/>
-          <p:cNvSpPr txBox="1"/>
+          <p:cNvSpPr txBox="1">
+            <a:spLocks noGrp="1"/>
+          </p:cNvSpPr>
           <p:nvPr>
             <p:ph type="ctrTitle"/>
           </p:nvPr>
         </p:nvSpPr>
         <p:spPr>
           <a:xfrm>
-            <a:off y="1511250" x="2650350"/>
-            <a:ext cy="1443600" cx="3843300"/>
+            <a:off x="2650350" y="1511250"/>
+            <a:ext cx="3843300" cy="1443600"/>
           </a:xfrm>
           <a:prstGeom prst="rect">
             <a:avLst/>
           </a:prstGeom>
         </p:spPr>
         <p:txBody>
-          <a:bodyPr bIns="91425" rIns="91425" lIns="91425" tIns="91425" anchor="b" anchorCtr="0">
+          <a:bodyPr lIns="91425" tIns="91425" rIns="91425" bIns="91425" anchor="b" anchorCtr="0">
             <a:noAutofit/>
           </a:bodyPr>
           <a:lstStyle/>
@@ -4378,7 +4667,7 @@
               <a:buNone/>
             </a:pPr>
             <a:r>
-              <a:rPr b="0" sz="2400" lang="en">
+              <a:rPr lang="en" sz="2400" b="0">
                 <a:latin typeface="Ubuntu"/>
                 <a:ea typeface="Ubuntu"/>
                 <a:cs typeface="Ubuntu"/>
@@ -4387,7 +4676,7 @@
               <a:t>Introduction to</a:t>
             </a:r>
             <a:r>
-              <a:rPr b="0" sz="3600" lang="en">
+              <a:rPr lang="en" sz="3600" b="0">
                 <a:latin typeface="Ubuntu"/>
                 <a:ea typeface="Ubuntu"/>
                 <a:cs typeface="Ubuntu"/>
@@ -4404,7 +4693,7 @@
               <a:buNone/>
             </a:pPr>
             <a:r>
-              <a:rPr b="0" sz="3600" lang="en">
+              <a:rPr lang="en" sz="3600" b="0">
                 <a:latin typeface="Ubuntu"/>
                 <a:ea typeface="Ubuntu"/>
                 <a:cs typeface="Ubuntu"/>
@@ -4423,8 +4712,8 @@
         </p:nvSpPr>
         <p:spPr>
           <a:xfrm>
-            <a:off y="3549975" x="3996150"/>
-            <a:ext cy="315600" cx="1151699"/>
+            <a:off x="3996150" y="3549975"/>
+            <a:ext cx="1151699" cy="315600"/>
           </a:xfrm>
           <a:prstGeom prst="rect">
             <a:avLst/>
@@ -4435,7 +4724,7 @@
           </a:ln>
         </p:spPr>
         <p:txBody>
-          <a:bodyPr bIns="91425" rIns="91425" lIns="91425" tIns="91425" anchor="t" anchorCtr="0">
+          <a:bodyPr lIns="91425" tIns="91425" rIns="91425" bIns="91425" anchor="t" anchorCtr="0">
             <a:noAutofit/>
           </a:bodyPr>
           <a:lstStyle/>
@@ -4470,41 +4759,43 @@
 </file>
 
 <file path=ppt/slides/slide10.xml><?xml version="1.0" encoding="utf-8"?>
-<p:sld xmlns:a="http://schemas.openxmlformats.org/drawingml/2006/main" xmlns:r="http://schemas.openxmlformats.org/officeDocument/2006/relationships" xmlns:mc="http://schemas.openxmlformats.org/markup-compatibility/2006" xmlns:mv="urn:schemas-microsoft-com:mac:vml" xmlns:p="http://schemas.openxmlformats.org/presentationml/2006/main" xmlns:c="http://schemas.openxmlformats.org/drawingml/2006/chart" xmlns:dgm="http://schemas.openxmlformats.org/drawingml/2006/diagram" xmlns:o="urn:schemas-microsoft-com:office:office" xmlns:v="urn:schemas-microsoft-com:vml" xmlns:pvml="urn:schemas-microsoft-com:office:powerpoint" xmlns:com="http://schemas.openxmlformats.org/drawingml/2006/compatibility" xmlns:p14="http://schemas.microsoft.com/office/powerpoint/2010/main">
+<p:sld xmlns:a="http://schemas.openxmlformats.org/drawingml/2006/main" xmlns:r="http://schemas.openxmlformats.org/officeDocument/2006/relationships" xmlns:p="http://schemas.openxmlformats.org/presentationml/2006/main">
   <p:cSld>
     <p:spTree>
       <p:nvGrpSpPr>
-        <p:cNvPr id="91" name="Shape 91"/>
+        <p:cNvPr id="1" name="Shape 91"/>
         <p:cNvGrpSpPr/>
         <p:nvPr/>
       </p:nvGrpSpPr>
       <p:grpSpPr>
         <a:xfrm>
-          <a:off y="0" x="0"/>
-          <a:ext cy="0" cx="0"/>
-          <a:chOff y="0" x="0"/>
-          <a:chExt cy="0" cx="0"/>
+          <a:off x="0" y="0"/>
+          <a:ext cx="0" cy="0"/>
+          <a:chOff x="0" y="0"/>
+          <a:chExt cx="0" cy="0"/>
         </a:xfrm>
       </p:grpSpPr>
       <p:sp>
         <p:nvSpPr>
           <p:cNvPr id="92" name="Shape 92"/>
-          <p:cNvSpPr txBox="1"/>
+          <p:cNvSpPr txBox="1">
+            <a:spLocks noGrp="1"/>
+          </p:cNvSpPr>
           <p:nvPr>
             <p:ph type="ctrTitle"/>
           </p:nvPr>
         </p:nvSpPr>
         <p:spPr>
           <a:xfrm>
-            <a:off y="1583342" x="685800"/>
-            <a:ext cy="1159799" cx="7772400"/>
+            <a:off x="685800" y="1583342"/>
+            <a:ext cx="7772400" cy="1159799"/>
           </a:xfrm>
           <a:prstGeom prst="rect">
             <a:avLst/>
           </a:prstGeom>
         </p:spPr>
         <p:txBody>
-          <a:bodyPr bIns="91425" rIns="91425" lIns="91425" tIns="91425" anchor="b" anchorCtr="0">
+          <a:bodyPr lIns="91425" tIns="91425" rIns="91425" bIns="91425" anchor="b" anchorCtr="0">
             <a:noAutofit/>
           </a:bodyPr>
           <a:lstStyle/>
@@ -4516,7 +4807,7 @@
               <a:buNone/>
             </a:pPr>
             <a:r>
-              <a:rPr b="0" lang="en">
+              <a:rPr lang="en" b="0">
                 <a:latin typeface="Ubuntu"/>
                 <a:ea typeface="Ubuntu"/>
                 <a:cs typeface="Ubuntu"/>
@@ -4539,20 +4830,20 @@
 </file>
 
 <file path=ppt/slides/slide11.xml><?xml version="1.0" encoding="utf-8"?>
-<p:sld xmlns:a="http://schemas.openxmlformats.org/drawingml/2006/main" xmlns:r="http://schemas.openxmlformats.org/officeDocument/2006/relationships" xmlns:mc="http://schemas.openxmlformats.org/markup-compatibility/2006" xmlns:mv="urn:schemas-microsoft-com:mac:vml" xmlns:p="http://schemas.openxmlformats.org/presentationml/2006/main" xmlns:c="http://schemas.openxmlformats.org/drawingml/2006/chart" xmlns:dgm="http://schemas.openxmlformats.org/drawingml/2006/diagram" xmlns:o="urn:schemas-microsoft-com:office:office" xmlns:v="urn:schemas-microsoft-com:vml" xmlns:pvml="urn:schemas-microsoft-com:office:powerpoint" xmlns:com="http://schemas.openxmlformats.org/drawingml/2006/compatibility" xmlns:p14="http://schemas.microsoft.com/office/powerpoint/2010/main">
+<p:sld xmlns:a="http://schemas.openxmlformats.org/drawingml/2006/main" xmlns:r="http://schemas.openxmlformats.org/officeDocument/2006/relationships" xmlns:p="http://schemas.openxmlformats.org/presentationml/2006/main">
   <p:cSld>
     <p:spTree>
       <p:nvGrpSpPr>
-        <p:cNvPr id="96" name="Shape 96"/>
+        <p:cNvPr id="1" name="Shape 96"/>
         <p:cNvGrpSpPr/>
         <p:nvPr/>
       </p:nvGrpSpPr>
       <p:grpSpPr>
         <a:xfrm>
-          <a:off y="0" x="0"/>
-          <a:ext cy="0" cx="0"/>
-          <a:chOff y="0" x="0"/>
-          <a:chExt cy="0" cx="0"/>
+          <a:off x="0" y="0"/>
+          <a:ext cx="0" cy="0"/>
+          <a:chOff x="0" y="0"/>
+          <a:chExt cx="0" cy="0"/>
         </a:xfrm>
       </p:grpSpPr>
       <p:sp>
@@ -4563,8 +4854,8 @@
         </p:nvSpPr>
         <p:spPr>
           <a:xfrm>
-            <a:off y="1722325" x="4054075"/>
-            <a:ext cy="1608299" cx="3855900"/>
+            <a:off x="4054075" y="1722325"/>
+            <a:ext cx="3855900" cy="1608299"/>
           </a:xfrm>
           <a:prstGeom prst="rect">
             <a:avLst/>
@@ -4575,19 +4866,19 @@
           </a:ln>
         </p:spPr>
         <p:txBody>
-          <a:bodyPr bIns="91425" rIns="91425" lIns="91425" tIns="91425" anchor="t" anchorCtr="0">
+          <a:bodyPr lIns="91425" tIns="91425" rIns="91425" bIns="91425" anchor="t" anchorCtr="0">
             <a:noAutofit/>
           </a:bodyPr>
           <a:lstStyle/>
           <a:p>
-            <a:pPr rtl="0" lvl="0">
+            <a:pPr lvl="0" rtl="0">
               <a:spcBef>
                 <a:spcPts val="0"/>
               </a:spcBef>
               <a:buNone/>
             </a:pPr>
             <a:r>
-              <a:rPr sz="2400" lang="en">
+              <a:rPr lang="en" sz="2400">
                 <a:latin typeface="Ubuntu"/>
                 <a:ea typeface="Ubuntu"/>
                 <a:cs typeface="Ubuntu"/>
@@ -4597,15 +4888,12 @@
             </a:r>
           </a:p>
           <a:p>
-            <a:pPr rtl="0" lvl="0" indent="0" marL="0">
-              <a:spcBef>
-                <a:spcPts val="0"/>
-              </a:spcBef>
-              <a:buNone/>
-            </a:pPr>
-            <a:r>
-              <a:t/>
-            </a:r>
+            <a:pPr marL="0" lvl="0" indent="0" rtl="0">
+              <a:spcBef>
+                <a:spcPts val="0"/>
+              </a:spcBef>
+              <a:buNone/>
+            </a:pPr>
             <a:endParaRPr>
               <a:latin typeface="Ubuntu"/>
               <a:ea typeface="Ubuntu"/>
@@ -4614,7 +4902,7 @@
             </a:endParaRPr>
           </a:p>
           <a:p>
-            <a:pPr rtl="0" lvl="0" indent="-317500" marL="457200">
+            <a:pPr marL="457200" lvl="0" indent="-317500" rtl="0">
               <a:spcBef>
                 <a:spcPts val="0"/>
               </a:spcBef>
@@ -4639,14 +4927,14 @@
             </a:r>
           </a:p>
           <a:p>
-            <a:pPr rtl="0" lvl="0" indent="0" marL="457200">
+            <a:pPr marL="457200" lvl="0" indent="0" rtl="0">
               <a:spcBef>
                 <a:spcPts val="0"/>
               </a:spcBef>
               <a:buNone/>
             </a:pPr>
             <a:r>
-              <a:rPr sz="1000" lang="en">
+              <a:rPr lang="en" sz="1000">
                 <a:solidFill>
                   <a:schemeClr val="dk1"/>
                 </a:solidFill>
@@ -4668,12 +4956,12 @@
         </p:nvSpPr>
         <p:spPr>
           <a:xfrm>
-            <a:off y="1663526" x="2690175"/>
-            <a:ext cy="1088699" cx="1088699"/>
+            <a:off x="2690175" y="1663526"/>
+            <a:ext cx="1088699" cy="1088699"/>
           </a:xfrm>
           <a:prstGeom prst="roundRect">
             <a:avLst>
-              <a:gd fmla="val 0" name="adj"/>
+              <a:gd name="adj" fmla="val 0"/>
             </a:avLst>
           </a:prstGeom>
           <a:solidFill>
@@ -4684,20 +4972,17 @@
           </a:ln>
         </p:spPr>
         <p:txBody>
-          <a:bodyPr bIns="91425" rIns="91425" lIns="91425" tIns="91425" anchor="ctr" anchorCtr="0">
+          <a:bodyPr lIns="91425" tIns="91425" rIns="91425" bIns="91425" anchor="ctr" anchorCtr="0">
             <a:noAutofit/>
           </a:bodyPr>
           <a:lstStyle/>
           <a:p>
-            <a:pPr rtl="0" lvl="0">
-              <a:spcBef>
-                <a:spcPts val="0"/>
-              </a:spcBef>
-              <a:buNone/>
-            </a:pPr>
-            <a:r>
-              <a:t/>
-            </a:r>
+            <a:pPr lvl="0" rtl="0">
+              <a:spcBef>
+                <a:spcPts val="0"/>
+              </a:spcBef>
+              <a:buNone/>
+            </a:pPr>
             <a:endParaRPr/>
           </a:p>
         </p:txBody>
@@ -4710,12 +4995,12 @@
         </p:nvSpPr>
         <p:spPr>
           <a:xfrm>
-            <a:off y="2634851" x="2690175"/>
-            <a:ext cy="1088699" cx="1088699"/>
+            <a:off x="2690175" y="2634851"/>
+            <a:ext cx="1088699" cy="1088699"/>
           </a:xfrm>
           <a:prstGeom prst="roundRect">
             <a:avLst>
-              <a:gd fmla="val 0" name="adj"/>
+              <a:gd name="adj" fmla="val 0"/>
             </a:avLst>
           </a:prstGeom>
           <a:solidFill>
@@ -4726,20 +5011,17 @@
           </a:ln>
         </p:spPr>
         <p:txBody>
-          <a:bodyPr bIns="91425" rIns="91425" lIns="91425" tIns="91425" anchor="ctr" anchorCtr="0">
+          <a:bodyPr lIns="91425" tIns="91425" rIns="91425" bIns="91425" anchor="ctr" anchorCtr="0">
             <a:noAutofit/>
           </a:bodyPr>
           <a:lstStyle/>
           <a:p>
-            <a:pPr rtl="0" lvl="0">
-              <a:spcBef>
-                <a:spcPts val="0"/>
-              </a:spcBef>
-              <a:buNone/>
-            </a:pPr>
-            <a:r>
-              <a:t/>
-            </a:r>
+            <a:pPr lvl="0" rtl="0">
+              <a:spcBef>
+                <a:spcPts val="0"/>
+              </a:spcBef>
+              <a:buNone/>
+            </a:pPr>
             <a:endParaRPr/>
           </a:p>
         </p:txBody>
@@ -4752,12 +5034,12 @@
         </p:nvSpPr>
         <p:spPr>
           <a:xfrm>
-            <a:off y="1663526" x="1718825"/>
-            <a:ext cy="1088699" cx="1088699"/>
+            <a:off x="1718825" y="1663526"/>
+            <a:ext cx="1088699" cy="1088699"/>
           </a:xfrm>
           <a:prstGeom prst="roundRect">
             <a:avLst>
-              <a:gd fmla="val 0" name="adj"/>
+              <a:gd name="adj" fmla="val 0"/>
             </a:avLst>
           </a:prstGeom>
           <a:solidFill>
@@ -4768,20 +5050,17 @@
           </a:ln>
         </p:spPr>
         <p:txBody>
-          <a:bodyPr bIns="91425" rIns="91425" lIns="91425" tIns="91425" anchor="ctr" anchorCtr="0">
+          <a:bodyPr lIns="91425" tIns="91425" rIns="91425" bIns="91425" anchor="ctr" anchorCtr="0">
             <a:noAutofit/>
           </a:bodyPr>
           <a:lstStyle/>
           <a:p>
-            <a:pPr rtl="0" lvl="0">
-              <a:spcBef>
-                <a:spcPts val="0"/>
-              </a:spcBef>
-              <a:buNone/>
-            </a:pPr>
-            <a:r>
-              <a:t/>
-            </a:r>
+            <a:pPr lvl="0" rtl="0">
+              <a:spcBef>
+                <a:spcPts val="0"/>
+              </a:spcBef>
+              <a:buNone/>
+            </a:pPr>
             <a:endParaRPr/>
           </a:p>
         </p:txBody>
@@ -4794,12 +5073,12 @@
         </p:nvSpPr>
         <p:spPr>
           <a:xfrm>
-            <a:off y="1722312" x="1777618"/>
-            <a:ext cy="971100" cx="971100"/>
+            <a:off x="1777618" y="1722312"/>
+            <a:ext cx="971100" cy="971100"/>
           </a:xfrm>
           <a:prstGeom prst="roundRect">
             <a:avLst>
-              <a:gd fmla="val 0" name="adj"/>
+              <a:gd name="adj" fmla="val 0"/>
             </a:avLst>
           </a:prstGeom>
           <a:solidFill>
@@ -4811,25 +5090,22 @@
             </a:solidFill>
             <a:prstDash val="solid"/>
             <a:round/>
-            <a:headEnd w="med" len="med" type="none"/>
-            <a:tailEnd w="med" len="med" type="none"/>
+            <a:headEnd type="none" w="med" len="med"/>
+            <a:tailEnd type="none" w="med" len="med"/>
           </a:ln>
         </p:spPr>
         <p:txBody>
-          <a:bodyPr bIns="91425" rIns="91425" lIns="91425" tIns="91425" anchor="ctr" anchorCtr="0">
+          <a:bodyPr lIns="91425" tIns="91425" rIns="91425" bIns="91425" anchor="ctr" anchorCtr="0">
             <a:noAutofit/>
           </a:bodyPr>
           <a:lstStyle/>
           <a:p>
-            <a:pPr rtl="0" lvl="0">
-              <a:spcBef>
-                <a:spcPts val="0"/>
-              </a:spcBef>
-              <a:buNone/>
-            </a:pPr>
-            <a:r>
-              <a:t/>
-            </a:r>
+            <a:pPr lvl="0" rtl="0">
+              <a:spcBef>
+                <a:spcPts val="0"/>
+              </a:spcBef>
+              <a:buNone/>
+            </a:pPr>
             <a:endParaRPr/>
           </a:p>
         </p:txBody>
@@ -4842,12 +5118,12 @@
         </p:nvSpPr>
         <p:spPr>
           <a:xfrm>
-            <a:off y="2693658" x="2748969"/>
-            <a:ext cy="971100" cx="971100"/>
+            <a:off x="2748969" y="2693658"/>
+            <a:ext cx="971100" cy="971100"/>
           </a:xfrm>
           <a:prstGeom prst="roundRect">
             <a:avLst>
-              <a:gd fmla="val 0" name="adj"/>
+              <a:gd name="adj" fmla="val 0"/>
             </a:avLst>
           </a:prstGeom>
           <a:solidFill>
@@ -4859,25 +5135,22 @@
             </a:solidFill>
             <a:prstDash val="solid"/>
             <a:round/>
-            <a:headEnd w="med" len="med" type="none"/>
-            <a:tailEnd w="med" len="med" type="none"/>
+            <a:headEnd type="none" w="med" len="med"/>
+            <a:tailEnd type="none" w="med" len="med"/>
           </a:ln>
         </p:spPr>
         <p:txBody>
-          <a:bodyPr bIns="91425" rIns="91425" lIns="91425" tIns="91425" anchor="ctr" anchorCtr="0">
+          <a:bodyPr lIns="91425" tIns="91425" rIns="91425" bIns="91425" anchor="ctr" anchorCtr="0">
             <a:noAutofit/>
           </a:bodyPr>
           <a:lstStyle/>
           <a:p>
-            <a:pPr rtl="0" lvl="0">
-              <a:spcBef>
-                <a:spcPts val="0"/>
-              </a:spcBef>
-              <a:buNone/>
-            </a:pPr>
-            <a:r>
-              <a:t/>
-            </a:r>
+            <a:pPr lvl="0" rtl="0">
+              <a:spcBef>
+                <a:spcPts val="0"/>
+              </a:spcBef>
+              <a:buNone/>
+            </a:pPr>
             <a:endParaRPr/>
           </a:p>
         </p:txBody>
@@ -4890,12 +5163,12 @@
         </p:nvSpPr>
         <p:spPr>
           <a:xfrm>
-            <a:off y="1736725" x="2763375"/>
-            <a:ext cy="942299" cx="942299"/>
+            <a:off x="2763375" y="1736725"/>
+            <a:ext cx="942299" cy="942299"/>
           </a:xfrm>
           <a:prstGeom prst="roundRect">
             <a:avLst>
-              <a:gd fmla="val 0" name="adj"/>
+              <a:gd name="adj" fmla="val 0"/>
             </a:avLst>
           </a:prstGeom>
           <a:solidFill>
@@ -4906,19 +5179,19 @@
           </a:ln>
         </p:spPr>
         <p:txBody>
-          <a:bodyPr bIns="91425" rIns="91425" lIns="91425" tIns="91425" anchor="ctr" anchorCtr="0">
+          <a:bodyPr lIns="91425" tIns="91425" rIns="91425" bIns="91425" anchor="ctr" anchorCtr="0">
             <a:noAutofit/>
           </a:bodyPr>
           <a:lstStyle/>
           <a:p>
-            <a:pPr algn="ctr" rtl="0" lvl="0">
+            <a:pPr lvl="0" algn="ctr" rtl="0">
               <a:spcBef>
                 <a:spcPts val="0"/>
               </a:spcBef>
               <a:buNone/>
             </a:pPr>
             <a:r>
-              <a:rPr sz="1800" lang="en">
+              <a:rPr lang="en" sz="1800">
                 <a:solidFill>
                   <a:srgbClr val="434343"/>
                 </a:solidFill>
@@ -4944,20 +5217,20 @@
 </file>
 
 <file path=ppt/slides/slide12.xml><?xml version="1.0" encoding="utf-8"?>
-<p:sld xmlns:a="http://schemas.openxmlformats.org/drawingml/2006/main" xmlns:r="http://schemas.openxmlformats.org/officeDocument/2006/relationships" xmlns:mc="http://schemas.openxmlformats.org/markup-compatibility/2006" xmlns:mv="urn:schemas-microsoft-com:mac:vml" xmlns:p="http://schemas.openxmlformats.org/presentationml/2006/main" xmlns:c="http://schemas.openxmlformats.org/drawingml/2006/chart" xmlns:dgm="http://schemas.openxmlformats.org/drawingml/2006/diagram" xmlns:o="urn:schemas-microsoft-com:office:office" xmlns:v="urn:schemas-microsoft-com:vml" xmlns:pvml="urn:schemas-microsoft-com:office:powerpoint" xmlns:com="http://schemas.openxmlformats.org/drawingml/2006/compatibility" xmlns:p14="http://schemas.microsoft.com/office/powerpoint/2010/main">
+<p:sld xmlns:a="http://schemas.openxmlformats.org/drawingml/2006/main" xmlns:r="http://schemas.openxmlformats.org/officeDocument/2006/relationships" xmlns:p="http://schemas.openxmlformats.org/presentationml/2006/main">
   <p:cSld>
     <p:spTree>
       <p:nvGrpSpPr>
-        <p:cNvPr id="107" name="Shape 107"/>
+        <p:cNvPr id="1" name="Shape 107"/>
         <p:cNvGrpSpPr/>
         <p:nvPr/>
       </p:nvGrpSpPr>
       <p:grpSpPr>
         <a:xfrm>
-          <a:off y="0" x="0"/>
-          <a:ext cy="0" cx="0"/>
-          <a:chOff y="0" x="0"/>
-          <a:chExt cy="0" cx="0"/>
+          <a:off x="0" y="0"/>
+          <a:ext cx="0" cy="0"/>
+          <a:chOff x="0" y="0"/>
+          <a:chExt cx="0" cy="0"/>
         </a:xfrm>
       </p:grpSpPr>
       <p:sp>
@@ -4968,8 +5241,8 @@
         </p:nvSpPr>
         <p:spPr>
           <a:xfrm>
-            <a:off y="1711800" x="4034400"/>
-            <a:ext cy="1597799" cx="3855900"/>
+            <a:off x="4034400" y="1711800"/>
+            <a:ext cx="3855900" cy="1597799"/>
           </a:xfrm>
           <a:prstGeom prst="rect">
             <a:avLst/>
@@ -4980,19 +5253,19 @@
           </a:ln>
         </p:spPr>
         <p:txBody>
-          <a:bodyPr bIns="91425" rIns="91425" lIns="91425" tIns="91425" anchor="t" anchorCtr="0">
+          <a:bodyPr lIns="91425" tIns="91425" rIns="91425" bIns="91425" anchor="t" anchorCtr="0">
             <a:noAutofit/>
           </a:bodyPr>
           <a:lstStyle/>
           <a:p>
-            <a:pPr rtl="0" lvl="0">
+            <a:pPr lvl="0" rtl="0">
               <a:spcBef>
                 <a:spcPts val="0"/>
               </a:spcBef>
               <a:buNone/>
             </a:pPr>
             <a:r>
-              <a:rPr sz="2400" lang="en">
+              <a:rPr lang="en" sz="2400" dirty="0">
                 <a:latin typeface="Ubuntu"/>
                 <a:ea typeface="Ubuntu"/>
                 <a:cs typeface="Ubuntu"/>
@@ -5002,16 +5275,13 @@
             </a:r>
           </a:p>
           <a:p>
-            <a:pPr rtl="0" lvl="0" indent="0" marL="0">
-              <a:spcBef>
-                <a:spcPts val="0"/>
-              </a:spcBef>
-              <a:buNone/>
-            </a:pPr>
-            <a:r>
-              <a:t/>
-            </a:r>
-            <a:endParaRPr>
+            <a:pPr marL="0" lvl="0" indent="0" rtl="0">
+              <a:spcBef>
+                <a:spcPts val="0"/>
+              </a:spcBef>
+              <a:buNone/>
+            </a:pPr>
+            <a:endParaRPr dirty="0">
               <a:latin typeface="Ubuntu"/>
               <a:ea typeface="Ubuntu"/>
               <a:cs typeface="Ubuntu"/>
@@ -5019,7 +5289,7 @@
             </a:endParaRPr>
           </a:p>
           <a:p>
-            <a:pPr rtl="0" lvl="0" indent="-317500" marL="457200">
+            <a:pPr marL="457200" lvl="0" indent="-317500" rtl="0">
               <a:spcBef>
                 <a:spcPts val="0"/>
               </a:spcBef>
@@ -5031,7 +5301,7 @@
               <a:buChar char="➢"/>
             </a:pPr>
             <a:r>
-              <a:rPr lang="en">
+              <a:rPr lang="en" dirty="0">
                 <a:solidFill>
                   <a:schemeClr val="dk1"/>
                 </a:solidFill>
@@ -5040,18 +5310,10 @@
                 <a:cs typeface="Ubuntu"/>
                 <a:sym typeface="Ubuntu"/>
               </a:rPr>
-              <a:t>duplicate number in same room (violation of R1)</a:t>
+              <a:t>duplicate number in same room (violation of R1</a:t>
             </a:r>
-          </a:p>
-          <a:p>
-            <a:pPr rtl="0" lvl="0" indent="0" marL="457200">
-              <a:spcBef>
-                <a:spcPts val="0"/>
-              </a:spcBef>
-              <a:buNone/>
-            </a:pPr>
             <a:r>
-              <a:rPr sz="1000" lang="en">
+              <a:rPr lang="en" dirty="0" smtClean="0">
                 <a:solidFill>
                   <a:schemeClr val="dk1"/>
                 </a:solidFill>
@@ -5060,8 +5322,17 @@
                 <a:cs typeface="Ubuntu"/>
                 <a:sym typeface="Ubuntu"/>
               </a:rPr>
-              <a:t>(interface constraints may prevent this from happening)</a:t>
+              <a:t>)</a:t>
             </a:r>
+            <a:endParaRPr lang="en" dirty="0">
+              <a:solidFill>
+                <a:schemeClr val="dk1"/>
+              </a:solidFill>
+              <a:latin typeface="Ubuntu"/>
+              <a:ea typeface="Ubuntu"/>
+              <a:cs typeface="Ubuntu"/>
+              <a:sym typeface="Ubuntu"/>
+            </a:endParaRPr>
           </a:p>
         </p:txBody>
       </p:sp>
@@ -5073,12 +5344,12 @@
         </p:nvSpPr>
         <p:spPr>
           <a:xfrm>
-            <a:off y="1653001" x="2670500"/>
-            <a:ext cy="1088699" cx="1088699"/>
+            <a:off x="2670500" y="1653001"/>
+            <a:ext cx="1088699" cy="1088699"/>
           </a:xfrm>
           <a:prstGeom prst="roundRect">
             <a:avLst>
-              <a:gd fmla="val 0" name="adj"/>
+              <a:gd name="adj" fmla="val 0"/>
             </a:avLst>
           </a:prstGeom>
           <a:solidFill>
@@ -5089,20 +5360,17 @@
           </a:ln>
         </p:spPr>
         <p:txBody>
-          <a:bodyPr bIns="91425" rIns="91425" lIns="91425" tIns="91425" anchor="ctr" anchorCtr="0">
+          <a:bodyPr lIns="91425" tIns="91425" rIns="91425" bIns="91425" anchor="ctr" anchorCtr="0">
             <a:noAutofit/>
           </a:bodyPr>
           <a:lstStyle/>
           <a:p>
-            <a:pPr rtl="0" lvl="0">
-              <a:spcBef>
-                <a:spcPts val="0"/>
-              </a:spcBef>
-              <a:buNone/>
-            </a:pPr>
-            <a:r>
-              <a:t/>
-            </a:r>
+            <a:pPr lvl="0" rtl="0">
+              <a:spcBef>
+                <a:spcPts val="0"/>
+              </a:spcBef>
+              <a:buNone/>
+            </a:pPr>
             <a:endParaRPr/>
           </a:p>
         </p:txBody>
@@ -5115,12 +5383,12 @@
         </p:nvSpPr>
         <p:spPr>
           <a:xfrm>
-            <a:off y="2624326" x="2670500"/>
-            <a:ext cy="1088699" cx="1088699"/>
+            <a:off x="2670500" y="2624326"/>
+            <a:ext cx="1088699" cy="1088699"/>
           </a:xfrm>
           <a:prstGeom prst="roundRect">
             <a:avLst>
-              <a:gd fmla="val 0" name="adj"/>
+              <a:gd name="adj" fmla="val 0"/>
             </a:avLst>
           </a:prstGeom>
           <a:solidFill>
@@ -5131,20 +5399,17 @@
           </a:ln>
         </p:spPr>
         <p:txBody>
-          <a:bodyPr bIns="91425" rIns="91425" lIns="91425" tIns="91425" anchor="ctr" anchorCtr="0">
+          <a:bodyPr lIns="91425" tIns="91425" rIns="91425" bIns="91425" anchor="ctr" anchorCtr="0">
             <a:noAutofit/>
           </a:bodyPr>
           <a:lstStyle/>
           <a:p>
-            <a:pPr rtl="0" lvl="0">
-              <a:spcBef>
-                <a:spcPts val="0"/>
-              </a:spcBef>
-              <a:buNone/>
-            </a:pPr>
-            <a:r>
-              <a:t/>
-            </a:r>
+            <a:pPr lvl="0" rtl="0">
+              <a:spcBef>
+                <a:spcPts val="0"/>
+              </a:spcBef>
+              <a:buNone/>
+            </a:pPr>
             <a:endParaRPr/>
           </a:p>
         </p:txBody>
@@ -5157,12 +5422,12 @@
         </p:nvSpPr>
         <p:spPr>
           <a:xfrm>
-            <a:off y="1653001" x="1699150"/>
-            <a:ext cy="1088699" cx="1088699"/>
+            <a:off x="1699150" y="1653001"/>
+            <a:ext cx="1088699" cy="1088699"/>
           </a:xfrm>
           <a:prstGeom prst="roundRect">
             <a:avLst>
-              <a:gd fmla="val 0" name="adj"/>
+              <a:gd name="adj" fmla="val 0"/>
             </a:avLst>
           </a:prstGeom>
           <a:solidFill>
@@ -5173,20 +5438,17 @@
           </a:ln>
         </p:spPr>
         <p:txBody>
-          <a:bodyPr bIns="91425" rIns="91425" lIns="91425" tIns="91425" anchor="ctr" anchorCtr="0">
+          <a:bodyPr lIns="91425" tIns="91425" rIns="91425" bIns="91425" anchor="ctr" anchorCtr="0">
             <a:noAutofit/>
           </a:bodyPr>
           <a:lstStyle/>
           <a:p>
-            <a:pPr rtl="0" lvl="0">
-              <a:spcBef>
-                <a:spcPts val="0"/>
-              </a:spcBef>
-              <a:buNone/>
-            </a:pPr>
-            <a:r>
-              <a:t/>
-            </a:r>
+            <a:pPr lvl="0" rtl="0">
+              <a:spcBef>
+                <a:spcPts val="0"/>
+              </a:spcBef>
+              <a:buNone/>
+            </a:pPr>
             <a:endParaRPr/>
           </a:p>
         </p:txBody>
@@ -5199,12 +5461,12 @@
         </p:nvSpPr>
         <p:spPr>
           <a:xfrm>
-            <a:off y="1711787" x="1757943"/>
-            <a:ext cy="971100" cx="971100"/>
+            <a:off x="1757943" y="1711787"/>
+            <a:ext cx="971100" cy="971100"/>
           </a:xfrm>
           <a:prstGeom prst="roundRect">
             <a:avLst>
-              <a:gd fmla="val 0" name="adj"/>
+              <a:gd name="adj" fmla="val 0"/>
             </a:avLst>
           </a:prstGeom>
           <a:solidFill>
@@ -5216,25 +5478,22 @@
             </a:solidFill>
             <a:prstDash val="solid"/>
             <a:round/>
-            <a:headEnd w="med" len="med" type="none"/>
-            <a:tailEnd w="med" len="med" type="none"/>
+            <a:headEnd type="none" w="med" len="med"/>
+            <a:tailEnd type="none" w="med" len="med"/>
           </a:ln>
         </p:spPr>
         <p:txBody>
-          <a:bodyPr bIns="91425" rIns="91425" lIns="91425" tIns="91425" anchor="ctr" anchorCtr="0">
+          <a:bodyPr lIns="91425" tIns="91425" rIns="91425" bIns="91425" anchor="ctr" anchorCtr="0">
             <a:noAutofit/>
           </a:bodyPr>
           <a:lstStyle/>
           <a:p>
-            <a:pPr rtl="0" lvl="0">
-              <a:spcBef>
-                <a:spcPts val="0"/>
-              </a:spcBef>
-              <a:buNone/>
-            </a:pPr>
-            <a:r>
-              <a:t/>
-            </a:r>
+            <a:pPr lvl="0" rtl="0">
+              <a:spcBef>
+                <a:spcPts val="0"/>
+              </a:spcBef>
+              <a:buNone/>
+            </a:pPr>
             <a:endParaRPr/>
           </a:p>
         </p:txBody>
@@ -5247,12 +5506,12 @@
         </p:nvSpPr>
         <p:spPr>
           <a:xfrm>
-            <a:off y="2683133" x="2729294"/>
-            <a:ext cy="971100" cx="971100"/>
+            <a:off x="2729294" y="2683133"/>
+            <a:ext cx="971100" cy="971100"/>
           </a:xfrm>
           <a:prstGeom prst="roundRect">
             <a:avLst>
-              <a:gd fmla="val 0" name="adj"/>
+              <a:gd name="adj" fmla="val 0"/>
             </a:avLst>
           </a:prstGeom>
           <a:solidFill>
@@ -5264,25 +5523,22 @@
             </a:solidFill>
             <a:prstDash val="solid"/>
             <a:round/>
-            <a:headEnd w="med" len="med" type="none"/>
-            <a:tailEnd w="med" len="med" type="none"/>
+            <a:headEnd type="none" w="med" len="med"/>
+            <a:tailEnd type="none" w="med" len="med"/>
           </a:ln>
         </p:spPr>
         <p:txBody>
-          <a:bodyPr bIns="91425" rIns="91425" lIns="91425" tIns="91425" anchor="ctr" anchorCtr="0">
+          <a:bodyPr lIns="91425" tIns="91425" rIns="91425" bIns="91425" anchor="ctr" anchorCtr="0">
             <a:noAutofit/>
           </a:bodyPr>
           <a:lstStyle/>
           <a:p>
-            <a:pPr rtl="0" lvl="0">
-              <a:spcBef>
-                <a:spcPts val="0"/>
-              </a:spcBef>
-              <a:buNone/>
-            </a:pPr>
-            <a:r>
-              <a:t/>
-            </a:r>
+            <a:pPr lvl="0" rtl="0">
+              <a:spcBef>
+                <a:spcPts val="0"/>
+              </a:spcBef>
+              <a:buNone/>
+            </a:pPr>
             <a:endParaRPr/>
           </a:p>
         </p:txBody>
@@ -5295,12 +5551,12 @@
         </p:nvSpPr>
         <p:spPr>
           <a:xfrm>
-            <a:off y="1726200" x="2743700"/>
-            <a:ext cy="942299" cx="942299"/>
+            <a:off x="2743700" y="1726200"/>
+            <a:ext cx="942299" cy="942299"/>
           </a:xfrm>
           <a:prstGeom prst="roundRect">
             <a:avLst>
-              <a:gd fmla="val 0" name="adj"/>
+              <a:gd name="adj" fmla="val 0"/>
             </a:avLst>
           </a:prstGeom>
           <a:solidFill>
@@ -5311,19 +5567,19 @@
           </a:ln>
         </p:spPr>
         <p:txBody>
-          <a:bodyPr bIns="91425" rIns="91425" lIns="91425" tIns="91425" anchor="ctr" anchorCtr="0">
+          <a:bodyPr lIns="91425" tIns="91425" rIns="91425" bIns="91425" anchor="ctr" anchorCtr="0">
             <a:noAutofit/>
           </a:bodyPr>
           <a:lstStyle/>
           <a:p>
-            <a:pPr algn="ctr" rtl="0" lvl="0">
+            <a:pPr lvl="0" algn="ctr" rtl="0">
               <a:spcBef>
                 <a:spcPts val="0"/>
               </a:spcBef>
               <a:buNone/>
             </a:pPr>
             <a:r>
-              <a:rPr sz="1800" lang="en">
+              <a:rPr lang="en" sz="1800">
                 <a:solidFill>
                   <a:srgbClr val="434343"/>
                 </a:solidFill>
@@ -5345,12 +5601,12 @@
         </p:nvSpPr>
         <p:spPr>
           <a:xfrm>
-            <a:off y="1726200" x="1772350"/>
-            <a:ext cy="942299" cx="942299"/>
+            <a:off x="1772350" y="1726200"/>
+            <a:ext cx="942299" cy="942299"/>
           </a:xfrm>
           <a:prstGeom prst="roundRect">
             <a:avLst>
-              <a:gd fmla="val 0" name="adj"/>
+              <a:gd name="adj" fmla="val 0"/>
             </a:avLst>
           </a:prstGeom>
           <a:solidFill>
@@ -5361,19 +5617,19 @@
           </a:ln>
         </p:spPr>
         <p:txBody>
-          <a:bodyPr bIns="91425" rIns="91425" lIns="91425" tIns="91425" anchor="ctr" anchorCtr="0">
+          <a:bodyPr lIns="91425" tIns="91425" rIns="91425" bIns="91425" anchor="ctr" anchorCtr="0">
             <a:noAutofit/>
           </a:bodyPr>
           <a:lstStyle/>
           <a:p>
-            <a:pPr algn="ctr" rtl="0" lvl="0">
+            <a:pPr lvl="0" algn="ctr" rtl="0">
               <a:spcBef>
                 <a:spcPts val="0"/>
               </a:spcBef>
               <a:buNone/>
             </a:pPr>
             <a:r>
-              <a:rPr sz="1800" lang="en">
+              <a:rPr lang="en" sz="1800">
                 <a:solidFill>
                   <a:srgbClr val="434343"/>
                 </a:solidFill>
@@ -5399,20 +5655,20 @@
 </file>
 
 <file path=ppt/slides/slide13.xml><?xml version="1.0" encoding="utf-8"?>
-<p:sld xmlns:a="http://schemas.openxmlformats.org/drawingml/2006/main" xmlns:r="http://schemas.openxmlformats.org/officeDocument/2006/relationships" xmlns:mc="http://schemas.openxmlformats.org/markup-compatibility/2006" xmlns:mv="urn:schemas-microsoft-com:mac:vml" xmlns:p="http://schemas.openxmlformats.org/presentationml/2006/main" xmlns:c="http://schemas.openxmlformats.org/drawingml/2006/chart" xmlns:dgm="http://schemas.openxmlformats.org/drawingml/2006/diagram" xmlns:o="urn:schemas-microsoft-com:office:office" xmlns:v="urn:schemas-microsoft-com:vml" xmlns:pvml="urn:schemas-microsoft-com:office:powerpoint" xmlns:com="http://schemas.openxmlformats.org/drawingml/2006/compatibility" xmlns:p14="http://schemas.microsoft.com/office/powerpoint/2010/main">
+<p:sld xmlns:a="http://schemas.openxmlformats.org/drawingml/2006/main" xmlns:r="http://schemas.openxmlformats.org/officeDocument/2006/relationships" xmlns:p="http://schemas.openxmlformats.org/presentationml/2006/main">
   <p:cSld>
     <p:spTree>
       <p:nvGrpSpPr>
-        <p:cNvPr id="119" name="Shape 119"/>
+        <p:cNvPr id="1" name="Shape 119"/>
         <p:cNvGrpSpPr/>
         <p:nvPr/>
       </p:nvGrpSpPr>
       <p:grpSpPr>
         <a:xfrm>
-          <a:off y="0" x="0"/>
-          <a:ext cy="0" cx="0"/>
-          <a:chOff y="0" x="0"/>
-          <a:chExt cy="0" cx="0"/>
+          <a:off x="0" y="0"/>
+          <a:ext cx="0" cy="0"/>
+          <a:chOff x="0" y="0"/>
+          <a:chExt cx="0" cy="0"/>
         </a:xfrm>
       </p:grpSpPr>
       <p:pic>
@@ -5425,13 +5681,13 @@
           <a:blip r:embed="rId3">
             <a:alphaModFix/>
           </a:blip>
-          <a:srcRect t="1883" b="0" r="0" l="0"/>
+          <a:srcRect t="1883"/>
           <a:stretch/>
         </p:blipFill>
         <p:spPr>
           <a:xfrm>
-            <a:off y="1669800" x="2333250"/>
-            <a:ext cy="1719549" cx="1181100"/>
+            <a:off x="2333250" y="1669800"/>
+            <a:ext cx="1181100" cy="1719549"/>
           </a:xfrm>
           <a:prstGeom prst="rect">
             <a:avLst/>
@@ -5450,8 +5706,8 @@
         </p:nvSpPr>
         <p:spPr>
           <a:xfrm>
-            <a:off y="1634600" x="3901000"/>
-            <a:ext cy="2474400" cx="3855900"/>
+            <a:off x="3901000" y="1634600"/>
+            <a:ext cx="3855900" cy="2474400"/>
           </a:xfrm>
           <a:prstGeom prst="rect">
             <a:avLst/>
@@ -5462,19 +5718,19 @@
           </a:ln>
         </p:spPr>
         <p:txBody>
-          <a:bodyPr bIns="91425" rIns="91425" lIns="91425" tIns="91425" anchor="t" anchorCtr="0">
+          <a:bodyPr lIns="91425" tIns="91425" rIns="91425" bIns="91425" anchor="t" anchorCtr="0">
             <a:noAutofit/>
           </a:bodyPr>
           <a:lstStyle/>
           <a:p>
-            <a:pPr rtl="0" lvl="0">
+            <a:pPr lvl="0" rtl="0">
               <a:spcBef>
                 <a:spcPts val="0"/>
               </a:spcBef>
               <a:buNone/>
             </a:pPr>
             <a:r>
-              <a:rPr sz="2400" lang="en">
+              <a:rPr lang="en" sz="2400">
                 <a:solidFill>
                   <a:schemeClr val="dk1"/>
                 </a:solidFill>
@@ -5487,15 +5743,12 @@
             </a:r>
           </a:p>
           <a:p>
-            <a:pPr rtl="0" lvl="0">
-              <a:spcBef>
-                <a:spcPts val="0"/>
-              </a:spcBef>
-              <a:buNone/>
-            </a:pPr>
-            <a:r>
-              <a:t/>
-            </a:r>
+            <a:pPr lvl="0" rtl="0">
+              <a:spcBef>
+                <a:spcPts val="0"/>
+              </a:spcBef>
+              <a:buNone/>
+            </a:pPr>
             <a:endParaRPr>
               <a:solidFill>
                 <a:schemeClr val="dk1"/>
@@ -5507,7 +5760,7 @@
             </a:endParaRPr>
           </a:p>
           <a:p>
-            <a:pPr algn="l" rtl="0" lvl="0" marR="0" indent="-317500" marL="457200">
+            <a:pPr marL="457200" marR="0" lvl="0" indent="-317500" algn="l" rtl="0">
               <a:lnSpc>
                 <a:spcPct val="100000"/>
               </a:lnSpc>
@@ -5547,15 +5800,12 @@
             </a:r>
           </a:p>
           <a:p>
-            <a:pPr rtl="0" lvl="0">
-              <a:spcBef>
-                <a:spcPts val="0"/>
-              </a:spcBef>
-              <a:buNone/>
-            </a:pPr>
-            <a:r>
-              <a:t/>
-            </a:r>
+            <a:pPr lvl="0" rtl="0">
+              <a:spcBef>
+                <a:spcPts val="0"/>
+              </a:spcBef>
+              <a:buNone/>
+            </a:pPr>
             <a:endParaRPr>
               <a:latin typeface="Ubuntu"/>
               <a:ea typeface="Ubuntu"/>
@@ -5564,15 +5814,12 @@
             </a:endParaRPr>
           </a:p>
           <a:p>
-            <a:pPr rtl="0" lvl="0" indent="0" marL="457200">
-              <a:spcBef>
-                <a:spcPts val="0"/>
-              </a:spcBef>
-              <a:buNone/>
-            </a:pPr>
-            <a:r>
-              <a:t/>
-            </a:r>
+            <a:pPr marL="457200" lvl="0" indent="0" rtl="0">
+              <a:spcBef>
+                <a:spcPts val="0"/>
+              </a:spcBef>
+              <a:buNone/>
+            </a:pPr>
             <a:endParaRPr sz="1000">
               <a:latin typeface="Ubuntu"/>
               <a:ea typeface="Ubuntu"/>
@@ -5590,8 +5837,8 @@
         </p:nvSpPr>
         <p:spPr>
           <a:xfrm>
-            <a:off y="1714025" x="2908425"/>
-            <a:ext cy="529799" cx="529799"/>
+            <a:off x="2908425" y="1714025"/>
+            <a:ext cx="529799" cy="529799"/>
           </a:xfrm>
           <a:prstGeom prst="rect">
             <a:avLst/>
@@ -5603,12 +5850,12 @@
             </a:solidFill>
             <a:prstDash val="solid"/>
             <a:round/>
-            <a:headEnd w="med" len="med" type="none"/>
-            <a:tailEnd w="med" len="med" type="none"/>
+            <a:headEnd type="none" w="med" len="med"/>
+            <a:tailEnd type="none" w="med" len="med"/>
           </a:ln>
         </p:spPr>
         <p:txBody>
-          <a:bodyPr bIns="91425" rIns="91425" lIns="91425" tIns="91425" anchor="ctr" anchorCtr="0">
+          <a:bodyPr lIns="91425" tIns="91425" rIns="91425" bIns="91425" anchor="ctr" anchorCtr="0">
             <a:noAutofit/>
           </a:bodyPr>
           <a:lstStyle/>
@@ -5619,9 +5866,6 @@
               </a:spcBef>
               <a:buNone/>
             </a:pPr>
-            <a:r>
-              <a:t/>
-            </a:r>
             <a:endParaRPr/>
           </a:p>
         </p:txBody>
@@ -5634,8 +5878,8 @@
         </p:nvSpPr>
         <p:spPr>
           <a:xfrm>
-            <a:off y="2809475" x="2908425"/>
-            <a:ext cy="529799" cx="529799"/>
+            <a:off x="2908425" y="2809475"/>
+            <a:ext cx="529799" cy="529799"/>
           </a:xfrm>
           <a:prstGeom prst="rect">
             <a:avLst/>
@@ -5647,12 +5891,12 @@
             </a:solidFill>
             <a:prstDash val="solid"/>
             <a:round/>
-            <a:headEnd w="med" len="med" type="none"/>
-            <a:tailEnd w="med" len="med" type="none"/>
+            <a:headEnd type="none" w="med" len="med"/>
+            <a:tailEnd type="none" w="med" len="med"/>
           </a:ln>
         </p:spPr>
         <p:txBody>
-          <a:bodyPr bIns="91425" rIns="91425" lIns="91425" tIns="91425" anchor="ctr" anchorCtr="0">
+          <a:bodyPr lIns="91425" tIns="91425" rIns="91425" bIns="91425" anchor="ctr" anchorCtr="0">
             <a:noAutofit/>
           </a:bodyPr>
           <a:lstStyle/>
@@ -5663,9 +5907,6 @@
               </a:spcBef>
               <a:buNone/>
             </a:pPr>
-            <a:r>
-              <a:t/>
-            </a:r>
             <a:endParaRPr/>
           </a:p>
         </p:txBody>
@@ -5682,20 +5923,20 @@
 </file>
 
 <file path=ppt/slides/slide14.xml><?xml version="1.0" encoding="utf-8"?>
-<p:sld xmlns:a="http://schemas.openxmlformats.org/drawingml/2006/main" xmlns:r="http://schemas.openxmlformats.org/officeDocument/2006/relationships" xmlns:mc="http://schemas.openxmlformats.org/markup-compatibility/2006" xmlns:mv="urn:schemas-microsoft-com:mac:vml" xmlns:p="http://schemas.openxmlformats.org/presentationml/2006/main" xmlns:c="http://schemas.openxmlformats.org/drawingml/2006/chart" xmlns:dgm="http://schemas.openxmlformats.org/drawingml/2006/diagram" xmlns:o="urn:schemas-microsoft-com:office:office" xmlns:v="urn:schemas-microsoft-com:vml" xmlns:pvml="urn:schemas-microsoft-com:office:powerpoint" xmlns:com="http://schemas.openxmlformats.org/drawingml/2006/compatibility" xmlns:p14="http://schemas.microsoft.com/office/powerpoint/2010/main">
+<p:sld xmlns:a="http://schemas.openxmlformats.org/drawingml/2006/main" xmlns:r="http://schemas.openxmlformats.org/officeDocument/2006/relationships" xmlns:p="http://schemas.openxmlformats.org/presentationml/2006/main">
   <p:cSld>
     <p:spTree>
       <p:nvGrpSpPr>
-        <p:cNvPr id="127" name="Shape 127"/>
+        <p:cNvPr id="1" name="Shape 127"/>
         <p:cNvGrpSpPr/>
         <p:nvPr/>
       </p:nvGrpSpPr>
       <p:grpSpPr>
         <a:xfrm>
-          <a:off y="0" x="0"/>
-          <a:ext cy="0" cx="0"/>
-          <a:chOff y="0" x="0"/>
-          <a:chExt cy="0" cx="0"/>
+          <a:off x="0" y="0"/>
+          <a:ext cx="0" cy="0"/>
+          <a:chOff x="0" y="0"/>
+          <a:chExt cx="0" cy="0"/>
         </a:xfrm>
       </p:grpSpPr>
       <p:pic>
@@ -5714,8 +5955,8 @@
         </p:blipFill>
         <p:spPr>
           <a:xfrm>
-            <a:off y="1981200" x="1085900"/>
-            <a:ext cy="1181100" cx="3409950"/>
+            <a:off x="1085900" y="1981200"/>
+            <a:ext cx="3409950" cy="1181100"/>
           </a:xfrm>
           <a:prstGeom prst="rect">
             <a:avLst/>
@@ -5734,8 +5975,8 @@
         </p:nvSpPr>
         <p:spPr>
           <a:xfrm>
-            <a:off y="1712300" x="4831825"/>
-            <a:ext cy="2637000" cx="3855900"/>
+            <a:off x="4831825" y="1712300"/>
+            <a:ext cx="3855900" cy="2637000"/>
           </a:xfrm>
           <a:prstGeom prst="rect">
             <a:avLst/>
@@ -5746,19 +5987,19 @@
           </a:ln>
         </p:spPr>
         <p:txBody>
-          <a:bodyPr bIns="91425" rIns="91425" lIns="91425" tIns="91425" anchor="t" anchorCtr="0">
+          <a:bodyPr lIns="91425" tIns="91425" rIns="91425" bIns="91425" anchor="t" anchorCtr="0">
             <a:noAutofit/>
           </a:bodyPr>
           <a:lstStyle/>
           <a:p>
-            <a:pPr rtl="0" lvl="0">
+            <a:pPr lvl="0" rtl="0">
               <a:spcBef>
                 <a:spcPts val="0"/>
               </a:spcBef>
               <a:buNone/>
             </a:pPr>
             <a:r>
-              <a:rPr sz="2400" lang="en">
+              <a:rPr lang="en" sz="2400">
                 <a:solidFill>
                   <a:schemeClr val="dk1"/>
                 </a:solidFill>
@@ -5771,15 +6012,12 @@
             </a:r>
           </a:p>
           <a:p>
-            <a:pPr rtl="0" lvl="0" indent="0" marL="0">
-              <a:spcBef>
-                <a:spcPts val="0"/>
-              </a:spcBef>
-              <a:buNone/>
-            </a:pPr>
-            <a:r>
-              <a:t/>
-            </a:r>
+            <a:pPr marL="0" lvl="0" indent="0" rtl="0">
+              <a:spcBef>
+                <a:spcPts val="0"/>
+              </a:spcBef>
+              <a:buNone/>
+            </a:pPr>
             <a:endParaRPr>
               <a:latin typeface="Ubuntu"/>
               <a:ea typeface="Ubuntu"/>
@@ -5788,7 +6026,7 @@
             </a:endParaRPr>
           </a:p>
           <a:p>
-            <a:pPr algn="l" rtl="0" lvl="0" marR="0" indent="-317500" marL="457200">
+            <a:pPr marL="457200" marR="0" lvl="0" indent="-317500" algn="l" rtl="0">
               <a:lnSpc>
                 <a:spcPct val="100000"/>
               </a:lnSpc>
@@ -5825,8 +6063,8 @@
         </p:nvSpPr>
         <p:spPr>
           <a:xfrm>
-            <a:off y="2025775" x="3363075"/>
-            <a:ext cy="529799" cx="529799"/>
+            <a:off x="3363075" y="2025775"/>
+            <a:ext cx="529799" cy="529799"/>
           </a:xfrm>
           <a:prstGeom prst="rect">
             <a:avLst/>
@@ -5840,12 +6078,12 @@
             </a:solidFill>
             <a:prstDash val="solid"/>
             <a:round/>
-            <a:headEnd w="med" len="med" type="none"/>
-            <a:tailEnd w="med" len="med" type="none"/>
+            <a:headEnd type="none" w="med" len="med"/>
+            <a:tailEnd type="none" w="med" len="med"/>
           </a:ln>
         </p:spPr>
         <p:txBody>
-          <a:bodyPr bIns="91425" rIns="91425" lIns="91425" tIns="91425" anchor="ctr" anchorCtr="0">
+          <a:bodyPr lIns="91425" tIns="91425" rIns="91425" bIns="91425" anchor="ctr" anchorCtr="0">
             <a:noAutofit/>
           </a:bodyPr>
           <a:lstStyle/>
@@ -5856,9 +6094,6 @@
               </a:spcBef>
               <a:buNone/>
             </a:pPr>
-            <a:r>
-              <a:t/>
-            </a:r>
             <a:endParaRPr/>
           </a:p>
         </p:txBody>
@@ -5871,8 +6106,8 @@
         </p:nvSpPr>
         <p:spPr>
           <a:xfrm>
-            <a:off y="2025775" x="1692625"/>
-            <a:ext cy="529799" cx="529799"/>
+            <a:off x="1692625" y="2025775"/>
+            <a:ext cx="529799" cy="529799"/>
           </a:xfrm>
           <a:prstGeom prst="rect">
             <a:avLst/>
@@ -5884,12 +6119,12 @@
             </a:solidFill>
             <a:prstDash val="solid"/>
             <a:round/>
-            <a:headEnd w="med" len="med" type="none"/>
-            <a:tailEnd w="med" len="med" type="none"/>
+            <a:headEnd type="none" w="med" len="med"/>
+            <a:tailEnd type="none" w="med" len="med"/>
           </a:ln>
         </p:spPr>
         <p:txBody>
-          <a:bodyPr bIns="91425" rIns="91425" lIns="91425" tIns="91425" anchor="ctr" anchorCtr="0">
+          <a:bodyPr lIns="91425" tIns="91425" rIns="91425" bIns="91425" anchor="ctr" anchorCtr="0">
             <a:noAutofit/>
           </a:bodyPr>
           <a:lstStyle/>
@@ -5900,9 +6135,6 @@
               </a:spcBef>
               <a:buNone/>
             </a:pPr>
-            <a:r>
-              <a:t/>
-            </a:r>
             <a:endParaRPr/>
           </a:p>
         </p:txBody>
@@ -5915,8 +6147,8 @@
         </p:nvSpPr>
         <p:spPr>
           <a:xfrm>
-            <a:off y="2025775" x="3922200"/>
-            <a:ext cy="529799" cx="529799"/>
+            <a:off x="3922200" y="2025775"/>
+            <a:ext cx="529799" cy="529799"/>
           </a:xfrm>
           <a:prstGeom prst="rect">
             <a:avLst/>
@@ -5928,12 +6160,12 @@
             </a:solidFill>
             <a:prstDash val="solid"/>
             <a:round/>
-            <a:headEnd w="med" len="med" type="none"/>
-            <a:tailEnd w="med" len="med" type="none"/>
+            <a:headEnd type="none" w="med" len="med"/>
+            <a:tailEnd type="none" w="med" len="med"/>
           </a:ln>
         </p:spPr>
         <p:txBody>
-          <a:bodyPr bIns="91425" rIns="91425" lIns="91425" tIns="91425" anchor="ctr" anchorCtr="0">
+          <a:bodyPr lIns="91425" tIns="91425" rIns="91425" bIns="91425" anchor="ctr" anchorCtr="0">
             <a:noAutofit/>
           </a:bodyPr>
           <a:lstStyle/>
@@ -5944,9 +6176,6 @@
               </a:spcBef>
               <a:buNone/>
             </a:pPr>
-            <a:r>
-              <a:t/>
-            </a:r>
             <a:endParaRPr/>
           </a:p>
         </p:txBody>
@@ -5959,8 +6188,8 @@
         </p:nvSpPr>
         <p:spPr>
           <a:xfrm>
-            <a:off y="2025775" x="2807412"/>
-            <a:ext cy="529799" cx="529799"/>
+            <a:off x="2807412" y="2025775"/>
+            <a:ext cx="529799" cy="529799"/>
           </a:xfrm>
           <a:prstGeom prst="rect">
             <a:avLst/>
@@ -5972,12 +6201,12 @@
             </a:solidFill>
             <a:prstDash val="solid"/>
             <a:round/>
-            <a:headEnd w="med" len="med" type="none"/>
-            <a:tailEnd w="med" len="med" type="none"/>
+            <a:headEnd type="none" w="med" len="med"/>
+            <a:tailEnd type="none" w="med" len="med"/>
           </a:ln>
         </p:spPr>
         <p:txBody>
-          <a:bodyPr bIns="91425" rIns="91425" lIns="91425" tIns="91425" anchor="ctr" anchorCtr="0">
+          <a:bodyPr lIns="91425" tIns="91425" rIns="91425" bIns="91425" anchor="ctr" anchorCtr="0">
             <a:noAutofit/>
           </a:bodyPr>
           <a:lstStyle/>
@@ -5988,9 +6217,6 @@
               </a:spcBef>
               <a:buNone/>
             </a:pPr>
-            <a:r>
-              <a:t/>
-            </a:r>
             <a:endParaRPr/>
           </a:p>
         </p:txBody>
@@ -6003,8 +6229,8 @@
         </p:nvSpPr>
         <p:spPr>
           <a:xfrm>
-            <a:off y="2555575" x="2277612"/>
-            <a:ext cy="529799" cx="529799"/>
+            <a:off x="2277612" y="2555575"/>
+            <a:ext cx="529799" cy="529799"/>
           </a:xfrm>
           <a:prstGeom prst="rect">
             <a:avLst/>
@@ -6016,12 +6242,12 @@
             </a:solidFill>
             <a:prstDash val="solid"/>
             <a:round/>
-            <a:headEnd w="med" len="med" type="none"/>
-            <a:tailEnd w="med" len="med" type="none"/>
+            <a:headEnd type="none" w="med" len="med"/>
+            <a:tailEnd type="none" w="med" len="med"/>
           </a:ln>
         </p:spPr>
         <p:txBody>
-          <a:bodyPr bIns="91425" rIns="91425" lIns="91425" tIns="91425" anchor="ctr" anchorCtr="0">
+          <a:bodyPr lIns="91425" tIns="91425" rIns="91425" bIns="91425" anchor="ctr" anchorCtr="0">
             <a:noAutofit/>
           </a:bodyPr>
           <a:lstStyle/>
@@ -6032,9 +6258,6 @@
               </a:spcBef>
               <a:buNone/>
             </a:pPr>
-            <a:r>
-              <a:t/>
-            </a:r>
             <a:endParaRPr/>
           </a:p>
         </p:txBody>
@@ -6047,8 +6270,8 @@
         </p:nvSpPr>
         <p:spPr>
           <a:xfrm>
-            <a:off y="2555575" x="2807412"/>
-            <a:ext cy="529799" cx="529799"/>
+            <a:off x="2807412" y="2555575"/>
+            <a:ext cx="529799" cy="529799"/>
           </a:xfrm>
           <a:prstGeom prst="rect">
             <a:avLst/>
@@ -6060,12 +6283,12 @@
             </a:solidFill>
             <a:prstDash val="solid"/>
             <a:round/>
-            <a:headEnd w="med" len="med" type="none"/>
-            <a:tailEnd w="med" len="med" type="none"/>
+            <a:headEnd type="none" w="med" len="med"/>
+            <a:tailEnd type="none" w="med" len="med"/>
           </a:ln>
         </p:spPr>
         <p:txBody>
-          <a:bodyPr bIns="91425" rIns="91425" lIns="91425" tIns="91425" anchor="ctr" anchorCtr="0">
+          <a:bodyPr lIns="91425" tIns="91425" rIns="91425" bIns="91425" anchor="ctr" anchorCtr="0">
             <a:noAutofit/>
           </a:bodyPr>
           <a:lstStyle/>
@@ -6076,9 +6299,6 @@
               </a:spcBef>
               <a:buNone/>
             </a:pPr>
-            <a:r>
-              <a:t/>
-            </a:r>
             <a:endParaRPr/>
           </a:p>
         </p:txBody>
@@ -6095,53 +6315,55 @@
 </file>
 
 <file path=ppt/slides/slide15.xml><?xml version="1.0" encoding="utf-8"?>
-<p:sld xmlns:a="http://schemas.openxmlformats.org/drawingml/2006/main" xmlns:r="http://schemas.openxmlformats.org/officeDocument/2006/relationships" xmlns:mc="http://schemas.openxmlformats.org/markup-compatibility/2006" xmlns:mv="urn:schemas-microsoft-com:mac:vml" xmlns:p="http://schemas.openxmlformats.org/presentationml/2006/main" xmlns:c="http://schemas.openxmlformats.org/drawingml/2006/chart" xmlns:dgm="http://schemas.openxmlformats.org/drawingml/2006/diagram" xmlns:o="urn:schemas-microsoft-com:office:office" xmlns:v="urn:schemas-microsoft-com:vml" xmlns:pvml="urn:schemas-microsoft-com:office:powerpoint" xmlns:com="http://schemas.openxmlformats.org/drawingml/2006/compatibility" xmlns:p14="http://schemas.microsoft.com/office/powerpoint/2010/main">
+<p:sld xmlns:a="http://schemas.openxmlformats.org/drawingml/2006/main" xmlns:r="http://schemas.openxmlformats.org/officeDocument/2006/relationships" xmlns:p="http://schemas.openxmlformats.org/presentationml/2006/main">
   <p:cSld>
     <p:spTree>
       <p:nvGrpSpPr>
-        <p:cNvPr id="139" name="Shape 139"/>
+        <p:cNvPr id="1" name="Shape 139"/>
         <p:cNvGrpSpPr/>
         <p:nvPr/>
       </p:nvGrpSpPr>
       <p:grpSpPr>
         <a:xfrm>
-          <a:off y="0" x="0"/>
-          <a:ext cy="0" cx="0"/>
-          <a:chOff y="0" x="0"/>
-          <a:chExt cy="0" cx="0"/>
+          <a:off x="0" y="0"/>
+          <a:ext cx="0" cy="0"/>
+          <a:chOff x="0" y="0"/>
+          <a:chExt cx="0" cy="0"/>
         </a:xfrm>
       </p:grpSpPr>
       <p:sp>
         <p:nvSpPr>
           <p:cNvPr id="140" name="Shape 140"/>
-          <p:cNvSpPr txBox="1"/>
+          <p:cNvSpPr txBox="1">
+            <a:spLocks noGrp="1"/>
+          </p:cNvSpPr>
           <p:nvPr>
             <p:ph type="ctrTitle"/>
           </p:nvPr>
         </p:nvSpPr>
         <p:spPr>
           <a:xfrm>
-            <a:off y="1583342" x="685800"/>
-            <a:ext cy="1159799" cx="7772400"/>
+            <a:off x="685800" y="1583342"/>
+            <a:ext cx="7772400" cy="1159799"/>
           </a:xfrm>
           <a:prstGeom prst="rect">
             <a:avLst/>
           </a:prstGeom>
         </p:spPr>
         <p:txBody>
-          <a:bodyPr bIns="91425" rIns="91425" lIns="91425" tIns="91425" anchor="b" anchorCtr="0">
+          <a:bodyPr lIns="91425" tIns="91425" rIns="91425" bIns="91425" anchor="b" anchorCtr="0">
             <a:noAutofit/>
           </a:bodyPr>
           <a:lstStyle/>
           <a:p>
-            <a:pPr rtl="0" lvl="0">
+            <a:pPr lvl="0" rtl="0">
               <a:spcBef>
                 <a:spcPts val="0"/>
               </a:spcBef>
               <a:buNone/>
             </a:pPr>
             <a:r>
-              <a:rPr b="0" lang="en">
+              <a:rPr lang="en" b="0">
                 <a:latin typeface="Ubuntu"/>
                 <a:ea typeface="Ubuntu"/>
                 <a:cs typeface="Ubuntu"/>
@@ -6164,20 +6386,20 @@
 </file>
 
 <file path=ppt/slides/slide16.xml><?xml version="1.0" encoding="utf-8"?>
-<p:sld xmlns:a="http://schemas.openxmlformats.org/drawingml/2006/main" xmlns:r="http://schemas.openxmlformats.org/officeDocument/2006/relationships" xmlns:mc="http://schemas.openxmlformats.org/markup-compatibility/2006" xmlns:mv="urn:schemas-microsoft-com:mac:vml" xmlns:p="http://schemas.openxmlformats.org/presentationml/2006/main" xmlns:c="http://schemas.openxmlformats.org/drawingml/2006/chart" xmlns:dgm="http://schemas.openxmlformats.org/drawingml/2006/diagram" xmlns:o="urn:schemas-microsoft-com:office:office" xmlns:v="urn:schemas-microsoft-com:vml" xmlns:pvml="urn:schemas-microsoft-com:office:powerpoint" xmlns:com="http://schemas.openxmlformats.org/drawingml/2006/compatibility" xmlns:p14="http://schemas.microsoft.com/office/powerpoint/2010/main">
+<p:sld xmlns:a="http://schemas.openxmlformats.org/drawingml/2006/main" xmlns:r="http://schemas.openxmlformats.org/officeDocument/2006/relationships" xmlns:p="http://schemas.openxmlformats.org/presentationml/2006/main">
   <p:cSld>
     <p:spTree>
       <p:nvGrpSpPr>
-        <p:cNvPr id="144" name="Shape 144"/>
+        <p:cNvPr id="1" name="Shape 144"/>
         <p:cNvGrpSpPr/>
         <p:nvPr/>
       </p:nvGrpSpPr>
       <p:grpSpPr>
         <a:xfrm>
-          <a:off y="0" x="0"/>
-          <a:ext cy="0" cx="0"/>
-          <a:chOff y="0" x="0"/>
-          <a:chExt cy="0" cx="0"/>
+          <a:off x="0" y="0"/>
+          <a:ext cx="0" cy="0"/>
+          <a:chOff x="0" y="0"/>
+          <a:chExt cx="0" cy="0"/>
         </a:xfrm>
       </p:grpSpPr>
       <p:sp>
@@ -6188,8 +6410,8 @@
         </p:nvSpPr>
         <p:spPr>
           <a:xfrm>
-            <a:off y="1476300" x="4619325"/>
-            <a:ext cy="2393099" cx="4330200"/>
+            <a:off x="4619325" y="1476300"/>
+            <a:ext cx="4330200" cy="2393099"/>
           </a:xfrm>
           <a:prstGeom prst="rect">
             <a:avLst/>
@@ -6200,38 +6422,36 @@
           </a:ln>
         </p:spPr>
         <p:txBody>
-          <a:bodyPr bIns="91425" rIns="91425" lIns="91425" tIns="91425" anchor="t" anchorCtr="0">
+          <a:bodyPr lIns="91425" tIns="91425" rIns="91425" bIns="91425" anchor="t" anchorCtr="0">
             <a:noAutofit/>
           </a:bodyPr>
           <a:lstStyle/>
           <a:p>
-            <a:pPr rtl="0" lvl="0">
+            <a:pPr lvl="0" rtl="0">
               <a:spcBef>
                 <a:spcPts val="0"/>
               </a:spcBef>
               <a:buNone/>
             </a:pPr>
             <a:r>
-              <a:rPr sz="2400" lang="en">
+              <a:rPr lang="en" sz="2400" dirty="0">
                 <a:latin typeface="Ubuntu"/>
                 <a:ea typeface="Ubuntu"/>
                 <a:cs typeface="Ubuntu"/>
                 <a:sym typeface="Ubuntu"/>
               </a:rPr>
-              <a:t>Last Number Standing:</a:t>
+              <a:t>Last </a:t>
             </a:r>
-          </a:p>
-          <a:p>
-            <a:pPr rtl="0" lvl="0">
-              <a:spcBef>
-                <a:spcPts val="0"/>
-              </a:spcBef>
-              <a:buNone/>
-            </a:pPr>
             <a:r>
-              <a:t/>
+              <a:rPr lang="en" sz="2400" dirty="0" smtClean="0">
+                <a:latin typeface="Ubuntu"/>
+                <a:ea typeface="Ubuntu"/>
+                <a:cs typeface="Ubuntu"/>
+                <a:sym typeface="Ubuntu"/>
+              </a:rPr>
+              <a:t>Number</a:t>
             </a:r>
-            <a:endParaRPr>
+            <a:endParaRPr lang="en" sz="2400" dirty="0">
               <a:latin typeface="Ubuntu"/>
               <a:ea typeface="Ubuntu"/>
               <a:cs typeface="Ubuntu"/>
@@ -6239,7 +6459,21 @@
             </a:endParaRPr>
           </a:p>
           <a:p>
-            <a:pPr rtl="0" lvl="0" indent="-317500" marL="457200">
+            <a:pPr lvl="0" rtl="0">
+              <a:spcBef>
+                <a:spcPts val="0"/>
+              </a:spcBef>
+              <a:buNone/>
+            </a:pPr>
+            <a:endParaRPr dirty="0">
+              <a:latin typeface="Ubuntu"/>
+              <a:ea typeface="Ubuntu"/>
+              <a:cs typeface="Ubuntu"/>
+              <a:sym typeface="Ubuntu"/>
+            </a:endParaRPr>
+          </a:p>
+          <a:p>
+            <a:pPr marL="457200" lvl="0" indent="-317500" rtl="0">
               <a:spcBef>
                 <a:spcPts val="0"/>
               </a:spcBef>
@@ -6251,7 +6485,7 @@
               <a:buChar char="➢"/>
             </a:pPr>
             <a:r>
-              <a:rPr lang="en">
+              <a:rPr lang="en" dirty="0">
                 <a:latin typeface="Ubuntu"/>
                 <a:ea typeface="Ubuntu"/>
                 <a:cs typeface="Ubuntu"/>
@@ -6278,8 +6512,8 @@
         </p:blipFill>
         <p:spPr>
           <a:xfrm>
-            <a:off y="1602900" x="1221562"/>
-            <a:ext cy="1473925" cx="2899449"/>
+            <a:off x="1221562" y="1602900"/>
+            <a:ext cx="2899449" cy="1473925"/>
           </a:xfrm>
           <a:prstGeom prst="rect">
             <a:avLst/>
@@ -6298,8 +6532,8 @@
         </p:nvSpPr>
         <p:spPr>
           <a:xfrm>
-            <a:off y="3300750" x="1132162"/>
-            <a:ext cy="457200" cx="3657600"/>
+            <a:off x="1132162" y="3300750"/>
+            <a:ext cx="3657600" cy="457200"/>
           </a:xfrm>
           <a:prstGeom prst="rect">
             <a:avLst/>
@@ -6310,7 +6544,7 @@
           </a:ln>
         </p:spPr>
         <p:txBody>
-          <a:bodyPr bIns="91425" rIns="91425" lIns="91425" tIns="91425" anchor="t" anchorCtr="0">
+          <a:bodyPr lIns="91425" tIns="91425" rIns="91425" bIns="91425" anchor="t" anchorCtr="0">
             <a:noAutofit/>
           </a:bodyPr>
           <a:lstStyle/>
@@ -6341,8 +6575,8 @@
         </p:nvSpPr>
         <p:spPr>
           <a:xfrm>
-            <a:off y="2587550" x="2212975"/>
-            <a:ext cy="457200" cx="435599"/>
+            <a:off x="2212975" y="2587550"/>
+            <a:ext cx="435599" cy="457200"/>
           </a:xfrm>
           <a:prstGeom prst="rect">
             <a:avLst/>
@@ -6356,12 +6590,12 @@
             </a:solidFill>
             <a:prstDash val="solid"/>
             <a:round/>
-            <a:headEnd w="med" len="med" type="none"/>
-            <a:tailEnd w="med" len="med" type="none"/>
+            <a:headEnd type="none" w="med" len="med"/>
+            <a:tailEnd type="none" w="med" len="med"/>
           </a:ln>
         </p:spPr>
         <p:txBody>
-          <a:bodyPr bIns="91425" rIns="91425" lIns="91425" tIns="91425" anchor="ctr" anchorCtr="0">
+          <a:bodyPr lIns="91425" tIns="91425" rIns="91425" bIns="91425" anchor="ctr" anchorCtr="0">
             <a:noAutofit/>
           </a:bodyPr>
           <a:lstStyle/>
@@ -6372,9 +6606,6 @@
               </a:spcBef>
               <a:buNone/>
             </a:pPr>
-            <a:r>
-              <a:t/>
-            </a:r>
             <a:endParaRPr/>
           </a:p>
         </p:txBody>
@@ -6387,8 +6618,8 @@
         </p:nvSpPr>
         <p:spPr>
           <a:xfrm>
-            <a:off y="2614850" x="2212975"/>
-            <a:ext cy="402600" cx="435599"/>
+            <a:off x="2212975" y="2614850"/>
+            <a:ext cx="435599" cy="402600"/>
           </a:xfrm>
           <a:prstGeom prst="rect">
             <a:avLst/>
@@ -6399,7 +6630,7 @@
           </a:ln>
         </p:spPr>
         <p:txBody>
-          <a:bodyPr bIns="91425" rIns="91425" lIns="91425" tIns="91425" anchor="ctr" anchorCtr="0">
+          <a:bodyPr lIns="91425" tIns="91425" rIns="91425" bIns="91425" anchor="ctr" anchorCtr="0">
             <a:noAutofit/>
           </a:bodyPr>
           <a:lstStyle/>
@@ -6411,7 +6642,7 @@
               <a:buNone/>
             </a:pPr>
             <a:r>
-              <a:rPr sz="2400" lang="en">
+              <a:rPr lang="en" sz="2400">
                 <a:solidFill>
                   <a:srgbClr val="434343"/>
                 </a:solidFill>
@@ -6433,20 +6664,20 @@
 </file>
 
 <file path=ppt/slides/slide17.xml><?xml version="1.0" encoding="utf-8"?>
-<p:sld xmlns:a="http://schemas.openxmlformats.org/drawingml/2006/main" xmlns:r="http://schemas.openxmlformats.org/officeDocument/2006/relationships" xmlns:mc="http://schemas.openxmlformats.org/markup-compatibility/2006" xmlns:mv="urn:schemas-microsoft-com:mac:vml" xmlns:p="http://schemas.openxmlformats.org/presentationml/2006/main" xmlns:c="http://schemas.openxmlformats.org/drawingml/2006/chart" xmlns:dgm="http://schemas.openxmlformats.org/drawingml/2006/diagram" xmlns:o="urn:schemas-microsoft-com:office:office" xmlns:v="urn:schemas-microsoft-com:vml" xmlns:pvml="urn:schemas-microsoft-com:office:powerpoint" xmlns:com="http://schemas.openxmlformats.org/drawingml/2006/compatibility" xmlns:p14="http://schemas.microsoft.com/office/powerpoint/2010/main">
+<p:sld xmlns:a="http://schemas.openxmlformats.org/drawingml/2006/main" xmlns:r="http://schemas.openxmlformats.org/officeDocument/2006/relationships" xmlns:p="http://schemas.openxmlformats.org/presentationml/2006/main">
   <p:cSld>
     <p:spTree>
       <p:nvGrpSpPr>
-        <p:cNvPr id="153" name="Shape 153"/>
+        <p:cNvPr id="1" name="Shape 153"/>
         <p:cNvGrpSpPr/>
         <p:nvPr/>
       </p:nvGrpSpPr>
       <p:grpSpPr>
         <a:xfrm>
-          <a:off y="0" x="0"/>
-          <a:ext cy="0" cx="0"/>
-          <a:chOff y="0" x="0"/>
-          <a:chExt cy="0" cx="0"/>
+          <a:off x="0" y="0"/>
+          <a:ext cx="0" cy="0"/>
+          <a:chOff x="0" y="0"/>
+          <a:chExt cx="0" cy="0"/>
         </a:xfrm>
       </p:grpSpPr>
       <p:sp>
@@ -6457,8 +6688,8 @@
         </p:nvSpPr>
         <p:spPr>
           <a:xfrm>
-            <a:off y="1567412" x="4576925"/>
-            <a:ext cy="2393099" cx="4330200"/>
+            <a:off x="4576925" y="1567412"/>
+            <a:ext cx="4330200" cy="2393099"/>
           </a:xfrm>
           <a:prstGeom prst="rect">
             <a:avLst/>
@@ -6469,19 +6700,19 @@
           </a:ln>
         </p:spPr>
         <p:txBody>
-          <a:bodyPr bIns="91425" rIns="91425" lIns="91425" tIns="91425" anchor="t" anchorCtr="0">
+          <a:bodyPr lIns="91425" tIns="91425" rIns="91425" bIns="91425" anchor="t" anchorCtr="0">
             <a:noAutofit/>
           </a:bodyPr>
           <a:lstStyle/>
           <a:p>
-            <a:pPr rtl="0" lvl="0" indent="0" marL="0">
+            <a:pPr marL="0" lvl="0" indent="0" rtl="0">
               <a:spcBef>
                 <a:spcPts val="0"/>
               </a:spcBef>
               <a:buNone/>
             </a:pPr>
             <a:r>
-              <a:rPr sz="2400" lang="en">
+              <a:rPr lang="en" sz="2400" dirty="0" smtClean="0">
                 <a:solidFill>
                   <a:schemeClr val="dk1"/>
                 </a:solidFill>
@@ -6490,20 +6721,12 @@
                 <a:cs typeface="Ubuntu"/>
                 <a:sym typeface="Ubuntu"/>
               </a:rPr>
-              <a:t>Only Cell Left:</a:t>
+              <a:t>Last Cell</a:t>
             </a:r>
-          </a:p>
-          <a:p>
-            <a:pPr rtl="0" lvl="0">
-              <a:spcBef>
-                <a:spcPts val="0"/>
-              </a:spcBef>
-              <a:buNone/>
-            </a:pPr>
-            <a:r>
-              <a:t/>
-            </a:r>
-            <a:endParaRPr>
+            <a:endParaRPr lang="en" sz="2400" dirty="0">
+              <a:solidFill>
+                <a:schemeClr val="dk1"/>
+              </a:solidFill>
               <a:latin typeface="Ubuntu"/>
               <a:ea typeface="Ubuntu"/>
               <a:cs typeface="Ubuntu"/>
@@ -6511,7 +6734,21 @@
             </a:endParaRPr>
           </a:p>
           <a:p>
-            <a:pPr rtl="0" lvl="0" indent="-317500" marL="457200">
+            <a:pPr lvl="0" rtl="0">
+              <a:spcBef>
+                <a:spcPts val="0"/>
+              </a:spcBef>
+              <a:buNone/>
+            </a:pPr>
+            <a:endParaRPr dirty="0">
+              <a:latin typeface="Ubuntu"/>
+              <a:ea typeface="Ubuntu"/>
+              <a:cs typeface="Ubuntu"/>
+              <a:sym typeface="Ubuntu"/>
+            </a:endParaRPr>
+          </a:p>
+          <a:p>
+            <a:pPr marL="457200" lvl="0" indent="-317500" rtl="0">
               <a:spcBef>
                 <a:spcPts val="0"/>
               </a:spcBef>
@@ -6523,7 +6760,7 @@
               <a:buChar char="➢"/>
             </a:pPr>
             <a:r>
-              <a:rPr lang="en">
+              <a:rPr lang="en" dirty="0">
                 <a:latin typeface="Ubuntu"/>
                 <a:ea typeface="Ubuntu"/>
                 <a:cs typeface="Ubuntu"/>
@@ -6542,8 +6779,8 @@
         </p:nvSpPr>
         <p:spPr>
           <a:xfrm>
-            <a:off y="3374525" x="1132162"/>
-            <a:ext cy="457200" cx="3657600"/>
+            <a:off x="1132162" y="3374525"/>
+            <a:ext cx="3657600" cy="457200"/>
           </a:xfrm>
           <a:prstGeom prst="rect">
             <a:avLst/>
@@ -6554,12 +6791,12 @@
           </a:ln>
         </p:spPr>
         <p:txBody>
-          <a:bodyPr bIns="91425" rIns="91425" lIns="91425" tIns="91425" anchor="t" anchorCtr="0">
+          <a:bodyPr lIns="91425" tIns="91425" rIns="91425" bIns="91425" anchor="t" anchorCtr="0">
             <a:noAutofit/>
           </a:bodyPr>
           <a:lstStyle/>
           <a:p>
-            <a:pPr rtl="0" lvl="0">
+            <a:pPr lvl="0" rtl="0">
               <a:spcBef>
                 <a:spcPts val="0"/>
               </a:spcBef>
@@ -6593,8 +6830,8 @@
         </p:blipFill>
         <p:spPr>
           <a:xfrm>
-            <a:off y="1334286" x="1638737"/>
-            <a:ext cy="1963101" cx="1963125"/>
+            <a:off x="1638737" y="1334286"/>
+            <a:ext cx="1963125" cy="1963101"/>
           </a:xfrm>
           <a:prstGeom prst="rect">
             <a:avLst/>
@@ -6613,8 +6850,8 @@
         </p:nvSpPr>
         <p:spPr>
           <a:xfrm>
-            <a:off y="1408700" x="2157250"/>
-            <a:ext cy="405899" cx="435599"/>
+            <a:off x="2157250" y="1408700"/>
+            <a:ext cx="435599" cy="405899"/>
           </a:xfrm>
           <a:prstGeom prst="rect">
             <a:avLst/>
@@ -6626,12 +6863,12 @@
             </a:solidFill>
             <a:prstDash val="solid"/>
             <a:round/>
-            <a:headEnd w="med" len="med" type="none"/>
-            <a:tailEnd w="med" len="med" type="none"/>
+            <a:headEnd type="none" w="med" len="med"/>
+            <a:tailEnd type="none" w="med" len="med"/>
           </a:ln>
         </p:spPr>
         <p:txBody>
-          <a:bodyPr bIns="91425" rIns="91425" lIns="91425" tIns="91425" anchor="ctr" anchorCtr="0">
+          <a:bodyPr lIns="91425" tIns="91425" rIns="91425" bIns="91425" anchor="ctr" anchorCtr="0">
             <a:noAutofit/>
           </a:bodyPr>
           <a:lstStyle/>
@@ -6642,9 +6879,6 @@
               </a:spcBef>
               <a:buNone/>
             </a:pPr>
-            <a:r>
-              <a:t/>
-            </a:r>
             <a:endParaRPr/>
           </a:p>
         </p:txBody>
@@ -6661,20 +6895,20 @@
 </file>
 
 <file path=ppt/slides/slide18.xml><?xml version="1.0" encoding="utf-8"?>
-<p:sld xmlns:a="http://schemas.openxmlformats.org/drawingml/2006/main" xmlns:r="http://schemas.openxmlformats.org/officeDocument/2006/relationships" xmlns:mc="http://schemas.openxmlformats.org/markup-compatibility/2006" xmlns:mv="urn:schemas-microsoft-com:mac:vml" xmlns:p="http://schemas.openxmlformats.org/presentationml/2006/main" xmlns:c="http://schemas.openxmlformats.org/drawingml/2006/chart" xmlns:dgm="http://schemas.openxmlformats.org/drawingml/2006/diagram" xmlns:o="urn:schemas-microsoft-com:office:office" xmlns:v="urn:schemas-microsoft-com:vml" xmlns:pvml="urn:schemas-microsoft-com:office:powerpoint" xmlns:com="http://schemas.openxmlformats.org/drawingml/2006/compatibility" xmlns:p14="http://schemas.microsoft.com/office/powerpoint/2010/main">
+<p:sld xmlns:a="http://schemas.openxmlformats.org/drawingml/2006/main" xmlns:r="http://schemas.openxmlformats.org/officeDocument/2006/relationships" xmlns:p="http://schemas.openxmlformats.org/presentationml/2006/main">
   <p:cSld>
     <p:spTree>
       <p:nvGrpSpPr>
-        <p:cNvPr id="161" name="Shape 161"/>
+        <p:cNvPr id="1" name="Shape 161"/>
         <p:cNvGrpSpPr/>
         <p:nvPr/>
       </p:nvGrpSpPr>
       <p:grpSpPr>
         <a:xfrm>
-          <a:off y="0" x="0"/>
-          <a:ext cy="0" cx="0"/>
-          <a:chOff y="0" x="0"/>
-          <a:chExt cy="0" cx="0"/>
+          <a:off x="0" y="0"/>
+          <a:ext cx="0" cy="0"/>
+          <a:chOff x="0" y="0"/>
+          <a:chExt cx="0" cy="0"/>
         </a:xfrm>
       </p:grpSpPr>
       <p:pic>
@@ -6693,8 +6927,8 @@
         </p:blipFill>
         <p:spPr>
           <a:xfrm>
-            <a:off y="1977924" x="4938675"/>
-            <a:ext cy="993401" cx="2899450"/>
+            <a:off x="4938675" y="1977924"/>
+            <a:ext cx="2899450" cy="993401"/>
           </a:xfrm>
           <a:prstGeom prst="rect">
             <a:avLst/>
@@ -6721,8 +6955,8 @@
         </p:blipFill>
         <p:spPr>
           <a:xfrm>
-            <a:off y="716237" x="1662150"/>
-            <a:ext cy="1602624" cx="1593924"/>
+            <a:off x="1662150" y="716237"/>
+            <a:ext cx="1593924" cy="1602624"/>
           </a:xfrm>
           <a:prstGeom prst="rect">
             <a:avLst/>
@@ -6741,8 +6975,8 @@
         </p:nvSpPr>
         <p:spPr>
           <a:xfrm>
-            <a:off y="716225" x="4287912"/>
-            <a:ext cy="594300" cx="2994900"/>
+            <a:off x="4287912" y="716225"/>
+            <a:ext cx="2994900" cy="594300"/>
           </a:xfrm>
           <a:prstGeom prst="rect">
             <a:avLst/>
@@ -6753,19 +6987,19 @@
           </a:ln>
         </p:spPr>
         <p:txBody>
-          <a:bodyPr bIns="91425" rIns="91425" lIns="91425" tIns="91425" anchor="t" anchorCtr="0">
+          <a:bodyPr lIns="91425" tIns="91425" rIns="91425" bIns="91425" anchor="t" anchorCtr="0">
             <a:noAutofit/>
           </a:bodyPr>
           <a:lstStyle/>
           <a:p>
-            <a:pPr rtl="0" lvl="0">
+            <a:pPr lvl="0" rtl="0">
               <a:spcBef>
                 <a:spcPts val="0"/>
               </a:spcBef>
               <a:buNone/>
             </a:pPr>
             <a:r>
-              <a:rPr sz="3000" lang="en">
+              <a:rPr lang="en" sz="3000">
                 <a:solidFill>
                   <a:schemeClr val="dk1"/>
                 </a:solidFill>
@@ -6787,8 +7021,8 @@
         </p:nvSpPr>
         <p:spPr>
           <a:xfrm>
-            <a:off y="3291400" x="4856087"/>
-            <a:ext cy="1080300" cx="3657600"/>
+            <a:off x="4856087" y="3291400"/>
+            <a:ext cx="3657600" cy="1080300"/>
           </a:xfrm>
           <a:prstGeom prst="rect">
             <a:avLst/>
@@ -6799,12 +7033,12 @@
           </a:ln>
         </p:spPr>
         <p:txBody>
-          <a:bodyPr bIns="91425" rIns="91425" lIns="91425" tIns="91425" anchor="t" anchorCtr="0">
+          <a:bodyPr lIns="91425" tIns="91425" rIns="91425" bIns="91425" anchor="t" anchorCtr="0">
             <a:noAutofit/>
           </a:bodyPr>
           <a:lstStyle/>
           <a:p>
-            <a:pPr rtl="0" lvl="0">
+            <a:pPr lvl="0" rtl="0">
               <a:spcBef>
                 <a:spcPts val="0"/>
               </a:spcBef>
@@ -6830,8 +7064,8 @@
         </p:nvSpPr>
         <p:spPr>
           <a:xfrm>
-            <a:off y="2567912" x="630312"/>
-            <a:ext cy="1954800" cx="3657600"/>
+            <a:off x="630312" y="2567912"/>
+            <a:ext cx="3657600" cy="1954800"/>
           </a:xfrm>
           <a:prstGeom prst="rect">
             <a:avLst/>
@@ -6842,7 +7076,7 @@
           </a:ln>
         </p:spPr>
         <p:txBody>
-          <a:bodyPr bIns="91425" rIns="91425" lIns="91425" tIns="91425" anchor="t" anchorCtr="0">
+          <a:bodyPr lIns="91425" tIns="91425" rIns="91425" bIns="91425" anchor="t" anchorCtr="0">
             <a:noAutofit/>
           </a:bodyPr>
           <a:lstStyle/>
@@ -6870,9 +7104,6 @@
               </a:spcBef>
               <a:buNone/>
             </a:pPr>
-            <a:r>
-              <a:t/>
-            </a:r>
             <a:endParaRPr>
               <a:latin typeface="Ubuntu"/>
               <a:ea typeface="Ubuntu"/>
@@ -6904,9 +7135,6 @@
               </a:spcBef>
               <a:buNone/>
             </a:pPr>
-            <a:r>
-              <a:t/>
-            </a:r>
             <a:endParaRPr>
               <a:latin typeface="Ubuntu"/>
               <a:ea typeface="Ubuntu"/>
@@ -6915,7 +7143,7 @@
             </a:endParaRPr>
           </a:p>
           <a:p>
-            <a:pPr rtl="0" lvl="0">
+            <a:pPr lvl="0" rtl="0">
               <a:spcBef>
                 <a:spcPts val="0"/>
               </a:spcBef>
@@ -6945,20 +7173,20 @@
 </file>
 
 <file path=ppt/slides/slide19.xml><?xml version="1.0" encoding="utf-8"?>
-<p:sld xmlns:a="http://schemas.openxmlformats.org/drawingml/2006/main" xmlns:r="http://schemas.openxmlformats.org/officeDocument/2006/relationships" xmlns:mc="http://schemas.openxmlformats.org/markup-compatibility/2006" xmlns:mv="urn:schemas-microsoft-com:mac:vml" xmlns:p="http://schemas.openxmlformats.org/presentationml/2006/main" xmlns:c="http://schemas.openxmlformats.org/drawingml/2006/chart" xmlns:dgm="http://schemas.openxmlformats.org/drawingml/2006/diagram" xmlns:o="urn:schemas-microsoft-com:office:office" xmlns:v="urn:schemas-microsoft-com:vml" xmlns:pvml="urn:schemas-microsoft-com:office:powerpoint" xmlns:com="http://schemas.openxmlformats.org/drawingml/2006/compatibility" xmlns:p14="http://schemas.microsoft.com/office/powerpoint/2010/main">
+<p:sld xmlns:a="http://schemas.openxmlformats.org/drawingml/2006/main" xmlns:r="http://schemas.openxmlformats.org/officeDocument/2006/relationships" xmlns:p="http://schemas.openxmlformats.org/presentationml/2006/main">
   <p:cSld>
     <p:spTree>
       <p:nvGrpSpPr>
-        <p:cNvPr id="170" name="Shape 170"/>
+        <p:cNvPr id="1" name="Shape 170"/>
         <p:cNvGrpSpPr/>
         <p:nvPr/>
       </p:nvGrpSpPr>
       <p:grpSpPr>
         <a:xfrm>
-          <a:off y="0" x="0"/>
-          <a:ext cy="0" cx="0"/>
-          <a:chOff y="0" x="0"/>
-          <a:chExt cy="0" cx="0"/>
+          <a:off x="0" y="0"/>
+          <a:ext cx="0" cy="0"/>
+          <a:chOff x="0" y="0"/>
+          <a:chExt cx="0" cy="0"/>
         </a:xfrm>
       </p:grpSpPr>
       <p:sp>
@@ -6969,8 +7197,8 @@
         </p:nvSpPr>
         <p:spPr>
           <a:xfrm>
-            <a:off y="1176675" x="4430550"/>
-            <a:ext cy="3380399" cx="4330200"/>
+            <a:off x="4430550" y="1176675"/>
+            <a:ext cx="4330200" cy="3380399"/>
           </a:xfrm>
           <a:prstGeom prst="rect">
             <a:avLst/>
@@ -6981,7 +7209,7 @@
           </a:ln>
         </p:spPr>
         <p:txBody>
-          <a:bodyPr bIns="91425" rIns="91425" lIns="91425" tIns="91425" anchor="t" anchorCtr="0">
+          <a:bodyPr lIns="91425" tIns="91425" rIns="91425" bIns="91425" anchor="t" anchorCtr="0">
             <a:noAutofit/>
           </a:bodyPr>
           <a:lstStyle/>
@@ -6993,7 +7221,7 @@
               <a:buNone/>
             </a:pPr>
             <a:r>
-              <a:rPr sz="2400" lang="en">
+              <a:rPr lang="en" sz="2400">
                 <a:latin typeface="Ubuntu"/>
                 <a:ea typeface="Ubuntu"/>
                 <a:cs typeface="Ubuntu"/>
@@ -7003,7 +7231,7 @@
             </a:r>
           </a:p>
           <a:p>
-            <a:pPr algn="l" rtl="0" lvl="0" marR="0">
+            <a:pPr marR="0" lvl="0" algn="l" rtl="0">
               <a:lnSpc>
                 <a:spcPct val="100000"/>
               </a:lnSpc>
@@ -7015,9 +7243,6 @@
               </a:spcAft>
               <a:buNone/>
             </a:pPr>
-            <a:r>
-              <a:t/>
-            </a:r>
             <a:endParaRPr>
               <a:latin typeface="Ubuntu"/>
               <a:ea typeface="Ubuntu"/>
@@ -7026,7 +7251,7 @@
             </a:endParaRPr>
           </a:p>
           <a:p>
-            <a:pPr rtl="0" lvl="0" indent="-317500" marL="457200">
+            <a:pPr marL="457200" lvl="0" indent="-317500" rtl="0">
               <a:spcBef>
                 <a:spcPts val="0"/>
               </a:spcBef>
@@ -7051,7 +7276,7 @@
             </a:r>
           </a:p>
           <a:p>
-            <a:pPr rtl="0" lvl="1" indent="-317500" marL="914400">
+            <a:pPr marL="914400" lvl="1" indent="-317500" rtl="0">
               <a:spcBef>
                 <a:spcPts val="0"/>
               </a:spcBef>
@@ -7076,15 +7301,12 @@
             </a:r>
           </a:p>
           <a:p>
-            <a:pPr rtl="0" lvl="0" indent="0" marL="457200">
-              <a:spcBef>
-                <a:spcPts val="0"/>
-              </a:spcBef>
-              <a:buNone/>
-            </a:pPr>
-            <a:r>
-              <a:t/>
-            </a:r>
+            <a:pPr marL="457200" lvl="0" indent="0" rtl="0">
+              <a:spcBef>
+                <a:spcPts val="0"/>
+              </a:spcBef>
+              <a:buNone/>
+            </a:pPr>
             <a:endParaRPr>
               <a:solidFill>
                 <a:schemeClr val="dk1"/>
@@ -7096,7 +7318,7 @@
             </a:endParaRPr>
           </a:p>
           <a:p>
-            <a:pPr rtl="0" lvl="0" indent="-317500" marL="457200">
+            <a:pPr marL="457200" lvl="0" indent="-317500" rtl="0">
               <a:spcBef>
                 <a:spcPts val="0"/>
               </a:spcBef>
@@ -7121,7 +7343,7 @@
             </a:r>
           </a:p>
           <a:p>
-            <a:pPr rtl="0" lvl="1" indent="-317500" marL="914400">
+            <a:pPr marL="914400" lvl="1" indent="-317500" rtl="0">
               <a:spcBef>
                 <a:spcPts val="0"/>
               </a:spcBef>
@@ -7163,8 +7385,8 @@
         </p:blipFill>
         <p:spPr>
           <a:xfrm>
-            <a:off y="951725" x="877550"/>
-            <a:ext cy="3240049" cx="3224550"/>
+            <a:off x="877550" y="951725"/>
+            <a:ext cx="3224550" cy="3240049"/>
           </a:xfrm>
           <a:prstGeom prst="rect">
             <a:avLst/>
@@ -7187,41 +7409,43 @@
 </file>
 
 <file path=ppt/slides/slide2.xml><?xml version="1.0" encoding="utf-8"?>
-<p:sld xmlns:a="http://schemas.openxmlformats.org/drawingml/2006/main" xmlns:r="http://schemas.openxmlformats.org/officeDocument/2006/relationships" xmlns:mc="http://schemas.openxmlformats.org/markup-compatibility/2006" xmlns:mv="urn:schemas-microsoft-com:mac:vml" xmlns:p="http://schemas.openxmlformats.org/presentationml/2006/main" xmlns:c="http://schemas.openxmlformats.org/drawingml/2006/chart" xmlns:dgm="http://schemas.openxmlformats.org/drawingml/2006/diagram" xmlns:o="urn:schemas-microsoft-com:office:office" xmlns:v="urn:schemas-microsoft-com:vml" xmlns:pvml="urn:schemas-microsoft-com:office:powerpoint" xmlns:com="http://schemas.openxmlformats.org/drawingml/2006/compatibility" xmlns:p14="http://schemas.microsoft.com/office/powerpoint/2010/main">
+<p:sld xmlns:a="http://schemas.openxmlformats.org/drawingml/2006/main" xmlns:r="http://schemas.openxmlformats.org/officeDocument/2006/relationships" xmlns:p="http://schemas.openxmlformats.org/presentationml/2006/main">
   <p:cSld>
     <p:spTree>
       <p:nvGrpSpPr>
-        <p:cNvPr id="28" name="Shape 28"/>
+        <p:cNvPr id="1" name="Shape 28"/>
         <p:cNvGrpSpPr/>
         <p:nvPr/>
       </p:nvGrpSpPr>
       <p:grpSpPr>
         <a:xfrm>
-          <a:off y="0" x="0"/>
-          <a:ext cy="0" cx="0"/>
-          <a:chOff y="0" x="0"/>
-          <a:chExt cy="0" cx="0"/>
+          <a:off x="0" y="0"/>
+          <a:ext cx="0" cy="0"/>
+          <a:chOff x="0" y="0"/>
+          <a:chExt cx="0" cy="0"/>
         </a:xfrm>
       </p:grpSpPr>
       <p:sp>
         <p:nvSpPr>
           <p:cNvPr id="29" name="Shape 29"/>
-          <p:cNvSpPr txBox="1"/>
+          <p:cNvSpPr txBox="1">
+            <a:spLocks noGrp="1"/>
+          </p:cNvSpPr>
           <p:nvPr>
             <p:ph type="ctrTitle"/>
           </p:nvPr>
         </p:nvSpPr>
         <p:spPr>
           <a:xfrm>
-            <a:off y="1583342" x="685800"/>
-            <a:ext cy="1159799" cx="7772400"/>
+            <a:off x="685800" y="1583342"/>
+            <a:ext cx="7772400" cy="1159799"/>
           </a:xfrm>
           <a:prstGeom prst="rect">
             <a:avLst/>
           </a:prstGeom>
         </p:spPr>
         <p:txBody>
-          <a:bodyPr bIns="91425" rIns="91425" lIns="91425" tIns="91425" anchor="b" anchorCtr="0">
+          <a:bodyPr lIns="91425" tIns="91425" rIns="91425" bIns="91425" anchor="b" anchorCtr="0">
             <a:noAutofit/>
           </a:bodyPr>
           <a:lstStyle/>
@@ -7233,7 +7457,7 @@
               <a:buNone/>
             </a:pPr>
             <a:r>
-              <a:rPr b="0" lang="en">
+              <a:rPr lang="en" b="0">
                 <a:latin typeface="Ubuntu"/>
                 <a:ea typeface="Ubuntu"/>
                 <a:cs typeface="Ubuntu"/>
@@ -7256,20 +7480,20 @@
 </file>
 
 <file path=ppt/slides/slide20.xml><?xml version="1.0" encoding="utf-8"?>
-<p:sld xmlns:a="http://schemas.openxmlformats.org/drawingml/2006/main" xmlns:r="http://schemas.openxmlformats.org/officeDocument/2006/relationships" xmlns:mc="http://schemas.openxmlformats.org/markup-compatibility/2006" xmlns:mv="urn:schemas-microsoft-com:mac:vml" xmlns:p="http://schemas.openxmlformats.org/presentationml/2006/main" xmlns:c="http://schemas.openxmlformats.org/drawingml/2006/chart" xmlns:dgm="http://schemas.openxmlformats.org/drawingml/2006/diagram" xmlns:o="urn:schemas-microsoft-com:office:office" xmlns:v="urn:schemas-microsoft-com:vml" xmlns:pvml="urn:schemas-microsoft-com:office:powerpoint" xmlns:com="http://schemas.openxmlformats.org/drawingml/2006/compatibility" xmlns:p14="http://schemas.microsoft.com/office/powerpoint/2010/main">
+<p:sld xmlns:a="http://schemas.openxmlformats.org/drawingml/2006/main" xmlns:r="http://schemas.openxmlformats.org/officeDocument/2006/relationships" xmlns:p="http://schemas.openxmlformats.org/presentationml/2006/main">
   <p:cSld>
     <p:spTree>
       <p:nvGrpSpPr>
-        <p:cNvPr id="176" name="Shape 176"/>
+        <p:cNvPr id="1" name="Shape 176"/>
         <p:cNvGrpSpPr/>
         <p:nvPr/>
       </p:nvGrpSpPr>
       <p:grpSpPr>
         <a:xfrm>
-          <a:off y="0" x="0"/>
-          <a:ext cy="0" cx="0"/>
-          <a:chOff y="0" x="0"/>
-          <a:chExt cy="0" cx="0"/>
+          <a:off x="0" y="0"/>
+          <a:ext cx="0" cy="0"/>
+          <a:chOff x="0" y="0"/>
+          <a:chExt cx="0" cy="0"/>
         </a:xfrm>
       </p:grpSpPr>
       <p:sp>
@@ -7280,8 +7504,8 @@
         </p:nvSpPr>
         <p:spPr>
           <a:xfrm>
-            <a:off y="1525200" x="3329650"/>
-            <a:ext cy="2093100" cx="4258199"/>
+            <a:off x="3329650" y="1525200"/>
+            <a:ext cx="4258199" cy="2093100"/>
           </a:xfrm>
           <a:prstGeom prst="rect">
             <a:avLst/>
@@ -7292,19 +7516,19 @@
           </a:ln>
         </p:spPr>
         <p:txBody>
-          <a:bodyPr bIns="91425" rIns="91425" lIns="91425" tIns="91425" anchor="t" anchorCtr="0">
+          <a:bodyPr lIns="91425" tIns="91425" rIns="91425" bIns="91425" anchor="t" anchorCtr="0">
             <a:noAutofit/>
           </a:bodyPr>
           <a:lstStyle/>
           <a:p>
-            <a:pPr rtl="0" lvl="0">
+            <a:pPr lvl="0" rtl="0">
               <a:spcBef>
                 <a:spcPts val="0"/>
               </a:spcBef>
               <a:buNone/>
             </a:pPr>
             <a:r>
-              <a:rPr sz="2400" lang="en">
+              <a:rPr lang="en" sz="2400">
                 <a:latin typeface="Ubuntu"/>
                 <a:ea typeface="Ubuntu"/>
                 <a:cs typeface="Ubuntu"/>
@@ -7314,7 +7538,7 @@
             </a:r>
           </a:p>
           <a:p>
-            <a:pPr algn="l" rtl="0" lvl="0" marR="0">
+            <a:pPr marR="0" lvl="0" algn="l" rtl="0">
               <a:lnSpc>
                 <a:spcPct val="100000"/>
               </a:lnSpc>
@@ -7326,9 +7550,6 @@
               </a:spcAft>
               <a:buNone/>
             </a:pPr>
-            <a:r>
-              <a:t/>
-            </a:r>
             <a:endParaRPr>
               <a:latin typeface="Ubuntu"/>
               <a:ea typeface="Ubuntu"/>
@@ -7337,7 +7558,7 @@
             </a:endParaRPr>
           </a:p>
           <a:p>
-            <a:pPr algn="l" rtl="0" lvl="0" marR="0" indent="-317500" marL="457200">
+            <a:pPr marL="457200" marR="0" lvl="0" indent="-317500" algn="l" rtl="0">
               <a:lnSpc>
                 <a:spcPct val="100000"/>
               </a:lnSpc>
@@ -7365,7 +7586,7 @@
             </a:r>
           </a:p>
           <a:p>
-            <a:pPr algn="l" rtl="0" marR="0">
+            <a:pPr marR="0" algn="l" rtl="0">
               <a:lnSpc>
                 <a:spcPct val="100000"/>
               </a:lnSpc>
@@ -7388,7 +7609,7 @@
             </a:r>
           </a:p>
           <a:p>
-            <a:pPr algn="l" rtl="0" lvl="0" marR="0" indent="0" marL="457200">
+            <a:pPr marL="457200" marR="0" lvl="0" indent="0" algn="l" rtl="0">
               <a:lnSpc>
                 <a:spcPct val="100000"/>
               </a:lnSpc>
@@ -7411,7 +7632,7 @@
             </a:r>
           </a:p>
           <a:p>
-            <a:pPr algn="l" rtl="0" lvl="0" marR="0" indent="0" marL="457200">
+            <a:pPr marL="457200" marR="0" lvl="0" indent="0" algn="l" rtl="0">
               <a:lnSpc>
                 <a:spcPct val="100000"/>
               </a:lnSpc>
@@ -7451,8 +7672,8 @@
         </p:blipFill>
         <p:spPr>
           <a:xfrm>
-            <a:off y="1838325" x="1671712"/>
-            <a:ext cy="1466850" cx="1000125"/>
+            <a:off x="1671712" y="1838325"/>
+            <a:ext cx="1000125" cy="1466850"/>
           </a:xfrm>
           <a:prstGeom prst="rect">
             <a:avLst/>
@@ -7471,8 +7692,8 @@
         </p:nvSpPr>
         <p:spPr>
           <a:xfrm>
-            <a:off y="2833150" x="1730112"/>
-            <a:ext cy="421499" cx="463799"/>
+            <a:off x="1730112" y="2833150"/>
+            <a:ext cx="463799" cy="421499"/>
           </a:xfrm>
           <a:prstGeom prst="rect">
             <a:avLst/>
@@ -7485,7 +7706,7 @@
           </a:ln>
         </p:spPr>
         <p:txBody>
-          <a:bodyPr bIns="91425" rIns="91425" lIns="91425" tIns="91425" anchor="ctr" anchorCtr="0">
+          <a:bodyPr lIns="91425" tIns="91425" rIns="91425" bIns="91425" anchor="ctr" anchorCtr="0">
             <a:noAutofit/>
           </a:bodyPr>
           <a:lstStyle/>
@@ -7496,9 +7717,6 @@
               </a:spcBef>
               <a:buNone/>
             </a:pPr>
-            <a:r>
-              <a:t/>
-            </a:r>
             <a:endParaRPr/>
           </a:p>
         </p:txBody>
@@ -7515,20 +7733,20 @@
 </file>
 
 <file path=ppt/slides/slide21.xml><?xml version="1.0" encoding="utf-8"?>
-<p:sld xmlns:a="http://schemas.openxmlformats.org/drawingml/2006/main" xmlns:r="http://schemas.openxmlformats.org/officeDocument/2006/relationships" xmlns:mc="http://schemas.openxmlformats.org/markup-compatibility/2006" xmlns:mv="urn:schemas-microsoft-com:mac:vml" xmlns:p="http://schemas.openxmlformats.org/presentationml/2006/main" xmlns:c="http://schemas.openxmlformats.org/drawingml/2006/chart" xmlns:dgm="http://schemas.openxmlformats.org/drawingml/2006/diagram" xmlns:o="urn:schemas-microsoft-com:office:office" xmlns:v="urn:schemas-microsoft-com:vml" xmlns:pvml="urn:schemas-microsoft-com:office:powerpoint" xmlns:com="http://schemas.openxmlformats.org/drawingml/2006/compatibility" xmlns:p14="http://schemas.microsoft.com/office/powerpoint/2010/main">
+<p:sld xmlns:a="http://schemas.openxmlformats.org/drawingml/2006/main" xmlns:r="http://schemas.openxmlformats.org/officeDocument/2006/relationships" xmlns:p="http://schemas.openxmlformats.org/presentationml/2006/main">
   <p:cSld>
     <p:spTree>
       <p:nvGrpSpPr>
-        <p:cNvPr id="183" name="Shape 183"/>
+        <p:cNvPr id="1" name="Shape 183"/>
         <p:cNvGrpSpPr/>
         <p:nvPr/>
       </p:nvGrpSpPr>
       <p:grpSpPr>
         <a:xfrm>
-          <a:off y="0" x="0"/>
-          <a:ext cy="0" cx="0"/>
-          <a:chOff y="0" x="0"/>
-          <a:chExt cy="0" cx="0"/>
+          <a:off x="0" y="0"/>
+          <a:ext cx="0" cy="0"/>
+          <a:chOff x="0" y="0"/>
+          <a:chExt cx="0" cy="0"/>
         </a:xfrm>
       </p:grpSpPr>
       <p:sp>
@@ -7539,8 +7757,8 @@
         </p:nvSpPr>
         <p:spPr>
           <a:xfrm>
-            <a:off y="2926925" x="3814650"/>
-            <a:ext cy="457200" cx="1514699"/>
+            <a:off x="3814650" y="2926925"/>
+            <a:ext cx="1514699" cy="457200"/>
           </a:xfrm>
           <a:prstGeom prst="rect">
             <a:avLst/>
@@ -7551,7 +7769,7 @@
           </a:ln>
         </p:spPr>
         <p:txBody>
-          <a:bodyPr bIns="91425" rIns="91425" lIns="91425" tIns="91425" anchor="t" anchorCtr="0">
+          <a:bodyPr lIns="91425" tIns="91425" rIns="91425" bIns="91425" anchor="t" anchorCtr="0">
             <a:noAutofit/>
           </a:bodyPr>
           <a:lstStyle/>
@@ -7563,7 +7781,7 @@
               <a:buNone/>
             </a:pPr>
             <a:r>
-              <a:rPr sz="1800" lang="en">
+              <a:rPr lang="en" sz="1800">
                 <a:latin typeface="Ubuntu"/>
                 <a:ea typeface="Ubuntu"/>
                 <a:cs typeface="Ubuntu"/>
@@ -7586,20 +7804,20 @@
 </file>
 
 <file path=ppt/slides/slide3.xml><?xml version="1.0" encoding="utf-8"?>
-<p:sld xmlns:a="http://schemas.openxmlformats.org/drawingml/2006/main" xmlns:r="http://schemas.openxmlformats.org/officeDocument/2006/relationships" xmlns:mc="http://schemas.openxmlformats.org/markup-compatibility/2006" xmlns:mv="urn:schemas-microsoft-com:mac:vml" xmlns:p="http://schemas.openxmlformats.org/presentationml/2006/main" xmlns:c="http://schemas.openxmlformats.org/drawingml/2006/chart" xmlns:dgm="http://schemas.openxmlformats.org/drawingml/2006/diagram" xmlns:o="urn:schemas-microsoft-com:office:office" xmlns:v="urn:schemas-microsoft-com:vml" xmlns:pvml="urn:schemas-microsoft-com:office:powerpoint" xmlns:com="http://schemas.openxmlformats.org/drawingml/2006/compatibility" xmlns:p14="http://schemas.microsoft.com/office/powerpoint/2010/main">
+<p:sld xmlns:a="http://schemas.openxmlformats.org/drawingml/2006/main" xmlns:r="http://schemas.openxmlformats.org/officeDocument/2006/relationships" xmlns:p="http://schemas.openxmlformats.org/presentationml/2006/main">
   <p:cSld>
     <p:spTree>
       <p:nvGrpSpPr>
-        <p:cNvPr id="33" name="Shape 33"/>
+        <p:cNvPr id="1" name="Shape 33"/>
         <p:cNvGrpSpPr/>
         <p:nvPr/>
       </p:nvGrpSpPr>
       <p:grpSpPr>
         <a:xfrm>
-          <a:off y="0" x="0"/>
-          <a:ext cy="0" cx="0"/>
-          <a:chOff y="0" x="0"/>
-          <a:chExt cy="0" cx="0"/>
+          <a:off x="0" y="0"/>
+          <a:ext cx="0" cy="0"/>
+          <a:chOff x="0" y="0"/>
+          <a:chExt cx="0" cy="0"/>
         </a:xfrm>
       </p:grpSpPr>
       <p:pic>
@@ -7618,8 +7836,8 @@
         </p:blipFill>
         <p:spPr>
           <a:xfrm>
-            <a:off y="464724" x="2482588"/>
-            <a:ext cy="4214050" cx="4178824"/>
+            <a:off x="2482588" y="464724"/>
+            <a:ext cx="4178824" cy="4214050"/>
           </a:xfrm>
           <a:prstGeom prst="rect">
             <a:avLst/>
@@ -7642,20 +7860,20 @@
 </file>
 
 <file path=ppt/slides/slide4.xml><?xml version="1.0" encoding="utf-8"?>
-<p:sld xmlns:a="http://schemas.openxmlformats.org/drawingml/2006/main" xmlns:r="http://schemas.openxmlformats.org/officeDocument/2006/relationships" xmlns:mc="http://schemas.openxmlformats.org/markup-compatibility/2006" xmlns:mv="urn:schemas-microsoft-com:mac:vml" xmlns:p="http://schemas.openxmlformats.org/presentationml/2006/main" xmlns:c="http://schemas.openxmlformats.org/drawingml/2006/chart" xmlns:dgm="http://schemas.openxmlformats.org/drawingml/2006/diagram" xmlns:o="urn:schemas-microsoft-com:office:office" xmlns:v="urn:schemas-microsoft-com:vml" xmlns:pvml="urn:schemas-microsoft-com:office:powerpoint" xmlns:com="http://schemas.openxmlformats.org/drawingml/2006/compatibility" xmlns:p14="http://schemas.microsoft.com/office/powerpoint/2010/main">
+<p:sld xmlns:a="http://schemas.openxmlformats.org/drawingml/2006/main" xmlns:r="http://schemas.openxmlformats.org/officeDocument/2006/relationships" xmlns:p="http://schemas.openxmlformats.org/presentationml/2006/main">
   <p:cSld>
     <p:spTree>
       <p:nvGrpSpPr>
-        <p:cNvPr id="38" name="Shape 38"/>
+        <p:cNvPr id="1" name="Shape 38"/>
         <p:cNvGrpSpPr/>
         <p:nvPr/>
       </p:nvGrpSpPr>
       <p:grpSpPr>
         <a:xfrm>
-          <a:off y="0" x="0"/>
-          <a:ext cy="0" cx="0"/>
-          <a:chOff y="0" x="0"/>
-          <a:chExt cy="0" cx="0"/>
+          <a:off x="0" y="0"/>
+          <a:ext cx="0" cy="0"/>
+          <a:chOff x="0" y="0"/>
+          <a:chExt cx="0" cy="0"/>
         </a:xfrm>
       </p:grpSpPr>
       <p:sp>
@@ -7666,8 +7884,8 @@
         </p:nvSpPr>
         <p:spPr>
           <a:xfrm>
-            <a:off y="1424999" x="5357150"/>
-            <a:ext cy="2293500" cx="2969699"/>
+            <a:off x="5357150" y="1424999"/>
+            <a:ext cx="2969699" cy="2293500"/>
           </a:xfrm>
           <a:prstGeom prst="rect">
             <a:avLst/>
@@ -7678,7 +7896,7 @@
           </a:ln>
         </p:spPr>
         <p:txBody>
-          <a:bodyPr bIns="91425" rIns="91425" lIns="91425" tIns="91425" anchor="t" anchorCtr="0">
+          <a:bodyPr lIns="91425" tIns="91425" rIns="91425" bIns="91425" anchor="t" anchorCtr="0">
             <a:noAutofit/>
           </a:bodyPr>
           <a:lstStyle/>
@@ -7690,7 +7908,7 @@
               <a:buNone/>
             </a:pPr>
             <a:r>
-              <a:rPr sz="2400" lang="en">
+              <a:rPr lang="en" sz="2400">
                 <a:latin typeface="Ubuntu"/>
                 <a:ea typeface="Ubuntu"/>
                 <a:cs typeface="Ubuntu"/>
@@ -7700,15 +7918,12 @@
             </a:r>
           </a:p>
           <a:p>
-            <a:pPr rtl="0" lvl="0">
-              <a:spcBef>
-                <a:spcPts val="0"/>
-              </a:spcBef>
-              <a:buNone/>
-            </a:pPr>
-            <a:r>
-              <a:t/>
-            </a:r>
+            <a:pPr lvl="0" rtl="0">
+              <a:spcBef>
+                <a:spcPts val="0"/>
+              </a:spcBef>
+              <a:buNone/>
+            </a:pPr>
             <a:endParaRPr>
               <a:latin typeface="Ubuntu"/>
               <a:ea typeface="Ubuntu"/>
@@ -7717,7 +7932,7 @@
             </a:endParaRPr>
           </a:p>
           <a:p>
-            <a:pPr rtl="0" lvl="0" indent="-317500" marL="457200">
+            <a:pPr marL="457200" lvl="0" indent="-317500" rtl="0">
               <a:spcBef>
                 <a:spcPts val="0"/>
               </a:spcBef>
@@ -7739,15 +7954,12 @@
             </a:r>
           </a:p>
           <a:p>
-            <a:pPr rtl="0" lvl="0">
-              <a:spcBef>
-                <a:spcPts val="0"/>
-              </a:spcBef>
-              <a:buNone/>
-            </a:pPr>
-            <a:r>
-              <a:t/>
-            </a:r>
+            <a:pPr lvl="0" rtl="0">
+              <a:spcBef>
+                <a:spcPts val="0"/>
+              </a:spcBef>
+              <a:buNone/>
+            </a:pPr>
             <a:endParaRPr>
               <a:latin typeface="Ubuntu"/>
               <a:ea typeface="Ubuntu"/>
@@ -7756,7 +7968,7 @@
             </a:endParaRPr>
           </a:p>
           <a:p>
-            <a:pPr rtl="0" lvl="0" indent="-317500" marL="457200">
+            <a:pPr marL="457200" lvl="0" indent="-317500" rtl="0">
               <a:spcBef>
                 <a:spcPts val="0"/>
               </a:spcBef>
@@ -7778,15 +7990,12 @@
             </a:r>
           </a:p>
           <a:p>
-            <a:pPr rtl="0" lvl="0" indent="0" marL="0">
-              <a:spcBef>
-                <a:spcPts val="0"/>
-              </a:spcBef>
-              <a:buNone/>
-            </a:pPr>
-            <a:r>
-              <a:t/>
-            </a:r>
+            <a:pPr marL="0" lvl="0" indent="0" rtl="0">
+              <a:spcBef>
+                <a:spcPts val="0"/>
+              </a:spcBef>
+              <a:buNone/>
+            </a:pPr>
             <a:endParaRPr>
               <a:latin typeface="Ubuntu"/>
               <a:ea typeface="Ubuntu"/>
@@ -7812,8 +8021,8 @@
         </p:blipFill>
         <p:spPr>
           <a:xfrm>
-            <a:off y="776962" x="1253872"/>
-            <a:ext cy="3589575" cx="3583474"/>
+            <a:off x="1253872" y="776962"/>
+            <a:ext cx="3583474" cy="3589575"/>
           </a:xfrm>
           <a:prstGeom prst="rect">
             <a:avLst/>
@@ -7836,20 +8045,20 @@
 </file>
 
 <file path=ppt/slides/slide5.xml><?xml version="1.0" encoding="utf-8"?>
-<p:sld xmlns:a="http://schemas.openxmlformats.org/drawingml/2006/main" xmlns:r="http://schemas.openxmlformats.org/officeDocument/2006/relationships" xmlns:mc="http://schemas.openxmlformats.org/markup-compatibility/2006" xmlns:mv="urn:schemas-microsoft-com:mac:vml" xmlns:p="http://schemas.openxmlformats.org/presentationml/2006/main" xmlns:c="http://schemas.openxmlformats.org/drawingml/2006/chart" xmlns:dgm="http://schemas.openxmlformats.org/drawingml/2006/diagram" xmlns:o="urn:schemas-microsoft-com:office:office" xmlns:v="urn:schemas-microsoft-com:vml" xmlns:pvml="urn:schemas-microsoft-com:office:powerpoint" xmlns:com="http://schemas.openxmlformats.org/drawingml/2006/compatibility" xmlns:p14="http://schemas.microsoft.com/office/powerpoint/2010/main">
+<p:sld xmlns:a="http://schemas.openxmlformats.org/drawingml/2006/main" xmlns:r="http://schemas.openxmlformats.org/officeDocument/2006/relationships" xmlns:p="http://schemas.openxmlformats.org/presentationml/2006/main">
   <p:cSld>
     <p:spTree>
       <p:nvGrpSpPr>
-        <p:cNvPr id="44" name="Shape 44"/>
+        <p:cNvPr id="1" name="Shape 44"/>
         <p:cNvGrpSpPr/>
         <p:nvPr/>
       </p:nvGrpSpPr>
       <p:grpSpPr>
         <a:xfrm>
-          <a:off y="0" x="0"/>
-          <a:ext cy="0" cx="0"/>
-          <a:chOff y="0" x="0"/>
-          <a:chExt cy="0" cx="0"/>
+          <a:off x="0" y="0"/>
+          <a:ext cx="0" cy="0"/>
+          <a:chOff x="0" y="0"/>
+          <a:chExt cx="0" cy="0"/>
         </a:xfrm>
       </p:grpSpPr>
       <p:sp>
@@ -7860,8 +8069,8 @@
         </p:nvSpPr>
         <p:spPr>
           <a:xfrm>
-            <a:off y="927597" x="5407775"/>
-            <a:ext cy="3288299" cx="2969699"/>
+            <a:off x="5407775" y="927597"/>
+            <a:ext cx="2969699" cy="3288299"/>
           </a:xfrm>
           <a:prstGeom prst="rect">
             <a:avLst/>
@@ -7872,19 +8081,19 @@
           </a:ln>
         </p:spPr>
         <p:txBody>
-          <a:bodyPr bIns="91425" rIns="91425" lIns="91425" tIns="91425" anchor="t" anchorCtr="0">
+          <a:bodyPr lIns="91425" tIns="91425" rIns="91425" bIns="91425" anchor="t" anchorCtr="0">
             <a:noAutofit/>
           </a:bodyPr>
           <a:lstStyle/>
           <a:p>
-            <a:pPr rtl="0" lvl="0">
+            <a:pPr lvl="0" rtl="0">
               <a:spcBef>
                 <a:spcPts val="0"/>
               </a:spcBef>
               <a:buNone/>
             </a:pPr>
             <a:r>
-              <a:rPr sz="2400" lang="en">
+              <a:rPr lang="en" sz="2400">
                 <a:latin typeface="Ubuntu"/>
                 <a:ea typeface="Ubuntu"/>
                 <a:cs typeface="Ubuntu"/>
@@ -7894,15 +8103,12 @@
             </a:r>
           </a:p>
           <a:p>
-            <a:pPr rtl="0" lvl="0">
-              <a:spcBef>
-                <a:spcPts val="0"/>
-              </a:spcBef>
-              <a:buNone/>
-            </a:pPr>
-            <a:r>
-              <a:t/>
-            </a:r>
+            <a:pPr lvl="0" rtl="0">
+              <a:spcBef>
+                <a:spcPts val="0"/>
+              </a:spcBef>
+              <a:buNone/>
+            </a:pPr>
             <a:endParaRPr>
               <a:latin typeface="Ubuntu"/>
               <a:ea typeface="Ubuntu"/>
@@ -7911,7 +8117,7 @@
             </a:endParaRPr>
           </a:p>
           <a:p>
-            <a:pPr rtl="0" lvl="0" indent="0" marL="0">
+            <a:pPr marL="0" lvl="0" indent="0" rtl="0">
               <a:spcBef>
                 <a:spcPts val="0"/>
               </a:spcBef>
@@ -7928,7 +8134,7 @@
             </a:r>
           </a:p>
           <a:p>
-            <a:pPr rtl="0" lvl="0" indent="0" marL="457200">
+            <a:pPr marL="457200" lvl="0" indent="0" rtl="0">
               <a:spcBef>
                 <a:spcPts val="0"/>
               </a:spcBef>
@@ -7945,15 +8151,12 @@
             </a:r>
           </a:p>
           <a:p>
-            <a:pPr rtl="0" lvl="0">
-              <a:spcBef>
-                <a:spcPts val="0"/>
-              </a:spcBef>
-              <a:buNone/>
-            </a:pPr>
-            <a:r>
-              <a:t/>
-            </a:r>
+            <a:pPr lvl="0" rtl="0">
+              <a:spcBef>
+                <a:spcPts val="0"/>
+              </a:spcBef>
+              <a:buNone/>
+            </a:pPr>
             <a:endParaRPr>
               <a:latin typeface="Ubuntu"/>
               <a:ea typeface="Ubuntu"/>
@@ -7962,7 +8165,7 @@
             </a:endParaRPr>
           </a:p>
           <a:p>
-            <a:pPr rtl="0" lvl="0">
+            <a:pPr lvl="0" rtl="0">
               <a:spcBef>
                 <a:spcPts val="0"/>
               </a:spcBef>
@@ -7982,7 +8185,7 @@
             </a:r>
           </a:p>
           <a:p>
-            <a:pPr rtl="0" lvl="0" indent="0" marL="457200">
+            <a:pPr marL="457200" lvl="0" indent="0" rtl="0">
               <a:spcBef>
                 <a:spcPts val="0"/>
               </a:spcBef>
@@ -8019,8 +8222,8 @@
         </p:blipFill>
         <p:spPr>
           <a:xfrm>
-            <a:off y="563175" x="964000"/>
-            <a:ext cy="3631175" cx="3625025"/>
+            <a:off x="964000" y="563175"/>
+            <a:ext cx="3625025" cy="3631175"/>
           </a:xfrm>
           <a:prstGeom prst="rect">
             <a:avLst/>
@@ -8047,8 +8250,8 @@
         </p:blipFill>
         <p:spPr>
           <a:xfrm>
-            <a:off y="2465000" x="3427575"/>
-            <a:ext cy="2115324" cx="1600974"/>
+            <a:off x="3427575" y="2465000"/>
+            <a:ext cx="1600974" cy="2115324"/>
           </a:xfrm>
           <a:prstGeom prst="rect">
             <a:avLst/>
@@ -8071,41 +8274,43 @@
 </file>
 
 <file path=ppt/slides/slide6.xml><?xml version="1.0" encoding="utf-8"?>
-<p:sld xmlns:a="http://schemas.openxmlformats.org/drawingml/2006/main" xmlns:r="http://schemas.openxmlformats.org/officeDocument/2006/relationships" xmlns:mc="http://schemas.openxmlformats.org/markup-compatibility/2006" xmlns:mv="urn:schemas-microsoft-com:mac:vml" xmlns:p="http://schemas.openxmlformats.org/presentationml/2006/main" xmlns:c="http://schemas.openxmlformats.org/drawingml/2006/chart" xmlns:dgm="http://schemas.openxmlformats.org/drawingml/2006/diagram" xmlns:o="urn:schemas-microsoft-com:office:office" xmlns:v="urn:schemas-microsoft-com:vml" xmlns:pvml="urn:schemas-microsoft-com:office:powerpoint" xmlns:com="http://schemas.openxmlformats.org/drawingml/2006/compatibility" xmlns:p14="http://schemas.microsoft.com/office/powerpoint/2010/main">
+<p:sld xmlns:a="http://schemas.openxmlformats.org/drawingml/2006/main" xmlns:r="http://schemas.openxmlformats.org/officeDocument/2006/relationships" xmlns:p="http://schemas.openxmlformats.org/presentationml/2006/main">
   <p:cSld>
     <p:spTree>
       <p:nvGrpSpPr>
-        <p:cNvPr id="51" name="Shape 51"/>
+        <p:cNvPr id="1" name="Shape 51"/>
         <p:cNvGrpSpPr/>
         <p:nvPr/>
       </p:nvGrpSpPr>
       <p:grpSpPr>
         <a:xfrm>
-          <a:off y="0" x="0"/>
-          <a:ext cy="0" cx="0"/>
-          <a:chOff y="0" x="0"/>
-          <a:chExt cy="0" cx="0"/>
+          <a:off x="0" y="0"/>
+          <a:ext cx="0" cy="0"/>
+          <a:chOff x="0" y="0"/>
+          <a:chExt cx="0" cy="0"/>
         </a:xfrm>
       </p:grpSpPr>
       <p:sp>
         <p:nvSpPr>
           <p:cNvPr id="52" name="Shape 52"/>
-          <p:cNvSpPr txBox="1"/>
+          <p:cNvSpPr txBox="1">
+            <a:spLocks noGrp="1"/>
+          </p:cNvSpPr>
           <p:nvPr>
             <p:ph type="ctrTitle"/>
           </p:nvPr>
         </p:nvSpPr>
         <p:spPr>
           <a:xfrm>
-            <a:off y="1583342" x="685800"/>
-            <a:ext cy="1159799" cx="7772400"/>
+            <a:off x="685800" y="1583342"/>
+            <a:ext cx="7772400" cy="1159799"/>
           </a:xfrm>
           <a:prstGeom prst="rect">
             <a:avLst/>
           </a:prstGeom>
         </p:spPr>
         <p:txBody>
-          <a:bodyPr bIns="91425" rIns="91425" lIns="91425" tIns="91425" anchor="b" anchorCtr="0">
+          <a:bodyPr lIns="91425" tIns="91425" rIns="91425" bIns="91425" anchor="b" anchorCtr="0">
             <a:noAutofit/>
           </a:bodyPr>
           <a:lstStyle/>
@@ -8117,7 +8322,7 @@
               <a:buNone/>
             </a:pPr>
             <a:r>
-              <a:rPr b="0" lang="en">
+              <a:rPr lang="en" b="0">
                 <a:latin typeface="Ubuntu"/>
                 <a:ea typeface="Ubuntu"/>
                 <a:cs typeface="Ubuntu"/>
@@ -8140,41 +8345,43 @@
 </file>
 
 <file path=ppt/slides/slide7.xml><?xml version="1.0" encoding="utf-8"?>
-<p:sld xmlns:a="http://schemas.openxmlformats.org/drawingml/2006/main" xmlns:r="http://schemas.openxmlformats.org/officeDocument/2006/relationships" xmlns:mc="http://schemas.openxmlformats.org/markup-compatibility/2006" xmlns:mv="urn:schemas-microsoft-com:mac:vml" xmlns:p="http://schemas.openxmlformats.org/presentationml/2006/main" xmlns:c="http://schemas.openxmlformats.org/drawingml/2006/chart" xmlns:dgm="http://schemas.openxmlformats.org/drawingml/2006/diagram" xmlns:o="urn:schemas-microsoft-com:office:office" xmlns:v="urn:schemas-microsoft-com:vml" xmlns:pvml="urn:schemas-microsoft-com:office:powerpoint" xmlns:com="http://schemas.openxmlformats.org/drawingml/2006/compatibility" xmlns:p14="http://schemas.microsoft.com/office/powerpoint/2010/main">
+<p:sld xmlns:a="http://schemas.openxmlformats.org/drawingml/2006/main" xmlns:r="http://schemas.openxmlformats.org/officeDocument/2006/relationships" xmlns:p="http://schemas.openxmlformats.org/presentationml/2006/main">
   <p:cSld>
     <p:spTree>
       <p:nvGrpSpPr>
-        <p:cNvPr id="56" name="Shape 56"/>
+        <p:cNvPr id="1" name="Shape 56"/>
         <p:cNvGrpSpPr/>
         <p:nvPr/>
       </p:nvGrpSpPr>
       <p:grpSpPr>
         <a:xfrm>
-          <a:off y="0" x="0"/>
-          <a:ext cy="0" cx="0"/>
-          <a:chOff y="0" x="0"/>
-          <a:chExt cy="0" cx="0"/>
+          <a:off x="0" y="0"/>
+          <a:ext cx="0" cy="0"/>
+          <a:chOff x="0" y="0"/>
+          <a:chExt cx="0" cy="0"/>
         </a:xfrm>
       </p:grpSpPr>
       <p:sp>
         <p:nvSpPr>
           <p:cNvPr id="57" name="Shape 57"/>
-          <p:cNvSpPr txBox="1"/>
+          <p:cNvSpPr txBox="1">
+            <a:spLocks noGrp="1"/>
+          </p:cNvSpPr>
           <p:nvPr>
             <p:ph type="ctrTitle"/>
           </p:nvPr>
         </p:nvSpPr>
         <p:spPr>
           <a:xfrm>
-            <a:off y="1583342" x="685800"/>
-            <a:ext cy="1159799" cx="7772400"/>
+            <a:off x="685800" y="1583342"/>
+            <a:ext cx="7772400" cy="1159799"/>
           </a:xfrm>
           <a:prstGeom prst="rect">
             <a:avLst/>
           </a:prstGeom>
         </p:spPr>
         <p:txBody>
-          <a:bodyPr bIns="91425" rIns="91425" lIns="91425" tIns="91425" anchor="b" anchorCtr="0">
+          <a:bodyPr lIns="91425" tIns="91425" rIns="91425" bIns="91425" anchor="b" anchorCtr="0">
             <a:noAutofit/>
           </a:bodyPr>
           <a:lstStyle/>
@@ -8186,7 +8393,7 @@
               <a:buNone/>
             </a:pPr>
             <a:r>
-              <a:rPr b="0" lang="en">
+              <a:rPr lang="en" b="0">
                 <a:latin typeface="Ubuntu"/>
                 <a:ea typeface="Ubuntu"/>
                 <a:cs typeface="Ubuntu"/>
@@ -8209,20 +8416,20 @@
 </file>
 
 <file path=ppt/slides/slide8.xml><?xml version="1.0" encoding="utf-8"?>
-<p:sld xmlns:a="http://schemas.openxmlformats.org/drawingml/2006/main" xmlns:r="http://schemas.openxmlformats.org/officeDocument/2006/relationships" xmlns:mc="http://schemas.openxmlformats.org/markup-compatibility/2006" xmlns:mv="urn:schemas-microsoft-com:mac:vml" xmlns:p="http://schemas.openxmlformats.org/presentationml/2006/main" xmlns:c="http://schemas.openxmlformats.org/drawingml/2006/chart" xmlns:dgm="http://schemas.openxmlformats.org/drawingml/2006/diagram" xmlns:o="urn:schemas-microsoft-com:office:office" xmlns:v="urn:schemas-microsoft-com:vml" xmlns:pvml="urn:schemas-microsoft-com:office:powerpoint" xmlns:com="http://schemas.openxmlformats.org/drawingml/2006/compatibility" xmlns:p14="http://schemas.microsoft.com/office/powerpoint/2010/main">
+<p:sld xmlns:a="http://schemas.openxmlformats.org/drawingml/2006/main" xmlns:r="http://schemas.openxmlformats.org/officeDocument/2006/relationships" xmlns:p="http://schemas.openxmlformats.org/presentationml/2006/main">
   <p:cSld>
     <p:spTree>
       <p:nvGrpSpPr>
-        <p:cNvPr id="61" name="Shape 61"/>
+        <p:cNvPr id="1" name="Shape 61"/>
         <p:cNvGrpSpPr/>
         <p:nvPr/>
       </p:nvGrpSpPr>
       <p:grpSpPr>
         <a:xfrm>
-          <a:off y="0" x="0"/>
-          <a:ext cy="0" cx="0"/>
-          <a:chOff y="0" x="0"/>
-          <a:chExt cy="0" cx="0"/>
+          <a:off x="0" y="0"/>
+          <a:ext cx="0" cy="0"/>
+          <a:chOff x="0" y="0"/>
+          <a:chExt cx="0" cy="0"/>
         </a:xfrm>
       </p:grpSpPr>
       <p:sp>
@@ -8233,12 +8440,12 @@
         </p:nvSpPr>
         <p:spPr>
           <a:xfrm>
-            <a:off y="1610851" x="3271300"/>
-            <a:ext cy="1088699" cx="1088699"/>
+            <a:off x="3271300" y="1610851"/>
+            <a:ext cx="1088699" cy="1088699"/>
           </a:xfrm>
           <a:prstGeom prst="roundRect">
             <a:avLst>
-              <a:gd fmla="val 0" name="adj"/>
+              <a:gd name="adj" fmla="val 0"/>
             </a:avLst>
           </a:prstGeom>
           <a:solidFill>
@@ -8249,20 +8456,17 @@
           </a:ln>
         </p:spPr>
         <p:txBody>
-          <a:bodyPr bIns="91425" rIns="91425" lIns="91425" tIns="91425" anchor="ctr" anchorCtr="0">
+          <a:bodyPr lIns="91425" tIns="91425" rIns="91425" bIns="91425" anchor="ctr" anchorCtr="0">
             <a:noAutofit/>
           </a:bodyPr>
           <a:lstStyle/>
           <a:p>
-            <a:pPr rtl="0" lvl="0">
-              <a:spcBef>
-                <a:spcPts val="0"/>
-              </a:spcBef>
-              <a:buNone/>
-            </a:pPr>
-            <a:r>
-              <a:t/>
-            </a:r>
+            <a:pPr lvl="0" rtl="0">
+              <a:spcBef>
+                <a:spcPts val="0"/>
+              </a:spcBef>
+              <a:buNone/>
+            </a:pPr>
             <a:endParaRPr/>
           </a:p>
         </p:txBody>
@@ -8275,12 +8479,12 @@
         </p:nvSpPr>
         <p:spPr>
           <a:xfrm>
-            <a:off y="2582176" x="3271300"/>
-            <a:ext cy="1088699" cx="1088699"/>
+            <a:off x="3271300" y="2582176"/>
+            <a:ext cx="1088699" cy="1088699"/>
           </a:xfrm>
           <a:prstGeom prst="roundRect">
             <a:avLst>
-              <a:gd fmla="val 0" name="adj"/>
+              <a:gd name="adj" fmla="val 0"/>
             </a:avLst>
           </a:prstGeom>
           <a:solidFill>
@@ -8291,20 +8495,17 @@
           </a:ln>
         </p:spPr>
         <p:txBody>
-          <a:bodyPr bIns="91425" rIns="91425" lIns="91425" tIns="91425" anchor="ctr" anchorCtr="0">
+          <a:bodyPr lIns="91425" tIns="91425" rIns="91425" bIns="91425" anchor="ctr" anchorCtr="0">
             <a:noAutofit/>
           </a:bodyPr>
           <a:lstStyle/>
           <a:p>
-            <a:pPr rtl="0" lvl="0">
-              <a:spcBef>
-                <a:spcPts val="0"/>
-              </a:spcBef>
-              <a:buNone/>
-            </a:pPr>
-            <a:r>
-              <a:t/>
-            </a:r>
+            <a:pPr lvl="0" rtl="0">
+              <a:spcBef>
+                <a:spcPts val="0"/>
+              </a:spcBef>
+              <a:buNone/>
+            </a:pPr>
             <a:endParaRPr/>
           </a:p>
         </p:txBody>
@@ -8317,12 +8518,12 @@
         </p:nvSpPr>
         <p:spPr>
           <a:xfrm>
-            <a:off y="1610851" x="2299950"/>
-            <a:ext cy="1088699" cx="1088699"/>
+            <a:off x="2299950" y="1610851"/>
+            <a:ext cx="1088699" cy="1088699"/>
           </a:xfrm>
           <a:prstGeom prst="roundRect">
             <a:avLst>
-              <a:gd fmla="val 0" name="adj"/>
+              <a:gd name="adj" fmla="val 0"/>
             </a:avLst>
           </a:prstGeom>
           <a:solidFill>
@@ -8333,20 +8534,17 @@
           </a:ln>
         </p:spPr>
         <p:txBody>
-          <a:bodyPr bIns="91425" rIns="91425" lIns="91425" tIns="91425" anchor="ctr" anchorCtr="0">
+          <a:bodyPr lIns="91425" tIns="91425" rIns="91425" bIns="91425" anchor="ctr" anchorCtr="0">
             <a:noAutofit/>
           </a:bodyPr>
           <a:lstStyle/>
           <a:p>
-            <a:pPr rtl="0" lvl="0">
-              <a:spcBef>
-                <a:spcPts val="0"/>
-              </a:spcBef>
-              <a:buNone/>
-            </a:pPr>
-            <a:r>
-              <a:t/>
-            </a:r>
+            <a:pPr lvl="0" rtl="0">
+              <a:spcBef>
+                <a:spcPts val="0"/>
+              </a:spcBef>
+              <a:buNone/>
+            </a:pPr>
             <a:endParaRPr/>
           </a:p>
         </p:txBody>
@@ -8359,12 +8557,12 @@
         </p:nvSpPr>
         <p:spPr>
           <a:xfrm>
-            <a:off y="1702725" x="3330100"/>
-            <a:ext cy="938100" cx="937200"/>
+            <a:off x="3330100" y="1702725"/>
+            <a:ext cx="937200" cy="938100"/>
           </a:xfrm>
           <a:prstGeom prst="roundRect">
             <a:avLst>
-              <a:gd fmla="val 0" name="adj"/>
+              <a:gd name="adj" fmla="val 0"/>
             </a:avLst>
           </a:prstGeom>
           <a:solidFill>
@@ -8376,25 +8574,22 @@
             </a:solidFill>
             <a:prstDash val="solid"/>
             <a:round/>
-            <a:headEnd w="med" len="med" type="none"/>
-            <a:tailEnd w="med" len="med" type="none"/>
+            <a:headEnd type="none" w="med" len="med"/>
+            <a:tailEnd type="none" w="med" len="med"/>
           </a:ln>
         </p:spPr>
         <p:txBody>
-          <a:bodyPr bIns="91425" rIns="91425" lIns="91425" tIns="91425" anchor="ctr" anchorCtr="0">
+          <a:bodyPr lIns="91425" tIns="91425" rIns="91425" bIns="91425" anchor="ctr" anchorCtr="0">
             <a:noAutofit/>
           </a:bodyPr>
           <a:lstStyle/>
           <a:p>
-            <a:pPr rtl="0" lvl="0">
-              <a:spcBef>
-                <a:spcPts val="0"/>
-              </a:spcBef>
-              <a:buNone/>
-            </a:pPr>
-            <a:r>
-              <a:t/>
-            </a:r>
+            <a:pPr lvl="0" rtl="0">
+              <a:spcBef>
+                <a:spcPts val="0"/>
+              </a:spcBef>
+              <a:buNone/>
+            </a:pPr>
             <a:endParaRPr/>
           </a:p>
         </p:txBody>
@@ -8407,8 +8602,8 @@
         </p:nvSpPr>
         <p:spPr>
           <a:xfrm>
-            <a:off y="1838225" x="4840787"/>
-            <a:ext cy="1345500" cx="3304800"/>
+            <a:off x="4840787" y="1838225"/>
+            <a:ext cx="3304800" cy="1345500"/>
           </a:xfrm>
           <a:prstGeom prst="rect">
             <a:avLst/>
@@ -8419,19 +8614,19 @@
           </a:ln>
         </p:spPr>
         <p:txBody>
-          <a:bodyPr bIns="91425" rIns="91425" lIns="91425" tIns="91425" anchor="t" anchorCtr="0">
+          <a:bodyPr lIns="91425" tIns="91425" rIns="91425" bIns="91425" anchor="t" anchorCtr="0">
             <a:noAutofit/>
           </a:bodyPr>
           <a:lstStyle/>
           <a:p>
-            <a:pPr rtl="0" lvl="0">
+            <a:pPr lvl="0" rtl="0">
               <a:spcBef>
                 <a:spcPts val="0"/>
               </a:spcBef>
               <a:buNone/>
             </a:pPr>
             <a:r>
-              <a:rPr sz="2400" lang="en">
+              <a:rPr lang="en" sz="2400">
                 <a:latin typeface="Ubuntu"/>
                 <a:ea typeface="Ubuntu"/>
                 <a:cs typeface="Ubuntu"/>
@@ -8441,15 +8636,12 @@
             </a:r>
           </a:p>
           <a:p>
-            <a:pPr rtl="0" lvl="0">
-              <a:spcBef>
-                <a:spcPts val="0"/>
-              </a:spcBef>
-              <a:buNone/>
-            </a:pPr>
-            <a:r>
-              <a:t/>
-            </a:r>
+            <a:pPr lvl="0" rtl="0">
+              <a:spcBef>
+                <a:spcPts val="0"/>
+              </a:spcBef>
+              <a:buNone/>
+            </a:pPr>
             <a:endParaRPr>
               <a:latin typeface="Ubuntu"/>
               <a:ea typeface="Ubuntu"/>
@@ -8458,7 +8650,7 @@
             </a:endParaRPr>
           </a:p>
           <a:p>
-            <a:pPr rtl="0" lvl="0" indent="-317500" marL="457200">
+            <a:pPr marL="457200" lvl="0" indent="-317500" rtl="0">
               <a:spcBef>
                 <a:spcPts val="0"/>
               </a:spcBef>
@@ -8501,12 +8693,12 @@
         </p:nvSpPr>
         <p:spPr>
           <a:xfrm>
-            <a:off y="1669637" x="2358743"/>
-            <a:ext cy="971100" cx="971100"/>
+            <a:off x="2358743" y="1669637"/>
+            <a:ext cx="971100" cy="971100"/>
           </a:xfrm>
           <a:prstGeom prst="roundRect">
             <a:avLst>
-              <a:gd fmla="val 0" name="adj"/>
+              <a:gd name="adj" fmla="val 0"/>
             </a:avLst>
           </a:prstGeom>
           <a:solidFill>
@@ -8518,25 +8710,22 @@
             </a:solidFill>
             <a:prstDash val="solid"/>
             <a:round/>
-            <a:headEnd w="med" len="med" type="none"/>
-            <a:tailEnd w="med" len="med" type="none"/>
+            <a:headEnd type="none" w="med" len="med"/>
+            <a:tailEnd type="none" w="med" len="med"/>
           </a:ln>
         </p:spPr>
         <p:txBody>
-          <a:bodyPr bIns="91425" rIns="91425" lIns="91425" tIns="91425" anchor="ctr" anchorCtr="0">
+          <a:bodyPr lIns="91425" tIns="91425" rIns="91425" bIns="91425" anchor="ctr" anchorCtr="0">
             <a:noAutofit/>
           </a:bodyPr>
           <a:lstStyle/>
           <a:p>
-            <a:pPr rtl="0" lvl="0">
-              <a:spcBef>
-                <a:spcPts val="0"/>
-              </a:spcBef>
-              <a:buNone/>
-            </a:pPr>
-            <a:r>
-              <a:t/>
-            </a:r>
+            <a:pPr lvl="0" rtl="0">
+              <a:spcBef>
+                <a:spcPts val="0"/>
+              </a:spcBef>
+              <a:buNone/>
+            </a:pPr>
             <a:endParaRPr/>
           </a:p>
         </p:txBody>
@@ -8549,12 +8738,12 @@
         </p:nvSpPr>
         <p:spPr>
           <a:xfrm>
-            <a:off y="2640983" x="3330094"/>
-            <a:ext cy="971100" cx="971100"/>
+            <a:off x="3330094" y="2640983"/>
+            <a:ext cx="971100" cy="971100"/>
           </a:xfrm>
           <a:prstGeom prst="roundRect">
             <a:avLst>
-              <a:gd fmla="val 0" name="adj"/>
+              <a:gd name="adj" fmla="val 0"/>
             </a:avLst>
           </a:prstGeom>
           <a:solidFill>
@@ -8566,25 +8755,22 @@
             </a:solidFill>
             <a:prstDash val="solid"/>
             <a:round/>
-            <a:headEnd w="med" len="med" type="none"/>
-            <a:tailEnd w="med" len="med" type="none"/>
+            <a:headEnd type="none" w="med" len="med"/>
+            <a:tailEnd type="none" w="med" len="med"/>
           </a:ln>
         </p:spPr>
         <p:txBody>
-          <a:bodyPr bIns="91425" rIns="91425" lIns="91425" tIns="91425" anchor="ctr" anchorCtr="0">
+          <a:bodyPr lIns="91425" tIns="91425" rIns="91425" bIns="91425" anchor="ctr" anchorCtr="0">
             <a:noAutofit/>
           </a:bodyPr>
           <a:lstStyle/>
           <a:p>
-            <a:pPr rtl="0" lvl="0">
-              <a:spcBef>
-                <a:spcPts val="0"/>
-              </a:spcBef>
-              <a:buNone/>
-            </a:pPr>
-            <a:r>
-              <a:t/>
-            </a:r>
+            <a:pPr lvl="0" rtl="0">
+              <a:spcBef>
+                <a:spcPts val="0"/>
+              </a:spcBef>
+              <a:buNone/>
+            </a:pPr>
             <a:endParaRPr/>
           </a:p>
         </p:txBody>
@@ -8597,12 +8783,12 @@
         </p:nvSpPr>
         <p:spPr>
           <a:xfrm>
-            <a:off y="2861325" x="1416493"/>
-            <a:ext cy="688499" cx="688499"/>
+            <a:off x="1416493" y="2861325"/>
+            <a:ext cx="688499" cy="688499"/>
           </a:xfrm>
           <a:prstGeom prst="roundRect">
             <a:avLst>
-              <a:gd fmla="val 0" name="adj"/>
+              <a:gd name="adj" fmla="val 0"/>
             </a:avLst>
           </a:prstGeom>
           <a:solidFill>
@@ -8614,24 +8800,24 @@
             </a:solidFill>
             <a:prstDash val="solid"/>
             <a:round/>
-            <a:headEnd w="med" len="med" type="none"/>
-            <a:tailEnd w="med" len="med" type="none"/>
+            <a:headEnd type="none" w="med" len="med"/>
+            <a:tailEnd type="none" w="med" len="med"/>
           </a:ln>
         </p:spPr>
         <p:txBody>
-          <a:bodyPr bIns="91425" rIns="91425" lIns="91425" tIns="91425" anchor="ctr" anchorCtr="0">
+          <a:bodyPr lIns="91425" tIns="91425" rIns="91425" bIns="91425" anchor="ctr" anchorCtr="0">
             <a:noAutofit/>
           </a:bodyPr>
           <a:lstStyle/>
           <a:p>
-            <a:pPr algn="ctr" rtl="0" lvl="0">
+            <a:pPr lvl="0" algn="ctr" rtl="0">
               <a:spcBef>
                 <a:spcPts val="0"/>
               </a:spcBef>
               <a:buNone/>
             </a:pPr>
             <a:r>
-              <a:rPr sz="1800" lang="en">
+              <a:rPr lang="en" sz="1800">
                 <a:solidFill>
                   <a:srgbClr val="434343"/>
                 </a:solidFill>
@@ -8653,12 +8839,12 @@
         </p:nvSpPr>
         <p:spPr>
           <a:xfrm>
-            <a:off y="2861325" x="2398174"/>
-            <a:ext cy="688499" cx="688499"/>
+            <a:off x="2398174" y="2861325"/>
+            <a:ext cx="688499" cy="688499"/>
           </a:xfrm>
           <a:prstGeom prst="roundRect">
             <a:avLst>
-              <a:gd fmla="val 0" name="adj"/>
+              <a:gd name="adj" fmla="val 0"/>
             </a:avLst>
           </a:prstGeom>
           <a:solidFill>
@@ -8670,24 +8856,24 @@
             </a:solidFill>
             <a:prstDash val="solid"/>
             <a:round/>
-            <a:headEnd w="med" len="med" type="none"/>
-            <a:tailEnd w="med" len="med" type="none"/>
+            <a:headEnd type="none" w="med" len="med"/>
+            <a:tailEnd type="none" w="med" len="med"/>
           </a:ln>
         </p:spPr>
         <p:txBody>
-          <a:bodyPr bIns="91425" rIns="91425" lIns="91425" tIns="91425" anchor="ctr" anchorCtr="0">
+          <a:bodyPr lIns="91425" tIns="91425" rIns="91425" bIns="91425" anchor="ctr" anchorCtr="0">
             <a:noAutofit/>
           </a:bodyPr>
           <a:lstStyle/>
           <a:p>
-            <a:pPr algn="ctr" rtl="0" lvl="0">
+            <a:pPr lvl="0" algn="ctr" rtl="0">
               <a:spcBef>
                 <a:spcPts val="0"/>
               </a:spcBef>
               <a:buNone/>
             </a:pPr>
             <a:r>
-              <a:rPr sz="1800" lang="en">
+              <a:rPr lang="en" sz="1800">
                 <a:solidFill>
                   <a:srgbClr val="434343"/>
                 </a:solidFill>
@@ -8709,12 +8895,12 @@
         </p:nvSpPr>
         <p:spPr>
           <a:xfrm>
-            <a:off y="1838225" x="1416493"/>
-            <a:ext cy="688499" cx="688499"/>
+            <a:off x="1416493" y="1838225"/>
+            <a:ext cx="688499" cy="688499"/>
           </a:xfrm>
           <a:prstGeom prst="roundRect">
             <a:avLst>
-              <a:gd fmla="val 0" name="adj"/>
+              <a:gd name="adj" fmla="val 0"/>
             </a:avLst>
           </a:prstGeom>
           <a:solidFill>
@@ -8726,24 +8912,24 @@
             </a:solidFill>
             <a:prstDash val="solid"/>
             <a:round/>
-            <a:headEnd w="med" len="med" type="none"/>
-            <a:tailEnd w="med" len="med" type="none"/>
+            <a:headEnd type="none" w="med" len="med"/>
+            <a:tailEnd type="none" w="med" len="med"/>
           </a:ln>
         </p:spPr>
         <p:txBody>
-          <a:bodyPr bIns="91425" rIns="91425" lIns="91425" tIns="91425" anchor="ctr" anchorCtr="0">
+          <a:bodyPr lIns="91425" tIns="91425" rIns="91425" bIns="91425" anchor="ctr" anchorCtr="0">
             <a:noAutofit/>
           </a:bodyPr>
           <a:lstStyle/>
           <a:p>
-            <a:pPr algn="ctr" rtl="0" lvl="0">
+            <a:pPr lvl="0" algn="ctr" rtl="0">
               <a:spcBef>
                 <a:spcPts val="0"/>
               </a:spcBef>
               <a:buNone/>
             </a:pPr>
             <a:r>
-              <a:rPr sz="1800" lang="en">
+              <a:rPr lang="en" sz="1800">
                 <a:solidFill>
                   <a:srgbClr val="434343"/>
                 </a:solidFill>
@@ -8769,20 +8955,20 @@
 </file>
 
 <file path=ppt/slides/slide9.xml><?xml version="1.0" encoding="utf-8"?>
-<p:sld xmlns:a="http://schemas.openxmlformats.org/drawingml/2006/main" xmlns:r="http://schemas.openxmlformats.org/officeDocument/2006/relationships" xmlns:mc="http://schemas.openxmlformats.org/markup-compatibility/2006" xmlns:mv="urn:schemas-microsoft-com:mac:vml" xmlns:p="http://schemas.openxmlformats.org/presentationml/2006/main" xmlns:c="http://schemas.openxmlformats.org/drawingml/2006/chart" xmlns:dgm="http://schemas.openxmlformats.org/drawingml/2006/diagram" xmlns:o="urn:schemas-microsoft-com:office:office" xmlns:v="urn:schemas-microsoft-com:vml" xmlns:pvml="urn:schemas-microsoft-com:office:powerpoint" xmlns:com="http://schemas.openxmlformats.org/drawingml/2006/compatibility" xmlns:p14="http://schemas.microsoft.com/office/powerpoint/2010/main">
+<p:sld xmlns:a="http://schemas.openxmlformats.org/drawingml/2006/main" xmlns:r="http://schemas.openxmlformats.org/officeDocument/2006/relationships" xmlns:p="http://schemas.openxmlformats.org/presentationml/2006/main">
   <p:cSld>
     <p:spTree>
       <p:nvGrpSpPr>
-        <p:cNvPr id="75" name="Shape 75"/>
+        <p:cNvPr id="1" name="Shape 75"/>
         <p:cNvGrpSpPr/>
         <p:nvPr/>
       </p:nvGrpSpPr>
       <p:grpSpPr>
         <a:xfrm>
-          <a:off y="0" x="0"/>
-          <a:ext cy="0" cx="0"/>
-          <a:chOff y="0" x="0"/>
-          <a:chExt cy="0" cx="0"/>
+          <a:off x="0" y="0"/>
+          <a:ext cx="0" cy="0"/>
+          <a:chOff x="0" y="0"/>
+          <a:chExt cx="0" cy="0"/>
         </a:xfrm>
       </p:grpSpPr>
       <p:sp>
@@ -8793,12 +8979,12 @@
         </p:nvSpPr>
         <p:spPr>
           <a:xfrm>
-            <a:off y="1610851" x="3271300"/>
-            <a:ext cy="1088699" cx="1088699"/>
+            <a:off x="3271300" y="1610851"/>
+            <a:ext cx="1088699" cy="1088699"/>
           </a:xfrm>
           <a:prstGeom prst="roundRect">
             <a:avLst>
-              <a:gd fmla="val 0" name="adj"/>
+              <a:gd name="adj" fmla="val 0"/>
             </a:avLst>
           </a:prstGeom>
           <a:solidFill>
@@ -8809,20 +8995,17 @@
           </a:ln>
         </p:spPr>
         <p:txBody>
-          <a:bodyPr bIns="91425" rIns="91425" lIns="91425" tIns="91425" anchor="ctr" anchorCtr="0">
+          <a:bodyPr lIns="91425" tIns="91425" rIns="91425" bIns="91425" anchor="ctr" anchorCtr="0">
             <a:noAutofit/>
           </a:bodyPr>
           <a:lstStyle/>
           <a:p>
-            <a:pPr rtl="0" lvl="0">
-              <a:spcBef>
-                <a:spcPts val="0"/>
-              </a:spcBef>
-              <a:buNone/>
-            </a:pPr>
-            <a:r>
-              <a:t/>
-            </a:r>
+            <a:pPr lvl="0" rtl="0">
+              <a:spcBef>
+                <a:spcPts val="0"/>
+              </a:spcBef>
+              <a:buNone/>
+            </a:pPr>
             <a:endParaRPr/>
           </a:p>
         </p:txBody>
@@ -8835,12 +9018,12 @@
         </p:nvSpPr>
         <p:spPr>
           <a:xfrm>
-            <a:off y="2582176" x="3271300"/>
-            <a:ext cy="1088699" cx="1088699"/>
+            <a:off x="3271300" y="2582176"/>
+            <a:ext cx="1088699" cy="1088699"/>
           </a:xfrm>
           <a:prstGeom prst="roundRect">
             <a:avLst>
-              <a:gd fmla="val 0" name="adj"/>
+              <a:gd name="adj" fmla="val 0"/>
             </a:avLst>
           </a:prstGeom>
           <a:solidFill>
@@ -8851,20 +9034,17 @@
           </a:ln>
         </p:spPr>
         <p:txBody>
-          <a:bodyPr bIns="91425" rIns="91425" lIns="91425" tIns="91425" anchor="ctr" anchorCtr="0">
+          <a:bodyPr lIns="91425" tIns="91425" rIns="91425" bIns="91425" anchor="ctr" anchorCtr="0">
             <a:noAutofit/>
           </a:bodyPr>
           <a:lstStyle/>
           <a:p>
-            <a:pPr rtl="0" lvl="0">
-              <a:spcBef>
-                <a:spcPts val="0"/>
-              </a:spcBef>
-              <a:buNone/>
-            </a:pPr>
-            <a:r>
-              <a:t/>
-            </a:r>
+            <a:pPr lvl="0" rtl="0">
+              <a:spcBef>
+                <a:spcPts val="0"/>
+              </a:spcBef>
+              <a:buNone/>
+            </a:pPr>
             <a:endParaRPr/>
           </a:p>
         </p:txBody>
@@ -8877,12 +9057,12 @@
         </p:nvSpPr>
         <p:spPr>
           <a:xfrm>
-            <a:off y="1610851" x="2299950"/>
-            <a:ext cy="1088699" cx="1088699"/>
+            <a:off x="2299950" y="1610851"/>
+            <a:ext cx="1088699" cy="1088699"/>
           </a:xfrm>
           <a:prstGeom prst="roundRect">
             <a:avLst>
-              <a:gd fmla="val 0" name="adj"/>
+              <a:gd name="adj" fmla="val 0"/>
             </a:avLst>
           </a:prstGeom>
           <a:solidFill>
@@ -8893,20 +9073,17 @@
           </a:ln>
         </p:spPr>
         <p:txBody>
-          <a:bodyPr bIns="91425" rIns="91425" lIns="91425" tIns="91425" anchor="ctr" anchorCtr="0">
+          <a:bodyPr lIns="91425" tIns="91425" rIns="91425" bIns="91425" anchor="ctr" anchorCtr="0">
             <a:noAutofit/>
           </a:bodyPr>
           <a:lstStyle/>
           <a:p>
-            <a:pPr rtl="0" lvl="0">
-              <a:spcBef>
-                <a:spcPts val="0"/>
-              </a:spcBef>
-              <a:buNone/>
-            </a:pPr>
-            <a:r>
-              <a:t/>
-            </a:r>
+            <a:pPr lvl="0" rtl="0">
+              <a:spcBef>
+                <a:spcPts val="0"/>
+              </a:spcBef>
+              <a:buNone/>
+            </a:pPr>
             <a:endParaRPr/>
           </a:p>
         </p:txBody>
@@ -8919,12 +9096,12 @@
         </p:nvSpPr>
         <p:spPr>
           <a:xfrm>
-            <a:off y="1678037" x="3330093"/>
-            <a:ext cy="971100" cx="971100"/>
+            <a:off x="3330093" y="1678037"/>
+            <a:ext cx="971100" cy="971100"/>
           </a:xfrm>
           <a:prstGeom prst="roundRect">
             <a:avLst>
-              <a:gd fmla="val 0" name="adj"/>
+              <a:gd name="adj" fmla="val 0"/>
             </a:avLst>
           </a:prstGeom>
           <a:solidFill>
@@ -8936,25 +9113,22 @@
             </a:solidFill>
             <a:prstDash val="solid"/>
             <a:round/>
-            <a:headEnd w="med" len="med" type="none"/>
-            <a:tailEnd w="med" len="med" type="none"/>
+            <a:headEnd type="none" w="med" len="med"/>
+            <a:tailEnd type="none" w="med" len="med"/>
           </a:ln>
         </p:spPr>
         <p:txBody>
-          <a:bodyPr bIns="91425" rIns="91425" lIns="91425" tIns="91425" anchor="ctr" anchorCtr="0">
+          <a:bodyPr lIns="91425" tIns="91425" rIns="91425" bIns="91425" anchor="ctr" anchorCtr="0">
             <a:noAutofit/>
           </a:bodyPr>
           <a:lstStyle/>
           <a:p>
-            <a:pPr rtl="0" lvl="0">
-              <a:spcBef>
-                <a:spcPts val="0"/>
-              </a:spcBef>
-              <a:buNone/>
-            </a:pPr>
-            <a:r>
-              <a:t/>
-            </a:r>
+            <a:pPr lvl="0" rtl="0">
+              <a:spcBef>
+                <a:spcPts val="0"/>
+              </a:spcBef>
+              <a:buNone/>
+            </a:pPr>
             <a:endParaRPr/>
           </a:p>
         </p:txBody>
@@ -8967,8 +9141,8 @@
         </p:nvSpPr>
         <p:spPr>
           <a:xfrm>
-            <a:off y="1838225" x="4840787"/>
-            <a:ext cy="1345500" cx="3304800"/>
+            <a:off x="4840787" y="1838225"/>
+            <a:ext cx="3304800" cy="1345500"/>
           </a:xfrm>
           <a:prstGeom prst="rect">
             <a:avLst/>
@@ -8979,19 +9153,19 @@
           </a:ln>
         </p:spPr>
         <p:txBody>
-          <a:bodyPr bIns="91425" rIns="91425" lIns="91425" tIns="91425" anchor="t" anchorCtr="0">
+          <a:bodyPr lIns="91425" tIns="91425" rIns="91425" bIns="91425" anchor="t" anchorCtr="0">
             <a:noAutofit/>
           </a:bodyPr>
           <a:lstStyle/>
           <a:p>
-            <a:pPr rtl="0" lvl="0">
+            <a:pPr lvl="0" rtl="0">
               <a:spcBef>
                 <a:spcPts val="0"/>
               </a:spcBef>
               <a:buNone/>
             </a:pPr>
             <a:r>
-              <a:rPr sz="2400" lang="en">
+              <a:rPr lang="en" sz="2400">
                 <a:latin typeface="Ubuntu"/>
                 <a:ea typeface="Ubuntu"/>
                 <a:cs typeface="Ubuntu"/>
@@ -9001,15 +9175,12 @@
             </a:r>
           </a:p>
           <a:p>
-            <a:pPr rtl="0" lvl="0">
-              <a:spcBef>
-                <a:spcPts val="0"/>
-              </a:spcBef>
-              <a:buNone/>
-            </a:pPr>
-            <a:r>
-              <a:t/>
-            </a:r>
+            <a:pPr lvl="0" rtl="0">
+              <a:spcBef>
+                <a:spcPts val="0"/>
+              </a:spcBef>
+              <a:buNone/>
+            </a:pPr>
             <a:endParaRPr>
               <a:latin typeface="Ubuntu"/>
               <a:ea typeface="Ubuntu"/>
@@ -9018,7 +9189,7 @@
             </a:endParaRPr>
           </a:p>
           <a:p>
-            <a:pPr rtl="0" lvl="0" indent="-317500" marL="457200">
+            <a:pPr marL="457200" lvl="0" indent="-317500" rtl="0">
               <a:spcBef>
                 <a:spcPts val="0"/>
               </a:spcBef>
@@ -9070,12 +9241,12 @@
         </p:nvSpPr>
         <p:spPr>
           <a:xfrm>
-            <a:off y="1669637" x="2358743"/>
-            <a:ext cy="971100" cx="971100"/>
+            <a:off x="2358743" y="1669637"/>
+            <a:ext cx="971100" cy="971100"/>
           </a:xfrm>
           <a:prstGeom prst="roundRect">
             <a:avLst>
-              <a:gd fmla="val 0" name="adj"/>
+              <a:gd name="adj" fmla="val 0"/>
             </a:avLst>
           </a:prstGeom>
           <a:solidFill>
@@ -9087,25 +9258,22 @@
             </a:solidFill>
             <a:prstDash val="solid"/>
             <a:round/>
-            <a:headEnd w="med" len="med" type="none"/>
-            <a:tailEnd w="med" len="med" type="none"/>
+            <a:headEnd type="none" w="med" len="med"/>
+            <a:tailEnd type="none" w="med" len="med"/>
           </a:ln>
         </p:spPr>
         <p:txBody>
-          <a:bodyPr bIns="91425" rIns="91425" lIns="91425" tIns="91425" anchor="ctr" anchorCtr="0">
+          <a:bodyPr lIns="91425" tIns="91425" rIns="91425" bIns="91425" anchor="ctr" anchorCtr="0">
             <a:noAutofit/>
           </a:bodyPr>
           <a:lstStyle/>
           <a:p>
-            <a:pPr rtl="0" lvl="0">
-              <a:spcBef>
-                <a:spcPts val="0"/>
-              </a:spcBef>
-              <a:buNone/>
-            </a:pPr>
-            <a:r>
-              <a:t/>
-            </a:r>
+            <a:pPr lvl="0" rtl="0">
+              <a:spcBef>
+                <a:spcPts val="0"/>
+              </a:spcBef>
+              <a:buNone/>
+            </a:pPr>
             <a:endParaRPr/>
           </a:p>
         </p:txBody>
@@ -9118,12 +9286,12 @@
         </p:nvSpPr>
         <p:spPr>
           <a:xfrm>
-            <a:off y="2640983" x="3330094"/>
-            <a:ext cy="971100" cx="971100"/>
+            <a:off x="3330094" y="2640983"/>
+            <a:ext cx="971100" cy="971100"/>
           </a:xfrm>
           <a:prstGeom prst="roundRect">
             <a:avLst>
-              <a:gd fmla="val 0" name="adj"/>
+              <a:gd name="adj" fmla="val 0"/>
             </a:avLst>
           </a:prstGeom>
           <a:solidFill>
@@ -9135,25 +9303,22 @@
             </a:solidFill>
             <a:prstDash val="solid"/>
             <a:round/>
-            <a:headEnd w="med" len="med" type="none"/>
-            <a:tailEnd w="med" len="med" type="none"/>
+            <a:headEnd type="none" w="med" len="med"/>
+            <a:tailEnd type="none" w="med" len="med"/>
           </a:ln>
         </p:spPr>
         <p:txBody>
-          <a:bodyPr bIns="91425" rIns="91425" lIns="91425" tIns="91425" anchor="ctr" anchorCtr="0">
+          <a:bodyPr lIns="91425" tIns="91425" rIns="91425" bIns="91425" anchor="ctr" anchorCtr="0">
             <a:noAutofit/>
           </a:bodyPr>
           <a:lstStyle/>
           <a:p>
-            <a:pPr rtl="0" lvl="0">
-              <a:spcBef>
-                <a:spcPts val="0"/>
-              </a:spcBef>
-              <a:buNone/>
-            </a:pPr>
-            <a:r>
-              <a:t/>
-            </a:r>
+            <a:pPr lvl="0" rtl="0">
+              <a:spcBef>
+                <a:spcPts val="0"/>
+              </a:spcBef>
+              <a:buNone/>
+            </a:pPr>
             <a:endParaRPr/>
           </a:p>
         </p:txBody>
@@ -9166,12 +9331,12 @@
         </p:nvSpPr>
         <p:spPr>
           <a:xfrm>
-            <a:off y="1838225" x="1416487"/>
-            <a:ext cy="688499" cx="688499"/>
+            <a:off x="1416487" y="1838225"/>
+            <a:ext cx="688499" cy="688499"/>
           </a:xfrm>
           <a:prstGeom prst="roundRect">
             <a:avLst>
-              <a:gd fmla="val 0" name="adj"/>
+              <a:gd name="adj" fmla="val 0"/>
             </a:avLst>
           </a:prstGeom>
           <a:noFill/>
@@ -9181,24 +9346,24 @@
             </a:solidFill>
             <a:prstDash val="solid"/>
             <a:round/>
-            <a:headEnd w="med" len="med" type="none"/>
-            <a:tailEnd w="med" len="med" type="none"/>
+            <a:headEnd type="none" w="med" len="med"/>
+            <a:tailEnd type="none" w="med" len="med"/>
           </a:ln>
         </p:spPr>
         <p:txBody>
-          <a:bodyPr bIns="91425" rIns="91425" lIns="91425" tIns="91425" anchor="ctr" anchorCtr="0">
+          <a:bodyPr lIns="91425" tIns="91425" rIns="91425" bIns="91425" anchor="ctr" anchorCtr="0">
             <a:noAutofit/>
           </a:bodyPr>
           <a:lstStyle/>
           <a:p>
-            <a:pPr algn="ctr" rtl="0" lvl="0">
+            <a:pPr lvl="0" algn="ctr" rtl="0">
               <a:spcBef>
                 <a:spcPts val="0"/>
               </a:spcBef>
               <a:buNone/>
             </a:pPr>
             <a:r>
-              <a:rPr sz="1800" lang="en">
+              <a:rPr lang="en" sz="1800">
                 <a:solidFill>
                   <a:srgbClr val="434343"/>
                 </a:solidFill>
@@ -9220,12 +9385,12 @@
         </p:nvSpPr>
         <p:spPr>
           <a:xfrm>
-            <a:off y="2861325" x="1416493"/>
-            <a:ext cy="688499" cx="688499"/>
+            <a:off x="1416493" y="2861325"/>
+            <a:ext cx="688499" cy="688499"/>
           </a:xfrm>
           <a:prstGeom prst="roundRect">
             <a:avLst>
-              <a:gd fmla="val 0" name="adj"/>
+              <a:gd name="adj" fmla="val 0"/>
             </a:avLst>
           </a:prstGeom>
           <a:solidFill>
@@ -9237,24 +9402,24 @@
             </a:solidFill>
             <a:prstDash val="solid"/>
             <a:round/>
-            <a:headEnd w="med" len="med" type="none"/>
-            <a:tailEnd w="med" len="med" type="none"/>
+            <a:headEnd type="none" w="med" len="med"/>
+            <a:tailEnd type="none" w="med" len="med"/>
           </a:ln>
         </p:spPr>
         <p:txBody>
-          <a:bodyPr bIns="91425" rIns="91425" lIns="91425" tIns="91425" anchor="ctr" anchorCtr="0">
+          <a:bodyPr lIns="91425" tIns="91425" rIns="91425" bIns="91425" anchor="ctr" anchorCtr="0">
             <a:noAutofit/>
           </a:bodyPr>
           <a:lstStyle/>
           <a:p>
-            <a:pPr algn="ctr" rtl="0" lvl="0">
+            <a:pPr lvl="0" algn="ctr" rtl="0">
               <a:spcBef>
                 <a:spcPts val="0"/>
               </a:spcBef>
               <a:buNone/>
             </a:pPr>
             <a:r>
-              <a:rPr sz="1800" lang="en">
+              <a:rPr lang="en" sz="1800">
                 <a:solidFill>
                   <a:srgbClr val="434343"/>
                 </a:solidFill>
@@ -9276,12 +9441,12 @@
         </p:nvSpPr>
         <p:spPr>
           <a:xfrm>
-            <a:off y="2861325" x="2398174"/>
-            <a:ext cy="688499" cx="688499"/>
+            <a:off x="2398174" y="2861325"/>
+            <a:ext cx="688499" cy="688499"/>
           </a:xfrm>
           <a:prstGeom prst="roundRect">
             <a:avLst>
-              <a:gd fmla="val 0" name="adj"/>
+              <a:gd name="adj" fmla="val 0"/>
             </a:avLst>
           </a:prstGeom>
           <a:noFill/>
@@ -9291,24 +9456,24 @@
             </a:solidFill>
             <a:prstDash val="solid"/>
             <a:round/>
-            <a:headEnd w="med" len="med" type="none"/>
-            <a:tailEnd w="med" len="med" type="none"/>
+            <a:headEnd type="none" w="med" len="med"/>
+            <a:tailEnd type="none" w="med" len="med"/>
           </a:ln>
         </p:spPr>
         <p:txBody>
-          <a:bodyPr bIns="91425" rIns="91425" lIns="91425" tIns="91425" anchor="ctr" anchorCtr="0">
+          <a:bodyPr lIns="91425" tIns="91425" rIns="91425" bIns="91425" anchor="ctr" anchorCtr="0">
             <a:noAutofit/>
           </a:bodyPr>
           <a:lstStyle/>
           <a:p>
-            <a:pPr algn="ctr" rtl="0" lvl="0">
+            <a:pPr lvl="0" algn="ctr" rtl="0">
               <a:spcBef>
                 <a:spcPts val="0"/>
               </a:spcBef>
               <a:buNone/>
             </a:pPr>
             <a:r>
-              <a:rPr sz="1800" lang="en">
+              <a:rPr lang="en" sz="1800">
                 <a:solidFill>
                   <a:srgbClr val="434343"/>
                 </a:solidFill>
@@ -9330,12 +9495,12 @@
         </p:nvSpPr>
         <p:spPr>
           <a:xfrm>
-            <a:off y="1678037" x="2358743"/>
-            <a:ext cy="971100" cx="971100"/>
+            <a:off x="2358743" y="1678037"/>
+            <a:ext cx="971100" cy="971100"/>
           </a:xfrm>
           <a:prstGeom prst="roundRect">
             <a:avLst>
-              <a:gd fmla="val 0" name="adj"/>
+              <a:gd name="adj" fmla="val 0"/>
             </a:avLst>
           </a:prstGeom>
           <a:solidFill>
@@ -9347,25 +9512,22 @@
             </a:solidFill>
             <a:prstDash val="solid"/>
             <a:round/>
-            <a:headEnd w="med" len="med" type="none"/>
-            <a:tailEnd w="med" len="med" type="none"/>
+            <a:headEnd type="none" w="med" len="med"/>
+            <a:tailEnd type="none" w="med" len="med"/>
           </a:ln>
         </p:spPr>
         <p:txBody>
-          <a:bodyPr bIns="91425" rIns="91425" lIns="91425" tIns="91425" anchor="ctr" anchorCtr="0">
+          <a:bodyPr lIns="91425" tIns="91425" rIns="91425" bIns="91425" anchor="ctr" anchorCtr="0">
             <a:noAutofit/>
           </a:bodyPr>
           <a:lstStyle/>
           <a:p>
-            <a:pPr rtl="0" lvl="0">
-              <a:spcBef>
-                <a:spcPts val="0"/>
-              </a:spcBef>
-              <a:buNone/>
-            </a:pPr>
-            <a:r>
-              <a:t/>
-            </a:r>
+            <a:pPr lvl="0" rtl="0">
+              <a:spcBef>
+                <a:spcPts val="0"/>
+              </a:spcBef>
+              <a:buNone/>
+            </a:pPr>
             <a:endParaRPr/>
           </a:p>
         </p:txBody>
@@ -9378,12 +9540,12 @@
         </p:nvSpPr>
         <p:spPr>
           <a:xfrm>
-            <a:off y="2640962" x="3330093"/>
-            <a:ext cy="971100" cx="971100"/>
+            <a:off x="3330093" y="2640962"/>
+            <a:ext cx="971100" cy="971100"/>
           </a:xfrm>
           <a:prstGeom prst="roundRect">
             <a:avLst>
-              <a:gd fmla="val 0" name="adj"/>
+              <a:gd name="adj" fmla="val 0"/>
             </a:avLst>
           </a:prstGeom>
           <a:solidFill>
@@ -9395,25 +9557,22 @@
             </a:solidFill>
             <a:prstDash val="solid"/>
             <a:round/>
-            <a:headEnd w="med" len="med" type="none"/>
-            <a:tailEnd w="med" len="med" type="none"/>
+            <a:headEnd type="none" w="med" len="med"/>
+            <a:tailEnd type="none" w="med" len="med"/>
           </a:ln>
         </p:spPr>
         <p:txBody>
-          <a:bodyPr bIns="91425" rIns="91425" lIns="91425" tIns="91425" anchor="ctr" anchorCtr="0">
+          <a:bodyPr lIns="91425" tIns="91425" rIns="91425" bIns="91425" anchor="ctr" anchorCtr="0">
             <a:noAutofit/>
           </a:bodyPr>
           <a:lstStyle/>
           <a:p>
-            <a:pPr rtl="0" lvl="0">
-              <a:spcBef>
-                <a:spcPts val="0"/>
-              </a:spcBef>
-              <a:buNone/>
-            </a:pPr>
-            <a:r>
-              <a:t/>
-            </a:r>
+            <a:pPr lvl="0" rtl="0">
+              <a:spcBef>
+                <a:spcPts val="0"/>
+              </a:spcBef>
+              <a:buNone/>
+            </a:pPr>
             <a:endParaRPr/>
           </a:p>
         </p:txBody>
@@ -9430,7 +9589,7 @@
 </file>
 
 <file path=ppt/theme/theme1.xml><?xml version="1.0" encoding="utf-8"?>
-<a:theme xmlns:a="http://schemas.openxmlformats.org/drawingml/2006/main" xmlns:r="http://schemas.openxmlformats.org/officeDocument/2006/relationships" name="simple-light">
+<a:theme xmlns:a="http://schemas.openxmlformats.org/drawingml/2006/main" name="simple-light">
   <a:themeElements>
     <a:clrScheme name="Custom 347">
       <a:dk1>
@@ -9475,69 +9634,69 @@
         <a:latin typeface="Arial"/>
         <a:ea typeface=""/>
         <a:cs typeface=""/>
-        <a:font typeface="ＭＳ Ｐゴシック" script="Jpan"/>
-        <a:font typeface="맑은 고딕" script="Hang"/>
-        <a:font typeface="宋体" script="Hans"/>
-        <a:font typeface="新細明體" script="Hant"/>
-        <a:font typeface="Times New Roman" script="Arab"/>
-        <a:font typeface="Times New Roman" script="Hebr"/>
-        <a:font typeface="Angsana New" script="Thai"/>
-        <a:font typeface="Nyala" script="Ethi"/>
-        <a:font typeface="Vrinda" script="Beng"/>
-        <a:font typeface="Shruti" script="Gujr"/>
-        <a:font typeface="MoolBoran" script="Khmr"/>
-        <a:font typeface="Tunga" script="Knda"/>
-        <a:font typeface="Raavi" script="Guru"/>
-        <a:font typeface="Euphemia" script="Cans"/>
-        <a:font typeface="Plantagenet Cherokee" script="Cher"/>
-        <a:font typeface="Microsoft Yi Baiti" script="Yiii"/>
-        <a:font typeface="Microsoft Himalaya" script="Tibt"/>
-        <a:font typeface="MV Boli" script="Thaa"/>
-        <a:font typeface="Mangal" script="Deva"/>
-        <a:font typeface="Gautami" script="Telu"/>
-        <a:font typeface="Latha" script="Taml"/>
-        <a:font typeface="Estrangelo Edessa" script="Syrc"/>
-        <a:font typeface="Kalinga" script="Orya"/>
-        <a:font typeface="Kartika" script="Mlym"/>
-        <a:font typeface="DokChampa" script="Laoo"/>
-        <a:font typeface="Iskoola Pota" script="Sinh"/>
-        <a:font typeface="Mongolian Baiti" script="Mong"/>
-        <a:font typeface="Times New Roman" script="Viet"/>
-        <a:font typeface="Microsoft Uighur" script="Uigh"/>
+        <a:font script="Jpan" typeface="ＭＳ Ｐゴシック"/>
+        <a:font script="Hang" typeface="맑은 고딕"/>
+        <a:font script="Hans" typeface="宋体"/>
+        <a:font script="Hant" typeface="新細明體"/>
+        <a:font script="Arab" typeface="Times New Roman"/>
+        <a:font script="Hebr" typeface="Times New Roman"/>
+        <a:font script="Thai" typeface="Angsana New"/>
+        <a:font script="Ethi" typeface="Nyala"/>
+        <a:font script="Beng" typeface="Vrinda"/>
+        <a:font script="Gujr" typeface="Shruti"/>
+        <a:font script="Khmr" typeface="MoolBoran"/>
+        <a:font script="Knda" typeface="Tunga"/>
+        <a:font script="Guru" typeface="Raavi"/>
+        <a:font script="Cans" typeface="Euphemia"/>
+        <a:font script="Cher" typeface="Plantagenet Cherokee"/>
+        <a:font script="Yiii" typeface="Microsoft Yi Baiti"/>
+        <a:font script="Tibt" typeface="Microsoft Himalaya"/>
+        <a:font script="Thaa" typeface="MV Boli"/>
+        <a:font script="Deva" typeface="Mangal"/>
+        <a:font script="Telu" typeface="Gautami"/>
+        <a:font script="Taml" typeface="Latha"/>
+        <a:font script="Syrc" typeface="Estrangelo Edessa"/>
+        <a:font script="Orya" typeface="Kalinga"/>
+        <a:font script="Mlym" typeface="Kartika"/>
+        <a:font script="Laoo" typeface="DokChampa"/>
+        <a:font script="Sinh" typeface="Iskoola Pota"/>
+        <a:font script="Mong" typeface="Mongolian Baiti"/>
+        <a:font script="Viet" typeface="Times New Roman"/>
+        <a:font script="Uigh" typeface="Microsoft Uighur"/>
       </a:majorFont>
       <a:minorFont>
         <a:latin typeface="Arial"/>
         <a:ea typeface=""/>
         <a:cs typeface=""/>
-        <a:font typeface="ＭＳ Ｐゴシック" script="Jpan"/>
-        <a:font typeface="맑은 고딕" script="Hang"/>
-        <a:font typeface="宋体" script="Hans"/>
-        <a:font typeface="新細明體" script="Hant"/>
-        <a:font typeface="Times New Roman" script="Arab"/>
-        <a:font typeface="Times New Roman" script="Hebr"/>
-        <a:font typeface="Angsana New" script="Thai"/>
-        <a:font typeface="Nyala" script="Ethi"/>
-        <a:font typeface="Vrinda" script="Beng"/>
-        <a:font typeface="Shruti" script="Gujr"/>
-        <a:font typeface="MoolBoran" script="Khmr"/>
-        <a:font typeface="Tunga" script="Knda"/>
-        <a:font typeface="Raavi" script="Guru"/>
-        <a:font typeface="Euphemia" script="Cans"/>
-        <a:font typeface="Plantagenet Cherokee" script="Cher"/>
-        <a:font typeface="Microsoft Yi Baiti" script="Yiii"/>
-        <a:font typeface="Microsoft Himalaya" script="Tibt"/>
-        <a:font typeface="MV Boli" script="Thaa"/>
-        <a:font typeface="Mangal" script="Deva"/>
-        <a:font typeface="Gautami" script="Telu"/>
-        <a:font typeface="Latha" script="Taml"/>
-        <a:font typeface="Estrangelo Edessa" script="Syrc"/>
-        <a:font typeface="Kalinga" script="Orya"/>
-        <a:font typeface="Kartika" script="Mlym"/>
-        <a:font typeface="DokChampa" script="Laoo"/>
-        <a:font typeface="Iskoola Pota" script="Sinh"/>
-        <a:font typeface="Mongolian Baiti" script="Mong"/>
-        <a:font typeface="Times New Roman" script="Viet"/>
-        <a:font typeface="Microsoft Uighur" script="Uigh"/>
+        <a:font script="Jpan" typeface="ＭＳ Ｐゴシック"/>
+        <a:font script="Hang" typeface="맑은 고딕"/>
+        <a:font script="Hans" typeface="宋体"/>
+        <a:font script="Hant" typeface="新細明體"/>
+        <a:font script="Arab" typeface="Times New Roman"/>
+        <a:font script="Hebr" typeface="Times New Roman"/>
+        <a:font script="Thai" typeface="Angsana New"/>
+        <a:font script="Ethi" typeface="Nyala"/>
+        <a:font script="Beng" typeface="Vrinda"/>
+        <a:font script="Gujr" typeface="Shruti"/>
+        <a:font script="Khmr" typeface="MoolBoran"/>
+        <a:font script="Knda" typeface="Tunga"/>
+        <a:font script="Guru" typeface="Raavi"/>
+        <a:font script="Cans" typeface="Euphemia"/>
+        <a:font script="Cher" typeface="Plantagenet Cherokee"/>
+        <a:font script="Yiii" typeface="Microsoft Yi Baiti"/>
+        <a:font script="Tibt" typeface="Microsoft Himalaya"/>
+        <a:font script="Thaa" typeface="MV Boli"/>
+        <a:font script="Deva" typeface="Mangal"/>
+        <a:font script="Telu" typeface="Gautami"/>
+        <a:font script="Taml" typeface="Latha"/>
+        <a:font script="Syrc" typeface="Estrangelo Edessa"/>
+        <a:font script="Orya" typeface="Kalinga"/>
+        <a:font script="Mlym" typeface="Kartika"/>
+        <a:font script="Laoo" typeface="DokChampa"/>
+        <a:font script="Sinh" typeface="Iskoola Pota"/>
+        <a:font script="Mong" typeface="Mongolian Baiti"/>
+        <a:font script="Viet" typeface="Times New Roman"/>
+        <a:font script="Uigh" typeface="Microsoft Uighur"/>
       </a:minorFont>
     </a:fontScheme>
     <a:fmtScheme name="Office">
@@ -9589,7 +9748,7 @@
         </a:gradFill>
       </a:fillStyleLst>
       <a:lnStyleLst>
-        <a:ln w="9525" algn="ctr" cap="flat" cmpd="sng">
+        <a:ln w="9525" cap="flat" cmpd="sng" algn="ctr">
           <a:solidFill>
             <a:schemeClr val="phClr">
               <a:shade val="95000"/>
@@ -9598,13 +9757,13 @@
           </a:solidFill>
           <a:prstDash val="solid"/>
         </a:ln>
-        <a:ln w="25400" algn="ctr" cap="flat" cmpd="sng">
+        <a:ln w="25400" cap="flat" cmpd="sng" algn="ctr">
           <a:solidFill>
             <a:schemeClr val="phClr"/>
           </a:solidFill>
           <a:prstDash val="solid"/>
         </a:ln>
-        <a:ln w="38100" algn="ctr" cap="flat" cmpd="sng">
+        <a:ln w="38100" cap="flat" cmpd="sng" algn="ctr">
           <a:solidFill>
             <a:schemeClr val="phClr"/>
           </a:solidFill>
@@ -9614,7 +9773,7 @@
       <a:effectStyleLst>
         <a:effectStyle>
           <a:effectLst>
-            <a:outerShdw rotWithShape="0" dir="5400000" blurRad="40000" dist="20000">
+            <a:outerShdw blurRad="40000" dist="20000" dir="5400000" rotWithShape="0">
               <a:srgbClr val="000000">
                 <a:alpha val="38000"/>
               </a:srgbClr>
@@ -9623,7 +9782,7 @@
         </a:effectStyle>
         <a:effectStyle>
           <a:effectLst>
-            <a:outerShdw rotWithShape="0" dir="5400000" blurRad="40000" dist="23000">
+            <a:outerShdw blurRad="40000" dist="23000" dir="5400000" rotWithShape="0">
               <a:srgbClr val="000000">
                 <a:alpha val="35000"/>
               </a:srgbClr>
@@ -9632,7 +9791,7 @@
         </a:effectStyle>
         <a:effectStyle>
           <a:effectLst>
-            <a:outerShdw rotWithShape="0" dir="5400000" blurRad="40000" dist="23000">
+            <a:outerShdw blurRad="40000" dist="23000" dir="5400000" rotWithShape="0">
               <a:srgbClr val="000000">
                 <a:alpha val="35000"/>
               </a:srgbClr>
@@ -9640,10 +9799,10 @@
           </a:effectLst>
           <a:scene3d>
             <a:camera prst="orthographicFront">
-              <a:rot rev="0" lon="0" lat="0"/>
+              <a:rot lat="0" lon="0" rev="0"/>
             </a:camera>
-            <a:lightRig dir="t" rig="threePt">
-              <a:rot rev="1200000" lon="0" lat="0"/>
+            <a:lightRig rig="threePt" dir="t">
+              <a:rot lat="0" lon="0" rev="1200000"/>
             </a:lightRig>
           </a:scene3d>
           <a:sp3d>
@@ -9678,7 +9837,7 @@
             </a:gs>
           </a:gsLst>
           <a:path path="circle">
-            <a:fillToRect t="-80000" b="180000" r="50000" l="50000"/>
+            <a:fillToRect l="50000" t="-80000" r="50000" b="180000"/>
           </a:path>
         </a:gradFill>
         <a:gradFill rotWithShape="1">
@@ -9697,17 +9856,19 @@
             </a:gs>
           </a:gsLst>
           <a:path path="circle">
-            <a:fillToRect t="50000" b="50000" r="50000" l="50000"/>
+            <a:fillToRect l="50000" t="50000" r="50000" b="50000"/>
           </a:path>
         </a:gradFill>
       </a:bgFillStyleLst>
     </a:fmtScheme>
   </a:themeElements>
+  <a:objectDefaults/>
+  <a:extraClrSchemeLst/>
 </a:theme>
 </file>
 
 <file path=ppt/theme/theme2.xml><?xml version="1.0" encoding="utf-8"?>
-<a:theme xmlns:a="http://schemas.openxmlformats.org/drawingml/2006/main" xmlns:r="http://schemas.openxmlformats.org/officeDocument/2006/relationships" name="Custom Theme">
+<a:theme xmlns:a="http://schemas.openxmlformats.org/drawingml/2006/main" name="Custom Theme">
   <a:themeElements>
     <a:clrScheme name="Default">
       <a:dk1>
@@ -9752,69 +9913,69 @@
         <a:latin typeface="Arial"/>
         <a:ea typeface=""/>
         <a:cs typeface=""/>
-        <a:font typeface="ＭＳ Ｐゴシック" script="Jpan"/>
-        <a:font typeface="맑은 고딕" script="Hang"/>
-        <a:font typeface="宋体" script="Hans"/>
-        <a:font typeface="新細明體" script="Hant"/>
-        <a:font typeface="Times New Roman" script="Arab"/>
-        <a:font typeface="Times New Roman" script="Hebr"/>
-        <a:font typeface="Angsana New" script="Thai"/>
-        <a:font typeface="Nyala" script="Ethi"/>
-        <a:font typeface="Vrinda" script="Beng"/>
-        <a:font typeface="Shruti" script="Gujr"/>
-        <a:font typeface="MoolBoran" script="Khmr"/>
-        <a:font typeface="Tunga" script="Knda"/>
-        <a:font typeface="Raavi" script="Guru"/>
-        <a:font typeface="Euphemia" script="Cans"/>
-        <a:font typeface="Plantagenet Cherokee" script="Cher"/>
-        <a:font typeface="Microsoft Yi Baiti" script="Yiii"/>
-        <a:font typeface="Microsoft Himalaya" script="Tibt"/>
-        <a:font typeface="MV Boli" script="Thaa"/>
-        <a:font typeface="Mangal" script="Deva"/>
-        <a:font typeface="Gautami" script="Telu"/>
-        <a:font typeface="Latha" script="Taml"/>
-        <a:font typeface="Estrangelo Edessa" script="Syrc"/>
-        <a:font typeface="Kalinga" script="Orya"/>
-        <a:font typeface="Kartika" script="Mlym"/>
-        <a:font typeface="DokChampa" script="Laoo"/>
-        <a:font typeface="Iskoola Pota" script="Sinh"/>
-        <a:font typeface="Mongolian Baiti" script="Mong"/>
-        <a:font typeface="Times New Roman" script="Viet"/>
-        <a:font typeface="Microsoft Uighur" script="Uigh"/>
+        <a:font script="Jpan" typeface="ＭＳ Ｐゴシック"/>
+        <a:font script="Hang" typeface="맑은 고딕"/>
+        <a:font script="Hans" typeface="宋体"/>
+        <a:font script="Hant" typeface="新細明體"/>
+        <a:font script="Arab" typeface="Times New Roman"/>
+        <a:font script="Hebr" typeface="Times New Roman"/>
+        <a:font script="Thai" typeface="Angsana New"/>
+        <a:font script="Ethi" typeface="Nyala"/>
+        <a:font script="Beng" typeface="Vrinda"/>
+        <a:font script="Gujr" typeface="Shruti"/>
+        <a:font script="Khmr" typeface="MoolBoran"/>
+        <a:font script="Knda" typeface="Tunga"/>
+        <a:font script="Guru" typeface="Raavi"/>
+        <a:font script="Cans" typeface="Euphemia"/>
+        <a:font script="Cher" typeface="Plantagenet Cherokee"/>
+        <a:font script="Yiii" typeface="Microsoft Yi Baiti"/>
+        <a:font script="Tibt" typeface="Microsoft Himalaya"/>
+        <a:font script="Thaa" typeface="MV Boli"/>
+        <a:font script="Deva" typeface="Mangal"/>
+        <a:font script="Telu" typeface="Gautami"/>
+        <a:font script="Taml" typeface="Latha"/>
+        <a:font script="Syrc" typeface="Estrangelo Edessa"/>
+        <a:font script="Orya" typeface="Kalinga"/>
+        <a:font script="Mlym" typeface="Kartika"/>
+        <a:font script="Laoo" typeface="DokChampa"/>
+        <a:font script="Sinh" typeface="Iskoola Pota"/>
+        <a:font script="Mong" typeface="Mongolian Baiti"/>
+        <a:font script="Viet" typeface="Times New Roman"/>
+        <a:font script="Uigh" typeface="Microsoft Uighur"/>
       </a:majorFont>
       <a:minorFont>
         <a:latin typeface="Arial"/>
         <a:ea typeface=""/>
         <a:cs typeface=""/>
-        <a:font typeface="ＭＳ Ｐゴシック" script="Jpan"/>
-        <a:font typeface="맑은 고딕" script="Hang"/>
-        <a:font typeface="宋体" script="Hans"/>
-        <a:font typeface="新細明體" script="Hant"/>
-        <a:font typeface="Times New Roman" script="Arab"/>
-        <a:font typeface="Times New Roman" script="Hebr"/>
-        <a:font typeface="Angsana New" script="Thai"/>
-        <a:font typeface="Nyala" script="Ethi"/>
-        <a:font typeface="Vrinda" script="Beng"/>
-        <a:font typeface="Shruti" script="Gujr"/>
-        <a:font typeface="MoolBoran" script="Khmr"/>
-        <a:font typeface="Tunga" script="Knda"/>
-        <a:font typeface="Raavi" script="Guru"/>
-        <a:font typeface="Euphemia" script="Cans"/>
-        <a:font typeface="Plantagenet Cherokee" script="Cher"/>
-        <a:font typeface="Microsoft Yi Baiti" script="Yiii"/>
-        <a:font typeface="Microsoft Himalaya" script="Tibt"/>
-        <a:font typeface="MV Boli" script="Thaa"/>
-        <a:font typeface="Mangal" script="Deva"/>
-        <a:font typeface="Gautami" script="Telu"/>
-        <a:font typeface="Latha" script="Taml"/>
-        <a:font typeface="Estrangelo Edessa" script="Syrc"/>
-        <a:font typeface="Kalinga" script="Orya"/>
-        <a:font typeface="Kartika" script="Mlym"/>
-        <a:font typeface="DokChampa" script="Laoo"/>
-        <a:font typeface="Iskoola Pota" script="Sinh"/>
-        <a:font typeface="Mongolian Baiti" script="Mong"/>
-        <a:font typeface="Times New Roman" script="Viet"/>
-        <a:font typeface="Microsoft Uighur" script="Uigh"/>
+        <a:font script="Jpan" typeface="ＭＳ Ｐゴシック"/>
+        <a:font script="Hang" typeface="맑은 고딕"/>
+        <a:font script="Hans" typeface="宋体"/>
+        <a:font script="Hant" typeface="新細明體"/>
+        <a:font script="Arab" typeface="Times New Roman"/>
+        <a:font script="Hebr" typeface="Times New Roman"/>
+        <a:font script="Thai" typeface="Angsana New"/>
+        <a:font script="Ethi" typeface="Nyala"/>
+        <a:font script="Beng" typeface="Vrinda"/>
+        <a:font script="Gujr" typeface="Shruti"/>
+        <a:font script="Khmr" typeface="MoolBoran"/>
+        <a:font script="Knda" typeface="Tunga"/>
+        <a:font script="Guru" typeface="Raavi"/>
+        <a:font script="Cans" typeface="Euphemia"/>
+        <a:font script="Cher" typeface="Plantagenet Cherokee"/>
+        <a:font script="Yiii" typeface="Microsoft Yi Baiti"/>
+        <a:font script="Tibt" typeface="Microsoft Himalaya"/>
+        <a:font script="Thaa" typeface="MV Boli"/>
+        <a:font script="Deva" typeface="Mangal"/>
+        <a:font script="Telu" typeface="Gautami"/>
+        <a:font script="Taml" typeface="Latha"/>
+        <a:font script="Syrc" typeface="Estrangelo Edessa"/>
+        <a:font script="Orya" typeface="Kalinga"/>
+        <a:font script="Mlym" typeface="Kartika"/>
+        <a:font script="Laoo" typeface="DokChampa"/>
+        <a:font script="Sinh" typeface="Iskoola Pota"/>
+        <a:font script="Mong" typeface="Mongolian Baiti"/>
+        <a:font script="Viet" typeface="Times New Roman"/>
+        <a:font script="Uigh" typeface="Microsoft Uighur"/>
       </a:minorFont>
     </a:fontScheme>
     <a:fmtScheme name="Office">
@@ -9866,7 +10027,7 @@
         </a:gradFill>
       </a:fillStyleLst>
       <a:lnStyleLst>
-        <a:ln w="9525" algn="ctr" cap="flat" cmpd="sng">
+        <a:ln w="9525" cap="flat" cmpd="sng" algn="ctr">
           <a:solidFill>
             <a:schemeClr val="phClr">
               <a:shade val="95000"/>
@@ -9875,13 +10036,13 @@
           </a:solidFill>
           <a:prstDash val="solid"/>
         </a:ln>
-        <a:ln w="25400" algn="ctr" cap="flat" cmpd="sng">
+        <a:ln w="25400" cap="flat" cmpd="sng" algn="ctr">
           <a:solidFill>
             <a:schemeClr val="phClr"/>
           </a:solidFill>
           <a:prstDash val="solid"/>
         </a:ln>
-        <a:ln w="38100" algn="ctr" cap="flat" cmpd="sng">
+        <a:ln w="38100" cap="flat" cmpd="sng" algn="ctr">
           <a:solidFill>
             <a:schemeClr val="phClr"/>
           </a:solidFill>
@@ -9891,7 +10052,7 @@
       <a:effectStyleLst>
         <a:effectStyle>
           <a:effectLst>
-            <a:outerShdw rotWithShape="0" dir="5400000" blurRad="40000" dist="20000">
+            <a:outerShdw blurRad="40000" dist="20000" dir="5400000" rotWithShape="0">
               <a:srgbClr val="000000">
                 <a:alpha val="38000"/>
               </a:srgbClr>
@@ -9900,7 +10061,7 @@
         </a:effectStyle>
         <a:effectStyle>
           <a:effectLst>
-            <a:outerShdw rotWithShape="0" dir="5400000" blurRad="40000" dist="23000">
+            <a:outerShdw blurRad="40000" dist="23000" dir="5400000" rotWithShape="0">
               <a:srgbClr val="000000">
                 <a:alpha val="35000"/>
               </a:srgbClr>
@@ -9909,7 +10070,7 @@
         </a:effectStyle>
         <a:effectStyle>
           <a:effectLst>
-            <a:outerShdw rotWithShape="0" dir="5400000" blurRad="40000" dist="23000">
+            <a:outerShdw blurRad="40000" dist="23000" dir="5400000" rotWithShape="0">
               <a:srgbClr val="000000">
                 <a:alpha val="35000"/>
               </a:srgbClr>
@@ -9917,10 +10078,10 @@
           </a:effectLst>
           <a:scene3d>
             <a:camera prst="orthographicFront">
-              <a:rot rev="0" lon="0" lat="0"/>
+              <a:rot lat="0" lon="0" rev="0"/>
             </a:camera>
-            <a:lightRig dir="t" rig="threePt">
-              <a:rot rev="1200000" lon="0" lat="0"/>
+            <a:lightRig rig="threePt" dir="t">
+              <a:rot lat="0" lon="0" rev="1200000"/>
             </a:lightRig>
           </a:scene3d>
           <a:sp3d>
@@ -9955,7 +10116,7 @@
             </a:gs>
           </a:gsLst>
           <a:path path="circle">
-            <a:fillToRect t="-80000" b="180000" r="50000" l="50000"/>
+            <a:fillToRect l="50000" t="-80000" r="50000" b="180000"/>
           </a:path>
         </a:gradFill>
         <a:gradFill rotWithShape="1">
@@ -9974,328 +10135,13 @@
             </a:gs>
           </a:gsLst>
           <a:path path="circle">
-            <a:fillToRect t="50000" b="50000" r="50000" l="50000"/>
+            <a:fillToRect l="50000" t="50000" r="50000" b="50000"/>
           </a:path>
         </a:gradFill>
       </a:bgFillStyleLst>
     </a:fmtScheme>
   </a:themeElements>
-</a:theme>
-</file>
-
-<file path=ppt/theme/theme3.xml><?xml version="1.0" encoding="utf-8"?>
-<a:theme xmlns:a="http://schemas.openxmlformats.org/drawingml/2006/main" xmlns:r="http://schemas.openxmlformats.org/officeDocument/2006/relationships" name="Office Theme">
-  <a:themeElements>
-    <a:clrScheme name="Office">
-      <a:dk1>
-        <a:sysClr val="windowText" lastClr="000000"/>
-      </a:dk1>
-      <a:lt1>
-        <a:sysClr val="window" lastClr="FFFFFF"/>
-      </a:lt1>
-      <a:dk2>
-        <a:srgbClr val="1F497D"/>
-      </a:dk2>
-      <a:lt2>
-        <a:srgbClr val="EEECE1"/>
-      </a:lt2>
-      <a:accent1>
-        <a:srgbClr val="4F81BD"/>
-      </a:accent1>
-      <a:accent2>
-        <a:srgbClr val="C0504D"/>
-      </a:accent2>
-      <a:accent3>
-        <a:srgbClr val="9BBB59"/>
-      </a:accent3>
-      <a:accent4>
-        <a:srgbClr val="8064A2"/>
-      </a:accent4>
-      <a:accent5>
-        <a:srgbClr val="4BACC6"/>
-      </a:accent5>
-      <a:accent6>
-        <a:srgbClr val="F79646"/>
-      </a:accent6>
-      <a:hlink>
-        <a:srgbClr val="0000FF"/>
-      </a:hlink>
-      <a:folHlink>
-        <a:srgbClr val="800080"/>
-      </a:folHlink>
-    </a:clrScheme>
-    <a:fontScheme name="Office">
-      <a:majorFont>
-        <a:latin typeface="Arial"/>
-        <a:ea typeface=""/>
-        <a:cs typeface=""/>
-        <a:font typeface="ＭＳ Ｐゴシック" script="Jpan"/>
-        <a:font typeface="맑은 고딕" script="Hang"/>
-        <a:font typeface="宋体" script="Hans"/>
-        <a:font typeface="新細明體" script="Hant"/>
-        <a:font typeface="Times New Roman" script="Arab"/>
-        <a:font typeface="Times New Roman" script="Hebr"/>
-        <a:font typeface="Angsana New" script="Thai"/>
-        <a:font typeface="Nyala" script="Ethi"/>
-        <a:font typeface="Vrinda" script="Beng"/>
-        <a:font typeface="Shruti" script="Gujr"/>
-        <a:font typeface="MoolBoran" script="Khmr"/>
-        <a:font typeface="Tunga" script="Knda"/>
-        <a:font typeface="Raavi" script="Guru"/>
-        <a:font typeface="Euphemia" script="Cans"/>
-        <a:font typeface="Plantagenet Cherokee" script="Cher"/>
-        <a:font typeface="Microsoft Yi Baiti" script="Yiii"/>
-        <a:font typeface="Microsoft Himalaya" script="Tibt"/>
-        <a:font typeface="MV Boli" script="Thaa"/>
-        <a:font typeface="Mangal" script="Deva"/>
-        <a:font typeface="Gautami" script="Telu"/>
-        <a:font typeface="Latha" script="Taml"/>
-        <a:font typeface="Estrangelo Edessa" script="Syrc"/>
-        <a:font typeface="Kalinga" script="Orya"/>
-        <a:font typeface="Kartika" script="Mlym"/>
-        <a:font typeface="DokChampa" script="Laoo"/>
-        <a:font typeface="Iskoola Pota" script="Sinh"/>
-        <a:font typeface="Mongolian Baiti" script="Mong"/>
-        <a:font typeface="Times New Roman" script="Viet"/>
-        <a:font typeface="Microsoft Uighur" script="Uigh"/>
-      </a:majorFont>
-      <a:minorFont>
-        <a:latin typeface="Arial"/>
-        <a:ea typeface=""/>
-        <a:cs typeface=""/>
-        <a:font typeface="ＭＳ Ｐゴシック" script="Jpan"/>
-        <a:font typeface="맑은 고딕" script="Hang"/>
-        <a:font typeface="宋体" script="Hans"/>
-        <a:font typeface="新細明體" script="Hant"/>
-        <a:font typeface="Times New Roman" script="Arab"/>
-        <a:font typeface="Times New Roman" script="Hebr"/>
-        <a:font typeface="Angsana New" script="Thai"/>
-        <a:font typeface="Nyala" script="Ethi"/>
-        <a:font typeface="Vrinda" script="Beng"/>
-        <a:font typeface="Shruti" script="Gujr"/>
-        <a:font typeface="MoolBoran" script="Khmr"/>
-        <a:font typeface="Tunga" script="Knda"/>
-        <a:font typeface="Raavi" script="Guru"/>
-        <a:font typeface="Euphemia" script="Cans"/>
-        <a:font typeface="Plantagenet Cherokee" script="Cher"/>
-        <a:font typeface="Microsoft Yi Baiti" script="Yiii"/>
-        <a:font typeface="Microsoft Himalaya" script="Tibt"/>
-        <a:font typeface="MV Boli" script="Thaa"/>
-        <a:font typeface="Mangal" script="Deva"/>
-        <a:font typeface="Gautami" script="Telu"/>
-        <a:font typeface="Latha" script="Taml"/>
-        <a:font typeface="Estrangelo Edessa" script="Syrc"/>
-        <a:font typeface="Kalinga" script="Orya"/>
-        <a:font typeface="Kartika" script="Mlym"/>
-        <a:font typeface="DokChampa" script="Laoo"/>
-        <a:font typeface="Iskoola Pota" script="Sinh"/>
-        <a:font typeface="Mongolian Baiti" script="Mong"/>
-        <a:font typeface="Times New Roman" script="Viet"/>
-        <a:font typeface="Microsoft Uighur" script="Uigh"/>
-      </a:minorFont>
-    </a:fontScheme>
-    <a:fmtScheme name="Office">
-      <a:fillStyleLst>
-        <a:solidFill>
-          <a:schemeClr val="phClr"/>
-        </a:solidFill>
-        <a:gradFill rotWithShape="1">
-          <a:gsLst>
-            <a:gs pos="0">
-              <a:schemeClr val="phClr">
-                <a:tint val="50000"/>
-                <a:satMod val="300000"/>
-              </a:schemeClr>
-            </a:gs>
-            <a:gs pos="35000">
-              <a:schemeClr val="phClr">
-                <a:tint val="37000"/>
-                <a:satMod val="300000"/>
-              </a:schemeClr>
-            </a:gs>
-            <a:gs pos="100000">
-              <a:schemeClr val="phClr">
-                <a:tint val="15000"/>
-                <a:satMod val="350000"/>
-              </a:schemeClr>
-            </a:gs>
-          </a:gsLst>
-          <a:lin ang="16200000" scaled="1"/>
-        </a:gradFill>
-        <a:gradFill rotWithShape="1">
-          <a:gsLst>
-            <a:gs pos="0">
-              <a:schemeClr val="phClr">
-                <a:tint val="100000"/>
-                <a:shade val="100000"/>
-                <a:satMod val="130000"/>
-              </a:schemeClr>
-            </a:gs>
-            <a:gs pos="100000">
-              <a:schemeClr val="phClr">
-                <a:tint val="50000"/>
-                <a:shade val="100000"/>
-                <a:satMod val="350000"/>
-              </a:schemeClr>
-            </a:gs>
-          </a:gsLst>
-          <a:lin ang="16200000" scaled="0"/>
-        </a:gradFill>
-      </a:fillStyleLst>
-      <a:lnStyleLst>
-        <a:ln w="9525" algn="ctr" cap="flat" cmpd="sng">
-          <a:solidFill>
-            <a:schemeClr val="phClr">
-              <a:shade val="95000"/>
-              <a:satMod val="105000"/>
-            </a:schemeClr>
-          </a:solidFill>
-          <a:prstDash val="solid"/>
-        </a:ln>
-        <a:ln w="25400" algn="ctr" cap="flat" cmpd="sng">
-          <a:solidFill>
-            <a:schemeClr val="phClr"/>
-          </a:solidFill>
-          <a:prstDash val="solid"/>
-        </a:ln>
-        <a:ln w="38100" algn="ctr" cap="flat" cmpd="sng">
-          <a:solidFill>
-            <a:schemeClr val="phClr"/>
-          </a:solidFill>
-          <a:prstDash val="solid"/>
-        </a:ln>
-      </a:lnStyleLst>
-      <a:effectStyleLst>
-        <a:effectStyle>
-          <a:effectLst>
-            <a:outerShdw rotWithShape="0" dir="5400000" blurRad="40000" dist="20000">
-              <a:srgbClr val="000000">
-                <a:alpha val="38000"/>
-              </a:srgbClr>
-            </a:outerShdw>
-          </a:effectLst>
-        </a:effectStyle>
-        <a:effectStyle>
-          <a:effectLst>
-            <a:outerShdw rotWithShape="0" dir="5400000" blurRad="40000" dist="23000">
-              <a:srgbClr val="000000">
-                <a:alpha val="35000"/>
-              </a:srgbClr>
-            </a:outerShdw>
-          </a:effectLst>
-        </a:effectStyle>
-        <a:effectStyle>
-          <a:effectLst>
-            <a:outerShdw rotWithShape="0" dir="5400000" blurRad="40000" dist="23000">
-              <a:srgbClr val="000000">
-                <a:alpha val="35000"/>
-              </a:srgbClr>
-            </a:outerShdw>
-          </a:effectLst>
-          <a:scene3d>
-            <a:camera prst="orthographicFront">
-              <a:rot rev="0" lon="0" lat="0"/>
-            </a:camera>
-            <a:lightRig dir="t" rig="threePt">
-              <a:rot rev="1200000" lon="0" lat="0"/>
-            </a:lightRig>
-          </a:scene3d>
-          <a:sp3d>
-            <a:bevelT w="63500" h="25400"/>
-          </a:sp3d>
-        </a:effectStyle>
-      </a:effectStyleLst>
-      <a:bgFillStyleLst>
-        <a:solidFill>
-          <a:schemeClr val="phClr"/>
-        </a:solidFill>
-        <a:gradFill rotWithShape="1">
-          <a:gsLst>
-            <a:gs pos="0">
-              <a:schemeClr val="phClr">
-                <a:tint val="40000"/>
-                <a:satMod val="350000"/>
-              </a:schemeClr>
-            </a:gs>
-            <a:gs pos="40000">
-              <a:schemeClr val="phClr">
-                <a:tint val="45000"/>
-                <a:shade val="99000"/>
-                <a:satMod val="350000"/>
-              </a:schemeClr>
-            </a:gs>
-            <a:gs pos="100000">
-              <a:schemeClr val="phClr">
-                <a:shade val="20000"/>
-                <a:satMod val="255000"/>
-              </a:schemeClr>
-            </a:gs>
-          </a:gsLst>
-          <a:path path="circle">
-            <a:fillToRect t="-80000" b="180000" r="50000" l="50000"/>
-          </a:path>
-        </a:gradFill>
-        <a:gradFill rotWithShape="1">
-          <a:gsLst>
-            <a:gs pos="0">
-              <a:schemeClr val="phClr">
-                <a:tint val="80000"/>
-                <a:satMod val="300000"/>
-              </a:schemeClr>
-            </a:gs>
-            <a:gs pos="100000">
-              <a:schemeClr val="phClr">
-                <a:shade val="30000"/>
-                <a:satMod val="200000"/>
-              </a:schemeClr>
-            </a:gs>
-          </a:gsLst>
-          <a:path path="circle">
-            <a:fillToRect t="50000" b="50000" r="50000" l="50000"/>
-          </a:path>
-        </a:gradFill>
-      </a:bgFillStyleLst>
-    </a:fmtScheme>
-  </a:themeElements>
-  <a:objectDefaults>
-    <a:spDef>
-      <a:spPr/>
-      <a:bodyPr/>
-      <a:lstStyle/>
-      <a:style>
-        <a:lnRef idx="1">
-          <a:schemeClr val="accent1"/>
-        </a:lnRef>
-        <a:fillRef idx="3">
-          <a:schemeClr val="accent1"/>
-        </a:fillRef>
-        <a:effectRef idx="2">
-          <a:schemeClr val="accent1"/>
-        </a:effectRef>
-        <a:fontRef idx="minor">
-          <a:schemeClr val="lt1"/>
-        </a:fontRef>
-      </a:style>
-    </a:spDef>
-    <a:lnDef>
-      <a:spPr/>
-      <a:bodyPr/>
-      <a:lstStyle/>
-      <a:style>
-        <a:lnRef idx="2">
-          <a:schemeClr val="accent1"/>
-        </a:lnRef>
-        <a:fillRef idx="0">
-          <a:schemeClr val="accent1"/>
-        </a:fillRef>
-        <a:effectRef idx="1">
-          <a:schemeClr val="accent1"/>
-        </a:effectRef>
-        <a:fontRef idx="minor">
-          <a:schemeClr val="tx1"/>
-        </a:fontRef>
-      </a:style>
-    </a:lnDef>
-  </a:objectDefaults>
+  <a:objectDefaults/>
+  <a:extraClrSchemeLst/>
 </a:theme>
 </file>